--- a/MACHINE LEARNING PPT.pptx
+++ b/MACHINE LEARNING PPT.pptx
@@ -5,25 +5,27 @@
     <p:sldMasterId id="2147483648" r:id="rId1"/>
   </p:sldMasterIdLst>
   <p:notesMasterIdLst>
-    <p:notesMasterId r:id="rId18"/>
+    <p:notesMasterId r:id="rId20"/>
   </p:notesMasterIdLst>
   <p:sldIdLst>
     <p:sldId id="3605" r:id="rId2"/>
     <p:sldId id="3609" r:id="rId3"/>
-    <p:sldId id="3614" r:id="rId4"/>
-    <p:sldId id="3610" r:id="rId5"/>
-    <p:sldId id="3616" r:id="rId6"/>
-    <p:sldId id="3618" r:id="rId7"/>
-    <p:sldId id="3606" r:id="rId8"/>
-    <p:sldId id="3607" r:id="rId9"/>
-    <p:sldId id="3608" r:id="rId10"/>
-    <p:sldId id="3615" r:id="rId11"/>
-    <p:sldId id="3611" r:id="rId12"/>
-    <p:sldId id="3612" r:id="rId13"/>
-    <p:sldId id="3613" r:id="rId14"/>
-    <p:sldId id="3619" r:id="rId15"/>
-    <p:sldId id="3620" r:id="rId16"/>
-    <p:sldId id="3621" r:id="rId17"/>
+    <p:sldId id="3606" r:id="rId4"/>
+    <p:sldId id="3611" r:id="rId5"/>
+    <p:sldId id="3612" r:id="rId6"/>
+    <p:sldId id="3620" r:id="rId7"/>
+    <p:sldId id="3621" r:id="rId8"/>
+    <p:sldId id="3623" r:id="rId9"/>
+    <p:sldId id="3624" r:id="rId10"/>
+    <p:sldId id="3626" r:id="rId11"/>
+    <p:sldId id="3625" r:id="rId12"/>
+    <p:sldId id="3627" r:id="rId13"/>
+    <p:sldId id="3630" r:id="rId14"/>
+    <p:sldId id="3629" r:id="rId15"/>
+    <p:sldId id="3628" r:id="rId16"/>
+    <p:sldId id="3633" r:id="rId17"/>
+    <p:sldId id="3631" r:id="rId18"/>
+    <p:sldId id="3632" r:id="rId19"/>
   </p:sldIdLst>
   <p:sldSz cx="12192000" cy="6858000"/>
   <p:notesSz cx="6858000" cy="9144000"/>
@@ -224,7 +226,7 @@
             <a:fld id="{EDD58E83-2756-4F35-86A3-31B07BD0BCDA}" type="datetimeFigureOut">
               <a:rPr lang="en-IN" smtClean="0"/>
               <a:pPr/>
-              <a:t>11-11-2024</a:t>
+              <a:t>12-11-2024</a:t>
             </a:fld>
             <a:endParaRPr lang="en-IN"/>
           </a:p>
@@ -719,7 +721,7 @@
         <p:cNvPr id="1" name="Shape 101">
           <a:extLst>
             <a:ext uri="{FF2B5EF4-FFF2-40B4-BE49-F238E27FC236}">
-              <a16:creationId xmlns:a16="http://schemas.microsoft.com/office/drawing/2014/main" id="{91E39C93-6251-30CC-78B3-EB8C78529CF4}"/>
+              <a16:creationId xmlns:a16="http://schemas.microsoft.com/office/drawing/2014/main" id="{A96A062B-D96C-62BC-6C98-4463561CCF37}"/>
             </a:ext>
           </a:extLst>
         </p:cNvPr>
@@ -739,7 +741,7 @@
           <p:cNvPr id="102" name="Google Shape;102;p3:notes">
             <a:extLst>
               <a:ext uri="{FF2B5EF4-FFF2-40B4-BE49-F238E27FC236}">
-                <a16:creationId xmlns:a16="http://schemas.microsoft.com/office/drawing/2014/main" id="{3B01F75A-4D01-32D9-1ED4-C20A8B186DE1}"/>
+                <a16:creationId xmlns:a16="http://schemas.microsoft.com/office/drawing/2014/main" id="{88CDD8DA-BE55-543C-1907-E100CADBA8FE}"/>
               </a:ext>
             </a:extLst>
           </p:cNvPr>
@@ -796,7 +798,7 @@
           <p:cNvPr id="103" name="Google Shape;103;p3:notes">
             <a:extLst>
               <a:ext uri="{FF2B5EF4-FFF2-40B4-BE49-F238E27FC236}">
-                <a16:creationId xmlns:a16="http://schemas.microsoft.com/office/drawing/2014/main" id="{95B84A8B-3F5D-9BD1-4AC8-32B5B86C3B84}"/>
+                <a16:creationId xmlns:a16="http://schemas.microsoft.com/office/drawing/2014/main" id="{549E2112-C186-2BA6-D760-8FFF499B00BC}"/>
               </a:ext>
             </a:extLst>
           </p:cNvPr>
@@ -844,7 +846,7 @@
           <p:cNvPr id="104" name="Google Shape;104;p3:notes">
             <a:extLst>
               <a:ext uri="{FF2B5EF4-FFF2-40B4-BE49-F238E27FC236}">
-                <a16:creationId xmlns:a16="http://schemas.microsoft.com/office/drawing/2014/main" id="{E7F14430-FFAB-AF92-F53D-EDDD4ECC9A1D}"/>
+                <a16:creationId xmlns:a16="http://schemas.microsoft.com/office/drawing/2014/main" id="{FA4A06E3-2EC1-F07B-75FF-6C37A74D1697}"/>
               </a:ext>
             </a:extLst>
           </p:cNvPr>
@@ -943,7 +945,7 @@
     </p:spTree>
     <p:extLst>
       <p:ext uri="{BB962C8B-B14F-4D97-AF65-F5344CB8AC3E}">
-        <p14:creationId xmlns:p14="http://schemas.microsoft.com/office/powerpoint/2010/main" val="2880316173"/>
+        <p14:creationId xmlns:p14="http://schemas.microsoft.com/office/powerpoint/2010/main" val="1610272326"/>
       </p:ext>
     </p:extLst>
   </p:cSld>
@@ -961,7 +963,7 @@
         <p:cNvPr id="1" name="Shape 101">
           <a:extLst>
             <a:ext uri="{FF2B5EF4-FFF2-40B4-BE49-F238E27FC236}">
-              <a16:creationId xmlns:a16="http://schemas.microsoft.com/office/drawing/2014/main" id="{BE280916-4B81-FF59-121D-4C6D2F44A3A4}"/>
+              <a16:creationId xmlns:a16="http://schemas.microsoft.com/office/drawing/2014/main" id="{4C489FA1-B7FD-3BD4-5A69-DA06F25CEB18}"/>
             </a:ext>
           </a:extLst>
         </p:cNvPr>
@@ -981,7 +983,7 @@
           <p:cNvPr id="102" name="Google Shape;102;p3:notes">
             <a:extLst>
               <a:ext uri="{FF2B5EF4-FFF2-40B4-BE49-F238E27FC236}">
-                <a16:creationId xmlns:a16="http://schemas.microsoft.com/office/drawing/2014/main" id="{B385DFB2-9F99-C4EA-C32E-C65EA9168667}"/>
+                <a16:creationId xmlns:a16="http://schemas.microsoft.com/office/drawing/2014/main" id="{1B675A7E-7476-0759-97E3-2F64B66C0A5D}"/>
               </a:ext>
             </a:extLst>
           </p:cNvPr>
@@ -1038,7 +1040,7 @@
           <p:cNvPr id="103" name="Google Shape;103;p3:notes">
             <a:extLst>
               <a:ext uri="{FF2B5EF4-FFF2-40B4-BE49-F238E27FC236}">
-                <a16:creationId xmlns:a16="http://schemas.microsoft.com/office/drawing/2014/main" id="{EA769962-A0DD-EACB-DEDD-3781445BD71B}"/>
+                <a16:creationId xmlns:a16="http://schemas.microsoft.com/office/drawing/2014/main" id="{2D7EA621-E694-D281-3095-EE73BA138023}"/>
               </a:ext>
             </a:extLst>
           </p:cNvPr>
@@ -1086,7 +1088,7 @@
           <p:cNvPr id="104" name="Google Shape;104;p3:notes">
             <a:extLst>
               <a:ext uri="{FF2B5EF4-FFF2-40B4-BE49-F238E27FC236}">
-                <a16:creationId xmlns:a16="http://schemas.microsoft.com/office/drawing/2014/main" id="{434AE3FF-34A5-E3D6-78A1-92C6BE174CF5}"/>
+                <a16:creationId xmlns:a16="http://schemas.microsoft.com/office/drawing/2014/main" id="{32D893E4-DDDF-0D79-1804-BD66B06C0375}"/>
               </a:ext>
             </a:extLst>
           </p:cNvPr>
@@ -1185,7 +1187,7 @@
     </p:spTree>
     <p:extLst>
       <p:ext uri="{BB962C8B-B14F-4D97-AF65-F5344CB8AC3E}">
-        <p14:creationId xmlns:p14="http://schemas.microsoft.com/office/powerpoint/2010/main" val="309590453"/>
+        <p14:creationId xmlns:p14="http://schemas.microsoft.com/office/powerpoint/2010/main" val="4040966128"/>
       </p:ext>
     </p:extLst>
   </p:cSld>
@@ -1203,7 +1205,7 @@
         <p:cNvPr id="1" name="Shape 101">
           <a:extLst>
             <a:ext uri="{FF2B5EF4-FFF2-40B4-BE49-F238E27FC236}">
-              <a16:creationId xmlns:a16="http://schemas.microsoft.com/office/drawing/2014/main" id="{C9A6298E-E68E-71AB-9FF4-4CAA09E6F622}"/>
+              <a16:creationId xmlns:a16="http://schemas.microsoft.com/office/drawing/2014/main" id="{7E7AE981-B0EE-7032-EBA0-3559A42EBEB3}"/>
             </a:ext>
           </a:extLst>
         </p:cNvPr>
@@ -1223,7 +1225,7 @@
           <p:cNvPr id="102" name="Google Shape;102;p3:notes">
             <a:extLst>
               <a:ext uri="{FF2B5EF4-FFF2-40B4-BE49-F238E27FC236}">
-                <a16:creationId xmlns:a16="http://schemas.microsoft.com/office/drawing/2014/main" id="{A5E6FE91-EF68-45CD-15DB-6D80FD522C4D}"/>
+                <a16:creationId xmlns:a16="http://schemas.microsoft.com/office/drawing/2014/main" id="{FB9F2949-6345-96F7-9BC5-E21363595448}"/>
               </a:ext>
             </a:extLst>
           </p:cNvPr>
@@ -1280,7 +1282,7 @@
           <p:cNvPr id="103" name="Google Shape;103;p3:notes">
             <a:extLst>
               <a:ext uri="{FF2B5EF4-FFF2-40B4-BE49-F238E27FC236}">
-                <a16:creationId xmlns:a16="http://schemas.microsoft.com/office/drawing/2014/main" id="{5B42F8F7-3879-B8FA-D1B6-43CA02849049}"/>
+                <a16:creationId xmlns:a16="http://schemas.microsoft.com/office/drawing/2014/main" id="{07FB3FB7-034E-FC94-2836-CBFADC42BB13}"/>
               </a:ext>
             </a:extLst>
           </p:cNvPr>
@@ -1328,7 +1330,7 @@
           <p:cNvPr id="104" name="Google Shape;104;p3:notes">
             <a:extLst>
               <a:ext uri="{FF2B5EF4-FFF2-40B4-BE49-F238E27FC236}">
-                <a16:creationId xmlns:a16="http://schemas.microsoft.com/office/drawing/2014/main" id="{0996A7E3-2813-0D45-19A9-07CD17A2B587}"/>
+                <a16:creationId xmlns:a16="http://schemas.microsoft.com/office/drawing/2014/main" id="{71B7FA43-AC96-42CD-6373-60C245F116FA}"/>
               </a:ext>
             </a:extLst>
           </p:cNvPr>
@@ -1427,7 +1429,7 @@
     </p:spTree>
     <p:extLst>
       <p:ext uri="{BB962C8B-B14F-4D97-AF65-F5344CB8AC3E}">
-        <p14:creationId xmlns:p14="http://schemas.microsoft.com/office/powerpoint/2010/main" val="1731359713"/>
+        <p14:creationId xmlns:p14="http://schemas.microsoft.com/office/powerpoint/2010/main" val="2685747400"/>
       </p:ext>
     </p:extLst>
   </p:cSld>
@@ -1445,7 +1447,7 @@
         <p:cNvPr id="1" name="Shape 101">
           <a:extLst>
             <a:ext uri="{FF2B5EF4-FFF2-40B4-BE49-F238E27FC236}">
-              <a16:creationId xmlns:a16="http://schemas.microsoft.com/office/drawing/2014/main" id="{30FF3D6E-1C10-5905-3681-0B90A711EA00}"/>
+              <a16:creationId xmlns:a16="http://schemas.microsoft.com/office/drawing/2014/main" id="{365A607D-516C-430A-DF29-CAF09B37AD5F}"/>
             </a:ext>
           </a:extLst>
         </p:cNvPr>
@@ -1465,7 +1467,7 @@
           <p:cNvPr id="102" name="Google Shape;102;p3:notes">
             <a:extLst>
               <a:ext uri="{FF2B5EF4-FFF2-40B4-BE49-F238E27FC236}">
-                <a16:creationId xmlns:a16="http://schemas.microsoft.com/office/drawing/2014/main" id="{8C0C7B9B-C4AC-6EBE-8463-84E06696FA49}"/>
+                <a16:creationId xmlns:a16="http://schemas.microsoft.com/office/drawing/2014/main" id="{3B9923D1-E19B-2A90-A6C5-BBB295E4BCBF}"/>
               </a:ext>
             </a:extLst>
           </p:cNvPr>
@@ -1522,7 +1524,7 @@
           <p:cNvPr id="103" name="Google Shape;103;p3:notes">
             <a:extLst>
               <a:ext uri="{FF2B5EF4-FFF2-40B4-BE49-F238E27FC236}">
-                <a16:creationId xmlns:a16="http://schemas.microsoft.com/office/drawing/2014/main" id="{A7840CF8-C249-89EB-2974-66FA7BB1392F}"/>
+                <a16:creationId xmlns:a16="http://schemas.microsoft.com/office/drawing/2014/main" id="{EF40E06C-8BA3-2762-8FDE-5D7D86E9C636}"/>
               </a:ext>
             </a:extLst>
           </p:cNvPr>
@@ -1570,7 +1572,7 @@
           <p:cNvPr id="104" name="Google Shape;104;p3:notes">
             <a:extLst>
               <a:ext uri="{FF2B5EF4-FFF2-40B4-BE49-F238E27FC236}">
-                <a16:creationId xmlns:a16="http://schemas.microsoft.com/office/drawing/2014/main" id="{9D755F23-5E0C-B1C2-F785-81984399099B}"/>
+                <a16:creationId xmlns:a16="http://schemas.microsoft.com/office/drawing/2014/main" id="{4FFC65AC-1226-3AF4-811F-7F08ECFBCEA5}"/>
               </a:ext>
             </a:extLst>
           </p:cNvPr>
@@ -1669,7 +1671,7 @@
     </p:spTree>
     <p:extLst>
       <p:ext uri="{BB962C8B-B14F-4D97-AF65-F5344CB8AC3E}">
-        <p14:creationId xmlns:p14="http://schemas.microsoft.com/office/powerpoint/2010/main" val="975626038"/>
+        <p14:creationId xmlns:p14="http://schemas.microsoft.com/office/powerpoint/2010/main" val="3903474983"/>
       </p:ext>
     </p:extLst>
   </p:cSld>
@@ -1687,7 +1689,7 @@
         <p:cNvPr id="1" name="Shape 101">
           <a:extLst>
             <a:ext uri="{FF2B5EF4-FFF2-40B4-BE49-F238E27FC236}">
-              <a16:creationId xmlns:a16="http://schemas.microsoft.com/office/drawing/2014/main" id="{7E1A8B65-8002-BCED-836E-1B11E915C7B2}"/>
+              <a16:creationId xmlns:a16="http://schemas.microsoft.com/office/drawing/2014/main" id="{CCFCD575-A25B-5126-D9D5-9CE2B5A6FFED}"/>
             </a:ext>
           </a:extLst>
         </p:cNvPr>
@@ -1707,7 +1709,7 @@
           <p:cNvPr id="102" name="Google Shape;102;p3:notes">
             <a:extLst>
               <a:ext uri="{FF2B5EF4-FFF2-40B4-BE49-F238E27FC236}">
-                <a16:creationId xmlns:a16="http://schemas.microsoft.com/office/drawing/2014/main" id="{3D066804-775A-866C-A823-B67536AE50EA}"/>
+                <a16:creationId xmlns:a16="http://schemas.microsoft.com/office/drawing/2014/main" id="{8C364EE8-D756-93B8-7694-0F4D4920B5A9}"/>
               </a:ext>
             </a:extLst>
           </p:cNvPr>
@@ -1764,7 +1766,7 @@
           <p:cNvPr id="103" name="Google Shape;103;p3:notes">
             <a:extLst>
               <a:ext uri="{FF2B5EF4-FFF2-40B4-BE49-F238E27FC236}">
-                <a16:creationId xmlns:a16="http://schemas.microsoft.com/office/drawing/2014/main" id="{55D71BDB-AA1E-76B6-8FC1-0398FAF39B83}"/>
+                <a16:creationId xmlns:a16="http://schemas.microsoft.com/office/drawing/2014/main" id="{F0343EF9-608E-5B47-F219-E1A01D8BC387}"/>
               </a:ext>
             </a:extLst>
           </p:cNvPr>
@@ -1812,7 +1814,7 @@
           <p:cNvPr id="104" name="Google Shape;104;p3:notes">
             <a:extLst>
               <a:ext uri="{FF2B5EF4-FFF2-40B4-BE49-F238E27FC236}">
-                <a16:creationId xmlns:a16="http://schemas.microsoft.com/office/drawing/2014/main" id="{BD860910-C6AC-0A0E-997E-9E29F8375715}"/>
+                <a16:creationId xmlns:a16="http://schemas.microsoft.com/office/drawing/2014/main" id="{9ACF9373-9A93-2832-D82B-6D446A9357FC}"/>
               </a:ext>
             </a:extLst>
           </p:cNvPr>
@@ -1911,7 +1913,7 @@
     </p:spTree>
     <p:extLst>
       <p:ext uri="{BB962C8B-B14F-4D97-AF65-F5344CB8AC3E}">
-        <p14:creationId xmlns:p14="http://schemas.microsoft.com/office/powerpoint/2010/main" val="1330939911"/>
+        <p14:creationId xmlns:p14="http://schemas.microsoft.com/office/powerpoint/2010/main" val="2259380876"/>
       </p:ext>
     </p:extLst>
   </p:cSld>
@@ -1929,7 +1931,7 @@
         <p:cNvPr id="1" name="Shape 101">
           <a:extLst>
             <a:ext uri="{FF2B5EF4-FFF2-40B4-BE49-F238E27FC236}">
-              <a16:creationId xmlns:a16="http://schemas.microsoft.com/office/drawing/2014/main" id="{96AFE4BD-C476-3245-2D78-1F86C712E7AA}"/>
+              <a16:creationId xmlns:a16="http://schemas.microsoft.com/office/drawing/2014/main" id="{96573D09-F09F-480B-5664-EA88E5C3D404}"/>
             </a:ext>
           </a:extLst>
         </p:cNvPr>
@@ -1949,7 +1951,7 @@
           <p:cNvPr id="102" name="Google Shape;102;p3:notes">
             <a:extLst>
               <a:ext uri="{FF2B5EF4-FFF2-40B4-BE49-F238E27FC236}">
-                <a16:creationId xmlns:a16="http://schemas.microsoft.com/office/drawing/2014/main" id="{807D32D8-C6BE-3A0E-0F7F-EDD21943FF3D}"/>
+                <a16:creationId xmlns:a16="http://schemas.microsoft.com/office/drawing/2014/main" id="{0D21D49B-D349-EF15-2A5D-99FDB82210C0}"/>
               </a:ext>
             </a:extLst>
           </p:cNvPr>
@@ -2006,7 +2008,7 @@
           <p:cNvPr id="103" name="Google Shape;103;p3:notes">
             <a:extLst>
               <a:ext uri="{FF2B5EF4-FFF2-40B4-BE49-F238E27FC236}">
-                <a16:creationId xmlns:a16="http://schemas.microsoft.com/office/drawing/2014/main" id="{FC6C231D-EFE3-1868-1FEE-6880C8B53AED}"/>
+                <a16:creationId xmlns:a16="http://schemas.microsoft.com/office/drawing/2014/main" id="{80370CB9-3EB6-DF70-A861-7EE5917A7B00}"/>
               </a:ext>
             </a:extLst>
           </p:cNvPr>
@@ -2054,7 +2056,7 @@
           <p:cNvPr id="104" name="Google Shape;104;p3:notes">
             <a:extLst>
               <a:ext uri="{FF2B5EF4-FFF2-40B4-BE49-F238E27FC236}">
-                <a16:creationId xmlns:a16="http://schemas.microsoft.com/office/drawing/2014/main" id="{F5FC441D-F55C-5516-7DAB-15A0733D88A7}"/>
+                <a16:creationId xmlns:a16="http://schemas.microsoft.com/office/drawing/2014/main" id="{BFE52747-0266-85EC-812E-135DBE1867D8}"/>
               </a:ext>
             </a:extLst>
           </p:cNvPr>
@@ -2153,7 +2155,7 @@
     </p:spTree>
     <p:extLst>
       <p:ext uri="{BB962C8B-B14F-4D97-AF65-F5344CB8AC3E}">
-        <p14:creationId xmlns:p14="http://schemas.microsoft.com/office/powerpoint/2010/main" val="3938496296"/>
+        <p14:creationId xmlns:p14="http://schemas.microsoft.com/office/powerpoint/2010/main" val="4292566689"/>
       </p:ext>
     </p:extLst>
   </p:cSld>
@@ -2171,7 +2173,7 @@
         <p:cNvPr id="1" name="Shape 101">
           <a:extLst>
             <a:ext uri="{FF2B5EF4-FFF2-40B4-BE49-F238E27FC236}">
-              <a16:creationId xmlns:a16="http://schemas.microsoft.com/office/drawing/2014/main" id="{0C142F16-4DD3-5381-E281-D147396441B1}"/>
+              <a16:creationId xmlns:a16="http://schemas.microsoft.com/office/drawing/2014/main" id="{531FA176-A281-7590-1C4C-701012018792}"/>
             </a:ext>
           </a:extLst>
         </p:cNvPr>
@@ -2191,7 +2193,7 @@
           <p:cNvPr id="102" name="Google Shape;102;p3:notes">
             <a:extLst>
               <a:ext uri="{FF2B5EF4-FFF2-40B4-BE49-F238E27FC236}">
-                <a16:creationId xmlns:a16="http://schemas.microsoft.com/office/drawing/2014/main" id="{2C92583D-1400-70DE-2BE2-09411DEC1FDA}"/>
+                <a16:creationId xmlns:a16="http://schemas.microsoft.com/office/drawing/2014/main" id="{3523812A-29A3-874C-D00A-47D616FE7293}"/>
               </a:ext>
             </a:extLst>
           </p:cNvPr>
@@ -2248,7 +2250,7 @@
           <p:cNvPr id="103" name="Google Shape;103;p3:notes">
             <a:extLst>
               <a:ext uri="{FF2B5EF4-FFF2-40B4-BE49-F238E27FC236}">
-                <a16:creationId xmlns:a16="http://schemas.microsoft.com/office/drawing/2014/main" id="{FBF589CA-A06D-2A6F-BC24-4108F7877924}"/>
+                <a16:creationId xmlns:a16="http://schemas.microsoft.com/office/drawing/2014/main" id="{D89192A6-4B50-3396-5CBA-23C53CB5C48E}"/>
               </a:ext>
             </a:extLst>
           </p:cNvPr>
@@ -2296,7 +2298,7 @@
           <p:cNvPr id="104" name="Google Shape;104;p3:notes">
             <a:extLst>
               <a:ext uri="{FF2B5EF4-FFF2-40B4-BE49-F238E27FC236}">
-                <a16:creationId xmlns:a16="http://schemas.microsoft.com/office/drawing/2014/main" id="{F0C49852-1DEF-9F59-8883-01237D6A8329}"/>
+                <a16:creationId xmlns:a16="http://schemas.microsoft.com/office/drawing/2014/main" id="{975D30CD-15AF-A206-9A7E-610572A5AC69}"/>
               </a:ext>
             </a:extLst>
           </p:cNvPr>
@@ -2395,7 +2397,491 @@
     </p:spTree>
     <p:extLst>
       <p:ext uri="{BB962C8B-B14F-4D97-AF65-F5344CB8AC3E}">
-        <p14:creationId xmlns:p14="http://schemas.microsoft.com/office/powerpoint/2010/main" val="1381819291"/>
+        <p14:creationId xmlns:p14="http://schemas.microsoft.com/office/powerpoint/2010/main" val="3786745302"/>
+      </p:ext>
+    </p:extLst>
+  </p:cSld>
+  <p:clrMapOvr>
+    <a:masterClrMapping/>
+  </p:clrMapOvr>
+</p:notes>
+</file>
+
+<file path=ppt/notesSlides/notesSlide17.xml><?xml version="1.0" encoding="utf-8"?>
+<p:notes xmlns:a="http://schemas.openxmlformats.org/drawingml/2006/main" xmlns:r="http://schemas.openxmlformats.org/officeDocument/2006/relationships" xmlns:p="http://schemas.openxmlformats.org/presentationml/2006/main" showMasterSp="0" showMasterPhAnim="0">
+  <p:cSld>
+    <p:spTree>
+      <p:nvGrpSpPr>
+        <p:cNvPr id="1" name="Shape 101">
+          <a:extLst>
+            <a:ext uri="{FF2B5EF4-FFF2-40B4-BE49-F238E27FC236}">
+              <a16:creationId xmlns:a16="http://schemas.microsoft.com/office/drawing/2014/main" id="{BBFB4C8A-764D-B3E0-F826-32F4085E171F}"/>
+            </a:ext>
+          </a:extLst>
+        </p:cNvPr>
+        <p:cNvGrpSpPr/>
+        <p:nvPr/>
+      </p:nvGrpSpPr>
+      <p:grpSpPr>
+        <a:xfrm>
+          <a:off x="0" y="0"/>
+          <a:ext cx="0" cy="0"/>
+          <a:chOff x="0" y="0"/>
+          <a:chExt cx="0" cy="0"/>
+        </a:xfrm>
+      </p:grpSpPr>
+      <p:sp>
+        <p:nvSpPr>
+          <p:cNvPr id="102" name="Google Shape;102;p3:notes">
+            <a:extLst>
+              <a:ext uri="{FF2B5EF4-FFF2-40B4-BE49-F238E27FC236}">
+                <a16:creationId xmlns:a16="http://schemas.microsoft.com/office/drawing/2014/main" id="{7C7D1B54-55DA-FC6D-F20F-A3E931EDE51C}"/>
+              </a:ext>
+            </a:extLst>
+          </p:cNvPr>
+          <p:cNvSpPr>
+            <a:spLocks noGrp="1" noRot="1" noChangeAspect="1"/>
+          </p:cNvSpPr>
+          <p:nvPr>
+            <p:ph type="sldImg" idx="2"/>
+          </p:nvPr>
+        </p:nvSpPr>
+        <p:spPr>
+          <a:xfrm>
+            <a:off x="685800" y="1143000"/>
+            <a:ext cx="5486400" cy="3086100"/>
+          </a:xfrm>
+          <a:custGeom>
+            <a:avLst/>
+            <a:gdLst/>
+            <a:ahLst/>
+            <a:cxnLst/>
+            <a:rect l="l" t="t" r="r" b="b"/>
+            <a:pathLst>
+              <a:path w="120000" h="120000" extrusionOk="0">
+                <a:moveTo>
+                  <a:pt x="0" y="0"/>
+                </a:moveTo>
+                <a:lnTo>
+                  <a:pt x="120000" y="0"/>
+                </a:lnTo>
+                <a:lnTo>
+                  <a:pt x="120000" y="120000"/>
+                </a:lnTo>
+                <a:lnTo>
+                  <a:pt x="0" y="120000"/>
+                </a:lnTo>
+                <a:close/>
+              </a:path>
+            </a:pathLst>
+          </a:custGeom>
+          <a:noFill/>
+          <a:ln w="12700" cap="flat" cmpd="sng">
+            <a:solidFill>
+              <a:srgbClr val="000000"/>
+            </a:solidFill>
+            <a:prstDash val="solid"/>
+            <a:round/>
+            <a:headEnd type="none" w="sm" len="sm"/>
+            <a:tailEnd type="none" w="sm" len="sm"/>
+          </a:ln>
+        </p:spPr>
+      </p:sp>
+      <p:sp>
+        <p:nvSpPr>
+          <p:cNvPr id="103" name="Google Shape;103;p3:notes">
+            <a:extLst>
+              <a:ext uri="{FF2B5EF4-FFF2-40B4-BE49-F238E27FC236}">
+                <a16:creationId xmlns:a16="http://schemas.microsoft.com/office/drawing/2014/main" id="{7B086964-916F-848D-32E6-4D3316F2C4EA}"/>
+              </a:ext>
+            </a:extLst>
+          </p:cNvPr>
+          <p:cNvSpPr txBox="1">
+            <a:spLocks noGrp="1"/>
+          </p:cNvSpPr>
+          <p:nvPr>
+            <p:ph type="body" idx="1"/>
+          </p:nvPr>
+        </p:nvSpPr>
+        <p:spPr>
+          <a:xfrm>
+            <a:off x="685800" y="4400550"/>
+            <a:ext cx="5486400" cy="3600450"/>
+          </a:xfrm>
+          <a:prstGeom prst="rect">
+            <a:avLst/>
+          </a:prstGeom>
+          <a:noFill/>
+          <a:ln>
+            <a:noFill/>
+          </a:ln>
+        </p:spPr>
+        <p:txBody>
+          <a:bodyPr spcFirstLastPara="1" wrap="square" lIns="91425" tIns="45700" rIns="91425" bIns="45700" anchor="t" anchorCtr="0">
+            <a:noAutofit/>
+          </a:bodyPr>
+          <a:lstStyle/>
+          <a:p>
+            <a:pPr marL="0" lvl="0" indent="0" algn="l" rtl="0">
+              <a:spcBef>
+                <a:spcPts val="0"/>
+              </a:spcBef>
+              <a:spcAft>
+                <a:spcPts val="0"/>
+              </a:spcAft>
+              <a:buNone/>
+            </a:pPr>
+            <a:endParaRPr b="1" dirty="0"/>
+          </a:p>
+        </p:txBody>
+      </p:sp>
+      <p:sp>
+        <p:nvSpPr>
+          <p:cNvPr id="104" name="Google Shape;104;p3:notes">
+            <a:extLst>
+              <a:ext uri="{FF2B5EF4-FFF2-40B4-BE49-F238E27FC236}">
+                <a16:creationId xmlns:a16="http://schemas.microsoft.com/office/drawing/2014/main" id="{2440DE43-3337-00CD-3E3A-6E331F3675F4}"/>
+              </a:ext>
+            </a:extLst>
+          </p:cNvPr>
+          <p:cNvSpPr txBox="1">
+            <a:spLocks noGrp="1"/>
+          </p:cNvSpPr>
+          <p:nvPr>
+            <p:ph type="sldNum" idx="12"/>
+          </p:nvPr>
+        </p:nvSpPr>
+        <p:spPr>
+          <a:xfrm>
+            <a:off x="3884613" y="8685213"/>
+            <a:ext cx="2971800" cy="458787"/>
+          </a:xfrm>
+          <a:prstGeom prst="rect">
+            <a:avLst/>
+          </a:prstGeom>
+          <a:noFill/>
+          <a:ln>
+            <a:noFill/>
+          </a:ln>
+        </p:spPr>
+        <p:txBody>
+          <a:bodyPr spcFirstLastPara="1" wrap="square" lIns="91425" tIns="45700" rIns="91425" bIns="45700" anchor="b" anchorCtr="0">
+            <a:noAutofit/>
+          </a:bodyPr>
+          <a:lstStyle/>
+          <a:p>
+            <a:pPr marL="0" marR="0" lvl="0" indent="0" algn="r" defTabSz="914400" rtl="0" eaLnBrk="1" fontAlgn="auto" latinLnBrk="0" hangingPunct="1">
+              <a:lnSpc>
+                <a:spcPct val="100000"/>
+              </a:lnSpc>
+              <a:spcBef>
+                <a:spcPts val="0"/>
+              </a:spcBef>
+              <a:spcAft>
+                <a:spcPts val="0"/>
+              </a:spcAft>
+              <a:buClrTx/>
+              <a:buSzTx/>
+              <a:buFontTx/>
+              <a:buNone/>
+              <a:defRPr/>
+            </a:pPr>
+            <a:fld id="{00000000-1234-1234-1234-123412341234}" type="slidenum">
+              <a:rPr kumimoji="0" lang="en-US" sz="1200" b="0" i="0" u="none" strike="noStrike" kern="1200" cap="none" spc="0" normalizeH="0" baseline="0" noProof="0">
+                <a:ln>
+                  <a:noFill/>
+                </a:ln>
+                <a:solidFill>
+                  <a:prstClr val="black"/>
+                </a:solidFill>
+                <a:effectLst/>
+                <a:uLnTx/>
+                <a:uFillTx/>
+                <a:latin typeface="Calibri" panose="020F0502020204030204"/>
+                <a:ea typeface="+mn-ea"/>
+                <a:cs typeface="+mn-cs"/>
+              </a:rPr>
+              <a:pPr marL="0" marR="0" lvl="0" indent="0" algn="r" defTabSz="914400" rtl="0" eaLnBrk="1" fontAlgn="auto" latinLnBrk="0" hangingPunct="1">
+                <a:lnSpc>
+                  <a:spcPct val="100000"/>
+                </a:lnSpc>
+                <a:spcBef>
+                  <a:spcPts val="0"/>
+                </a:spcBef>
+                <a:spcAft>
+                  <a:spcPts val="0"/>
+                </a:spcAft>
+                <a:buClrTx/>
+                <a:buSzTx/>
+                <a:buFontTx/>
+                <a:buNone/>
+                <a:defRPr/>
+              </a:pPr>
+              <a:t>17</a:t>
+            </a:fld>
+            <a:endParaRPr kumimoji="0" lang="en-US" sz="1200" b="0" i="0" u="none" strike="noStrike" kern="1200" cap="none" spc="0" normalizeH="0" baseline="0" noProof="0">
+              <a:ln>
+                <a:noFill/>
+              </a:ln>
+              <a:solidFill>
+                <a:prstClr val="black"/>
+              </a:solidFill>
+              <a:effectLst/>
+              <a:uLnTx/>
+              <a:uFillTx/>
+              <a:latin typeface="Calibri" panose="020F0502020204030204"/>
+              <a:ea typeface="+mn-ea"/>
+              <a:cs typeface="+mn-cs"/>
+            </a:endParaRPr>
+          </a:p>
+        </p:txBody>
+      </p:sp>
+    </p:spTree>
+    <p:extLst>
+      <p:ext uri="{BB962C8B-B14F-4D97-AF65-F5344CB8AC3E}">
+        <p14:creationId xmlns:p14="http://schemas.microsoft.com/office/powerpoint/2010/main" val="2039662741"/>
+      </p:ext>
+    </p:extLst>
+  </p:cSld>
+  <p:clrMapOvr>
+    <a:masterClrMapping/>
+  </p:clrMapOvr>
+</p:notes>
+</file>
+
+<file path=ppt/notesSlides/notesSlide18.xml><?xml version="1.0" encoding="utf-8"?>
+<p:notes xmlns:a="http://schemas.openxmlformats.org/drawingml/2006/main" xmlns:r="http://schemas.openxmlformats.org/officeDocument/2006/relationships" xmlns:p="http://schemas.openxmlformats.org/presentationml/2006/main" showMasterSp="0" showMasterPhAnim="0">
+  <p:cSld>
+    <p:spTree>
+      <p:nvGrpSpPr>
+        <p:cNvPr id="1" name="Shape 101">
+          <a:extLst>
+            <a:ext uri="{FF2B5EF4-FFF2-40B4-BE49-F238E27FC236}">
+              <a16:creationId xmlns:a16="http://schemas.microsoft.com/office/drawing/2014/main" id="{9C12B63D-1DBF-B2CB-CE14-1B61CBF54602}"/>
+            </a:ext>
+          </a:extLst>
+        </p:cNvPr>
+        <p:cNvGrpSpPr/>
+        <p:nvPr/>
+      </p:nvGrpSpPr>
+      <p:grpSpPr>
+        <a:xfrm>
+          <a:off x="0" y="0"/>
+          <a:ext cx="0" cy="0"/>
+          <a:chOff x="0" y="0"/>
+          <a:chExt cx="0" cy="0"/>
+        </a:xfrm>
+      </p:grpSpPr>
+      <p:sp>
+        <p:nvSpPr>
+          <p:cNvPr id="102" name="Google Shape;102;p3:notes">
+            <a:extLst>
+              <a:ext uri="{FF2B5EF4-FFF2-40B4-BE49-F238E27FC236}">
+                <a16:creationId xmlns:a16="http://schemas.microsoft.com/office/drawing/2014/main" id="{8B9B0DD5-023B-CD94-4A23-9ED3D959ECF9}"/>
+              </a:ext>
+            </a:extLst>
+          </p:cNvPr>
+          <p:cNvSpPr>
+            <a:spLocks noGrp="1" noRot="1" noChangeAspect="1"/>
+          </p:cNvSpPr>
+          <p:nvPr>
+            <p:ph type="sldImg" idx="2"/>
+          </p:nvPr>
+        </p:nvSpPr>
+        <p:spPr>
+          <a:xfrm>
+            <a:off x="685800" y="1143000"/>
+            <a:ext cx="5486400" cy="3086100"/>
+          </a:xfrm>
+          <a:custGeom>
+            <a:avLst/>
+            <a:gdLst/>
+            <a:ahLst/>
+            <a:cxnLst/>
+            <a:rect l="l" t="t" r="r" b="b"/>
+            <a:pathLst>
+              <a:path w="120000" h="120000" extrusionOk="0">
+                <a:moveTo>
+                  <a:pt x="0" y="0"/>
+                </a:moveTo>
+                <a:lnTo>
+                  <a:pt x="120000" y="0"/>
+                </a:lnTo>
+                <a:lnTo>
+                  <a:pt x="120000" y="120000"/>
+                </a:lnTo>
+                <a:lnTo>
+                  <a:pt x="0" y="120000"/>
+                </a:lnTo>
+                <a:close/>
+              </a:path>
+            </a:pathLst>
+          </a:custGeom>
+          <a:noFill/>
+          <a:ln w="12700" cap="flat" cmpd="sng">
+            <a:solidFill>
+              <a:srgbClr val="000000"/>
+            </a:solidFill>
+            <a:prstDash val="solid"/>
+            <a:round/>
+            <a:headEnd type="none" w="sm" len="sm"/>
+            <a:tailEnd type="none" w="sm" len="sm"/>
+          </a:ln>
+        </p:spPr>
+      </p:sp>
+      <p:sp>
+        <p:nvSpPr>
+          <p:cNvPr id="103" name="Google Shape;103;p3:notes">
+            <a:extLst>
+              <a:ext uri="{FF2B5EF4-FFF2-40B4-BE49-F238E27FC236}">
+                <a16:creationId xmlns:a16="http://schemas.microsoft.com/office/drawing/2014/main" id="{17B8D716-80E9-4A69-6F4D-A26E4105240A}"/>
+              </a:ext>
+            </a:extLst>
+          </p:cNvPr>
+          <p:cNvSpPr txBox="1">
+            <a:spLocks noGrp="1"/>
+          </p:cNvSpPr>
+          <p:nvPr>
+            <p:ph type="body" idx="1"/>
+          </p:nvPr>
+        </p:nvSpPr>
+        <p:spPr>
+          <a:xfrm>
+            <a:off x="685800" y="4400550"/>
+            <a:ext cx="5486400" cy="3600450"/>
+          </a:xfrm>
+          <a:prstGeom prst="rect">
+            <a:avLst/>
+          </a:prstGeom>
+          <a:noFill/>
+          <a:ln>
+            <a:noFill/>
+          </a:ln>
+        </p:spPr>
+        <p:txBody>
+          <a:bodyPr spcFirstLastPara="1" wrap="square" lIns="91425" tIns="45700" rIns="91425" bIns="45700" anchor="t" anchorCtr="0">
+            <a:noAutofit/>
+          </a:bodyPr>
+          <a:lstStyle/>
+          <a:p>
+            <a:pPr marL="0" lvl="0" indent="0" algn="l" rtl="0">
+              <a:spcBef>
+                <a:spcPts val="0"/>
+              </a:spcBef>
+              <a:spcAft>
+                <a:spcPts val="0"/>
+              </a:spcAft>
+              <a:buNone/>
+            </a:pPr>
+            <a:endParaRPr b="1" dirty="0"/>
+          </a:p>
+        </p:txBody>
+      </p:sp>
+      <p:sp>
+        <p:nvSpPr>
+          <p:cNvPr id="104" name="Google Shape;104;p3:notes">
+            <a:extLst>
+              <a:ext uri="{FF2B5EF4-FFF2-40B4-BE49-F238E27FC236}">
+                <a16:creationId xmlns:a16="http://schemas.microsoft.com/office/drawing/2014/main" id="{B1D9C865-A149-983E-6EB2-D0EC5AAA81B7}"/>
+              </a:ext>
+            </a:extLst>
+          </p:cNvPr>
+          <p:cNvSpPr txBox="1">
+            <a:spLocks noGrp="1"/>
+          </p:cNvSpPr>
+          <p:nvPr>
+            <p:ph type="sldNum" idx="12"/>
+          </p:nvPr>
+        </p:nvSpPr>
+        <p:spPr>
+          <a:xfrm>
+            <a:off x="3884613" y="8685213"/>
+            <a:ext cx="2971800" cy="458787"/>
+          </a:xfrm>
+          <a:prstGeom prst="rect">
+            <a:avLst/>
+          </a:prstGeom>
+          <a:noFill/>
+          <a:ln>
+            <a:noFill/>
+          </a:ln>
+        </p:spPr>
+        <p:txBody>
+          <a:bodyPr spcFirstLastPara="1" wrap="square" lIns="91425" tIns="45700" rIns="91425" bIns="45700" anchor="b" anchorCtr="0">
+            <a:noAutofit/>
+          </a:bodyPr>
+          <a:lstStyle/>
+          <a:p>
+            <a:pPr marL="0" marR="0" lvl="0" indent="0" algn="r" defTabSz="914400" rtl="0" eaLnBrk="1" fontAlgn="auto" latinLnBrk="0" hangingPunct="1">
+              <a:lnSpc>
+                <a:spcPct val="100000"/>
+              </a:lnSpc>
+              <a:spcBef>
+                <a:spcPts val="0"/>
+              </a:spcBef>
+              <a:spcAft>
+                <a:spcPts val="0"/>
+              </a:spcAft>
+              <a:buClrTx/>
+              <a:buSzTx/>
+              <a:buFontTx/>
+              <a:buNone/>
+              <a:defRPr/>
+            </a:pPr>
+            <a:fld id="{00000000-1234-1234-1234-123412341234}" type="slidenum">
+              <a:rPr kumimoji="0" lang="en-US" sz="1200" b="0" i="0" u="none" strike="noStrike" kern="1200" cap="none" spc="0" normalizeH="0" baseline="0" noProof="0">
+                <a:ln>
+                  <a:noFill/>
+                </a:ln>
+                <a:solidFill>
+                  <a:prstClr val="black"/>
+                </a:solidFill>
+                <a:effectLst/>
+                <a:uLnTx/>
+                <a:uFillTx/>
+                <a:latin typeface="Calibri" panose="020F0502020204030204"/>
+                <a:ea typeface="+mn-ea"/>
+                <a:cs typeface="+mn-cs"/>
+              </a:rPr>
+              <a:pPr marL="0" marR="0" lvl="0" indent="0" algn="r" defTabSz="914400" rtl="0" eaLnBrk="1" fontAlgn="auto" latinLnBrk="0" hangingPunct="1">
+                <a:lnSpc>
+                  <a:spcPct val="100000"/>
+                </a:lnSpc>
+                <a:spcBef>
+                  <a:spcPts val="0"/>
+                </a:spcBef>
+                <a:spcAft>
+                  <a:spcPts val="0"/>
+                </a:spcAft>
+                <a:buClrTx/>
+                <a:buSzTx/>
+                <a:buFontTx/>
+                <a:buNone/>
+                <a:defRPr/>
+              </a:pPr>
+              <a:t>18</a:t>
+            </a:fld>
+            <a:endParaRPr kumimoji="0" lang="en-US" sz="1200" b="0" i="0" u="none" strike="noStrike" kern="1200" cap="none" spc="0" normalizeH="0" baseline="0" noProof="0">
+              <a:ln>
+                <a:noFill/>
+              </a:ln>
+              <a:solidFill>
+                <a:prstClr val="black"/>
+              </a:solidFill>
+              <a:effectLst/>
+              <a:uLnTx/>
+              <a:uFillTx/>
+              <a:latin typeface="Calibri" panose="020F0502020204030204"/>
+              <a:ea typeface="+mn-ea"/>
+              <a:cs typeface="+mn-cs"/>
+            </a:endParaRPr>
+          </a:p>
+        </p:txBody>
+      </p:sp>
+    </p:spTree>
+    <p:extLst>
+      <p:ext uri="{BB962C8B-B14F-4D97-AF65-F5344CB8AC3E}">
+        <p14:creationId xmlns:p14="http://schemas.microsoft.com/office/powerpoint/2010/main" val="3327826013"/>
       </p:ext>
     </p:extLst>
   </p:cSld>
@@ -2652,13 +3138,7 @@
   <p:cSld>
     <p:spTree>
       <p:nvGrpSpPr>
-        <p:cNvPr id="1" name="Shape 101">
-          <a:extLst>
-            <a:ext uri="{FF2B5EF4-FFF2-40B4-BE49-F238E27FC236}">
-              <a16:creationId xmlns:a16="http://schemas.microsoft.com/office/drawing/2014/main" id="{0E8ACAA0-CE28-94D4-A146-176C85DFB185}"/>
-            </a:ext>
-          </a:extLst>
-        </p:cNvPr>
+        <p:cNvPr id="1" name="Shape 101"/>
         <p:cNvGrpSpPr/>
         <p:nvPr/>
       </p:nvGrpSpPr>
@@ -2672,13 +3152,7 @@
       </p:grpSpPr>
       <p:sp>
         <p:nvSpPr>
-          <p:cNvPr id="102" name="Google Shape;102;p3:notes">
-            <a:extLst>
-              <a:ext uri="{FF2B5EF4-FFF2-40B4-BE49-F238E27FC236}">
-                <a16:creationId xmlns:a16="http://schemas.microsoft.com/office/drawing/2014/main" id="{4F8F1857-2FC8-AD8A-7879-EF34607E535C}"/>
-              </a:ext>
-            </a:extLst>
-          </p:cNvPr>
+          <p:cNvPr id="102" name="Google Shape;102;p3:notes"/>
           <p:cNvSpPr>
             <a:spLocks noGrp="1" noRot="1" noChangeAspect="1"/>
           </p:cNvSpPr>
@@ -2729,13 +3203,7 @@
       </p:sp>
       <p:sp>
         <p:nvSpPr>
-          <p:cNvPr id="103" name="Google Shape;103;p3:notes">
-            <a:extLst>
-              <a:ext uri="{FF2B5EF4-FFF2-40B4-BE49-F238E27FC236}">
-                <a16:creationId xmlns:a16="http://schemas.microsoft.com/office/drawing/2014/main" id="{BCE10D40-5690-35B1-8305-48ADE0847718}"/>
-              </a:ext>
-            </a:extLst>
-          </p:cNvPr>
+          <p:cNvPr id="103" name="Google Shape;103;p3:notes"/>
           <p:cNvSpPr txBox="1">
             <a:spLocks noGrp="1"/>
           </p:cNvSpPr>
@@ -2777,13 +3245,7 @@
       </p:sp>
       <p:sp>
         <p:nvSpPr>
-          <p:cNvPr id="104" name="Google Shape;104;p3:notes">
-            <a:extLst>
-              <a:ext uri="{FF2B5EF4-FFF2-40B4-BE49-F238E27FC236}">
-                <a16:creationId xmlns:a16="http://schemas.microsoft.com/office/drawing/2014/main" id="{44069FE8-BF33-14EC-8725-0177729FF34B}"/>
-              </a:ext>
-            </a:extLst>
-          </p:cNvPr>
+          <p:cNvPr id="104" name="Google Shape;104;p3:notes"/>
           <p:cNvSpPr txBox="1">
             <a:spLocks noGrp="1"/>
           </p:cNvSpPr>
@@ -2879,7 +3341,7 @@
     </p:spTree>
     <p:extLst>
       <p:ext uri="{BB962C8B-B14F-4D97-AF65-F5344CB8AC3E}">
-        <p14:creationId xmlns:p14="http://schemas.microsoft.com/office/powerpoint/2010/main" val="1252578129"/>
+        <p14:creationId xmlns:p14="http://schemas.microsoft.com/office/powerpoint/2010/main" val="587165213"/>
       </p:ext>
     </p:extLst>
   </p:cSld>
@@ -2897,7 +3359,7 @@
         <p:cNvPr id="1" name="Shape 101">
           <a:extLst>
             <a:ext uri="{FF2B5EF4-FFF2-40B4-BE49-F238E27FC236}">
-              <a16:creationId xmlns:a16="http://schemas.microsoft.com/office/drawing/2014/main" id="{8AC4388A-0490-3570-0CAC-1B96AFC31F8A}"/>
+              <a16:creationId xmlns:a16="http://schemas.microsoft.com/office/drawing/2014/main" id="{BE280916-4B81-FF59-121D-4C6D2F44A3A4}"/>
             </a:ext>
           </a:extLst>
         </p:cNvPr>
@@ -2917,7 +3379,7 @@
           <p:cNvPr id="102" name="Google Shape;102;p3:notes">
             <a:extLst>
               <a:ext uri="{FF2B5EF4-FFF2-40B4-BE49-F238E27FC236}">
-                <a16:creationId xmlns:a16="http://schemas.microsoft.com/office/drawing/2014/main" id="{279E0A19-5A7A-0995-844A-1EB3A8B83618}"/>
+                <a16:creationId xmlns:a16="http://schemas.microsoft.com/office/drawing/2014/main" id="{B385DFB2-9F99-C4EA-C32E-C65EA9168667}"/>
               </a:ext>
             </a:extLst>
           </p:cNvPr>
@@ -2974,7 +3436,7 @@
           <p:cNvPr id="103" name="Google Shape;103;p3:notes">
             <a:extLst>
               <a:ext uri="{FF2B5EF4-FFF2-40B4-BE49-F238E27FC236}">
-                <a16:creationId xmlns:a16="http://schemas.microsoft.com/office/drawing/2014/main" id="{5FFC96F0-8A71-F046-C05C-FC53E28B69E9}"/>
+                <a16:creationId xmlns:a16="http://schemas.microsoft.com/office/drawing/2014/main" id="{EA769962-A0DD-EACB-DEDD-3781445BD71B}"/>
               </a:ext>
             </a:extLst>
           </p:cNvPr>
@@ -3022,7 +3484,7 @@
           <p:cNvPr id="104" name="Google Shape;104;p3:notes">
             <a:extLst>
               <a:ext uri="{FF2B5EF4-FFF2-40B4-BE49-F238E27FC236}">
-                <a16:creationId xmlns:a16="http://schemas.microsoft.com/office/drawing/2014/main" id="{C1EF39A8-0F0C-C11E-4E71-8FC6AB5702AD}"/>
+                <a16:creationId xmlns:a16="http://schemas.microsoft.com/office/drawing/2014/main" id="{434AE3FF-34A5-E3D6-78A1-92C6BE174CF5}"/>
               </a:ext>
             </a:extLst>
           </p:cNvPr>
@@ -3121,7 +3583,7 @@
     </p:spTree>
     <p:extLst>
       <p:ext uri="{BB962C8B-B14F-4D97-AF65-F5344CB8AC3E}">
-        <p14:creationId xmlns:p14="http://schemas.microsoft.com/office/powerpoint/2010/main" val="3940040965"/>
+        <p14:creationId xmlns:p14="http://schemas.microsoft.com/office/powerpoint/2010/main" val="309590453"/>
       </p:ext>
     </p:extLst>
   </p:cSld>
@@ -3139,7 +3601,7 @@
         <p:cNvPr id="1" name="Shape 101">
           <a:extLst>
             <a:ext uri="{FF2B5EF4-FFF2-40B4-BE49-F238E27FC236}">
-              <a16:creationId xmlns:a16="http://schemas.microsoft.com/office/drawing/2014/main" id="{2357DC5F-488B-5DCC-AF74-9C30F2A1CBCE}"/>
+              <a16:creationId xmlns:a16="http://schemas.microsoft.com/office/drawing/2014/main" id="{C9A6298E-E68E-71AB-9FF4-4CAA09E6F622}"/>
             </a:ext>
           </a:extLst>
         </p:cNvPr>
@@ -3159,7 +3621,7 @@
           <p:cNvPr id="102" name="Google Shape;102;p3:notes">
             <a:extLst>
               <a:ext uri="{FF2B5EF4-FFF2-40B4-BE49-F238E27FC236}">
-                <a16:creationId xmlns:a16="http://schemas.microsoft.com/office/drawing/2014/main" id="{A91D721C-C3FE-1346-6C3E-B7DEC6A9A1D6}"/>
+                <a16:creationId xmlns:a16="http://schemas.microsoft.com/office/drawing/2014/main" id="{A5E6FE91-EF68-45CD-15DB-6D80FD522C4D}"/>
               </a:ext>
             </a:extLst>
           </p:cNvPr>
@@ -3216,7 +3678,7 @@
           <p:cNvPr id="103" name="Google Shape;103;p3:notes">
             <a:extLst>
               <a:ext uri="{FF2B5EF4-FFF2-40B4-BE49-F238E27FC236}">
-                <a16:creationId xmlns:a16="http://schemas.microsoft.com/office/drawing/2014/main" id="{685552B7-1DCA-9F33-9F3B-BB5F5640B2EF}"/>
+                <a16:creationId xmlns:a16="http://schemas.microsoft.com/office/drawing/2014/main" id="{5B42F8F7-3879-B8FA-D1B6-43CA02849049}"/>
               </a:ext>
             </a:extLst>
           </p:cNvPr>
@@ -3264,7 +3726,7 @@
           <p:cNvPr id="104" name="Google Shape;104;p3:notes">
             <a:extLst>
               <a:ext uri="{FF2B5EF4-FFF2-40B4-BE49-F238E27FC236}">
-                <a16:creationId xmlns:a16="http://schemas.microsoft.com/office/drawing/2014/main" id="{F2E959F0-84A3-1226-403E-46F8EE3ED7E2}"/>
+                <a16:creationId xmlns:a16="http://schemas.microsoft.com/office/drawing/2014/main" id="{0996A7E3-2813-0D45-19A9-07CD17A2B587}"/>
               </a:ext>
             </a:extLst>
           </p:cNvPr>
@@ -3363,7 +3825,7 @@
     </p:spTree>
     <p:extLst>
       <p:ext uri="{BB962C8B-B14F-4D97-AF65-F5344CB8AC3E}">
-        <p14:creationId xmlns:p14="http://schemas.microsoft.com/office/powerpoint/2010/main" val="1430179918"/>
+        <p14:creationId xmlns:p14="http://schemas.microsoft.com/office/powerpoint/2010/main" val="1731359713"/>
       </p:ext>
     </p:extLst>
   </p:cSld>
@@ -3381,7 +3843,7 @@
         <p:cNvPr id="1" name="Shape 101">
           <a:extLst>
             <a:ext uri="{FF2B5EF4-FFF2-40B4-BE49-F238E27FC236}">
-              <a16:creationId xmlns:a16="http://schemas.microsoft.com/office/drawing/2014/main" id="{176A7749-F6BA-4847-6174-8CAAF6B68374}"/>
+              <a16:creationId xmlns:a16="http://schemas.microsoft.com/office/drawing/2014/main" id="{96AFE4BD-C476-3245-2D78-1F86C712E7AA}"/>
             </a:ext>
           </a:extLst>
         </p:cNvPr>
@@ -3401,7 +3863,7 @@
           <p:cNvPr id="102" name="Google Shape;102;p3:notes">
             <a:extLst>
               <a:ext uri="{FF2B5EF4-FFF2-40B4-BE49-F238E27FC236}">
-                <a16:creationId xmlns:a16="http://schemas.microsoft.com/office/drawing/2014/main" id="{6172F868-4000-6401-59D9-827154048879}"/>
+                <a16:creationId xmlns:a16="http://schemas.microsoft.com/office/drawing/2014/main" id="{807D32D8-C6BE-3A0E-0F7F-EDD21943FF3D}"/>
               </a:ext>
             </a:extLst>
           </p:cNvPr>
@@ -3458,7 +3920,7 @@
           <p:cNvPr id="103" name="Google Shape;103;p3:notes">
             <a:extLst>
               <a:ext uri="{FF2B5EF4-FFF2-40B4-BE49-F238E27FC236}">
-                <a16:creationId xmlns:a16="http://schemas.microsoft.com/office/drawing/2014/main" id="{83FE9FD2-9D48-4229-06A4-6AF47D52FAB0}"/>
+                <a16:creationId xmlns:a16="http://schemas.microsoft.com/office/drawing/2014/main" id="{FC6C231D-EFE3-1868-1FEE-6880C8B53AED}"/>
               </a:ext>
             </a:extLst>
           </p:cNvPr>
@@ -3506,7 +3968,7 @@
           <p:cNvPr id="104" name="Google Shape;104;p3:notes">
             <a:extLst>
               <a:ext uri="{FF2B5EF4-FFF2-40B4-BE49-F238E27FC236}">
-                <a16:creationId xmlns:a16="http://schemas.microsoft.com/office/drawing/2014/main" id="{44F2F56E-ADD8-7694-5996-7D714291363F}"/>
+                <a16:creationId xmlns:a16="http://schemas.microsoft.com/office/drawing/2014/main" id="{F5FC441D-F55C-5516-7DAB-15A0733D88A7}"/>
               </a:ext>
             </a:extLst>
           </p:cNvPr>
@@ -3605,7 +4067,7 @@
     </p:spTree>
     <p:extLst>
       <p:ext uri="{BB962C8B-B14F-4D97-AF65-F5344CB8AC3E}">
-        <p14:creationId xmlns:p14="http://schemas.microsoft.com/office/powerpoint/2010/main" val="1576792949"/>
+        <p14:creationId xmlns:p14="http://schemas.microsoft.com/office/powerpoint/2010/main" val="3938496296"/>
       </p:ext>
     </p:extLst>
   </p:cSld>
@@ -3620,7 +4082,13 @@
   <p:cSld>
     <p:spTree>
       <p:nvGrpSpPr>
-        <p:cNvPr id="1" name="Shape 101"/>
+        <p:cNvPr id="1" name="Shape 101">
+          <a:extLst>
+            <a:ext uri="{FF2B5EF4-FFF2-40B4-BE49-F238E27FC236}">
+              <a16:creationId xmlns:a16="http://schemas.microsoft.com/office/drawing/2014/main" id="{0C142F16-4DD3-5381-E281-D147396441B1}"/>
+            </a:ext>
+          </a:extLst>
+        </p:cNvPr>
         <p:cNvGrpSpPr/>
         <p:nvPr/>
       </p:nvGrpSpPr>
@@ -3634,7 +4102,13 @@
       </p:grpSpPr>
       <p:sp>
         <p:nvSpPr>
-          <p:cNvPr id="102" name="Google Shape;102;p3:notes"/>
+          <p:cNvPr id="102" name="Google Shape;102;p3:notes">
+            <a:extLst>
+              <a:ext uri="{FF2B5EF4-FFF2-40B4-BE49-F238E27FC236}">
+                <a16:creationId xmlns:a16="http://schemas.microsoft.com/office/drawing/2014/main" id="{2C92583D-1400-70DE-2BE2-09411DEC1FDA}"/>
+              </a:ext>
+            </a:extLst>
+          </p:cNvPr>
           <p:cNvSpPr>
             <a:spLocks noGrp="1" noRot="1" noChangeAspect="1"/>
           </p:cNvSpPr>
@@ -3685,7 +4159,13 @@
       </p:sp>
       <p:sp>
         <p:nvSpPr>
-          <p:cNvPr id="103" name="Google Shape;103;p3:notes"/>
+          <p:cNvPr id="103" name="Google Shape;103;p3:notes">
+            <a:extLst>
+              <a:ext uri="{FF2B5EF4-FFF2-40B4-BE49-F238E27FC236}">
+                <a16:creationId xmlns:a16="http://schemas.microsoft.com/office/drawing/2014/main" id="{FBF589CA-A06D-2A6F-BC24-4108F7877924}"/>
+              </a:ext>
+            </a:extLst>
+          </p:cNvPr>
           <p:cNvSpPr txBox="1">
             <a:spLocks noGrp="1"/>
           </p:cNvSpPr>
@@ -3727,7 +4207,13 @@
       </p:sp>
       <p:sp>
         <p:nvSpPr>
-          <p:cNvPr id="104" name="Google Shape;104;p3:notes"/>
+          <p:cNvPr id="104" name="Google Shape;104;p3:notes">
+            <a:extLst>
+              <a:ext uri="{FF2B5EF4-FFF2-40B4-BE49-F238E27FC236}">
+                <a16:creationId xmlns:a16="http://schemas.microsoft.com/office/drawing/2014/main" id="{F0C49852-1DEF-9F59-8883-01237D6A8329}"/>
+              </a:ext>
+            </a:extLst>
+          </p:cNvPr>
           <p:cNvSpPr txBox="1">
             <a:spLocks noGrp="1"/>
           </p:cNvSpPr>
@@ -3823,7 +4309,7 @@
     </p:spTree>
     <p:extLst>
       <p:ext uri="{BB962C8B-B14F-4D97-AF65-F5344CB8AC3E}">
-        <p14:creationId xmlns:p14="http://schemas.microsoft.com/office/powerpoint/2010/main" val="587165213"/>
+        <p14:creationId xmlns:p14="http://schemas.microsoft.com/office/powerpoint/2010/main" val="1381819291"/>
       </p:ext>
     </p:extLst>
   </p:cSld>
@@ -3841,7 +4327,7 @@
         <p:cNvPr id="1" name="Shape 101">
           <a:extLst>
             <a:ext uri="{FF2B5EF4-FFF2-40B4-BE49-F238E27FC236}">
-              <a16:creationId xmlns:a16="http://schemas.microsoft.com/office/drawing/2014/main" id="{97041A07-66B7-43E1-CCC9-1DE039FE7F08}"/>
+              <a16:creationId xmlns:a16="http://schemas.microsoft.com/office/drawing/2014/main" id="{F6E866E6-8CE5-385C-4E3E-3B42F6A88916}"/>
             </a:ext>
           </a:extLst>
         </p:cNvPr>
@@ -3861,7 +4347,7 @@
           <p:cNvPr id="102" name="Google Shape;102;p3:notes">
             <a:extLst>
               <a:ext uri="{FF2B5EF4-FFF2-40B4-BE49-F238E27FC236}">
-                <a16:creationId xmlns:a16="http://schemas.microsoft.com/office/drawing/2014/main" id="{30AE93A6-131B-E3BD-660D-914B6C7C188C}"/>
+                <a16:creationId xmlns:a16="http://schemas.microsoft.com/office/drawing/2014/main" id="{A5C75D4B-1712-558C-45ED-DC0F6C9779D9}"/>
               </a:ext>
             </a:extLst>
           </p:cNvPr>
@@ -3918,7 +4404,7 @@
           <p:cNvPr id="103" name="Google Shape;103;p3:notes">
             <a:extLst>
               <a:ext uri="{FF2B5EF4-FFF2-40B4-BE49-F238E27FC236}">
-                <a16:creationId xmlns:a16="http://schemas.microsoft.com/office/drawing/2014/main" id="{9F163FDA-851D-86C7-AEBF-A4967EEA1AC1}"/>
+                <a16:creationId xmlns:a16="http://schemas.microsoft.com/office/drawing/2014/main" id="{A9C50D70-43DD-457B-A53B-8D192EC9BF85}"/>
               </a:ext>
             </a:extLst>
           </p:cNvPr>
@@ -3966,7 +4452,7 @@
           <p:cNvPr id="104" name="Google Shape;104;p3:notes">
             <a:extLst>
               <a:ext uri="{FF2B5EF4-FFF2-40B4-BE49-F238E27FC236}">
-                <a16:creationId xmlns:a16="http://schemas.microsoft.com/office/drawing/2014/main" id="{9F6CD3F5-8935-7CBD-4776-1EA30487143A}"/>
+                <a16:creationId xmlns:a16="http://schemas.microsoft.com/office/drawing/2014/main" id="{C7F03BA9-0771-A560-46DD-9BC35EBF3F7A}"/>
               </a:ext>
             </a:extLst>
           </p:cNvPr>
@@ -4065,7 +4551,7 @@
     </p:spTree>
     <p:extLst>
       <p:ext uri="{BB962C8B-B14F-4D97-AF65-F5344CB8AC3E}">
-        <p14:creationId xmlns:p14="http://schemas.microsoft.com/office/powerpoint/2010/main" val="271311158"/>
+        <p14:creationId xmlns:p14="http://schemas.microsoft.com/office/powerpoint/2010/main" val="2745408553"/>
       </p:ext>
     </p:extLst>
   </p:cSld>
@@ -4083,7 +4569,7 @@
         <p:cNvPr id="1" name="Shape 101">
           <a:extLst>
             <a:ext uri="{FF2B5EF4-FFF2-40B4-BE49-F238E27FC236}">
-              <a16:creationId xmlns:a16="http://schemas.microsoft.com/office/drawing/2014/main" id="{D8340231-DFF5-237D-6547-E35C29C1FA70}"/>
+              <a16:creationId xmlns:a16="http://schemas.microsoft.com/office/drawing/2014/main" id="{C8863241-88E9-5DB6-6146-30E32410B556}"/>
             </a:ext>
           </a:extLst>
         </p:cNvPr>
@@ -4103,7 +4589,7 @@
           <p:cNvPr id="102" name="Google Shape;102;p3:notes">
             <a:extLst>
               <a:ext uri="{FF2B5EF4-FFF2-40B4-BE49-F238E27FC236}">
-                <a16:creationId xmlns:a16="http://schemas.microsoft.com/office/drawing/2014/main" id="{3542F195-E55C-4BA3-056F-E6F674C7503E}"/>
+                <a16:creationId xmlns:a16="http://schemas.microsoft.com/office/drawing/2014/main" id="{6C02926C-99C3-C988-4B01-DB8043C9D425}"/>
               </a:ext>
             </a:extLst>
           </p:cNvPr>
@@ -4160,7 +4646,7 @@
           <p:cNvPr id="103" name="Google Shape;103;p3:notes">
             <a:extLst>
               <a:ext uri="{FF2B5EF4-FFF2-40B4-BE49-F238E27FC236}">
-                <a16:creationId xmlns:a16="http://schemas.microsoft.com/office/drawing/2014/main" id="{3CD6A326-AF8E-AE0D-B41A-A39FE900C686}"/>
+                <a16:creationId xmlns:a16="http://schemas.microsoft.com/office/drawing/2014/main" id="{ACE35FCF-1F32-2064-CB81-1A9D092D6E56}"/>
               </a:ext>
             </a:extLst>
           </p:cNvPr>
@@ -4208,7 +4694,7 @@
           <p:cNvPr id="104" name="Google Shape;104;p3:notes">
             <a:extLst>
               <a:ext uri="{FF2B5EF4-FFF2-40B4-BE49-F238E27FC236}">
-                <a16:creationId xmlns:a16="http://schemas.microsoft.com/office/drawing/2014/main" id="{57D82EB9-2B20-94B2-E230-232C5ED89DF4}"/>
+                <a16:creationId xmlns:a16="http://schemas.microsoft.com/office/drawing/2014/main" id="{72D4C46A-37DD-0384-7DC8-CE7CA3EC98BE}"/>
               </a:ext>
             </a:extLst>
           </p:cNvPr>
@@ -4307,7 +4793,7 @@
     </p:spTree>
     <p:extLst>
       <p:ext uri="{BB962C8B-B14F-4D97-AF65-F5344CB8AC3E}">
-        <p14:creationId xmlns:p14="http://schemas.microsoft.com/office/powerpoint/2010/main" val="1515605066"/>
+        <p14:creationId xmlns:p14="http://schemas.microsoft.com/office/powerpoint/2010/main" val="208724"/>
       </p:ext>
     </p:extLst>
   </p:cSld>
@@ -4467,7 +4953,7 @@
             <a:fld id="{45AA013A-25B9-45A0-9AAA-86993DA53F08}" type="datetimeFigureOut">
               <a:rPr lang="en-IN" smtClean="0"/>
               <a:pPr/>
-              <a:t>11-11-2024</a:t>
+              <a:t>12-11-2024</a:t>
             </a:fld>
             <a:endParaRPr lang="en-IN"/>
           </a:p>
@@ -4669,7 +5155,7 @@
             <a:fld id="{45AA013A-25B9-45A0-9AAA-86993DA53F08}" type="datetimeFigureOut">
               <a:rPr lang="en-IN" smtClean="0"/>
               <a:pPr/>
-              <a:t>11-11-2024</a:t>
+              <a:t>12-11-2024</a:t>
             </a:fld>
             <a:endParaRPr lang="en-IN"/>
           </a:p>
@@ -4881,7 +5367,7 @@
             <a:fld id="{45AA013A-25B9-45A0-9AAA-86993DA53F08}" type="datetimeFigureOut">
               <a:rPr lang="en-IN" smtClean="0"/>
               <a:pPr/>
-              <a:t>11-11-2024</a:t>
+              <a:t>12-11-2024</a:t>
             </a:fld>
             <a:endParaRPr lang="en-IN"/>
           </a:p>
@@ -5083,7 +5569,7 @@
             <a:fld id="{45AA013A-25B9-45A0-9AAA-86993DA53F08}" type="datetimeFigureOut">
               <a:rPr lang="en-IN" smtClean="0"/>
               <a:pPr/>
-              <a:t>11-11-2024</a:t>
+              <a:t>12-11-2024</a:t>
             </a:fld>
             <a:endParaRPr lang="en-IN"/>
           </a:p>
@@ -5361,7 +5847,7 @@
             <a:fld id="{45AA013A-25B9-45A0-9AAA-86993DA53F08}" type="datetimeFigureOut">
               <a:rPr lang="en-IN" smtClean="0"/>
               <a:pPr/>
-              <a:t>11-11-2024</a:t>
+              <a:t>12-11-2024</a:t>
             </a:fld>
             <a:endParaRPr lang="en-IN"/>
           </a:p>
@@ -5631,7 +6117,7 @@
             <a:fld id="{45AA013A-25B9-45A0-9AAA-86993DA53F08}" type="datetimeFigureOut">
               <a:rPr lang="en-IN" smtClean="0"/>
               <a:pPr/>
-              <a:t>11-11-2024</a:t>
+              <a:t>12-11-2024</a:t>
             </a:fld>
             <a:endParaRPr lang="en-IN"/>
           </a:p>
@@ -6048,7 +6534,7 @@
             <a:fld id="{45AA013A-25B9-45A0-9AAA-86993DA53F08}" type="datetimeFigureOut">
               <a:rPr lang="en-IN" smtClean="0"/>
               <a:pPr/>
-              <a:t>11-11-2024</a:t>
+              <a:t>12-11-2024</a:t>
             </a:fld>
             <a:endParaRPr lang="en-IN"/>
           </a:p>
@@ -6192,7 +6678,7 @@
             <a:fld id="{45AA013A-25B9-45A0-9AAA-86993DA53F08}" type="datetimeFigureOut">
               <a:rPr lang="en-IN" smtClean="0"/>
               <a:pPr/>
-              <a:t>11-11-2024</a:t>
+              <a:t>12-11-2024</a:t>
             </a:fld>
             <a:endParaRPr lang="en-IN"/>
           </a:p>
@@ -6307,7 +6793,7 @@
             <a:fld id="{45AA013A-25B9-45A0-9AAA-86993DA53F08}" type="datetimeFigureOut">
               <a:rPr lang="en-IN" smtClean="0"/>
               <a:pPr/>
-              <a:t>11-11-2024</a:t>
+              <a:t>12-11-2024</a:t>
             </a:fld>
             <a:endParaRPr lang="en-IN"/>
           </a:p>
@@ -6622,7 +7108,7 @@
             <a:fld id="{45AA013A-25B9-45A0-9AAA-86993DA53F08}" type="datetimeFigureOut">
               <a:rPr lang="en-IN" smtClean="0"/>
               <a:pPr/>
-              <a:t>11-11-2024</a:t>
+              <a:t>12-11-2024</a:t>
             </a:fld>
             <a:endParaRPr lang="en-IN"/>
           </a:p>
@@ -6913,7 +7399,7 @@
             <a:fld id="{45AA013A-25B9-45A0-9AAA-86993DA53F08}" type="datetimeFigureOut">
               <a:rPr lang="en-IN" smtClean="0"/>
               <a:pPr/>
-              <a:t>11-11-2024</a:t>
+              <a:t>12-11-2024</a:t>
             </a:fld>
             <a:endParaRPr lang="en-IN"/>
           </a:p>
@@ -7158,7 +7644,7 @@
             <a:fld id="{45AA013A-25B9-45A0-9AAA-86993DA53F08}" type="datetimeFigureOut">
               <a:rPr lang="en-IN" smtClean="0"/>
               <a:pPr/>
-              <a:t>11-11-2024</a:t>
+              <a:t>12-11-2024</a:t>
             </a:fld>
             <a:endParaRPr lang="en-IN"/>
           </a:p>
@@ -8160,7 +8646,7 @@
         <p:cNvPr id="1" name="Shape 105">
           <a:extLst>
             <a:ext uri="{FF2B5EF4-FFF2-40B4-BE49-F238E27FC236}">
-              <a16:creationId xmlns:a16="http://schemas.microsoft.com/office/drawing/2014/main" id="{BBDF3642-91F8-D364-68EA-14191E8F0C41}"/>
+              <a16:creationId xmlns:a16="http://schemas.microsoft.com/office/drawing/2014/main" id="{0AE21D0B-330A-6A6F-5714-F8A32B4B0950}"/>
             </a:ext>
           </a:extLst>
         </p:cNvPr>
@@ -8180,7 +8666,7 @@
           <p:cNvPr id="106" name="Google Shape;106;p3">
             <a:extLst>
               <a:ext uri="{FF2B5EF4-FFF2-40B4-BE49-F238E27FC236}">
-                <a16:creationId xmlns:a16="http://schemas.microsoft.com/office/drawing/2014/main" id="{E21320D3-0434-BC55-90CA-3BF533712234}"/>
+                <a16:creationId xmlns:a16="http://schemas.microsoft.com/office/drawing/2014/main" id="{F6D63AF7-C9BD-A255-0CFF-C85AEF7A217F}"/>
               </a:ext>
             </a:extLst>
           </p:cNvPr>
@@ -8189,8 +8675,8 @@
         </p:nvSpPr>
         <p:spPr>
           <a:xfrm>
-            <a:off x="421524" y="928445"/>
-            <a:ext cx="10989081" cy="5324494"/>
+            <a:off x="460375" y="1167627"/>
+            <a:ext cx="10989081" cy="5170606"/>
           </a:xfrm>
           <a:prstGeom prst="rect">
             <a:avLst/>
@@ -8206,115 +8692,104 @@
           </a:bodyPr>
           <a:lstStyle/>
           <a:p>
-            <a:endParaRPr lang="en-US" sz="2000" dirty="0">
-              <a:latin typeface="Nunito Sans" pitchFamily="2" charset="0"/>
-            </a:endParaRPr>
-          </a:p>
-          <a:p>
+            <a:pPr>
+              <a:lnSpc>
+                <a:spcPct val="150000"/>
+              </a:lnSpc>
+            </a:pPr>
+            <a:r>
+              <a:rPr lang="en-US" sz="2000" dirty="0">
+                <a:latin typeface="Nunito Sans" pitchFamily="2" charset="0"/>
+              </a:rPr>
+              <a:t>The </a:t>
+            </a:r>
             <a:r>
               <a:rPr lang="en-US" sz="2000" b="1" dirty="0">
                 <a:latin typeface="Nunito Sans" pitchFamily="2" charset="0"/>
               </a:rPr>
-              <a:t>2. A robot driving learning problem</a:t>
-            </a:r>
-          </a:p>
-          <a:p>
-            <a:endParaRPr lang="en-US" sz="2000" b="1" dirty="0">
-              <a:latin typeface="Nunito Sans" pitchFamily="2" charset="0"/>
-            </a:endParaRPr>
-          </a:p>
-          <a:p>
+              <a:t>hypothesis space</a:t>
+            </a:r>
             <a:r>
               <a:rPr lang="en-US" sz="2000" dirty="0">
                 <a:latin typeface="Nunito Sans" pitchFamily="2" charset="0"/>
               </a:rPr>
-              <a:t>• Task T: Driving on highways using vision sensors</a:t>
-            </a:r>
-          </a:p>
-          <a:p>
-            <a:endParaRPr lang="en-US" sz="2000" dirty="0">
-              <a:latin typeface="Nunito Sans" pitchFamily="2" charset="0"/>
-            </a:endParaRPr>
-          </a:p>
-          <a:p>
+              <a:t> in machine learning is the set of all possible models or functions that a learning algorithm can choose from to fit a given dataset. It includes every potential hypothesis (or function) that could map inputs to outputs based on the training data.</a:t>
+            </a:r>
+          </a:p>
+          <a:p>
+            <a:pPr>
+              <a:lnSpc>
+                <a:spcPct val="150000"/>
+              </a:lnSpc>
+            </a:pPr>
+            <a:r>
+              <a:rPr lang="en-US" sz="2000" b="1" dirty="0">
+                <a:latin typeface="Nunito Sans" pitchFamily="2" charset="0"/>
+              </a:rPr>
+              <a:t>Why It’s Essential</a:t>
+            </a:r>
+          </a:p>
+          <a:p>
+            <a:pPr>
+              <a:lnSpc>
+                <a:spcPct val="150000"/>
+              </a:lnSpc>
+              <a:buFont typeface="Arial" panose="020B0604020202020204" pitchFamily="34" charset="0"/>
+              <a:buChar char="•"/>
+            </a:pPr>
+            <a:r>
+              <a:rPr lang="en-US" sz="2000" b="1" dirty="0">
+                <a:latin typeface="Nunito Sans" pitchFamily="2" charset="0"/>
+              </a:rPr>
+              <a:t>Defines Learning Scope</a:t>
+            </a:r>
             <a:r>
               <a:rPr lang="en-US" sz="2000" dirty="0">
                 <a:latin typeface="Nunito Sans" pitchFamily="2" charset="0"/>
               </a:rPr>
-              <a:t>• Performance measure P: Average distance traveled before an error</a:t>
-            </a:r>
-          </a:p>
-          <a:p>
-            <a:endParaRPr lang="en-US" sz="2000" dirty="0">
-              <a:latin typeface="Nunito Sans" pitchFamily="2" charset="0"/>
-            </a:endParaRPr>
-          </a:p>
-          <a:p>
+              <a:t>: The hypothesis space determines the complexity and flexibility of the models, influencing what patterns or relationships the model can learn from the data.</a:t>
+            </a:r>
+          </a:p>
+          <a:p>
+            <a:pPr>
+              <a:lnSpc>
+                <a:spcPct val="150000"/>
+              </a:lnSpc>
+              <a:buFont typeface="Arial" panose="020B0604020202020204" pitchFamily="34" charset="0"/>
+              <a:buChar char="•"/>
+            </a:pPr>
+            <a:r>
+              <a:rPr lang="en-US" sz="2000" b="1" dirty="0">
+                <a:latin typeface="Nunito Sans" pitchFamily="2" charset="0"/>
+              </a:rPr>
+              <a:t>Affects Generalization</a:t>
+            </a:r>
             <a:r>
               <a:rPr lang="en-US" sz="2000" dirty="0">
                 <a:latin typeface="Nunito Sans" pitchFamily="2" charset="0"/>
               </a:rPr>
-              <a:t>• Training experience: A sequence of images and steering commands recorded while</a:t>
-            </a:r>
-          </a:p>
-          <a:p>
+              <a:t>: A too-large hypothesis space can lead to overfitting, where the model learns noise instead of patterns. A too-small hypothesis space may underfit, missing important data relationships.</a:t>
+            </a:r>
+          </a:p>
+          <a:p>
+            <a:pPr>
+              <a:lnSpc>
+                <a:spcPct val="150000"/>
+              </a:lnSpc>
+              <a:buFont typeface="Arial" panose="020B0604020202020204" pitchFamily="34" charset="0"/>
+              <a:buChar char="•"/>
+            </a:pPr>
+            <a:r>
+              <a:rPr lang="en-US" sz="2000" b="1" dirty="0">
+                <a:latin typeface="Nunito Sans" pitchFamily="2" charset="0"/>
+              </a:rPr>
+              <a:t>Guides Model Selection</a:t>
+            </a:r>
             <a:r>
               <a:rPr lang="en-US" sz="2000" dirty="0">
                 <a:latin typeface="Nunito Sans" pitchFamily="2" charset="0"/>
               </a:rPr>
-              <a:t>   observing a human driver</a:t>
-            </a:r>
-          </a:p>
-          <a:p>
-            <a:endParaRPr lang="en-US" sz="2000" dirty="0">
-              <a:latin typeface="Nunito Sans" pitchFamily="2" charset="0"/>
-            </a:endParaRPr>
-          </a:p>
-          <a:p>
-            <a:r>
-              <a:rPr lang="en-US" sz="2000" b="1" dirty="0">
-                <a:latin typeface="Nunito Sans" pitchFamily="2" charset="0"/>
-              </a:rPr>
-              <a:t>3. A chess learning problem</a:t>
-            </a:r>
-          </a:p>
-          <a:p>
-            <a:endParaRPr lang="en-US" sz="2000" b="1" dirty="0">
-              <a:latin typeface="Nunito Sans" pitchFamily="2" charset="0"/>
-            </a:endParaRPr>
-          </a:p>
-          <a:p>
-            <a:r>
-              <a:rPr lang="en-US" sz="2000" dirty="0">
-                <a:latin typeface="Nunito Sans" pitchFamily="2" charset="0"/>
-              </a:rPr>
-              <a:t>• Task T: Playing chess</a:t>
-            </a:r>
-          </a:p>
-          <a:p>
-            <a:endParaRPr lang="en-US" sz="2000" dirty="0">
-              <a:latin typeface="Nunito Sans" pitchFamily="2" charset="0"/>
-            </a:endParaRPr>
-          </a:p>
-          <a:p>
-            <a:r>
-              <a:rPr lang="en-US" sz="2000" dirty="0">
-                <a:latin typeface="Nunito Sans" pitchFamily="2" charset="0"/>
-              </a:rPr>
-              <a:t>• Performance measure P: Percent of games won against opponents</a:t>
-            </a:r>
-          </a:p>
-          <a:p>
-            <a:endParaRPr lang="en-US" sz="2000" dirty="0">
-              <a:latin typeface="Nunito Sans" pitchFamily="2" charset="0"/>
-            </a:endParaRPr>
-          </a:p>
-          <a:p>
-            <a:r>
-              <a:rPr lang="en-US" sz="2000" dirty="0">
-                <a:latin typeface="Nunito Sans" pitchFamily="2" charset="0"/>
-              </a:rPr>
-              <a:t>• Training experience E: Playing practice games against itself</a:t>
+              <a:t>: Choosing an appropriate hypothesis space helps balance model accuracy with computational efficiency and generalization ability on new data.</a:t>
             </a:r>
           </a:p>
         </p:txBody>
@@ -8324,7 +8799,7 @@
           <p:cNvPr id="115" name="Google Shape;115;p3">
             <a:extLst>
               <a:ext uri="{FF2B5EF4-FFF2-40B4-BE49-F238E27FC236}">
-                <a16:creationId xmlns:a16="http://schemas.microsoft.com/office/drawing/2014/main" id="{E6730184-7596-6A9D-29B8-8800D129D444}"/>
+                <a16:creationId xmlns:a16="http://schemas.microsoft.com/office/drawing/2014/main" id="{A6D14C27-0E6D-BAC3-CB41-ED11D46FEFE8}"/>
               </a:ext>
             </a:extLst>
           </p:cNvPr>
@@ -8391,7 +8866,7 @@
           <p:cNvPr id="116" name="Google Shape;116;p3">
             <a:extLst>
               <a:ext uri="{FF2B5EF4-FFF2-40B4-BE49-F238E27FC236}">
-                <a16:creationId xmlns:a16="http://schemas.microsoft.com/office/drawing/2014/main" id="{C551A57F-1D28-39CB-E905-7841A2EB232C}"/>
+                <a16:creationId xmlns:a16="http://schemas.microsoft.com/office/drawing/2014/main" id="{5966E72D-76A9-F8C9-B479-1F6633BDBE4C}"/>
               </a:ext>
             </a:extLst>
           </p:cNvPr>
@@ -8400,8 +8875,8 @@
         </p:nvSpPr>
         <p:spPr>
           <a:xfrm>
-            <a:off x="484909" y="173182"/>
-            <a:ext cx="10526477" cy="954067"/>
+            <a:off x="3238986" y="173182"/>
+            <a:ext cx="7772400" cy="461624"/>
           </a:xfrm>
           <a:prstGeom prst="rect">
             <a:avLst/>
@@ -8434,7 +8909,7 @@
               <a:defRPr/>
             </a:pPr>
             <a:r>
-              <a:rPr kumimoji="0" lang="en-GB" sz="2800" b="1" i="0" u="none" strike="noStrike" kern="1200" cap="none" spc="0" normalizeH="0" baseline="0" dirty="0">
+              <a:rPr kumimoji="0" lang="en-GB" sz="2400" b="1" i="0" u="none" strike="noStrike" kern="1200" cap="none" spc="0" normalizeH="0" baseline="0" dirty="0">
                 <a:solidFill>
                   <a:prstClr val="white"/>
                 </a:solidFill>
@@ -8443,41 +8918,8 @@
                 <a:cs typeface="Nunito Sans" panose="00000500000000000000"/>
                 <a:sym typeface="Nunito Sans" panose="00000500000000000000"/>
               </a:rPr>
-              <a:t>DEFINITION OF LEARNING</a:t>
-            </a:r>
-          </a:p>
-          <a:p>
-            <a:pPr marL="0" marR="0" lvl="0" indent="0" algn="r" defTabSz="914400" rtl="0" eaLnBrk="1" fontAlgn="auto" latinLnBrk="0" hangingPunct="1">
-              <a:lnSpc>
-                <a:spcPct val="100000"/>
-              </a:lnSpc>
-              <a:spcBef>
-                <a:spcPts val="0"/>
-              </a:spcBef>
-              <a:spcAft>
-                <a:spcPts val="0"/>
-              </a:spcAft>
-              <a:buClrTx/>
-              <a:buSzTx/>
-              <a:buFontTx/>
-              <a:buNone/>
-              <a:defRPr/>
-            </a:pPr>
-            <a:endParaRPr kumimoji="0" lang="en-GB" sz="2800" b="1" i="0" u="none" strike="noStrike" kern="1200" cap="none" spc="0" normalizeH="0" baseline="0" noProof="0" dirty="0">
-              <a:ln>
-                <a:noFill/>
-              </a:ln>
-              <a:solidFill>
-                <a:prstClr val="white"/>
-              </a:solidFill>
-              <a:effectLst/>
-              <a:uLnTx/>
-              <a:uFillTx/>
-              <a:latin typeface="Nunito Sans" panose="00000500000000000000"/>
-              <a:ea typeface="Nunito Sans" panose="00000500000000000000"/>
-              <a:cs typeface="Nunito Sans" panose="00000500000000000000"/>
-              <a:sym typeface="Nunito Sans" panose="00000500000000000000"/>
-            </a:endParaRPr>
+              <a:t>HYPOTHESIS SPACE </a:t>
+            </a:r>
           </a:p>
         </p:txBody>
       </p:sp>
@@ -8486,7 +8928,7 @@
           <p:cNvPr id="117" name="Google Shape;117;p3">
             <a:extLst>
               <a:ext uri="{FF2B5EF4-FFF2-40B4-BE49-F238E27FC236}">
-                <a16:creationId xmlns:a16="http://schemas.microsoft.com/office/drawing/2014/main" id="{4EABEF09-FF0A-0780-C2FD-AE1298707208}"/>
+                <a16:creationId xmlns:a16="http://schemas.microsoft.com/office/drawing/2014/main" id="{539D2910-CAAC-C593-49AA-E0CD1DA023E8}"/>
               </a:ext>
             </a:extLst>
           </p:cNvPr>
@@ -8519,7 +8961,7 @@
           <p:cNvPr id="29700" name="Rectangle 4">
             <a:extLst>
               <a:ext uri="{FF2B5EF4-FFF2-40B4-BE49-F238E27FC236}">
-                <a16:creationId xmlns:a16="http://schemas.microsoft.com/office/drawing/2014/main" id="{F09046A9-E3E6-52A4-C4FD-12D3B7AC736E}"/>
+                <a16:creationId xmlns:a16="http://schemas.microsoft.com/office/drawing/2014/main" id="{923C3153-B40A-2EE0-73D7-24CDC4AFCB98}"/>
               </a:ext>
             </a:extLst>
           </p:cNvPr>
@@ -8563,7 +9005,7 @@
           <p:cNvPr id="9" name="Rectangle 8">
             <a:extLst>
               <a:ext uri="{FF2B5EF4-FFF2-40B4-BE49-F238E27FC236}">
-                <a16:creationId xmlns:a16="http://schemas.microsoft.com/office/drawing/2014/main" id="{514F5907-19D5-E37D-073D-5391C5E538A4}"/>
+                <a16:creationId xmlns:a16="http://schemas.microsoft.com/office/drawing/2014/main" id="{0CD825A3-E785-4988-8AD7-BE807C7EFE20}"/>
               </a:ext>
             </a:extLst>
           </p:cNvPr>
@@ -8615,7 +9057,7 @@
           <p:cNvPr id="11" name="Rectangle 10">
             <a:extLst>
               <a:ext uri="{FF2B5EF4-FFF2-40B4-BE49-F238E27FC236}">
-                <a16:creationId xmlns:a16="http://schemas.microsoft.com/office/drawing/2014/main" id="{BE558609-6A8B-C211-9388-0F166A50395A}"/>
+                <a16:creationId xmlns:a16="http://schemas.microsoft.com/office/drawing/2014/main" id="{20B332B4-91F9-7F41-108F-843F96E2E341}"/>
               </a:ext>
             </a:extLst>
           </p:cNvPr>
@@ -8713,7 +9155,7 @@
           <p:cNvPr id="2050" name="AutoShape 2" descr="Database PNG transparent image download, size: 512x512px">
             <a:extLst>
               <a:ext uri="{FF2B5EF4-FFF2-40B4-BE49-F238E27FC236}">
-                <a16:creationId xmlns:a16="http://schemas.microsoft.com/office/drawing/2014/main" id="{E3E3FA5E-B596-143D-58CE-273C5E1CAAFD}"/>
+                <a16:creationId xmlns:a16="http://schemas.microsoft.com/office/drawing/2014/main" id="{0F2ADD15-FCA9-E6A1-B787-E46BA37E7ECD}"/>
               </a:ext>
             </a:extLst>
           </p:cNvPr>
@@ -8749,7 +9191,7 @@
           <p:cNvPr id="2052" name="AutoShape 4" descr="Database PNG transparent image download, size: 512x512px">
             <a:extLst>
               <a:ext uri="{FF2B5EF4-FFF2-40B4-BE49-F238E27FC236}">
-                <a16:creationId xmlns:a16="http://schemas.microsoft.com/office/drawing/2014/main" id="{8F9D1BB7-D88E-F594-5A73-68618F7B5F86}"/>
+                <a16:creationId xmlns:a16="http://schemas.microsoft.com/office/drawing/2014/main" id="{EE5D78D6-CA22-79BA-2F44-4802431320FA}"/>
               </a:ext>
             </a:extLst>
           </p:cNvPr>
@@ -8785,7 +9227,7 @@
           <p:cNvPr id="2054" name="AutoShape 6" descr="Database PNG transparent image download, size: 512x512px">
             <a:extLst>
               <a:ext uri="{FF2B5EF4-FFF2-40B4-BE49-F238E27FC236}">
-                <a16:creationId xmlns:a16="http://schemas.microsoft.com/office/drawing/2014/main" id="{458E966E-0FBE-79EA-CB7F-9B78497DCE39}"/>
+                <a16:creationId xmlns:a16="http://schemas.microsoft.com/office/drawing/2014/main" id="{0228DB82-2763-3AAC-5B89-7F4443E44128}"/>
               </a:ext>
             </a:extLst>
           </p:cNvPr>
@@ -8821,7 +9263,7 @@
           <p:cNvPr id="2056" name="AutoShape 8" descr="Database PNG transparent image download, size: 512x512px">
             <a:extLst>
               <a:ext uri="{FF2B5EF4-FFF2-40B4-BE49-F238E27FC236}">
-                <a16:creationId xmlns:a16="http://schemas.microsoft.com/office/drawing/2014/main" id="{750D9E32-59B0-E2A2-B891-85FE741F426C}"/>
+                <a16:creationId xmlns:a16="http://schemas.microsoft.com/office/drawing/2014/main" id="{7F001FBB-13AE-2DA5-8D90-13A4E52458FC}"/>
               </a:ext>
             </a:extLst>
           </p:cNvPr>
@@ -8857,7 +9299,7 @@
           <p:cNvPr id="2058" name="AutoShape 10" descr="Database PNG transparent image download, size: 512x512px">
             <a:extLst>
               <a:ext uri="{FF2B5EF4-FFF2-40B4-BE49-F238E27FC236}">
-                <a16:creationId xmlns:a16="http://schemas.microsoft.com/office/drawing/2014/main" id="{09432C54-4256-E2C0-0601-995C3B312074}"/>
+                <a16:creationId xmlns:a16="http://schemas.microsoft.com/office/drawing/2014/main" id="{AFF73DA6-7A10-E4A6-2776-5C5A90E0B34E}"/>
               </a:ext>
             </a:extLst>
           </p:cNvPr>
@@ -8891,7 +9333,7 @@
     </p:spTree>
     <p:extLst>
       <p:ext uri="{BB962C8B-B14F-4D97-AF65-F5344CB8AC3E}">
-        <p14:creationId xmlns:p14="http://schemas.microsoft.com/office/powerpoint/2010/main" val="326476621"/>
+        <p14:creationId xmlns:p14="http://schemas.microsoft.com/office/powerpoint/2010/main" val="1599409360"/>
       </p:ext>
     </p:extLst>
   </p:cSld>
@@ -8909,7 +9351,7 @@
         <p:cNvPr id="1" name="Shape 105">
           <a:extLst>
             <a:ext uri="{FF2B5EF4-FFF2-40B4-BE49-F238E27FC236}">
-              <a16:creationId xmlns:a16="http://schemas.microsoft.com/office/drawing/2014/main" id="{5478D540-8CE7-0C46-30A0-78A4A0FD939C}"/>
+              <a16:creationId xmlns:a16="http://schemas.microsoft.com/office/drawing/2014/main" id="{10A820AB-9100-812F-4D45-82072502E79C}"/>
             </a:ext>
           </a:extLst>
         </p:cNvPr>
@@ -8926,170 +9368,10 @@
       </p:grpSpPr>
       <p:sp>
         <p:nvSpPr>
-          <p:cNvPr id="106" name="Google Shape;106;p3">
-            <a:extLst>
-              <a:ext uri="{FF2B5EF4-FFF2-40B4-BE49-F238E27FC236}">
-                <a16:creationId xmlns:a16="http://schemas.microsoft.com/office/drawing/2014/main" id="{A8C3E265-220C-3DFF-C205-2C0C8327636A}"/>
-              </a:ext>
-            </a:extLst>
-          </p:cNvPr>
-          <p:cNvSpPr txBox="1"/>
-          <p:nvPr/>
-        </p:nvSpPr>
-        <p:spPr>
-          <a:xfrm>
-            <a:off x="421524" y="1183275"/>
-            <a:ext cx="10989081" cy="4585830"/>
-          </a:xfrm>
-          <a:prstGeom prst="rect">
-            <a:avLst/>
-          </a:prstGeom>
-          <a:noFill/>
-          <a:ln>
-            <a:noFill/>
-          </a:ln>
-        </p:spPr>
-        <p:txBody>
-          <a:bodyPr spcFirstLastPara="1" wrap="square" lIns="91425" tIns="45700" rIns="91425" bIns="45700" anchor="t" anchorCtr="0">
-            <a:spAutoFit/>
-          </a:bodyPr>
-          <a:lstStyle/>
-          <a:p>
-            <a:pPr marL="457200" indent="-457200">
-              <a:buAutoNum type="arabicPeriod"/>
-            </a:pPr>
-            <a:r>
-              <a:rPr lang="en-US" sz="2400" b="1" dirty="0">
-                <a:latin typeface="Nunito Sans" pitchFamily="2" charset="0"/>
-              </a:rPr>
-              <a:t>Image Recognition and Computer Vision</a:t>
-            </a:r>
-          </a:p>
-          <a:p>
-            <a:endParaRPr lang="en-US" sz="2400" b="1" dirty="0">
-              <a:latin typeface="Nunito Sans" pitchFamily="2" charset="0"/>
-            </a:endParaRPr>
-          </a:p>
-          <a:p>
-            <a:pPr>
-              <a:buFont typeface="Arial" panose="020B0604020202020204" pitchFamily="34" charset="0"/>
-              <a:buChar char="•"/>
-            </a:pPr>
-            <a:r>
-              <a:rPr lang="en-US" sz="2400" b="1" dirty="0">
-                <a:latin typeface="Nunito Sans" pitchFamily="2" charset="0"/>
-              </a:rPr>
-              <a:t>Facial Recognition</a:t>
-            </a:r>
-            <a:r>
-              <a:rPr lang="en-US" sz="2000" dirty="0">
-                <a:latin typeface="Nunito Sans" pitchFamily="2" charset="0"/>
-              </a:rPr>
-              <a:t>: Used in social media, surveillance, and smartphone security, facial recognition systems can identify or verify people based on their facial features</a:t>
-            </a:r>
-          </a:p>
-          <a:p>
-            <a:endParaRPr lang="en-US" sz="2800" dirty="0">
-              <a:latin typeface="Nunito Sans" pitchFamily="2" charset="0"/>
-            </a:endParaRPr>
-          </a:p>
-          <a:p>
-            <a:pPr>
-              <a:buFont typeface="Arial" panose="020B0604020202020204" pitchFamily="34" charset="0"/>
-              <a:buChar char="•"/>
-            </a:pPr>
-            <a:r>
-              <a:rPr lang="en-US" sz="2400" b="1" dirty="0">
-                <a:latin typeface="Nunito Sans" pitchFamily="2" charset="0"/>
-              </a:rPr>
-              <a:t>Object Detection</a:t>
-            </a:r>
-            <a:r>
-              <a:rPr lang="en-US" sz="2400" dirty="0">
-                <a:latin typeface="Nunito Sans" pitchFamily="2" charset="0"/>
-              </a:rPr>
-              <a:t>: </a:t>
-            </a:r>
-            <a:r>
-              <a:rPr lang="en-US" sz="2000" dirty="0">
-                <a:latin typeface="Nunito Sans" pitchFamily="2" charset="0"/>
-              </a:rPr>
-              <a:t>Self-driving cars rely on computer vision to detect and classify objects like other cars, pedestrians, and traffic signals, ensuring safe navigation.</a:t>
-            </a:r>
-          </a:p>
-          <a:p>
-            <a:endParaRPr lang="en-US" sz="2000" dirty="0">
-              <a:latin typeface="Nunito Sans" pitchFamily="2" charset="0"/>
-            </a:endParaRPr>
-          </a:p>
-          <a:p>
-            <a:pPr>
-              <a:buFont typeface="Arial" panose="020B0604020202020204" pitchFamily="34" charset="0"/>
-              <a:buChar char="•"/>
-            </a:pPr>
-            <a:r>
-              <a:rPr lang="en-US" sz="2400" b="1" dirty="0">
-                <a:latin typeface="Nunito Sans" pitchFamily="2" charset="0"/>
-              </a:rPr>
-              <a:t>Medical Imaging</a:t>
-            </a:r>
-            <a:r>
-              <a:rPr lang="en-US" sz="2400" dirty="0">
-                <a:latin typeface="Nunito Sans" pitchFamily="2" charset="0"/>
-              </a:rPr>
-              <a:t>: </a:t>
-            </a:r>
-            <a:r>
-              <a:rPr lang="en-US" sz="2000" dirty="0">
-                <a:latin typeface="Nunito Sans" pitchFamily="2" charset="0"/>
-              </a:rPr>
-              <a:t>AI models help radiologists detect abnormalities (like tumors) in X-rays, MRIs, and CT scans, aiding early diagnosis and treatment planning.</a:t>
-            </a:r>
-          </a:p>
-          <a:p>
-            <a:pPr>
-              <a:buFont typeface="Arial" panose="020B0604020202020204" pitchFamily="34" charset="0"/>
-              <a:buChar char="•"/>
-            </a:pPr>
-            <a:endParaRPr lang="en-US" sz="2000" dirty="0">
-              <a:latin typeface="Nunito Sans" pitchFamily="2" charset="0"/>
-            </a:endParaRPr>
-          </a:p>
-          <a:p>
-            <a:pPr>
-              <a:buFont typeface="Arial" panose="020B0604020202020204" pitchFamily="34" charset="0"/>
-              <a:buChar char="•"/>
-            </a:pPr>
-            <a:r>
-              <a:rPr lang="en-US" sz="2400" b="1" dirty="0">
-                <a:latin typeface="Nunito Sans" pitchFamily="2" charset="0"/>
-              </a:rPr>
-              <a:t>Augmented Reality (AR)</a:t>
-            </a:r>
-            <a:r>
-              <a:rPr lang="en-US" sz="2400" dirty="0">
-                <a:latin typeface="Nunito Sans" pitchFamily="2" charset="0"/>
-              </a:rPr>
-              <a:t>: </a:t>
-            </a:r>
-            <a:r>
-              <a:rPr lang="en-US" sz="2000" dirty="0">
-                <a:latin typeface="Nunito Sans" pitchFamily="2" charset="0"/>
-              </a:rPr>
-              <a:t>Image recognition algorithms track real-world objects, which AR applications then overlay with virtual content for gaming, shopping, or remote assistance.</a:t>
-            </a:r>
-            <a:endParaRPr lang="en-US" sz="2800" dirty="0">
-              <a:latin typeface="Nunito Sans" pitchFamily="2" charset="0"/>
-            </a:endParaRPr>
-          </a:p>
-        </p:txBody>
-      </p:sp>
-      <p:sp>
-        <p:nvSpPr>
           <p:cNvPr id="115" name="Google Shape;115;p3">
             <a:extLst>
               <a:ext uri="{FF2B5EF4-FFF2-40B4-BE49-F238E27FC236}">
-                <a16:creationId xmlns:a16="http://schemas.microsoft.com/office/drawing/2014/main" id="{BA228899-BC8B-0950-7E35-5DFD8E3E920C}"/>
+                <a16:creationId xmlns:a16="http://schemas.microsoft.com/office/drawing/2014/main" id="{CDAB688E-0E11-E00C-56ED-A87013395E89}"/>
               </a:ext>
             </a:extLst>
           </p:cNvPr>
@@ -9156,7 +9438,7 @@
           <p:cNvPr id="116" name="Google Shape;116;p3">
             <a:extLst>
               <a:ext uri="{FF2B5EF4-FFF2-40B4-BE49-F238E27FC236}">
-                <a16:creationId xmlns:a16="http://schemas.microsoft.com/office/drawing/2014/main" id="{A2CAAB6F-0ED4-7652-DF43-98D047FD11BC}"/>
+                <a16:creationId xmlns:a16="http://schemas.microsoft.com/office/drawing/2014/main" id="{48E872A6-2FA3-31E1-7B5E-6CDB06C11375}"/>
               </a:ext>
             </a:extLst>
           </p:cNvPr>
@@ -9166,7 +9448,7 @@
         <p:spPr>
           <a:xfrm>
             <a:off x="3238986" y="173182"/>
-            <a:ext cx="7772400" cy="828675"/>
+            <a:ext cx="7772400" cy="461624"/>
           </a:xfrm>
           <a:prstGeom prst="rect">
             <a:avLst/>
@@ -9196,35 +9478,27 @@
               <a:buSzTx/>
               <a:buFontTx/>
               <a:buNone/>
+              <a:tabLst/>
               <a:defRPr/>
             </a:pPr>
             <a:r>
-              <a:rPr kumimoji="0" lang="en-GB" sz="4800" b="1" i="0" u="none" strike="noStrike" kern="1200" cap="none" spc="0" normalizeH="0" baseline="0" dirty="0">
+              <a:rPr kumimoji="0" lang="en-GB" sz="2400" b="1" i="0" u="none" strike="noStrike" kern="1200" cap="none" spc="0" normalizeH="0" baseline="0" noProof="0" dirty="0">
+                <a:ln>
+                  <a:noFill/>
+                </a:ln>
                 <a:solidFill>
                   <a:prstClr val="white"/>
                 </a:solidFill>
+                <a:effectLst/>
+                <a:uLnTx/>
+                <a:uFillTx/>
                 <a:latin typeface="Nunito Sans" panose="00000500000000000000"/>
                 <a:ea typeface="Nunito Sans" panose="00000500000000000000"/>
                 <a:cs typeface="Nunito Sans" panose="00000500000000000000"/>
                 <a:sym typeface="Nunito Sans" panose="00000500000000000000"/>
               </a:rPr>
-              <a:t>AWS</a:t>
-            </a:r>
-            <a:endParaRPr kumimoji="0" sz="4800" b="1" i="0" u="none" strike="noStrike" kern="1200" cap="none" spc="0" normalizeH="0" baseline="0" noProof="0" dirty="0">
-              <a:ln>
-                <a:noFill/>
-              </a:ln>
-              <a:solidFill>
-                <a:prstClr val="white"/>
-              </a:solidFill>
-              <a:effectLst/>
-              <a:uLnTx/>
-              <a:uFillTx/>
-              <a:latin typeface="Nunito Sans" panose="00000500000000000000"/>
-              <a:ea typeface="Nunito Sans" panose="00000500000000000000"/>
-              <a:cs typeface="Nunito Sans" panose="00000500000000000000"/>
-              <a:sym typeface="Nunito Sans" panose="00000500000000000000"/>
-            </a:endParaRPr>
+              <a:t>HYPOTHESIS SPACE </a:t>
+            </a:r>
           </a:p>
         </p:txBody>
       </p:sp>
@@ -9233,7 +9507,7 @@
           <p:cNvPr id="117" name="Google Shape;117;p3">
             <a:extLst>
               <a:ext uri="{FF2B5EF4-FFF2-40B4-BE49-F238E27FC236}">
-                <a16:creationId xmlns:a16="http://schemas.microsoft.com/office/drawing/2014/main" id="{75D4596E-48AD-B476-CEAA-16994EC372B2}"/>
+                <a16:creationId xmlns:a16="http://schemas.microsoft.com/office/drawing/2014/main" id="{1330D985-3A06-EC1B-9336-CF146824316F}"/>
               </a:ext>
             </a:extLst>
           </p:cNvPr>
@@ -9266,7 +9540,7 @@
           <p:cNvPr id="29700" name="Rectangle 4">
             <a:extLst>
               <a:ext uri="{FF2B5EF4-FFF2-40B4-BE49-F238E27FC236}">
-                <a16:creationId xmlns:a16="http://schemas.microsoft.com/office/drawing/2014/main" id="{562E4A92-D703-C33D-D0D5-6BD95155F790}"/>
+                <a16:creationId xmlns:a16="http://schemas.microsoft.com/office/drawing/2014/main" id="{913E0D59-5221-1C65-77F5-A807820C5128}"/>
               </a:ext>
             </a:extLst>
           </p:cNvPr>
@@ -9310,7 +9584,7 @@
           <p:cNvPr id="9" name="Rectangle 8">
             <a:extLst>
               <a:ext uri="{FF2B5EF4-FFF2-40B4-BE49-F238E27FC236}">
-                <a16:creationId xmlns:a16="http://schemas.microsoft.com/office/drawing/2014/main" id="{4EC9A01D-2E23-2EEC-56A9-323B66E2D2D0}"/>
+                <a16:creationId xmlns:a16="http://schemas.microsoft.com/office/drawing/2014/main" id="{6C3A09F5-EE95-1C51-15CF-E204271BE644}"/>
               </a:ext>
             </a:extLst>
           </p:cNvPr>
@@ -9362,7 +9636,7 @@
           <p:cNvPr id="11" name="Rectangle 10">
             <a:extLst>
               <a:ext uri="{FF2B5EF4-FFF2-40B4-BE49-F238E27FC236}">
-                <a16:creationId xmlns:a16="http://schemas.microsoft.com/office/drawing/2014/main" id="{A17AA5CE-6B7F-929A-EE77-DBF15EED6785}"/>
+                <a16:creationId xmlns:a16="http://schemas.microsoft.com/office/drawing/2014/main" id="{15C89759-099E-0ED9-E7A4-3BA5F8BA784D}"/>
               </a:ext>
             </a:extLst>
           </p:cNvPr>
@@ -9460,7 +9734,7 @@
           <p:cNvPr id="2050" name="AutoShape 2" descr="Database PNG transparent image download, size: 512x512px">
             <a:extLst>
               <a:ext uri="{FF2B5EF4-FFF2-40B4-BE49-F238E27FC236}">
-                <a16:creationId xmlns:a16="http://schemas.microsoft.com/office/drawing/2014/main" id="{A5A0DE1A-B352-45B2-E0BC-12BD7B6A75F8}"/>
+                <a16:creationId xmlns:a16="http://schemas.microsoft.com/office/drawing/2014/main" id="{2BF11BA7-06BE-168A-8125-9EB62D95A8B8}"/>
               </a:ext>
             </a:extLst>
           </p:cNvPr>
@@ -9496,7 +9770,7 @@
           <p:cNvPr id="2052" name="AutoShape 4" descr="Database PNG transparent image download, size: 512x512px">
             <a:extLst>
               <a:ext uri="{FF2B5EF4-FFF2-40B4-BE49-F238E27FC236}">
-                <a16:creationId xmlns:a16="http://schemas.microsoft.com/office/drawing/2014/main" id="{8F88C92E-B667-60B9-5F1A-B989D0E621F1}"/>
+                <a16:creationId xmlns:a16="http://schemas.microsoft.com/office/drawing/2014/main" id="{E773D211-D493-40C3-6812-3D948D35FD5F}"/>
               </a:ext>
             </a:extLst>
           </p:cNvPr>
@@ -9532,7 +9806,7 @@
           <p:cNvPr id="2054" name="AutoShape 6" descr="Database PNG transparent image download, size: 512x512px">
             <a:extLst>
               <a:ext uri="{FF2B5EF4-FFF2-40B4-BE49-F238E27FC236}">
-                <a16:creationId xmlns:a16="http://schemas.microsoft.com/office/drawing/2014/main" id="{EA5139CB-3A6B-8C05-7AEA-94FBC5774EF5}"/>
+                <a16:creationId xmlns:a16="http://schemas.microsoft.com/office/drawing/2014/main" id="{5A94C5AA-4DA8-42B3-EEB4-7D35A26138C6}"/>
               </a:ext>
             </a:extLst>
           </p:cNvPr>
@@ -9568,7 +9842,7 @@
           <p:cNvPr id="2056" name="AutoShape 8" descr="Database PNG transparent image download, size: 512x512px">
             <a:extLst>
               <a:ext uri="{FF2B5EF4-FFF2-40B4-BE49-F238E27FC236}">
-                <a16:creationId xmlns:a16="http://schemas.microsoft.com/office/drawing/2014/main" id="{7A833079-055B-F1B7-68ED-AB845D04F433}"/>
+                <a16:creationId xmlns:a16="http://schemas.microsoft.com/office/drawing/2014/main" id="{623361A1-F987-0C28-464E-5B2ED4EE99A4}"/>
               </a:ext>
             </a:extLst>
           </p:cNvPr>
@@ -9604,7 +9878,7 @@
           <p:cNvPr id="2058" name="AutoShape 10" descr="Database PNG transparent image download, size: 512x512px">
             <a:extLst>
               <a:ext uri="{FF2B5EF4-FFF2-40B4-BE49-F238E27FC236}">
-                <a16:creationId xmlns:a16="http://schemas.microsoft.com/office/drawing/2014/main" id="{50EE92FE-0B01-C2E1-7622-473BCD1AB878}"/>
+                <a16:creationId xmlns:a16="http://schemas.microsoft.com/office/drawing/2014/main" id="{9FB9D056-EC08-2A41-7A3B-31915555C545}"/>
               </a:ext>
             </a:extLst>
           </p:cNvPr>
@@ -9635,10 +9909,40 @@
           </a:p>
         </p:txBody>
       </p:sp>
+      <p:pic>
+        <p:nvPicPr>
+          <p:cNvPr id="3" name="Picture 2">
+            <a:extLst>
+              <a:ext uri="{FF2B5EF4-FFF2-40B4-BE49-F238E27FC236}">
+                <a16:creationId xmlns:a16="http://schemas.microsoft.com/office/drawing/2014/main" id="{AB92D422-4D38-1A13-80B5-52C6AFCCABDF}"/>
+              </a:ext>
+            </a:extLst>
+          </p:cNvPr>
+          <p:cNvPicPr>
+            <a:picLocks noChangeAspect="1"/>
+          </p:cNvPicPr>
+          <p:nvPr/>
+        </p:nvPicPr>
+        <p:blipFill>
+          <a:blip r:embed="rId4"/>
+          <a:stretch>
+            <a:fillRect/>
+          </a:stretch>
+        </p:blipFill>
+        <p:spPr>
+          <a:xfrm>
+            <a:off x="1787552" y="1036643"/>
+            <a:ext cx="7738048" cy="5615370"/>
+          </a:xfrm>
+          <a:prstGeom prst="rect">
+            <a:avLst/>
+          </a:prstGeom>
+        </p:spPr>
+      </p:pic>
     </p:spTree>
     <p:extLst>
       <p:ext uri="{BB962C8B-B14F-4D97-AF65-F5344CB8AC3E}">
-        <p14:creationId xmlns:p14="http://schemas.microsoft.com/office/powerpoint/2010/main" val="3553998314"/>
+        <p14:creationId xmlns:p14="http://schemas.microsoft.com/office/powerpoint/2010/main" val="3045459260"/>
       </p:ext>
     </p:extLst>
   </p:cSld>
@@ -9656,7 +9960,7 @@
         <p:cNvPr id="1" name="Shape 105">
           <a:extLst>
             <a:ext uri="{FF2B5EF4-FFF2-40B4-BE49-F238E27FC236}">
-              <a16:creationId xmlns:a16="http://schemas.microsoft.com/office/drawing/2014/main" id="{B8F6F47D-EAE9-52EB-5FE9-6F130A395928}"/>
+              <a16:creationId xmlns:a16="http://schemas.microsoft.com/office/drawing/2014/main" id="{422D8962-8F88-6D8B-1149-435928D3725E}"/>
             </a:ext>
           </a:extLst>
         </p:cNvPr>
@@ -9676,7 +9980,7 @@
           <p:cNvPr id="106" name="Google Shape;106;p3">
             <a:extLst>
               <a:ext uri="{FF2B5EF4-FFF2-40B4-BE49-F238E27FC236}">
-                <a16:creationId xmlns:a16="http://schemas.microsoft.com/office/drawing/2014/main" id="{AE739603-6A79-7193-F76C-1B8AA15EC8AA}"/>
+                <a16:creationId xmlns:a16="http://schemas.microsoft.com/office/drawing/2014/main" id="{D56E62E7-E706-0C82-8112-3DD24A6BB967}"/>
               </a:ext>
             </a:extLst>
           </p:cNvPr>
@@ -9685,8 +9989,8 @@
         </p:nvSpPr>
         <p:spPr>
           <a:xfrm>
-            <a:off x="421524" y="898465"/>
-            <a:ext cx="10989081" cy="5355272"/>
+            <a:off x="460375" y="1167627"/>
+            <a:ext cx="10989081" cy="5632271"/>
           </a:xfrm>
           <a:prstGeom prst="rect">
             <a:avLst/>
@@ -9708,37 +10012,10 @@
               </a:lnSpc>
             </a:pPr>
             <a:r>
-              <a:rPr lang="en-US" sz="2400" b="1" dirty="0">
-                <a:latin typeface="Nunito Sans" pitchFamily="2" charset="0"/>
-              </a:rPr>
-              <a:t>2. Natural Language Processing (NLP)</a:t>
-            </a:r>
-          </a:p>
-          <a:p>
-            <a:pPr>
-              <a:lnSpc>
-                <a:spcPct val="150000"/>
-              </a:lnSpc>
-              <a:buFont typeface="Arial" panose="020B0604020202020204" pitchFamily="34" charset="0"/>
-              <a:buChar char="•"/>
-            </a:pPr>
-            <a:r>
-              <a:rPr lang="en-US" sz="2400" b="1" dirty="0">
-                <a:latin typeface="Nunito Sans" pitchFamily="2" charset="0"/>
-              </a:rPr>
-              <a:t> Language Translation</a:t>
-            </a:r>
-            <a:r>
-              <a:rPr lang="en-US" sz="2400" dirty="0">
-                <a:latin typeface="Nunito Sans" pitchFamily="2" charset="0"/>
-              </a:rPr>
-              <a:t>: </a:t>
-            </a:r>
-            <a:r>
               <a:rPr lang="en-US" sz="2000" dirty="0">
                 <a:latin typeface="Nunito Sans" pitchFamily="2" charset="0"/>
               </a:rPr>
-              <a:t>Apps like Google Translate use NLP models to translate text or speech in real-time, supporting multiple languages.</a:t>
+              <a:t>Inductive bias is the set of assumptions a machine learning model makes to predict outputs for unseen inputs based on its training data. It provides the model with a "preference" toward certain solutions, which helps it generalize effectively from limited data.</a:t>
             </a:r>
           </a:p>
           <a:p>
@@ -9746,90 +10023,96 @@
               <a:lnSpc>
                 <a:spcPct val="150000"/>
               </a:lnSpc>
-              <a:buFont typeface="Arial" panose="020B0604020202020204" pitchFamily="34" charset="0"/>
-              <a:buChar char="•"/>
-            </a:pPr>
-            <a:r>
-              <a:rPr lang="en-US" sz="2400" b="1" dirty="0">
-                <a:latin typeface="Nunito Sans" pitchFamily="2" charset="0"/>
-              </a:rPr>
-              <a:t> Sentiment Analysis</a:t>
-            </a:r>
-            <a:r>
-              <a:rPr lang="en-US" sz="2400" dirty="0">
-                <a:latin typeface="Nunito Sans" pitchFamily="2" charset="0"/>
-              </a:rPr>
-              <a:t>: </a:t>
-            </a:r>
+            </a:pPr>
             <a:r>
               <a:rPr lang="en-US" sz="2000" dirty="0">
                 <a:latin typeface="Nunito Sans" pitchFamily="2" charset="0"/>
               </a:rPr>
-              <a:t>Businesses use NLP to analyze customer sentiment in reviews or social media, helping them understand consumer opinions.</a:t>
-            </a:r>
-            <a:endParaRPr lang="en-US" sz="2400" dirty="0">
-              <a:latin typeface="Nunito Sans" pitchFamily="2" charset="0"/>
-            </a:endParaRPr>
-          </a:p>
-          <a:p>
-            <a:pPr>
+              <a:t>Purpose:</a:t>
+            </a:r>
+          </a:p>
+          <a:p>
+            <a:pPr marL="342900" indent="-342900">
               <a:lnSpc>
                 <a:spcPct val="150000"/>
               </a:lnSpc>
               <a:buFont typeface="Arial" panose="020B0604020202020204" pitchFamily="34" charset="0"/>
               <a:buChar char="•"/>
             </a:pPr>
-            <a:r>
-              <a:rPr lang="en-US" sz="2400" b="1" dirty="0">
-                <a:latin typeface="Nunito Sans" pitchFamily="2" charset="0"/>
-              </a:rPr>
-              <a:t> Chatbots and Virtual Assistants</a:t>
-            </a:r>
-            <a:r>
-              <a:rPr lang="en-US" sz="2400" dirty="0">
-                <a:latin typeface="Nunito Sans" pitchFamily="2" charset="0"/>
-              </a:rPr>
-              <a:t>: </a:t>
-            </a:r>
             <a:r>
               <a:rPr lang="en-US" sz="2000" dirty="0">
                 <a:latin typeface="Nunito Sans" pitchFamily="2" charset="0"/>
               </a:rPr>
-              <a:t>Siri, Alexa, and other voice-activated assistants use NLP to understand spoken language, answer questions, and perform tasks.</a:t>
-            </a:r>
-            <a:endParaRPr lang="en-US" sz="2400" dirty="0">
-              <a:latin typeface="Nunito Sans" pitchFamily="2" charset="0"/>
-            </a:endParaRPr>
-          </a:p>
-          <a:p>
-            <a:pPr>
+              <a:t>Generalization: Inductive bias enables a model to go beyond the training data, predicting patterns it hasn't explicitly seen.</a:t>
+            </a:r>
+          </a:p>
+          <a:p>
+            <a:pPr marL="342900" indent="-342900">
               <a:lnSpc>
                 <a:spcPct val="150000"/>
               </a:lnSpc>
               <a:buFont typeface="Arial" panose="020B0604020202020204" pitchFamily="34" charset="0"/>
               <a:buChar char="•"/>
             </a:pPr>
-            <a:r>
-              <a:rPr lang="en-US" sz="2400" b="1" dirty="0">
-                <a:latin typeface="Nunito Sans" pitchFamily="2" charset="0"/>
-              </a:rPr>
-              <a:t> Content Generation and Summarization</a:t>
-            </a:r>
             <a:r>
               <a:rPr lang="en-US" sz="2000" dirty="0">
                 <a:latin typeface="Nunito Sans" pitchFamily="2" charset="0"/>
               </a:rPr>
-              <a:t>: </a:t>
-            </a:r>
-            <a:r>
-              <a:rPr lang="en-US" sz="2400" dirty="0">
+              <a:t>Guiding Hypothesis Selection: By narrowing down the hypothesis space, inductive bias helps the model focus on likely solutions rather than exploring every possible one.</a:t>
+            </a:r>
+          </a:p>
+          <a:p>
+            <a:pPr marL="342900" indent="-342900">
+              <a:lnSpc>
+                <a:spcPct val="150000"/>
+              </a:lnSpc>
+              <a:buFont typeface="Arial" panose="020B0604020202020204" pitchFamily="34" charset="0"/>
+              <a:buChar char="•"/>
+            </a:pPr>
+            <a:endParaRPr lang="en-US" sz="2000" dirty="0">
+              <a:latin typeface="Nunito Sans" pitchFamily="2" charset="0"/>
+            </a:endParaRPr>
+          </a:p>
+          <a:p>
+            <a:pPr>
+              <a:lnSpc>
+                <a:spcPct val="150000"/>
+              </a:lnSpc>
+            </a:pPr>
+            <a:r>
+              <a:rPr lang="en-US" sz="2000" dirty="0">
                 <a:latin typeface="Nunito Sans" pitchFamily="2" charset="0"/>
               </a:rPr>
-              <a:t>Tools like GPT can generate human-like text, summarize articles, or assist with creative writing, enhancing productivity.</a:t>
-            </a:r>
-            <a:endParaRPr lang="en-US" sz="2800" dirty="0">
-              <a:latin typeface="Nunito Sans" pitchFamily="2" charset="0"/>
-            </a:endParaRPr>
+              <a:t>Types of Inductive Bias:</a:t>
+            </a:r>
+          </a:p>
+          <a:p>
+            <a:pPr marL="457200" indent="-457200">
+              <a:lnSpc>
+                <a:spcPct val="150000"/>
+              </a:lnSpc>
+              <a:buAutoNum type="arabicPeriod"/>
+            </a:pPr>
+            <a:r>
+              <a:rPr lang="en-US" sz="2000" dirty="0">
+                <a:latin typeface="Nunito Sans" pitchFamily="2" charset="0"/>
+              </a:rPr>
+              <a:t>Language Bias</a:t>
+            </a:r>
+          </a:p>
+          <a:p>
+            <a:pPr marL="457200" indent="-457200">
+              <a:lnSpc>
+                <a:spcPct val="150000"/>
+              </a:lnSpc>
+              <a:buAutoNum type="arabicPeriod"/>
+            </a:pPr>
+            <a:r>
+              <a:rPr lang="en-US" sz="2000" dirty="0">
+                <a:latin typeface="Nunito Sans" pitchFamily="2" charset="0"/>
+              </a:rPr>
+              <a:t>Search Bias</a:t>
+            </a:r>
           </a:p>
         </p:txBody>
       </p:sp>
@@ -9838,7 +10121,7 @@
           <p:cNvPr id="115" name="Google Shape;115;p3">
             <a:extLst>
               <a:ext uri="{FF2B5EF4-FFF2-40B4-BE49-F238E27FC236}">
-                <a16:creationId xmlns:a16="http://schemas.microsoft.com/office/drawing/2014/main" id="{085EEEFC-F3CD-3EA3-3A2D-6475E3148FCA}"/>
+                <a16:creationId xmlns:a16="http://schemas.microsoft.com/office/drawing/2014/main" id="{B8F69611-4EDC-A41B-7F6E-7E2A358C03CC}"/>
               </a:ext>
             </a:extLst>
           </p:cNvPr>
@@ -9905,7 +10188,7 @@
           <p:cNvPr id="116" name="Google Shape;116;p3">
             <a:extLst>
               <a:ext uri="{FF2B5EF4-FFF2-40B4-BE49-F238E27FC236}">
-                <a16:creationId xmlns:a16="http://schemas.microsoft.com/office/drawing/2014/main" id="{BDF573A8-5119-E5EC-D5CA-8FC8E793530B}"/>
+                <a16:creationId xmlns:a16="http://schemas.microsoft.com/office/drawing/2014/main" id="{49812DEE-81E6-1AED-0D2C-48BB103A2E72}"/>
               </a:ext>
             </a:extLst>
           </p:cNvPr>
@@ -9915,7 +10198,7 @@
         <p:spPr>
           <a:xfrm>
             <a:off x="3238986" y="173182"/>
-            <a:ext cx="7772400" cy="828675"/>
+            <a:ext cx="7772400" cy="461624"/>
           </a:xfrm>
           <a:prstGeom prst="rect">
             <a:avLst/>
@@ -9948,7 +10231,7 @@
               <a:defRPr/>
             </a:pPr>
             <a:r>
-              <a:rPr kumimoji="0" lang="en-GB" sz="4800" b="1" i="0" u="none" strike="noStrike" kern="1200" cap="none" spc="0" normalizeH="0" baseline="0" dirty="0">
+              <a:rPr kumimoji="0" lang="en-GB" sz="2400" b="1" i="0" u="none" strike="noStrike" kern="1200" cap="none" spc="0" normalizeH="0" baseline="0" dirty="0">
                 <a:solidFill>
                   <a:prstClr val="white"/>
                 </a:solidFill>
@@ -9957,23 +10240,8 @@
                 <a:cs typeface="Nunito Sans" panose="00000500000000000000"/>
                 <a:sym typeface="Nunito Sans" panose="00000500000000000000"/>
               </a:rPr>
-              <a:t>AWS</a:t>
-            </a:r>
-            <a:endParaRPr kumimoji="0" sz="4800" b="1" i="0" u="none" strike="noStrike" kern="1200" cap="none" spc="0" normalizeH="0" baseline="0" noProof="0" dirty="0">
-              <a:ln>
-                <a:noFill/>
-              </a:ln>
-              <a:solidFill>
-                <a:prstClr val="white"/>
-              </a:solidFill>
-              <a:effectLst/>
-              <a:uLnTx/>
-              <a:uFillTx/>
-              <a:latin typeface="Nunito Sans" panose="00000500000000000000"/>
-              <a:ea typeface="Nunito Sans" panose="00000500000000000000"/>
-              <a:cs typeface="Nunito Sans" panose="00000500000000000000"/>
-              <a:sym typeface="Nunito Sans" panose="00000500000000000000"/>
-            </a:endParaRPr>
+              <a:t>INDUCTIVE BIAS </a:t>
+            </a:r>
           </a:p>
         </p:txBody>
       </p:sp>
@@ -9982,7 +10250,7 @@
           <p:cNvPr id="117" name="Google Shape;117;p3">
             <a:extLst>
               <a:ext uri="{FF2B5EF4-FFF2-40B4-BE49-F238E27FC236}">
-                <a16:creationId xmlns:a16="http://schemas.microsoft.com/office/drawing/2014/main" id="{A5949A66-4AD7-FA8A-E289-FEE1892894D4}"/>
+                <a16:creationId xmlns:a16="http://schemas.microsoft.com/office/drawing/2014/main" id="{F866590E-9227-4F0B-0E43-433140DD913A}"/>
               </a:ext>
             </a:extLst>
           </p:cNvPr>
@@ -10015,7 +10283,7 @@
           <p:cNvPr id="29700" name="Rectangle 4">
             <a:extLst>
               <a:ext uri="{FF2B5EF4-FFF2-40B4-BE49-F238E27FC236}">
-                <a16:creationId xmlns:a16="http://schemas.microsoft.com/office/drawing/2014/main" id="{FE2BB15F-287B-683B-01FD-06347A7C27E8}"/>
+                <a16:creationId xmlns:a16="http://schemas.microsoft.com/office/drawing/2014/main" id="{76C8D032-7295-D0D3-0A9C-DC0DD229996A}"/>
               </a:ext>
             </a:extLst>
           </p:cNvPr>
@@ -10059,7 +10327,7 @@
           <p:cNvPr id="9" name="Rectangle 8">
             <a:extLst>
               <a:ext uri="{FF2B5EF4-FFF2-40B4-BE49-F238E27FC236}">
-                <a16:creationId xmlns:a16="http://schemas.microsoft.com/office/drawing/2014/main" id="{6603D4A9-3463-A3EB-A987-98804A3CAACC}"/>
+                <a16:creationId xmlns:a16="http://schemas.microsoft.com/office/drawing/2014/main" id="{0975B6C5-44BB-15BE-7F9E-A15BAC077DDB}"/>
               </a:ext>
             </a:extLst>
           </p:cNvPr>
@@ -10111,7 +10379,7 @@
           <p:cNvPr id="11" name="Rectangle 10">
             <a:extLst>
               <a:ext uri="{FF2B5EF4-FFF2-40B4-BE49-F238E27FC236}">
-                <a16:creationId xmlns:a16="http://schemas.microsoft.com/office/drawing/2014/main" id="{5B448517-BBC8-4FB0-B251-7044119A571C}"/>
+                <a16:creationId xmlns:a16="http://schemas.microsoft.com/office/drawing/2014/main" id="{98A42A19-40B9-F8E2-444E-BA50632E546A}"/>
               </a:ext>
             </a:extLst>
           </p:cNvPr>
@@ -10209,7 +10477,7 @@
           <p:cNvPr id="2050" name="AutoShape 2" descr="Database PNG transparent image download, size: 512x512px">
             <a:extLst>
               <a:ext uri="{FF2B5EF4-FFF2-40B4-BE49-F238E27FC236}">
-                <a16:creationId xmlns:a16="http://schemas.microsoft.com/office/drawing/2014/main" id="{3BACA8CF-A038-F087-E97B-07D3439E4538}"/>
+                <a16:creationId xmlns:a16="http://schemas.microsoft.com/office/drawing/2014/main" id="{11D312AD-3514-8B68-8B95-03CEEB965A5B}"/>
               </a:ext>
             </a:extLst>
           </p:cNvPr>
@@ -10245,7 +10513,7 @@
           <p:cNvPr id="2052" name="AutoShape 4" descr="Database PNG transparent image download, size: 512x512px">
             <a:extLst>
               <a:ext uri="{FF2B5EF4-FFF2-40B4-BE49-F238E27FC236}">
-                <a16:creationId xmlns:a16="http://schemas.microsoft.com/office/drawing/2014/main" id="{11589C47-3123-DBE2-27F6-889423E20CB0}"/>
+                <a16:creationId xmlns:a16="http://schemas.microsoft.com/office/drawing/2014/main" id="{5788DD57-5F9E-09BC-4D71-E62D1CF76A9D}"/>
               </a:ext>
             </a:extLst>
           </p:cNvPr>
@@ -10281,7 +10549,7 @@
           <p:cNvPr id="2054" name="AutoShape 6" descr="Database PNG transparent image download, size: 512x512px">
             <a:extLst>
               <a:ext uri="{FF2B5EF4-FFF2-40B4-BE49-F238E27FC236}">
-                <a16:creationId xmlns:a16="http://schemas.microsoft.com/office/drawing/2014/main" id="{03A78465-43CB-E42A-276E-827BCA40E34D}"/>
+                <a16:creationId xmlns:a16="http://schemas.microsoft.com/office/drawing/2014/main" id="{A22B70F8-B6B0-6673-59DA-027FE47ACC52}"/>
               </a:ext>
             </a:extLst>
           </p:cNvPr>
@@ -10317,7 +10585,7 @@
           <p:cNvPr id="2056" name="AutoShape 8" descr="Database PNG transparent image download, size: 512x512px">
             <a:extLst>
               <a:ext uri="{FF2B5EF4-FFF2-40B4-BE49-F238E27FC236}">
-                <a16:creationId xmlns:a16="http://schemas.microsoft.com/office/drawing/2014/main" id="{E19EBF64-7F6C-DFB4-88D8-B764A7ABFFE9}"/>
+                <a16:creationId xmlns:a16="http://schemas.microsoft.com/office/drawing/2014/main" id="{6301D27F-6DB9-2BA1-C72C-0F8C4F3DDC05}"/>
               </a:ext>
             </a:extLst>
           </p:cNvPr>
@@ -10353,7 +10621,7 @@
           <p:cNvPr id="2058" name="AutoShape 10" descr="Database PNG transparent image download, size: 512x512px">
             <a:extLst>
               <a:ext uri="{FF2B5EF4-FFF2-40B4-BE49-F238E27FC236}">
-                <a16:creationId xmlns:a16="http://schemas.microsoft.com/office/drawing/2014/main" id="{E37500F3-8B59-D282-32D9-54A2C954BE50}"/>
+                <a16:creationId xmlns:a16="http://schemas.microsoft.com/office/drawing/2014/main" id="{9F2D6713-4B3A-40F3-F4A3-C4796B350DBD}"/>
               </a:ext>
             </a:extLst>
           </p:cNvPr>
@@ -10387,7 +10655,7 @@
     </p:spTree>
     <p:extLst>
       <p:ext uri="{BB962C8B-B14F-4D97-AF65-F5344CB8AC3E}">
-        <p14:creationId xmlns:p14="http://schemas.microsoft.com/office/powerpoint/2010/main" val="2361665689"/>
+        <p14:creationId xmlns:p14="http://schemas.microsoft.com/office/powerpoint/2010/main" val="2934667607"/>
       </p:ext>
     </p:extLst>
   </p:cSld>
@@ -10405,7 +10673,7 @@
         <p:cNvPr id="1" name="Shape 105">
           <a:extLst>
             <a:ext uri="{FF2B5EF4-FFF2-40B4-BE49-F238E27FC236}">
-              <a16:creationId xmlns:a16="http://schemas.microsoft.com/office/drawing/2014/main" id="{EB693195-232B-3327-A643-886D6C5ADAD0}"/>
+              <a16:creationId xmlns:a16="http://schemas.microsoft.com/office/drawing/2014/main" id="{BD547148-210A-44B7-E13B-020A4C7CD3CA}"/>
             </a:ext>
           </a:extLst>
         </p:cNvPr>
@@ -10425,7 +10693,7 @@
           <p:cNvPr id="106" name="Google Shape;106;p3">
             <a:extLst>
               <a:ext uri="{FF2B5EF4-FFF2-40B4-BE49-F238E27FC236}">
-                <a16:creationId xmlns:a16="http://schemas.microsoft.com/office/drawing/2014/main" id="{FB5A4803-0AF0-15A0-AE6E-0708A99A4A6B}"/>
+                <a16:creationId xmlns:a16="http://schemas.microsoft.com/office/drawing/2014/main" id="{626E45B7-8663-B054-C1A8-A1AD2B5E1FFF}"/>
               </a:ext>
             </a:extLst>
           </p:cNvPr>
@@ -10435,7 +10703,7 @@
         <p:spPr>
           <a:xfrm>
             <a:off x="460375" y="1167627"/>
-            <a:ext cx="10989081" cy="4585830"/>
+            <a:ext cx="10989081" cy="5170606"/>
           </a:xfrm>
           <a:prstGeom prst="rect">
             <a:avLst/>
@@ -10451,135 +10719,82 @@
           </a:bodyPr>
           <a:lstStyle/>
           <a:p>
-            <a:r>
-              <a:rPr lang="en-US" sz="2400" b="1" dirty="0">
+            <a:pPr>
+              <a:lnSpc>
+                <a:spcPct val="150000"/>
+              </a:lnSpc>
+            </a:pPr>
+            <a:r>
+              <a:rPr lang="en-US" sz="2000" b="1" dirty="0">
                 <a:latin typeface="Nunito Sans" pitchFamily="2" charset="0"/>
               </a:rPr>
-              <a:t>3. Finance and Banking</a:t>
-            </a:r>
-          </a:p>
-          <a:p>
-            <a:endParaRPr lang="en-US" sz="2400" b="1" dirty="0">
-              <a:latin typeface="Nunito Sans" pitchFamily="2" charset="0"/>
-            </a:endParaRPr>
+              <a:t>Analogy: Finding a Friend's House:</a:t>
+            </a:r>
           </a:p>
           <a:p>
             <a:pPr>
-              <a:buFont typeface="Arial" panose="020B0604020202020204" pitchFamily="34" charset="0"/>
-              <a:buChar char="•"/>
-            </a:pPr>
-            <a:r>
-              <a:rPr lang="en-US" sz="2400" b="1" dirty="0">
-                <a:latin typeface="Nunito Sans" pitchFamily="2" charset="0"/>
-              </a:rPr>
-              <a:t> Fraud Detection</a:t>
-            </a:r>
-            <a:r>
-              <a:rPr lang="en-US" sz="2400" dirty="0">
-                <a:latin typeface="Nunito Sans" pitchFamily="2" charset="0"/>
-              </a:rPr>
-              <a:t>: </a:t>
-            </a:r>
+              <a:lnSpc>
+                <a:spcPct val="150000"/>
+              </a:lnSpc>
+            </a:pPr>
             <a:r>
               <a:rPr lang="en-US" sz="2000" dirty="0">
                 <a:latin typeface="Nunito Sans" pitchFamily="2" charset="0"/>
               </a:rPr>
-              <a:t>Banks use machine learning to monitor transactions for unusual activity, flagging potentially fraudulent transactions instantly.</a:t>
+              <a:t>Imagine you're trying to find a friend's new house in a city without an exact address, but they give you some hints. They tell you:</a:t>
             </a:r>
           </a:p>
           <a:p>
             <a:pPr>
-              <a:buFont typeface="Arial" panose="020B0604020202020204" pitchFamily="34" charset="0"/>
-              <a:buChar char="•"/>
-            </a:pPr>
-            <a:endParaRPr lang="en-US" sz="2000" dirty="0">
-              <a:latin typeface="Nunito Sans" pitchFamily="2" charset="0"/>
-            </a:endParaRPr>
-          </a:p>
-          <a:p>
-            <a:pPr>
-              <a:buFont typeface="Arial" panose="020B0604020202020204" pitchFamily="34" charset="0"/>
-              <a:buChar char="•"/>
-            </a:pPr>
-            <a:r>
-              <a:rPr lang="en-US" sz="2400" b="1" dirty="0">
-                <a:latin typeface="Nunito Sans" pitchFamily="2" charset="0"/>
-              </a:rPr>
-              <a:t> Credit Scoring</a:t>
-            </a:r>
-            <a:r>
-              <a:rPr lang="en-US" sz="2400" dirty="0">
-                <a:latin typeface="Nunito Sans" pitchFamily="2" charset="0"/>
-              </a:rPr>
-              <a:t>: </a:t>
-            </a:r>
+              <a:lnSpc>
+                <a:spcPct val="150000"/>
+              </a:lnSpc>
+            </a:pPr>
             <a:r>
               <a:rPr lang="en-US" sz="2000" dirty="0">
                 <a:latin typeface="Nunito Sans" pitchFamily="2" charset="0"/>
               </a:rPr>
-              <a:t>ML algorithms analyze credit histories, transaction data, and other factors to assess the creditworthiness of individuals and businesses.</a:t>
-            </a:r>
-          </a:p>
-          <a:p>
-            <a:endParaRPr lang="en-US" sz="2800" dirty="0">
-              <a:latin typeface="Nunito Sans" pitchFamily="2" charset="0"/>
-            </a:endParaRPr>
+              <a:t>Their house is painted blue.</a:t>
+            </a:r>
           </a:p>
           <a:p>
             <a:pPr>
-              <a:buFont typeface="Arial" panose="020B0604020202020204" pitchFamily="34" charset="0"/>
-              <a:buChar char="•"/>
-            </a:pPr>
-            <a:r>
-              <a:rPr lang="en-US" sz="2400" b="1" dirty="0">
-                <a:latin typeface="Nunito Sans" pitchFamily="2" charset="0"/>
-              </a:rPr>
-              <a:t> Algorithmic Trading</a:t>
-            </a:r>
-            <a:r>
-              <a:rPr lang="en-US" sz="2400" dirty="0">
-                <a:latin typeface="Nunito Sans" pitchFamily="2" charset="0"/>
-              </a:rPr>
-              <a:t>: </a:t>
-            </a:r>
+              <a:lnSpc>
+                <a:spcPct val="150000"/>
+              </a:lnSpc>
+            </a:pPr>
             <a:r>
               <a:rPr lang="en-US" sz="2000" dirty="0">
                 <a:latin typeface="Nunito Sans" pitchFamily="2" charset="0"/>
               </a:rPr>
-              <a:t>Financial institutions employ machine learning to analyze market trends, execute trades, and make investment decisions autonomously.</a:t>
-            </a:r>
-          </a:p>
-          <a:p>
-            <a:endParaRPr lang="en-US" sz="2000" dirty="0">
-              <a:latin typeface="Nunito Sans" pitchFamily="2" charset="0"/>
-            </a:endParaRPr>
+              <a:t>It’s within a few blocks of a coffee shop.</a:t>
+            </a:r>
           </a:p>
           <a:p>
             <a:pPr>
-              <a:buFont typeface="Arial" panose="020B0604020202020204" pitchFamily="34" charset="0"/>
-              <a:buChar char="•"/>
-            </a:pPr>
-            <a:r>
-              <a:rPr lang="en-US" sz="2400" b="1" dirty="0">
-                <a:latin typeface="Nunito Sans" pitchFamily="2" charset="0"/>
-              </a:rPr>
-              <a:t> Customer Service</a:t>
-            </a:r>
-            <a:r>
-              <a:rPr lang="en-US" sz="2400" dirty="0">
-                <a:latin typeface="Nunito Sans" pitchFamily="2" charset="0"/>
-              </a:rPr>
-              <a:t>: </a:t>
-            </a:r>
+              <a:lnSpc>
+                <a:spcPct val="150000"/>
+              </a:lnSpc>
+            </a:pPr>
             <a:r>
               <a:rPr lang="en-US" sz="2000" dirty="0">
                 <a:latin typeface="Nunito Sans" pitchFamily="2" charset="0"/>
               </a:rPr>
-              <a:t>AI-driven chatbots in banking provide 24/7 support, answering questions about accounts, loans, and financial products.</a:t>
-            </a:r>
-            <a:endParaRPr lang="en-US" sz="2800" dirty="0">
-              <a:latin typeface="Nunito Sans" pitchFamily="2" charset="0"/>
-            </a:endParaRPr>
+              <a:t>It’s a two-story building.</a:t>
+            </a:r>
+          </a:p>
+          <a:p>
+            <a:pPr>
+              <a:lnSpc>
+                <a:spcPct val="150000"/>
+              </a:lnSpc>
+            </a:pPr>
+            <a:r>
+              <a:rPr lang="en-US" sz="2000" dirty="0">
+                <a:latin typeface="Nunito Sans" pitchFamily="2" charset="0"/>
+              </a:rPr>
+              <a:t>Without these hints (assumptions or "biases"), you'd have to search every single house in the city, which would be incredibly time-consuming. However, with these hints, you can ignore houses that don’t meet the criteria (e.g., houses painted red, far from coffee shops, or single-story buildings). These assumptions guide your search, narrowing down the possibilities significantly and making it more likely that you'll find the right house quickly.</a:t>
+            </a:r>
           </a:p>
         </p:txBody>
       </p:sp>
@@ -10588,7 +10803,7 @@
           <p:cNvPr id="115" name="Google Shape;115;p3">
             <a:extLst>
               <a:ext uri="{FF2B5EF4-FFF2-40B4-BE49-F238E27FC236}">
-                <a16:creationId xmlns:a16="http://schemas.microsoft.com/office/drawing/2014/main" id="{6C0A94FC-5582-B437-2F6B-A237A9129F3C}"/>
+                <a16:creationId xmlns:a16="http://schemas.microsoft.com/office/drawing/2014/main" id="{503E5328-26DC-718D-C245-547F1333267A}"/>
               </a:ext>
             </a:extLst>
           </p:cNvPr>
@@ -10655,7 +10870,7 @@
           <p:cNvPr id="116" name="Google Shape;116;p3">
             <a:extLst>
               <a:ext uri="{FF2B5EF4-FFF2-40B4-BE49-F238E27FC236}">
-                <a16:creationId xmlns:a16="http://schemas.microsoft.com/office/drawing/2014/main" id="{2E9B6CBA-D715-FFDC-994E-E284177258E8}"/>
+                <a16:creationId xmlns:a16="http://schemas.microsoft.com/office/drawing/2014/main" id="{1C78288D-C94A-F92B-B563-C2A9D3E07F2D}"/>
               </a:ext>
             </a:extLst>
           </p:cNvPr>
@@ -10665,7 +10880,7 @@
         <p:spPr>
           <a:xfrm>
             <a:off x="3238986" y="173182"/>
-            <a:ext cx="7772400" cy="828675"/>
+            <a:ext cx="7772400" cy="461624"/>
           </a:xfrm>
           <a:prstGeom prst="rect">
             <a:avLst/>
@@ -10698,7 +10913,7 @@
               <a:defRPr/>
             </a:pPr>
             <a:r>
-              <a:rPr kumimoji="0" lang="en-GB" sz="4800" b="1" i="0" u="none" strike="noStrike" kern="1200" cap="none" spc="0" normalizeH="0" baseline="0" dirty="0">
+              <a:rPr kumimoji="0" lang="en-GB" sz="2400" b="1" i="0" u="none" strike="noStrike" kern="1200" cap="none" spc="0" normalizeH="0" baseline="0" dirty="0">
                 <a:solidFill>
                   <a:prstClr val="white"/>
                 </a:solidFill>
@@ -10707,23 +10922,32 @@
                 <a:cs typeface="Nunito Sans" panose="00000500000000000000"/>
                 <a:sym typeface="Nunito Sans" panose="00000500000000000000"/>
               </a:rPr>
-              <a:t>AWS</a:t>
-            </a:r>
-            <a:endParaRPr kumimoji="0" sz="4800" b="1" i="0" u="none" strike="noStrike" kern="1200" cap="none" spc="0" normalizeH="0" baseline="0" noProof="0" dirty="0">
-              <a:ln>
-                <a:noFill/>
-              </a:ln>
-              <a:solidFill>
-                <a:prstClr val="white"/>
-              </a:solidFill>
-              <a:effectLst/>
-              <a:uLnTx/>
-              <a:uFillTx/>
-              <a:latin typeface="Nunito Sans" panose="00000500000000000000"/>
-              <a:ea typeface="Nunito Sans" panose="00000500000000000000"/>
-              <a:cs typeface="Nunito Sans" panose="00000500000000000000"/>
-              <a:sym typeface="Nunito Sans" panose="00000500000000000000"/>
-            </a:endParaRPr>
+              <a:t>SIMPLE ANALOGY </a:t>
+            </a:r>
+            <a:r>
+              <a:rPr lang="en-GB" sz="2400" b="1" dirty="0">
+                <a:solidFill>
+                  <a:prstClr val="white"/>
+                </a:solidFill>
+                <a:latin typeface="Nunito Sans" panose="00000500000000000000"/>
+                <a:ea typeface="Nunito Sans" panose="00000500000000000000"/>
+                <a:cs typeface="Nunito Sans" panose="00000500000000000000"/>
+                <a:sym typeface="Nunito Sans" panose="00000500000000000000"/>
+              </a:rPr>
+              <a:t>OF </a:t>
+            </a:r>
+            <a:r>
+              <a:rPr kumimoji="0" lang="en-GB" sz="2400" b="1" i="0" u="none" strike="noStrike" kern="1200" cap="none" spc="0" normalizeH="0" baseline="0" dirty="0">
+                <a:solidFill>
+                  <a:prstClr val="white"/>
+                </a:solidFill>
+                <a:latin typeface="Nunito Sans" panose="00000500000000000000"/>
+                <a:ea typeface="Nunito Sans" panose="00000500000000000000"/>
+                <a:cs typeface="Nunito Sans" panose="00000500000000000000"/>
+                <a:sym typeface="Nunito Sans" panose="00000500000000000000"/>
+              </a:rPr>
+              <a:t>INDUCTIVE BIAS </a:t>
+            </a:r>
           </a:p>
         </p:txBody>
       </p:sp>
@@ -10732,7 +10956,7 @@
           <p:cNvPr id="117" name="Google Shape;117;p3">
             <a:extLst>
               <a:ext uri="{FF2B5EF4-FFF2-40B4-BE49-F238E27FC236}">
-                <a16:creationId xmlns:a16="http://schemas.microsoft.com/office/drawing/2014/main" id="{921C0A8E-C44B-C4F6-4331-625535C0CBAF}"/>
+                <a16:creationId xmlns:a16="http://schemas.microsoft.com/office/drawing/2014/main" id="{B88F5B28-359D-7F7D-1617-91993543DC91}"/>
               </a:ext>
             </a:extLst>
           </p:cNvPr>
@@ -10765,7 +10989,7 @@
           <p:cNvPr id="29700" name="Rectangle 4">
             <a:extLst>
               <a:ext uri="{FF2B5EF4-FFF2-40B4-BE49-F238E27FC236}">
-                <a16:creationId xmlns:a16="http://schemas.microsoft.com/office/drawing/2014/main" id="{EF32BED6-5AB7-C443-AC90-CAE5104FE99E}"/>
+                <a16:creationId xmlns:a16="http://schemas.microsoft.com/office/drawing/2014/main" id="{FF5ED7F7-B9BD-A5AA-546B-84D44B9F6DC9}"/>
               </a:ext>
             </a:extLst>
           </p:cNvPr>
@@ -10809,7 +11033,7 @@
           <p:cNvPr id="9" name="Rectangle 8">
             <a:extLst>
               <a:ext uri="{FF2B5EF4-FFF2-40B4-BE49-F238E27FC236}">
-                <a16:creationId xmlns:a16="http://schemas.microsoft.com/office/drawing/2014/main" id="{28C43B00-DE09-9CDA-8A43-4DC4C690D537}"/>
+                <a16:creationId xmlns:a16="http://schemas.microsoft.com/office/drawing/2014/main" id="{8590432C-6E65-EB61-7AB2-47E4DDF9F1A3}"/>
               </a:ext>
             </a:extLst>
           </p:cNvPr>
@@ -10861,7 +11085,7 @@
           <p:cNvPr id="11" name="Rectangle 10">
             <a:extLst>
               <a:ext uri="{FF2B5EF4-FFF2-40B4-BE49-F238E27FC236}">
-                <a16:creationId xmlns:a16="http://schemas.microsoft.com/office/drawing/2014/main" id="{A816803E-1C17-6BD2-C0E0-780DB7E25CAF}"/>
+                <a16:creationId xmlns:a16="http://schemas.microsoft.com/office/drawing/2014/main" id="{8F537B43-D899-7C02-5F66-6C44653EA4B3}"/>
               </a:ext>
             </a:extLst>
           </p:cNvPr>
@@ -10959,7 +11183,7 @@
           <p:cNvPr id="2050" name="AutoShape 2" descr="Database PNG transparent image download, size: 512x512px">
             <a:extLst>
               <a:ext uri="{FF2B5EF4-FFF2-40B4-BE49-F238E27FC236}">
-                <a16:creationId xmlns:a16="http://schemas.microsoft.com/office/drawing/2014/main" id="{8BCFB01A-4028-F88B-A523-572514284F13}"/>
+                <a16:creationId xmlns:a16="http://schemas.microsoft.com/office/drawing/2014/main" id="{691BFFF4-D48E-761B-B30B-23ADCD91DE35}"/>
               </a:ext>
             </a:extLst>
           </p:cNvPr>
@@ -10995,7 +11219,7 @@
           <p:cNvPr id="2052" name="AutoShape 4" descr="Database PNG transparent image download, size: 512x512px">
             <a:extLst>
               <a:ext uri="{FF2B5EF4-FFF2-40B4-BE49-F238E27FC236}">
-                <a16:creationId xmlns:a16="http://schemas.microsoft.com/office/drawing/2014/main" id="{3C4F3B6F-E96A-4841-60C1-31940597D7BA}"/>
+                <a16:creationId xmlns:a16="http://schemas.microsoft.com/office/drawing/2014/main" id="{F4F4B315-13A2-86C7-D5D1-C4C792AE9DB1}"/>
               </a:ext>
             </a:extLst>
           </p:cNvPr>
@@ -11031,7 +11255,7 @@
           <p:cNvPr id="2054" name="AutoShape 6" descr="Database PNG transparent image download, size: 512x512px">
             <a:extLst>
               <a:ext uri="{FF2B5EF4-FFF2-40B4-BE49-F238E27FC236}">
-                <a16:creationId xmlns:a16="http://schemas.microsoft.com/office/drawing/2014/main" id="{0C5903B0-FF96-08C7-A2EF-121C14A35D97}"/>
+                <a16:creationId xmlns:a16="http://schemas.microsoft.com/office/drawing/2014/main" id="{3F512FB4-5977-D445-77C0-687453966EE9}"/>
               </a:ext>
             </a:extLst>
           </p:cNvPr>
@@ -11067,7 +11291,7 @@
           <p:cNvPr id="2056" name="AutoShape 8" descr="Database PNG transparent image download, size: 512x512px">
             <a:extLst>
               <a:ext uri="{FF2B5EF4-FFF2-40B4-BE49-F238E27FC236}">
-                <a16:creationId xmlns:a16="http://schemas.microsoft.com/office/drawing/2014/main" id="{C5088AFC-DBFA-3AE1-9261-EAE9B3E8CC09}"/>
+                <a16:creationId xmlns:a16="http://schemas.microsoft.com/office/drawing/2014/main" id="{D2A132DF-CE8A-D497-226A-1A97B5DA1718}"/>
               </a:ext>
             </a:extLst>
           </p:cNvPr>
@@ -11103,7 +11327,7 @@
           <p:cNvPr id="2058" name="AutoShape 10" descr="Database PNG transparent image download, size: 512x512px">
             <a:extLst>
               <a:ext uri="{FF2B5EF4-FFF2-40B4-BE49-F238E27FC236}">
-                <a16:creationId xmlns:a16="http://schemas.microsoft.com/office/drawing/2014/main" id="{FA8083A4-BDDE-5347-8A39-CFB2FCDCA4D5}"/>
+                <a16:creationId xmlns:a16="http://schemas.microsoft.com/office/drawing/2014/main" id="{8945414D-2E5D-6129-2B2D-53EB0D8EC39E}"/>
               </a:ext>
             </a:extLst>
           </p:cNvPr>
@@ -11137,7 +11361,7 @@
     </p:spTree>
     <p:extLst>
       <p:ext uri="{BB962C8B-B14F-4D97-AF65-F5344CB8AC3E}">
-        <p14:creationId xmlns:p14="http://schemas.microsoft.com/office/powerpoint/2010/main" val="2069340025"/>
+        <p14:creationId xmlns:p14="http://schemas.microsoft.com/office/powerpoint/2010/main" val="2527714301"/>
       </p:ext>
     </p:extLst>
   </p:cSld>
@@ -11155,7 +11379,7 @@
         <p:cNvPr id="1" name="Shape 105">
           <a:extLst>
             <a:ext uri="{FF2B5EF4-FFF2-40B4-BE49-F238E27FC236}">
-              <a16:creationId xmlns:a16="http://schemas.microsoft.com/office/drawing/2014/main" id="{272E86EF-ACC3-25EA-4E1E-A72E45AF1601}"/>
+              <a16:creationId xmlns:a16="http://schemas.microsoft.com/office/drawing/2014/main" id="{A9D10997-2491-F7F0-D9F2-39C18A103AF1}"/>
             </a:ext>
           </a:extLst>
         </p:cNvPr>
@@ -11175,7 +11399,7 @@
           <p:cNvPr id="106" name="Google Shape;106;p3">
             <a:extLst>
               <a:ext uri="{FF2B5EF4-FFF2-40B4-BE49-F238E27FC236}">
-                <a16:creationId xmlns:a16="http://schemas.microsoft.com/office/drawing/2014/main" id="{F7DFCE02-3FC5-AD5B-56BC-9A1FA9B272B9}"/>
+                <a16:creationId xmlns:a16="http://schemas.microsoft.com/office/drawing/2014/main" id="{778B18F5-CA14-7577-534F-CA009F638466}"/>
               </a:ext>
             </a:extLst>
           </p:cNvPr>
@@ -11185,7 +11409,7 @@
         <p:spPr>
           <a:xfrm>
             <a:off x="460375" y="1167627"/>
-            <a:ext cx="10989081" cy="5016718"/>
+            <a:ext cx="10989081" cy="5170606"/>
           </a:xfrm>
           <a:prstGeom prst="rect">
             <a:avLst/>
@@ -11201,135 +11425,122 @@
           </a:bodyPr>
           <a:lstStyle/>
           <a:p>
-            <a:r>
-              <a:rPr lang="en-US" sz="2400" b="1" dirty="0">
-                <a:latin typeface="Nunito Sans" pitchFamily="2" charset="0"/>
-              </a:rPr>
-              <a:t>4. Autonomous Vehicles</a:t>
-            </a:r>
-          </a:p>
-          <a:p>
-            <a:endParaRPr lang="en-US" sz="2400" b="1" dirty="0">
-              <a:latin typeface="Nunito Sans" pitchFamily="2" charset="0"/>
-            </a:endParaRPr>
-          </a:p>
-          <a:p>
             <a:pPr>
-              <a:buFont typeface="Arial" panose="020B0604020202020204" pitchFamily="34" charset="0"/>
-              <a:buChar char="•"/>
-            </a:pPr>
-            <a:r>
-              <a:rPr lang="en-US" sz="2400" b="1" dirty="0">
-                <a:latin typeface="Nunito Sans" pitchFamily="2" charset="0"/>
-              </a:rPr>
-              <a:t>Navigation and Path Planning</a:t>
-            </a:r>
+              <a:lnSpc>
+                <a:spcPct val="150000"/>
+              </a:lnSpc>
+            </a:pPr>
             <a:r>
               <a:rPr lang="en-US" sz="2000" dirty="0">
                 <a:latin typeface="Nunito Sans" pitchFamily="2" charset="0"/>
               </a:rPr>
-              <a:t>: Machine learning models help autonomous vehicles plan optimal routes by analyzing maps, real-time traffic, and obstacle data.</a:t>
-            </a:r>
-          </a:p>
-          <a:p>
-            <a:pPr>
+              <a:t>Generalization refers to a model's ability to make accurate predictions on new, unseen data, based on patterns learned from the training data. It is a key goal, as a model that generalizes well performs well not only on the training data but also on previously unseen test data.</a:t>
+            </a:r>
+          </a:p>
+          <a:p>
+            <a:pPr marL="342900" indent="-342900">
+              <a:lnSpc>
+                <a:spcPct val="150000"/>
+              </a:lnSpc>
               <a:buFont typeface="Arial" panose="020B0604020202020204" pitchFamily="34" charset="0"/>
               <a:buChar char="•"/>
             </a:pPr>
-            <a:endParaRPr lang="en-US" sz="2000" dirty="0">
-              <a:latin typeface="Nunito Sans" pitchFamily="2" charset="0"/>
-            </a:endParaRPr>
-          </a:p>
-          <a:p>
-            <a:pPr>
-              <a:buFont typeface="Arial" panose="020B0604020202020204" pitchFamily="34" charset="0"/>
-              <a:buChar char="•"/>
-            </a:pPr>
-            <a:r>
-              <a:rPr lang="en-US" sz="2400" b="1" dirty="0">
+            <a:r>
+              <a:rPr lang="en-US" sz="2000" b="1" dirty="0">
                 <a:latin typeface="Nunito Sans" pitchFamily="2" charset="0"/>
               </a:rPr>
-              <a:t>Sensor Fusion</a:t>
-            </a:r>
-            <a:r>
-              <a:rPr lang="en-US" sz="2400" dirty="0">
-                <a:latin typeface="Nunito Sans" pitchFamily="2" charset="0"/>
-              </a:rPr>
-              <a:t>: </a:t>
+              <a:t>Good generalization </a:t>
             </a:r>
             <a:r>
               <a:rPr lang="en-US" sz="2000" dirty="0">
                 <a:latin typeface="Nunito Sans" pitchFamily="2" charset="0"/>
               </a:rPr>
-              <a:t>Self-driving cars use data from various sensors (like LiDAR, cameras, radar) to understand their environment and make decisions.</a:t>
-            </a:r>
-          </a:p>
-          <a:p>
-            <a:pPr>
+              <a:t>means the model can handle new data effectively.</a:t>
+            </a:r>
+          </a:p>
+          <a:p>
+            <a:pPr marL="342900" indent="-342900">
+              <a:lnSpc>
+                <a:spcPct val="150000"/>
+              </a:lnSpc>
               <a:buFont typeface="Arial" panose="020B0604020202020204" pitchFamily="34" charset="0"/>
               <a:buChar char="•"/>
             </a:pPr>
-            <a:endParaRPr lang="en-US" sz="2000" dirty="0">
-              <a:latin typeface="Nunito Sans" pitchFamily="2" charset="0"/>
-            </a:endParaRPr>
-          </a:p>
-          <a:p>
-            <a:pPr>
-              <a:buFont typeface="Arial" panose="020B0604020202020204" pitchFamily="34" charset="0"/>
-              <a:buChar char="•"/>
-            </a:pPr>
-            <a:r>
-              <a:rPr lang="en-US" sz="2400" b="1" dirty="0">
+            <a:r>
+              <a:rPr lang="en-US" sz="2000" b="1" dirty="0">
                 <a:latin typeface="Nunito Sans" pitchFamily="2" charset="0"/>
               </a:rPr>
-              <a:t>Object Tracking</a:t>
-            </a:r>
-            <a:r>
-              <a:rPr lang="en-US" sz="2400" dirty="0">
-                <a:latin typeface="Nunito Sans" pitchFamily="2" charset="0"/>
-              </a:rPr>
-              <a:t>: </a:t>
+              <a:t>Overfitting</a:t>
             </a:r>
             <a:r>
               <a:rPr lang="en-US" sz="2000" dirty="0">
                 <a:latin typeface="Nunito Sans" pitchFamily="2" charset="0"/>
               </a:rPr>
-              <a:t>ML algorithms track the movement of surrounding vehicles and pedestrians, enabling safe driving and accident prevention.</a:t>
-            </a:r>
-          </a:p>
-          <a:p>
-            <a:endParaRPr lang="en-US" sz="2800" dirty="0">
-              <a:latin typeface="Nunito Sans" pitchFamily="2" charset="0"/>
-            </a:endParaRPr>
-          </a:p>
-          <a:p>
-            <a:pPr>
+              <a:t> occurs when the model is too specific to the training data and performs poorly on new data.</a:t>
+            </a:r>
+          </a:p>
+          <a:p>
+            <a:pPr marL="342900" indent="-342900">
+              <a:lnSpc>
+                <a:spcPct val="150000"/>
+              </a:lnSpc>
               <a:buFont typeface="Arial" panose="020B0604020202020204" pitchFamily="34" charset="0"/>
               <a:buChar char="•"/>
             </a:pPr>
             <a:r>
-              <a:rPr lang="en-US" sz="2400" b="1" dirty="0">
+              <a:rPr lang="en-US" sz="2000" b="1" dirty="0">
                 <a:latin typeface="Nunito Sans" pitchFamily="2" charset="0"/>
               </a:rPr>
-              <a:t>Driver Assistance</a:t>
-            </a:r>
-            <a:r>
-              <a:rPr lang="en-US" sz="2400" dirty="0">
-                <a:latin typeface="Nunito Sans" pitchFamily="2" charset="0"/>
-              </a:rPr>
-              <a:t>: </a:t>
+              <a:t>Underfitting</a:t>
             </a:r>
             <a:r>
               <a:rPr lang="en-US" sz="2000" dirty="0">
                 <a:latin typeface="Nunito Sans" pitchFamily="2" charset="0"/>
               </a:rPr>
-              <a:t>Features like adaptive cruise control and lane-keeping assist use ML to enhance driver safety and convenience.</a:t>
-            </a:r>
-          </a:p>
-          <a:p>
-            <a:endParaRPr lang="en-US" sz="2800" dirty="0">
-              <a:latin typeface="Nunito Sans" pitchFamily="2" charset="0"/>
-            </a:endParaRPr>
+              <a:t> occurs when the model is too simple to capture the underlying patterns in the data.</a:t>
+            </a:r>
+          </a:p>
+          <a:p>
+            <a:pPr marL="342900" indent="-342900">
+              <a:lnSpc>
+                <a:spcPct val="150000"/>
+              </a:lnSpc>
+              <a:buFont typeface="Arial" panose="020B0604020202020204" pitchFamily="34" charset="0"/>
+              <a:buChar char="•"/>
+            </a:pPr>
+            <a:r>
+              <a:rPr lang="en-US" sz="2000" dirty="0">
+                <a:latin typeface="Nunito Sans" pitchFamily="2" charset="0"/>
+              </a:rPr>
+              <a:t>The </a:t>
+            </a:r>
+            <a:r>
+              <a:rPr lang="en-US" sz="2000" b="1" dirty="0">
+                <a:latin typeface="Nunito Sans" pitchFamily="2" charset="0"/>
+              </a:rPr>
+              <a:t>bias-variance tradeoff </a:t>
+            </a:r>
+            <a:r>
+              <a:rPr lang="en-US" sz="2000" dirty="0">
+                <a:latin typeface="Nunito Sans" pitchFamily="2" charset="0"/>
+              </a:rPr>
+              <a:t>affects generalization: models with high bias may underfit, while those with high variance may overfit.</a:t>
+            </a:r>
+          </a:p>
+          <a:p>
+            <a:pPr marL="342900" indent="-342900">
+              <a:lnSpc>
+                <a:spcPct val="150000"/>
+              </a:lnSpc>
+              <a:buFont typeface="Arial" panose="020B0604020202020204" pitchFamily="34" charset="0"/>
+              <a:buChar char="•"/>
+            </a:pPr>
+            <a:r>
+              <a:rPr lang="en-US" sz="2000" dirty="0">
+                <a:latin typeface="Nunito Sans" pitchFamily="2" charset="0"/>
+              </a:rPr>
+              <a:t>Techniques like regularization help prevent overfitting and improve generalization.</a:t>
+            </a:r>
           </a:p>
         </p:txBody>
       </p:sp>
@@ -11338,7 +11549,7 @@
           <p:cNvPr id="115" name="Google Shape;115;p3">
             <a:extLst>
               <a:ext uri="{FF2B5EF4-FFF2-40B4-BE49-F238E27FC236}">
-                <a16:creationId xmlns:a16="http://schemas.microsoft.com/office/drawing/2014/main" id="{DA5D8298-8147-32EC-B8AC-2446AD2526AA}"/>
+                <a16:creationId xmlns:a16="http://schemas.microsoft.com/office/drawing/2014/main" id="{A3B9EA21-B4F4-C673-378B-78432B20CD4F}"/>
               </a:ext>
             </a:extLst>
           </p:cNvPr>
@@ -11405,7 +11616,7 @@
           <p:cNvPr id="116" name="Google Shape;116;p3">
             <a:extLst>
               <a:ext uri="{FF2B5EF4-FFF2-40B4-BE49-F238E27FC236}">
-                <a16:creationId xmlns:a16="http://schemas.microsoft.com/office/drawing/2014/main" id="{B345B721-C322-E4B6-BA7A-6A0435AFF031}"/>
+                <a16:creationId xmlns:a16="http://schemas.microsoft.com/office/drawing/2014/main" id="{D6FFDD22-BDE6-3E8E-0A84-E914661AEA3A}"/>
               </a:ext>
             </a:extLst>
           </p:cNvPr>
@@ -11415,7 +11626,7 @@
         <p:spPr>
           <a:xfrm>
             <a:off x="3238986" y="173182"/>
-            <a:ext cx="7772400" cy="828675"/>
+            <a:ext cx="7772400" cy="461624"/>
           </a:xfrm>
           <a:prstGeom prst="rect">
             <a:avLst/>
@@ -11448,7 +11659,7 @@
               <a:defRPr/>
             </a:pPr>
             <a:r>
-              <a:rPr kumimoji="0" lang="en-GB" sz="4800" b="1" i="0" u="none" strike="noStrike" kern="1200" cap="none" spc="0" normalizeH="0" baseline="0" dirty="0">
+              <a:rPr kumimoji="0" lang="en-GB" sz="2400" b="1" i="0" u="none" strike="noStrike" kern="1200" cap="none" spc="0" normalizeH="0" baseline="0" dirty="0">
                 <a:solidFill>
                   <a:prstClr val="white"/>
                 </a:solidFill>
@@ -11457,23 +11668,8 @@
                 <a:cs typeface="Nunito Sans" panose="00000500000000000000"/>
                 <a:sym typeface="Nunito Sans" panose="00000500000000000000"/>
               </a:rPr>
-              <a:t>AWS</a:t>
-            </a:r>
-            <a:endParaRPr kumimoji="0" sz="4800" b="1" i="0" u="none" strike="noStrike" kern="1200" cap="none" spc="0" normalizeH="0" baseline="0" noProof="0" dirty="0">
-              <a:ln>
-                <a:noFill/>
-              </a:ln>
-              <a:solidFill>
-                <a:prstClr val="white"/>
-              </a:solidFill>
-              <a:effectLst/>
-              <a:uLnTx/>
-              <a:uFillTx/>
-              <a:latin typeface="Nunito Sans" panose="00000500000000000000"/>
-              <a:ea typeface="Nunito Sans" panose="00000500000000000000"/>
-              <a:cs typeface="Nunito Sans" panose="00000500000000000000"/>
-              <a:sym typeface="Nunito Sans" panose="00000500000000000000"/>
-            </a:endParaRPr>
+              <a:t>GENERALIZATION</a:t>
+            </a:r>
           </a:p>
         </p:txBody>
       </p:sp>
@@ -11482,7 +11678,7 @@
           <p:cNvPr id="117" name="Google Shape;117;p3">
             <a:extLst>
               <a:ext uri="{FF2B5EF4-FFF2-40B4-BE49-F238E27FC236}">
-                <a16:creationId xmlns:a16="http://schemas.microsoft.com/office/drawing/2014/main" id="{EA64DED1-B6C2-1AE6-320C-77C544F3D01D}"/>
+                <a16:creationId xmlns:a16="http://schemas.microsoft.com/office/drawing/2014/main" id="{BB15FDE5-1DFD-E4EF-9A4D-C8FE3C01B8A7}"/>
               </a:ext>
             </a:extLst>
           </p:cNvPr>
@@ -11515,7 +11711,7 @@
           <p:cNvPr id="29700" name="Rectangle 4">
             <a:extLst>
               <a:ext uri="{FF2B5EF4-FFF2-40B4-BE49-F238E27FC236}">
-                <a16:creationId xmlns:a16="http://schemas.microsoft.com/office/drawing/2014/main" id="{188003A0-CC1E-89F1-975D-08ECFFD35989}"/>
+                <a16:creationId xmlns:a16="http://schemas.microsoft.com/office/drawing/2014/main" id="{E96BDF7E-A8BA-5CBD-CC19-95DE38900372}"/>
               </a:ext>
             </a:extLst>
           </p:cNvPr>
@@ -11559,7 +11755,7 @@
           <p:cNvPr id="9" name="Rectangle 8">
             <a:extLst>
               <a:ext uri="{FF2B5EF4-FFF2-40B4-BE49-F238E27FC236}">
-                <a16:creationId xmlns:a16="http://schemas.microsoft.com/office/drawing/2014/main" id="{090FF15B-6997-E7F0-48DA-B5A005C18227}"/>
+                <a16:creationId xmlns:a16="http://schemas.microsoft.com/office/drawing/2014/main" id="{26AAA179-B6D6-74C1-574D-D5F0C1C53BDE}"/>
               </a:ext>
             </a:extLst>
           </p:cNvPr>
@@ -11611,7 +11807,7 @@
           <p:cNvPr id="11" name="Rectangle 10">
             <a:extLst>
               <a:ext uri="{FF2B5EF4-FFF2-40B4-BE49-F238E27FC236}">
-                <a16:creationId xmlns:a16="http://schemas.microsoft.com/office/drawing/2014/main" id="{21C8A605-7F12-87BA-7FC0-00C79F7326FB}"/>
+                <a16:creationId xmlns:a16="http://schemas.microsoft.com/office/drawing/2014/main" id="{62FFD579-7FA5-DF03-0540-32740B12B4F4}"/>
               </a:ext>
             </a:extLst>
           </p:cNvPr>
@@ -11709,7 +11905,7 @@
           <p:cNvPr id="2050" name="AutoShape 2" descr="Database PNG transparent image download, size: 512x512px">
             <a:extLst>
               <a:ext uri="{FF2B5EF4-FFF2-40B4-BE49-F238E27FC236}">
-                <a16:creationId xmlns:a16="http://schemas.microsoft.com/office/drawing/2014/main" id="{C7430D7B-151A-586D-DDDC-4CD92A46B444}"/>
+                <a16:creationId xmlns:a16="http://schemas.microsoft.com/office/drawing/2014/main" id="{0F9E0E0F-CA3D-BE5A-0102-F43E10293A98}"/>
               </a:ext>
             </a:extLst>
           </p:cNvPr>
@@ -11745,7 +11941,7 @@
           <p:cNvPr id="2052" name="AutoShape 4" descr="Database PNG transparent image download, size: 512x512px">
             <a:extLst>
               <a:ext uri="{FF2B5EF4-FFF2-40B4-BE49-F238E27FC236}">
-                <a16:creationId xmlns:a16="http://schemas.microsoft.com/office/drawing/2014/main" id="{62583A69-D222-1868-AADE-6B2AEF4B8FFA}"/>
+                <a16:creationId xmlns:a16="http://schemas.microsoft.com/office/drawing/2014/main" id="{96B611B6-E754-ED42-77DB-A4F9AE57F745}"/>
               </a:ext>
             </a:extLst>
           </p:cNvPr>
@@ -11781,7 +11977,7 @@
           <p:cNvPr id="2054" name="AutoShape 6" descr="Database PNG transparent image download, size: 512x512px">
             <a:extLst>
               <a:ext uri="{FF2B5EF4-FFF2-40B4-BE49-F238E27FC236}">
-                <a16:creationId xmlns:a16="http://schemas.microsoft.com/office/drawing/2014/main" id="{9FBC55B4-C420-A230-5BD2-592BD1F22CF0}"/>
+                <a16:creationId xmlns:a16="http://schemas.microsoft.com/office/drawing/2014/main" id="{EDF3A458-5BCD-1BD7-105D-557D2D348E1B}"/>
               </a:ext>
             </a:extLst>
           </p:cNvPr>
@@ -11817,7 +12013,7 @@
           <p:cNvPr id="2056" name="AutoShape 8" descr="Database PNG transparent image download, size: 512x512px">
             <a:extLst>
               <a:ext uri="{FF2B5EF4-FFF2-40B4-BE49-F238E27FC236}">
-                <a16:creationId xmlns:a16="http://schemas.microsoft.com/office/drawing/2014/main" id="{6382670C-EFDE-2198-68BE-6D3CEA579B3E}"/>
+                <a16:creationId xmlns:a16="http://schemas.microsoft.com/office/drawing/2014/main" id="{BBFB6185-2D2F-3AFA-A028-4965C2993A02}"/>
               </a:ext>
             </a:extLst>
           </p:cNvPr>
@@ -11853,7 +12049,7 @@
           <p:cNvPr id="2058" name="AutoShape 10" descr="Database PNG transparent image download, size: 512x512px">
             <a:extLst>
               <a:ext uri="{FF2B5EF4-FFF2-40B4-BE49-F238E27FC236}">
-                <a16:creationId xmlns:a16="http://schemas.microsoft.com/office/drawing/2014/main" id="{01380C69-B257-E7AF-6A31-D53D21643614}"/>
+                <a16:creationId xmlns:a16="http://schemas.microsoft.com/office/drawing/2014/main" id="{2272014A-010A-B572-212A-76B4898F3384}"/>
               </a:ext>
             </a:extLst>
           </p:cNvPr>
@@ -11887,7 +12083,7 @@
     </p:spTree>
     <p:extLst>
       <p:ext uri="{BB962C8B-B14F-4D97-AF65-F5344CB8AC3E}">
-        <p14:creationId xmlns:p14="http://schemas.microsoft.com/office/powerpoint/2010/main" val="38393948"/>
+        <p14:creationId xmlns:p14="http://schemas.microsoft.com/office/powerpoint/2010/main" val="69393692"/>
       </p:ext>
     </p:extLst>
   </p:cSld>
@@ -11905,7 +12101,7 @@
         <p:cNvPr id="1" name="Shape 105">
           <a:extLst>
             <a:ext uri="{FF2B5EF4-FFF2-40B4-BE49-F238E27FC236}">
-              <a16:creationId xmlns:a16="http://schemas.microsoft.com/office/drawing/2014/main" id="{EB56CBDB-7709-BE89-8BB6-BFB2901AF9D1}"/>
+              <a16:creationId xmlns:a16="http://schemas.microsoft.com/office/drawing/2014/main" id="{7392958E-5D18-6923-4C02-F904EDA18710}"/>
             </a:ext>
           </a:extLst>
         </p:cNvPr>
@@ -11922,104 +12118,10 @@
       </p:grpSpPr>
       <p:sp>
         <p:nvSpPr>
-          <p:cNvPr id="106" name="Google Shape;106;p3">
-            <a:extLst>
-              <a:ext uri="{FF2B5EF4-FFF2-40B4-BE49-F238E27FC236}">
-                <a16:creationId xmlns:a16="http://schemas.microsoft.com/office/drawing/2014/main" id="{221D5772-7D08-8E38-48A9-168A7B7D668E}"/>
-              </a:ext>
-            </a:extLst>
-          </p:cNvPr>
-          <p:cNvSpPr txBox="1"/>
-          <p:nvPr/>
-        </p:nvSpPr>
-        <p:spPr>
-          <a:xfrm>
-            <a:off x="460375" y="1167627"/>
-            <a:ext cx="10989081" cy="4524275"/>
-          </a:xfrm>
-          <a:prstGeom prst="rect">
-            <a:avLst/>
-          </a:prstGeom>
-          <a:noFill/>
-          <a:ln>
-            <a:noFill/>
-          </a:ln>
-        </p:spPr>
-        <p:txBody>
-          <a:bodyPr spcFirstLastPara="1" wrap="square" lIns="91425" tIns="45700" rIns="91425" bIns="45700" anchor="t" anchorCtr="0">
-            <a:spAutoFit/>
-          </a:bodyPr>
-          <a:lstStyle/>
-          <a:p>
-            <a:pPr>
-              <a:lnSpc>
-                <a:spcPct val="200000"/>
-              </a:lnSpc>
-            </a:pPr>
-            <a:r>
-              <a:rPr lang="en-US" sz="2400" b="1" dirty="0">
-                <a:latin typeface="Nunito Sans" pitchFamily="2" charset="0"/>
-              </a:rPr>
-              <a:t>VC Dimension</a:t>
-            </a:r>
-            <a:r>
-              <a:rPr lang="en-US" sz="2400" dirty="0">
-                <a:latin typeface="Nunito Sans" pitchFamily="2" charset="0"/>
-              </a:rPr>
-              <a:t> :</a:t>
-            </a:r>
-            <a:endParaRPr lang="en-US" sz="2000" dirty="0">
-              <a:latin typeface="Nunito Sans" pitchFamily="2" charset="0"/>
-            </a:endParaRPr>
-          </a:p>
-          <a:p>
-            <a:pPr>
-              <a:lnSpc>
-                <a:spcPct val="200000"/>
-              </a:lnSpc>
-            </a:pPr>
-            <a:r>
-              <a:rPr lang="en-US" sz="2000" dirty="0">
-                <a:latin typeface="Nunito Sans" pitchFamily="2" charset="0"/>
-              </a:rPr>
-              <a:t>	(</a:t>
-            </a:r>
-            <a:r>
-              <a:rPr lang="en-US" sz="2000" dirty="0" err="1">
-                <a:latin typeface="Nunito Sans" pitchFamily="2" charset="0"/>
-              </a:rPr>
-              <a:t>Vapnik-Chervonenkis</a:t>
-            </a:r>
-            <a:r>
-              <a:rPr lang="en-US" sz="2000" dirty="0">
-                <a:latin typeface="Nunito Sans" pitchFamily="2" charset="0"/>
-              </a:rPr>
-              <a:t> Dimension): The VC dimension is a measure of a model’s capacity, or its ability to classify a variety of data patterns. It’s defined as the maximum number of points a model can shatter, meaning the model can perfectly classify all possible </a:t>
-            </a:r>
-            <a:r>
-              <a:rPr lang="en-US" sz="2000" dirty="0" err="1">
-                <a:latin typeface="Nunito Sans" pitchFamily="2" charset="0"/>
-              </a:rPr>
-              <a:t>labelings</a:t>
-            </a:r>
-            <a:r>
-              <a:rPr lang="en-US" sz="2000" dirty="0">
-                <a:latin typeface="Nunito Sans" pitchFamily="2" charset="0"/>
-              </a:rPr>
-              <a:t> of those points. Higher VC dimensions imply more complex models, potentially leading to overfitting, while lower VC dimensions suggest simpler models that may underfit. It’s crucial for understanding a model’s generalization ability.</a:t>
-            </a:r>
-            <a:endParaRPr lang="en-US" sz="2400" dirty="0">
-              <a:latin typeface="Nunito Sans" pitchFamily="2" charset="0"/>
-            </a:endParaRPr>
-          </a:p>
-        </p:txBody>
-      </p:sp>
-      <p:sp>
-        <p:nvSpPr>
           <p:cNvPr id="115" name="Google Shape;115;p3">
             <a:extLst>
               <a:ext uri="{FF2B5EF4-FFF2-40B4-BE49-F238E27FC236}">
-                <a16:creationId xmlns:a16="http://schemas.microsoft.com/office/drawing/2014/main" id="{09B810D2-83F7-F7BC-EF78-8DB4709D374C}"/>
+                <a16:creationId xmlns:a16="http://schemas.microsoft.com/office/drawing/2014/main" id="{602F7C26-64B5-FAD8-F1B2-0B60C930959E}"/>
               </a:ext>
             </a:extLst>
           </p:cNvPr>
@@ -12086,7 +12188,7 @@
           <p:cNvPr id="116" name="Google Shape;116;p3">
             <a:extLst>
               <a:ext uri="{FF2B5EF4-FFF2-40B4-BE49-F238E27FC236}">
-                <a16:creationId xmlns:a16="http://schemas.microsoft.com/office/drawing/2014/main" id="{0EABBF9C-C84D-7111-AEEF-F51FC363C442}"/>
+                <a16:creationId xmlns:a16="http://schemas.microsoft.com/office/drawing/2014/main" id="{76B5F96C-AB97-F558-6790-2B8AC589981E}"/>
               </a:ext>
             </a:extLst>
           </p:cNvPr>
@@ -12095,8 +12197,8 @@
         </p:nvSpPr>
         <p:spPr>
           <a:xfrm>
-            <a:off x="3238986" y="173182"/>
-            <a:ext cx="7772400" cy="828675"/>
+            <a:off x="1858781" y="173182"/>
+            <a:ext cx="9848310" cy="461624"/>
           </a:xfrm>
           <a:prstGeom prst="rect">
             <a:avLst/>
@@ -12129,7 +12231,7 @@
               <a:defRPr/>
             </a:pPr>
             <a:r>
-              <a:rPr kumimoji="0" lang="en-GB" sz="4800" b="1" i="0" u="none" strike="noStrike" kern="1200" cap="none" spc="0" normalizeH="0" baseline="0" dirty="0">
+              <a:rPr kumimoji="0" lang="en-GB" sz="2400" b="1" i="0" u="none" strike="noStrike" kern="1200" cap="none" spc="0" normalizeH="0" baseline="0" dirty="0">
                 <a:solidFill>
                   <a:prstClr val="white"/>
                 </a:solidFill>
@@ -12138,18 +12240,24 @@
                 <a:cs typeface="Nunito Sans" panose="00000500000000000000"/>
                 <a:sym typeface="Nunito Sans" panose="00000500000000000000"/>
               </a:rPr>
-              <a:t>AWS</a:t>
-            </a:r>
-            <a:endParaRPr kumimoji="0" sz="4800" b="1" i="0" u="none" strike="noStrike" kern="1200" cap="none" spc="0" normalizeH="0" baseline="0" noProof="0" dirty="0">
-              <a:ln>
-                <a:noFill/>
-              </a:ln>
+              <a:t>GENERALIZATION OF </a:t>
+            </a:r>
+            <a:r>
+              <a:rPr kumimoji="0" lang="en-US" sz="2400" b="1" i="0" u="none" strike="noStrike" kern="1200" cap="none" spc="0" normalizeH="0" baseline="0" dirty="0">
+                <a:solidFill>
+                  <a:prstClr val="white"/>
+                </a:solidFill>
+                <a:latin typeface="Nunito Sans" panose="00000500000000000000"/>
+                <a:ea typeface="Nunito Sans" panose="00000500000000000000"/>
+                <a:cs typeface="Nunito Sans" panose="00000500000000000000"/>
+                <a:sym typeface="Nunito Sans" panose="00000500000000000000"/>
+              </a:rPr>
+              <a:t>TRAINING VS. TEST DATA PERFORMANCE</a:t>
+            </a:r>
+            <a:endParaRPr kumimoji="0" lang="en-GB" sz="2400" b="1" i="0" u="none" strike="noStrike" kern="1200" cap="none" spc="0" normalizeH="0" baseline="0" dirty="0">
               <a:solidFill>
                 <a:prstClr val="white"/>
               </a:solidFill>
-              <a:effectLst/>
-              <a:uLnTx/>
-              <a:uFillTx/>
               <a:latin typeface="Nunito Sans" panose="00000500000000000000"/>
               <a:ea typeface="Nunito Sans" panose="00000500000000000000"/>
               <a:cs typeface="Nunito Sans" panose="00000500000000000000"/>
@@ -12163,7 +12271,7 @@
           <p:cNvPr id="117" name="Google Shape;117;p3">
             <a:extLst>
               <a:ext uri="{FF2B5EF4-FFF2-40B4-BE49-F238E27FC236}">
-                <a16:creationId xmlns:a16="http://schemas.microsoft.com/office/drawing/2014/main" id="{10C56AC9-9B6F-1BA9-EF16-0FC28AAEABBF}"/>
+                <a16:creationId xmlns:a16="http://schemas.microsoft.com/office/drawing/2014/main" id="{93C7D6EC-A25F-AD88-0C29-DB70F19964FB}"/>
               </a:ext>
             </a:extLst>
           </p:cNvPr>
@@ -12196,7 +12304,7 @@
           <p:cNvPr id="29700" name="Rectangle 4">
             <a:extLst>
               <a:ext uri="{FF2B5EF4-FFF2-40B4-BE49-F238E27FC236}">
-                <a16:creationId xmlns:a16="http://schemas.microsoft.com/office/drawing/2014/main" id="{1568EAA2-EE4E-F202-4E78-EBBBDCA2849D}"/>
+                <a16:creationId xmlns:a16="http://schemas.microsoft.com/office/drawing/2014/main" id="{CF3DEE77-2249-6CD5-D799-ED5583295B19}"/>
               </a:ext>
             </a:extLst>
           </p:cNvPr>
@@ -12240,7 +12348,7 @@
           <p:cNvPr id="9" name="Rectangle 8">
             <a:extLst>
               <a:ext uri="{FF2B5EF4-FFF2-40B4-BE49-F238E27FC236}">
-                <a16:creationId xmlns:a16="http://schemas.microsoft.com/office/drawing/2014/main" id="{5106AE39-00C9-DCD3-D221-8F2B83DD4D6F}"/>
+                <a16:creationId xmlns:a16="http://schemas.microsoft.com/office/drawing/2014/main" id="{B2DE1D18-4972-E7AF-CE8A-DCE745AFE0E7}"/>
               </a:ext>
             </a:extLst>
           </p:cNvPr>
@@ -12292,7 +12400,7 @@
           <p:cNvPr id="11" name="Rectangle 10">
             <a:extLst>
               <a:ext uri="{FF2B5EF4-FFF2-40B4-BE49-F238E27FC236}">
-                <a16:creationId xmlns:a16="http://schemas.microsoft.com/office/drawing/2014/main" id="{E1B8609E-C95E-263C-D995-03E0255E981B}"/>
+                <a16:creationId xmlns:a16="http://schemas.microsoft.com/office/drawing/2014/main" id="{6F560B69-D2A2-C3AA-54F6-354185D36B78}"/>
               </a:ext>
             </a:extLst>
           </p:cNvPr>
@@ -12390,7 +12498,7 @@
           <p:cNvPr id="2050" name="AutoShape 2" descr="Database PNG transparent image download, size: 512x512px">
             <a:extLst>
               <a:ext uri="{FF2B5EF4-FFF2-40B4-BE49-F238E27FC236}">
-                <a16:creationId xmlns:a16="http://schemas.microsoft.com/office/drawing/2014/main" id="{CA5DFD6E-AA75-5CCE-7BE2-F654D93D0312}"/>
+                <a16:creationId xmlns:a16="http://schemas.microsoft.com/office/drawing/2014/main" id="{B3C8EA0D-9402-6D67-D3B9-038AE171BC41}"/>
               </a:ext>
             </a:extLst>
           </p:cNvPr>
@@ -12426,7 +12534,7 @@
           <p:cNvPr id="2052" name="AutoShape 4" descr="Database PNG transparent image download, size: 512x512px">
             <a:extLst>
               <a:ext uri="{FF2B5EF4-FFF2-40B4-BE49-F238E27FC236}">
-                <a16:creationId xmlns:a16="http://schemas.microsoft.com/office/drawing/2014/main" id="{457B36DD-C045-49EC-BCC5-2DED62CCA5C0}"/>
+                <a16:creationId xmlns:a16="http://schemas.microsoft.com/office/drawing/2014/main" id="{E0E28674-ED72-5393-2BA4-D23ABB5DB6AD}"/>
               </a:ext>
             </a:extLst>
           </p:cNvPr>
@@ -12462,7 +12570,7 @@
           <p:cNvPr id="2054" name="AutoShape 6" descr="Database PNG transparent image download, size: 512x512px">
             <a:extLst>
               <a:ext uri="{FF2B5EF4-FFF2-40B4-BE49-F238E27FC236}">
-                <a16:creationId xmlns:a16="http://schemas.microsoft.com/office/drawing/2014/main" id="{A6CE9309-7E8E-E189-A1B3-3956B659B938}"/>
+                <a16:creationId xmlns:a16="http://schemas.microsoft.com/office/drawing/2014/main" id="{21418CFD-694F-8FE3-D9E9-476EA1745838}"/>
               </a:ext>
             </a:extLst>
           </p:cNvPr>
@@ -12498,7 +12606,7 @@
           <p:cNvPr id="2056" name="AutoShape 8" descr="Database PNG transparent image download, size: 512x512px">
             <a:extLst>
               <a:ext uri="{FF2B5EF4-FFF2-40B4-BE49-F238E27FC236}">
-                <a16:creationId xmlns:a16="http://schemas.microsoft.com/office/drawing/2014/main" id="{97F68C25-9A1A-0936-0125-F5C799C6AC99}"/>
+                <a16:creationId xmlns:a16="http://schemas.microsoft.com/office/drawing/2014/main" id="{A296D4C1-FCCE-446A-AF3F-B3DA42B7DCAD}"/>
               </a:ext>
             </a:extLst>
           </p:cNvPr>
@@ -12534,7 +12642,7 @@
           <p:cNvPr id="2058" name="AutoShape 10" descr="Database PNG transparent image download, size: 512x512px">
             <a:extLst>
               <a:ext uri="{FF2B5EF4-FFF2-40B4-BE49-F238E27FC236}">
-                <a16:creationId xmlns:a16="http://schemas.microsoft.com/office/drawing/2014/main" id="{B747A741-5175-DCD3-3728-098506170313}"/>
+                <a16:creationId xmlns:a16="http://schemas.microsoft.com/office/drawing/2014/main" id="{7F247B2C-21A8-0FD1-A71F-FE0B36034F1B}"/>
               </a:ext>
             </a:extLst>
           </p:cNvPr>
@@ -12565,10 +12673,57 @@
           </a:p>
         </p:txBody>
       </p:sp>
+      <p:pic>
+        <p:nvPicPr>
+          <p:cNvPr id="4098" name="Picture 2" descr="Train and Test datasets in Machine Learning">
+            <a:extLst>
+              <a:ext uri="{FF2B5EF4-FFF2-40B4-BE49-F238E27FC236}">
+                <a16:creationId xmlns:a16="http://schemas.microsoft.com/office/drawing/2014/main" id="{0AF648E0-648A-419A-A636-0DB00C43CEAC}"/>
+              </a:ext>
+            </a:extLst>
+          </p:cNvPr>
+          <p:cNvPicPr>
+            <a:picLocks noChangeAspect="1" noChangeArrowheads="1"/>
+          </p:cNvPicPr>
+          <p:nvPr/>
+        </p:nvPicPr>
+        <p:blipFill>
+          <a:blip r:embed="rId4">
+            <a:extLst>
+              <a:ext uri="{28A0092B-C50C-407E-A947-70E740481C1C}">
+                <a14:useLocalDpi xmlns:a14="http://schemas.microsoft.com/office/drawing/2010/main" val="0"/>
+              </a:ext>
+            </a:extLst>
+          </a:blip>
+          <a:srcRect/>
+          <a:stretch>
+            <a:fillRect/>
+          </a:stretch>
+        </p:blipFill>
+        <p:spPr bwMode="auto">
+          <a:xfrm>
+            <a:off x="3714750" y="1025808"/>
+            <a:ext cx="4762500" cy="5495925"/>
+          </a:xfrm>
+          <a:prstGeom prst="rect">
+            <a:avLst/>
+          </a:prstGeom>
+          <a:noFill/>
+          <a:extLst>
+            <a:ext uri="{909E8E84-426E-40DD-AFC4-6F175D3DCCD1}">
+              <a14:hiddenFill xmlns:a14="http://schemas.microsoft.com/office/drawing/2010/main">
+                <a:solidFill>
+                  <a:srgbClr val="FFFFFF"/>
+                </a:solidFill>
+              </a14:hiddenFill>
+            </a:ext>
+          </a:extLst>
+        </p:spPr>
+      </p:pic>
     </p:spTree>
     <p:extLst>
       <p:ext uri="{BB962C8B-B14F-4D97-AF65-F5344CB8AC3E}">
-        <p14:creationId xmlns:p14="http://schemas.microsoft.com/office/powerpoint/2010/main" val="630096410"/>
+        <p14:creationId xmlns:p14="http://schemas.microsoft.com/office/powerpoint/2010/main" val="213962623"/>
       </p:ext>
     </p:extLst>
   </p:cSld>
@@ -12586,7 +12741,7 @@
         <p:cNvPr id="1" name="Shape 105">
           <a:extLst>
             <a:ext uri="{FF2B5EF4-FFF2-40B4-BE49-F238E27FC236}">
-              <a16:creationId xmlns:a16="http://schemas.microsoft.com/office/drawing/2014/main" id="{F45F2713-66E0-3C3D-ACE7-653F2F0D31BC}"/>
+              <a16:creationId xmlns:a16="http://schemas.microsoft.com/office/drawing/2014/main" id="{F453984F-9FE2-C9F0-51F0-4C8460248A8D}"/>
             </a:ext>
           </a:extLst>
         </p:cNvPr>
@@ -12603,10 +12758,163 @@
       </p:grpSpPr>
       <p:sp>
         <p:nvSpPr>
+          <p:cNvPr id="106" name="Google Shape;106;p3">
+            <a:extLst>
+              <a:ext uri="{FF2B5EF4-FFF2-40B4-BE49-F238E27FC236}">
+                <a16:creationId xmlns:a16="http://schemas.microsoft.com/office/drawing/2014/main" id="{F1F50837-0A06-7EE8-4415-C37AB96163C7}"/>
+              </a:ext>
+            </a:extLst>
+          </p:cNvPr>
+          <p:cNvSpPr txBox="1"/>
+          <p:nvPr/>
+        </p:nvSpPr>
+        <p:spPr>
+          <a:xfrm>
+            <a:off x="460375" y="1167627"/>
+            <a:ext cx="10989081" cy="5170606"/>
+          </a:xfrm>
+          <a:prstGeom prst="rect">
+            <a:avLst/>
+          </a:prstGeom>
+          <a:noFill/>
+          <a:ln>
+            <a:noFill/>
+          </a:ln>
+        </p:spPr>
+        <p:txBody>
+          <a:bodyPr spcFirstLastPara="1" wrap="square" lIns="91425" tIns="45700" rIns="91425" bIns="45700" anchor="t" anchorCtr="0">
+            <a:spAutoFit/>
+          </a:bodyPr>
+          <a:lstStyle/>
+          <a:p>
+            <a:pPr>
+              <a:lnSpc>
+                <a:spcPct val="150000"/>
+              </a:lnSpc>
+            </a:pPr>
+            <a:r>
+              <a:rPr lang="en-US" sz="2000" dirty="0">
+                <a:latin typeface="Nunito Sans" pitchFamily="2" charset="0"/>
+              </a:rPr>
+              <a:t>The </a:t>
+            </a:r>
+            <a:r>
+              <a:rPr lang="en-US" sz="2000" b="1" dirty="0">
+                <a:latin typeface="Nunito Sans" pitchFamily="2" charset="0"/>
+              </a:rPr>
+              <a:t>Bias-Variance Trade-Off </a:t>
+            </a:r>
+            <a:r>
+              <a:rPr lang="en-US" sz="2000" dirty="0">
+                <a:latin typeface="Nunito Sans" pitchFamily="2" charset="0"/>
+              </a:rPr>
+              <a:t>is a fundamental concept in machine learning that describes the trade-off between two types of errors that affect a model’s ability to generalize:</a:t>
+            </a:r>
+          </a:p>
+          <a:p>
+            <a:pPr marL="457200" indent="-457200">
+              <a:lnSpc>
+                <a:spcPct val="150000"/>
+              </a:lnSpc>
+              <a:buAutoNum type="arabicPeriod"/>
+            </a:pPr>
+            <a:r>
+              <a:rPr lang="en-US" sz="2000" dirty="0">
+                <a:latin typeface="Nunito Sans" pitchFamily="2" charset="0"/>
+              </a:rPr>
+              <a:t>Bias: The error introduced by overly simplistic assumptions in the model. High bias means the model is too simple, leading to </a:t>
+            </a:r>
+            <a:r>
+              <a:rPr lang="en-US" sz="2000" b="1" dirty="0">
+                <a:latin typeface="Nunito Sans" pitchFamily="2" charset="0"/>
+              </a:rPr>
+              <a:t>underfitting</a:t>
+            </a:r>
+            <a:r>
+              <a:rPr lang="en-US" sz="2000" dirty="0">
+                <a:latin typeface="Nunito Sans" pitchFamily="2" charset="0"/>
+              </a:rPr>
+              <a:t> (poor performance on both training and test data).</a:t>
+            </a:r>
+          </a:p>
+          <a:p>
+            <a:pPr marL="457200" indent="-457200">
+              <a:lnSpc>
+                <a:spcPct val="150000"/>
+              </a:lnSpc>
+              <a:buAutoNum type="arabicPeriod"/>
+            </a:pPr>
+            <a:r>
+              <a:rPr lang="en-US" sz="2000" dirty="0">
+                <a:latin typeface="Nunito Sans" pitchFamily="2" charset="0"/>
+              </a:rPr>
+              <a:t>Variance: The error introduced by the model’s sensitivity to small fluctuations in the training data. High variance means the model is too complex and </a:t>
+            </a:r>
+            <a:r>
+              <a:rPr lang="en-US" sz="2000" b="1" dirty="0">
+                <a:latin typeface="Nunito Sans" pitchFamily="2" charset="0"/>
+              </a:rPr>
+              <a:t>overfits</a:t>
+            </a:r>
+            <a:r>
+              <a:rPr lang="en-US" sz="2000" dirty="0">
+                <a:latin typeface="Nunito Sans" pitchFamily="2" charset="0"/>
+              </a:rPr>
+              <a:t>, performing well on the training data but poorly on new, unseen data.</a:t>
+            </a:r>
+          </a:p>
+          <a:p>
+            <a:pPr marL="457200" indent="-457200">
+              <a:lnSpc>
+                <a:spcPct val="150000"/>
+              </a:lnSpc>
+              <a:buAutoNum type="arabicPeriod"/>
+            </a:pPr>
+            <a:r>
+              <a:rPr lang="en-US" sz="2000" dirty="0">
+                <a:latin typeface="Nunito Sans" pitchFamily="2" charset="0"/>
+              </a:rPr>
+              <a:t>Trade-Off:</a:t>
+            </a:r>
+          </a:p>
+          <a:p>
+            <a:pPr marL="342900" indent="-342900">
+              <a:lnSpc>
+                <a:spcPct val="150000"/>
+              </a:lnSpc>
+              <a:buFont typeface="Arial" panose="020B0604020202020204" pitchFamily="34" charset="0"/>
+              <a:buChar char="•"/>
+            </a:pPr>
+            <a:r>
+              <a:rPr lang="en-US" sz="2000" dirty="0">
+                <a:latin typeface="Nunito Sans" pitchFamily="2" charset="0"/>
+              </a:rPr>
+              <a:t>High bias leads to underfitting.</a:t>
+            </a:r>
+          </a:p>
+          <a:p>
+            <a:pPr marL="342900" indent="-342900">
+              <a:lnSpc>
+                <a:spcPct val="150000"/>
+              </a:lnSpc>
+              <a:buFont typeface="Arial" panose="020B0604020202020204" pitchFamily="34" charset="0"/>
+              <a:buChar char="•"/>
+            </a:pPr>
+            <a:r>
+              <a:rPr lang="en-US" sz="2000" dirty="0">
+                <a:latin typeface="Nunito Sans" pitchFamily="2" charset="0"/>
+              </a:rPr>
+              <a:t>High variance leads to overfitting.</a:t>
+            </a:r>
+          </a:p>
+        </p:txBody>
+      </p:sp>
+      <p:sp>
+        <p:nvSpPr>
           <p:cNvPr id="115" name="Google Shape;115;p3">
             <a:extLst>
               <a:ext uri="{FF2B5EF4-FFF2-40B4-BE49-F238E27FC236}">
-                <a16:creationId xmlns:a16="http://schemas.microsoft.com/office/drawing/2014/main" id="{277F9253-B98E-44FD-DD66-C5B4EC550CC8}"/>
+                <a16:creationId xmlns:a16="http://schemas.microsoft.com/office/drawing/2014/main" id="{8D481B72-3D47-F00D-DF57-BCACC6D750C4}"/>
               </a:ext>
             </a:extLst>
           </p:cNvPr>
@@ -12673,7 +12981,7 @@
           <p:cNvPr id="116" name="Google Shape;116;p3">
             <a:extLst>
               <a:ext uri="{FF2B5EF4-FFF2-40B4-BE49-F238E27FC236}">
-                <a16:creationId xmlns:a16="http://schemas.microsoft.com/office/drawing/2014/main" id="{1C6D4066-E62E-786D-ED5E-673F7497E1D0}"/>
+                <a16:creationId xmlns:a16="http://schemas.microsoft.com/office/drawing/2014/main" id="{6F3369D7-7659-9AD6-116D-039A16766B67}"/>
               </a:ext>
             </a:extLst>
           </p:cNvPr>
@@ -12682,8 +12990,8 @@
         </p:nvSpPr>
         <p:spPr>
           <a:xfrm>
-            <a:off x="484909" y="128212"/>
-            <a:ext cx="11397355" cy="830956"/>
+            <a:off x="3238986" y="173182"/>
+            <a:ext cx="7772400" cy="461624"/>
           </a:xfrm>
           <a:prstGeom prst="rect">
             <a:avLst/>
@@ -12716,7 +13024,7 @@
               <a:defRPr/>
             </a:pPr>
             <a:r>
-              <a:rPr kumimoji="0" lang="en-US" sz="2400" b="1" i="0" u="none" strike="noStrike" kern="1200" cap="none" spc="0" normalizeH="0" baseline="0" dirty="0">
+              <a:rPr kumimoji="0" lang="en-GB" sz="2400" b="1" i="0" u="none" strike="noStrike" kern="1200" cap="none" spc="0" normalizeH="0" baseline="0" dirty="0">
                 <a:solidFill>
                   <a:prstClr val="white"/>
                 </a:solidFill>
@@ -12725,9 +13033,672 @@
                 <a:cs typeface="Nunito Sans" panose="00000500000000000000"/>
                 <a:sym typeface="Nunito Sans" panose="00000500000000000000"/>
               </a:rPr>
-              <a:t>Show a visual of points being classified by different shapes (e.g., line, circle) to represent the idea of shattering.</a:t>
-            </a:r>
-            <a:endParaRPr kumimoji="0" sz="2400" b="1" i="0" u="none" strike="noStrike" kern="1200" cap="none" spc="0" normalizeH="0" baseline="0" noProof="0" dirty="0">
+              <a:t>HYPOTHESIS SPACE </a:t>
+            </a:r>
+          </a:p>
+        </p:txBody>
+      </p:sp>
+      <p:pic>
+        <p:nvPicPr>
+          <p:cNvPr id="117" name="Google Shape;117;p3">
+            <a:extLst>
+              <a:ext uri="{FF2B5EF4-FFF2-40B4-BE49-F238E27FC236}">
+                <a16:creationId xmlns:a16="http://schemas.microsoft.com/office/drawing/2014/main" id="{15473B38-62C0-09FA-EADC-50862E0EAFD0}"/>
+              </a:ext>
+            </a:extLst>
+          </p:cNvPr>
+          <p:cNvPicPr preferRelativeResize="0"/>
+          <p:nvPr/>
+        </p:nvPicPr>
+        <p:blipFill rotWithShape="1">
+          <a:blip r:embed="rId3"/>
+          <a:srcRect/>
+          <a:stretch>
+            <a:fillRect/>
+          </a:stretch>
+        </p:blipFill>
+        <p:spPr>
+          <a:xfrm>
+            <a:off x="9525600" y="6202800"/>
+            <a:ext cx="2356664" cy="298800"/>
+          </a:xfrm>
+          <a:prstGeom prst="rect">
+            <a:avLst/>
+          </a:prstGeom>
+          <a:noFill/>
+          <a:ln>
+            <a:noFill/>
+          </a:ln>
+        </p:spPr>
+      </p:pic>
+      <p:sp>
+        <p:nvSpPr>
+          <p:cNvPr id="29700" name="Rectangle 4">
+            <a:extLst>
+              <a:ext uri="{FF2B5EF4-FFF2-40B4-BE49-F238E27FC236}">
+                <a16:creationId xmlns:a16="http://schemas.microsoft.com/office/drawing/2014/main" id="{D8D3E9D5-EDC8-2490-C9D6-64029A40B913}"/>
+              </a:ext>
+            </a:extLst>
+          </p:cNvPr>
+          <p:cNvSpPr>
+            <a:spLocks noChangeArrowheads="1"/>
+          </p:cNvSpPr>
+          <p:nvPr/>
+        </p:nvSpPr>
+        <p:spPr bwMode="auto">
+          <a:xfrm>
+            <a:off x="0" y="0"/>
+            <a:ext cx="12192000" cy="0"/>
+          </a:xfrm>
+          <a:prstGeom prst="rect">
+            <a:avLst/>
+          </a:prstGeom>
+          <a:noFill/>
+          <a:ln w="9525">
+            <a:noFill/>
+            <a:miter lim="800000"/>
+            <a:headEnd/>
+            <a:tailEnd/>
+          </a:ln>
+          <a:effectLst/>
+        </p:spPr>
+        <p:txBody>
+          <a:bodyPr vert="horz" wrap="none" lIns="91440" tIns="45720" rIns="91440" bIns="45720" numCol="1" anchor="ctr" anchorCtr="0" compatLnSpc="1">
+            <a:prstTxWarp prst="textNoShape">
+              <a:avLst/>
+            </a:prstTxWarp>
+            <a:spAutoFit/>
+          </a:bodyPr>
+          <a:lstStyle/>
+          <a:p>
+            <a:endParaRPr lang="en-US"/>
+          </a:p>
+        </p:txBody>
+      </p:sp>
+      <p:sp>
+        <p:nvSpPr>
+          <p:cNvPr id="9" name="Rectangle 8">
+            <a:extLst>
+              <a:ext uri="{FF2B5EF4-FFF2-40B4-BE49-F238E27FC236}">
+                <a16:creationId xmlns:a16="http://schemas.microsoft.com/office/drawing/2014/main" id="{3C56ED35-4286-544E-9C04-F86B40216A8D}"/>
+              </a:ext>
+            </a:extLst>
+          </p:cNvPr>
+          <p:cNvSpPr/>
+          <p:nvPr/>
+        </p:nvSpPr>
+        <p:spPr>
+          <a:xfrm>
+            <a:off x="0" y="1026711"/>
+            <a:ext cx="11707091" cy="1277273"/>
+          </a:xfrm>
+          <a:prstGeom prst="rect">
+            <a:avLst/>
+          </a:prstGeom>
+        </p:spPr>
+        <p:txBody>
+          <a:bodyPr wrap="square">
+            <a:spAutoFit/>
+          </a:bodyPr>
+          <a:lstStyle/>
+          <a:p>
+            <a:endParaRPr lang="en-US" sz="2800" b="1" dirty="0">
+              <a:solidFill>
+                <a:srgbClr val="000000"/>
+              </a:solidFill>
+              <a:latin typeface="Nunito Sans" pitchFamily="2" charset="0"/>
+            </a:endParaRPr>
+          </a:p>
+          <a:p>
+            <a:endParaRPr lang="en-US" sz="2800" b="1" dirty="0">
+              <a:solidFill>
+                <a:srgbClr val="000000"/>
+              </a:solidFill>
+              <a:latin typeface="Nunito Sans" pitchFamily="2" charset="0"/>
+            </a:endParaRPr>
+          </a:p>
+          <a:p>
+            <a:endParaRPr lang="en-US" sz="2100" b="1" dirty="0">
+              <a:solidFill>
+                <a:srgbClr val="000000"/>
+              </a:solidFill>
+              <a:latin typeface="Nunito Sans" pitchFamily="2" charset="0"/>
+            </a:endParaRPr>
+          </a:p>
+        </p:txBody>
+      </p:sp>
+      <p:sp>
+        <p:nvSpPr>
+          <p:cNvPr id="11" name="Rectangle 10">
+            <a:extLst>
+              <a:ext uri="{FF2B5EF4-FFF2-40B4-BE49-F238E27FC236}">
+                <a16:creationId xmlns:a16="http://schemas.microsoft.com/office/drawing/2014/main" id="{F01ADED4-E308-51AD-0122-22852156813D}"/>
+              </a:ext>
+            </a:extLst>
+          </p:cNvPr>
+          <p:cNvSpPr/>
+          <p:nvPr/>
+        </p:nvSpPr>
+        <p:spPr>
+          <a:xfrm>
+            <a:off x="665018" y="706284"/>
+            <a:ext cx="11526982" cy="3316292"/>
+          </a:xfrm>
+          <a:prstGeom prst="rect">
+            <a:avLst/>
+          </a:prstGeom>
+        </p:spPr>
+        <p:txBody>
+          <a:bodyPr wrap="square">
+            <a:spAutoFit/>
+          </a:bodyPr>
+          <a:lstStyle/>
+          <a:p>
+            <a:pPr>
+              <a:lnSpc>
+                <a:spcPct val="150000"/>
+              </a:lnSpc>
+            </a:pPr>
+            <a:endParaRPr lang="en-US" sz="2300" dirty="0">
+              <a:solidFill>
+                <a:srgbClr val="000000"/>
+              </a:solidFill>
+              <a:latin typeface="Nunito Sans" pitchFamily="2" charset="0"/>
+            </a:endParaRPr>
+          </a:p>
+          <a:p>
+            <a:pPr>
+              <a:lnSpc>
+                <a:spcPct val="150000"/>
+              </a:lnSpc>
+            </a:pPr>
+            <a:endParaRPr lang="en-US" sz="2300" dirty="0">
+              <a:solidFill>
+                <a:srgbClr val="000000"/>
+              </a:solidFill>
+              <a:latin typeface="Nunito Sans" pitchFamily="2" charset="0"/>
+            </a:endParaRPr>
+          </a:p>
+          <a:p>
+            <a:pPr>
+              <a:lnSpc>
+                <a:spcPct val="150000"/>
+              </a:lnSpc>
+            </a:pPr>
+            <a:endParaRPr lang="en-US" sz="2200" dirty="0">
+              <a:solidFill>
+                <a:srgbClr val="000000"/>
+              </a:solidFill>
+              <a:latin typeface="Nunito Sans" pitchFamily="2" charset="0"/>
+            </a:endParaRPr>
+          </a:p>
+          <a:p>
+            <a:pPr>
+              <a:lnSpc>
+                <a:spcPct val="150000"/>
+              </a:lnSpc>
+            </a:pPr>
+            <a:endParaRPr lang="en-US" sz="2200" dirty="0">
+              <a:solidFill>
+                <a:srgbClr val="000000"/>
+              </a:solidFill>
+              <a:latin typeface="Nunito Sans" pitchFamily="2" charset="0"/>
+            </a:endParaRPr>
+          </a:p>
+          <a:p>
+            <a:endParaRPr lang="en-US" sz="2200" dirty="0">
+              <a:solidFill>
+                <a:srgbClr val="000000"/>
+              </a:solidFill>
+              <a:latin typeface="Nunito Sans" pitchFamily="2" charset="0"/>
+            </a:endParaRPr>
+          </a:p>
+          <a:p>
+            <a:pPr>
+              <a:lnSpc>
+                <a:spcPct val="250000"/>
+              </a:lnSpc>
+            </a:pPr>
+            <a:endParaRPr lang="en-US" sz="2100" dirty="0">
+              <a:latin typeface="Nunito Sans"/>
+            </a:endParaRPr>
+          </a:p>
+        </p:txBody>
+      </p:sp>
+      <p:sp>
+        <p:nvSpPr>
+          <p:cNvPr id="2050" name="AutoShape 2" descr="Database PNG transparent image download, size: 512x512px">
+            <a:extLst>
+              <a:ext uri="{FF2B5EF4-FFF2-40B4-BE49-F238E27FC236}">
+                <a16:creationId xmlns:a16="http://schemas.microsoft.com/office/drawing/2014/main" id="{9AFEE08F-75CD-C310-3E74-0289815D99F2}"/>
+              </a:ext>
+            </a:extLst>
+          </p:cNvPr>
+          <p:cNvSpPr>
+            <a:spLocks noChangeAspect="1" noChangeArrowheads="1"/>
+          </p:cNvSpPr>
+          <p:nvPr/>
+        </p:nvSpPr>
+        <p:spPr bwMode="auto">
+          <a:xfrm>
+            <a:off x="155575" y="-144463"/>
+            <a:ext cx="304800" cy="304801"/>
+          </a:xfrm>
+          <a:prstGeom prst="rect">
+            <a:avLst/>
+          </a:prstGeom>
+          <a:noFill/>
+        </p:spPr>
+        <p:txBody>
+          <a:bodyPr vert="horz" wrap="square" lIns="91440" tIns="45720" rIns="91440" bIns="45720" numCol="1" anchor="t" anchorCtr="0" compatLnSpc="1">
+            <a:prstTxWarp prst="textNoShape">
+              <a:avLst/>
+            </a:prstTxWarp>
+          </a:bodyPr>
+          <a:lstStyle/>
+          <a:p>
+            <a:endParaRPr lang="en-US"/>
+          </a:p>
+        </p:txBody>
+      </p:sp>
+      <p:sp>
+        <p:nvSpPr>
+          <p:cNvPr id="2052" name="AutoShape 4" descr="Database PNG transparent image download, size: 512x512px">
+            <a:extLst>
+              <a:ext uri="{FF2B5EF4-FFF2-40B4-BE49-F238E27FC236}">
+                <a16:creationId xmlns:a16="http://schemas.microsoft.com/office/drawing/2014/main" id="{15811EFF-EF8E-37E5-6BA2-22B24DB0A504}"/>
+              </a:ext>
+            </a:extLst>
+          </p:cNvPr>
+          <p:cNvSpPr>
+            <a:spLocks noChangeAspect="1" noChangeArrowheads="1"/>
+          </p:cNvSpPr>
+          <p:nvPr/>
+        </p:nvSpPr>
+        <p:spPr bwMode="auto">
+          <a:xfrm>
+            <a:off x="155575" y="-144463"/>
+            <a:ext cx="304800" cy="304801"/>
+          </a:xfrm>
+          <a:prstGeom prst="rect">
+            <a:avLst/>
+          </a:prstGeom>
+          <a:noFill/>
+        </p:spPr>
+        <p:txBody>
+          <a:bodyPr vert="horz" wrap="square" lIns="91440" tIns="45720" rIns="91440" bIns="45720" numCol="1" anchor="t" anchorCtr="0" compatLnSpc="1">
+            <a:prstTxWarp prst="textNoShape">
+              <a:avLst/>
+            </a:prstTxWarp>
+          </a:bodyPr>
+          <a:lstStyle/>
+          <a:p>
+            <a:endParaRPr lang="en-US"/>
+          </a:p>
+        </p:txBody>
+      </p:sp>
+      <p:sp>
+        <p:nvSpPr>
+          <p:cNvPr id="2054" name="AutoShape 6" descr="Database PNG transparent image download, size: 512x512px">
+            <a:extLst>
+              <a:ext uri="{FF2B5EF4-FFF2-40B4-BE49-F238E27FC236}">
+                <a16:creationId xmlns:a16="http://schemas.microsoft.com/office/drawing/2014/main" id="{2BAE0657-F098-AB6E-4A72-BA5372BB6B83}"/>
+              </a:ext>
+            </a:extLst>
+          </p:cNvPr>
+          <p:cNvSpPr>
+            <a:spLocks noChangeAspect="1" noChangeArrowheads="1"/>
+          </p:cNvSpPr>
+          <p:nvPr/>
+        </p:nvSpPr>
+        <p:spPr bwMode="auto">
+          <a:xfrm>
+            <a:off x="155575" y="-144463"/>
+            <a:ext cx="304800" cy="304801"/>
+          </a:xfrm>
+          <a:prstGeom prst="rect">
+            <a:avLst/>
+          </a:prstGeom>
+          <a:noFill/>
+        </p:spPr>
+        <p:txBody>
+          <a:bodyPr vert="horz" wrap="square" lIns="91440" tIns="45720" rIns="91440" bIns="45720" numCol="1" anchor="t" anchorCtr="0" compatLnSpc="1">
+            <a:prstTxWarp prst="textNoShape">
+              <a:avLst/>
+            </a:prstTxWarp>
+          </a:bodyPr>
+          <a:lstStyle/>
+          <a:p>
+            <a:endParaRPr lang="en-US"/>
+          </a:p>
+        </p:txBody>
+      </p:sp>
+      <p:sp>
+        <p:nvSpPr>
+          <p:cNvPr id="2056" name="AutoShape 8" descr="Database PNG transparent image download, size: 512x512px">
+            <a:extLst>
+              <a:ext uri="{FF2B5EF4-FFF2-40B4-BE49-F238E27FC236}">
+                <a16:creationId xmlns:a16="http://schemas.microsoft.com/office/drawing/2014/main" id="{3C1A1A5B-B7F2-C7D1-9DBF-8A98084CA7D5}"/>
+              </a:ext>
+            </a:extLst>
+          </p:cNvPr>
+          <p:cNvSpPr>
+            <a:spLocks noChangeAspect="1" noChangeArrowheads="1"/>
+          </p:cNvSpPr>
+          <p:nvPr/>
+        </p:nvSpPr>
+        <p:spPr bwMode="auto">
+          <a:xfrm>
+            <a:off x="155575" y="-144463"/>
+            <a:ext cx="304800" cy="304801"/>
+          </a:xfrm>
+          <a:prstGeom prst="rect">
+            <a:avLst/>
+          </a:prstGeom>
+          <a:noFill/>
+        </p:spPr>
+        <p:txBody>
+          <a:bodyPr vert="horz" wrap="square" lIns="91440" tIns="45720" rIns="91440" bIns="45720" numCol="1" anchor="t" anchorCtr="0" compatLnSpc="1">
+            <a:prstTxWarp prst="textNoShape">
+              <a:avLst/>
+            </a:prstTxWarp>
+          </a:bodyPr>
+          <a:lstStyle/>
+          <a:p>
+            <a:endParaRPr lang="en-US"/>
+          </a:p>
+        </p:txBody>
+      </p:sp>
+      <p:sp>
+        <p:nvSpPr>
+          <p:cNvPr id="2058" name="AutoShape 10" descr="Database PNG transparent image download, size: 512x512px">
+            <a:extLst>
+              <a:ext uri="{FF2B5EF4-FFF2-40B4-BE49-F238E27FC236}">
+                <a16:creationId xmlns:a16="http://schemas.microsoft.com/office/drawing/2014/main" id="{908A7FDC-2136-A925-E37F-F1CE5D9CB61D}"/>
+              </a:ext>
+            </a:extLst>
+          </p:cNvPr>
+          <p:cNvSpPr>
+            <a:spLocks noChangeAspect="1" noChangeArrowheads="1"/>
+          </p:cNvSpPr>
+          <p:nvPr/>
+        </p:nvSpPr>
+        <p:spPr bwMode="auto">
+          <a:xfrm>
+            <a:off x="155575" y="-144463"/>
+            <a:ext cx="304800" cy="304801"/>
+          </a:xfrm>
+          <a:prstGeom prst="rect">
+            <a:avLst/>
+          </a:prstGeom>
+          <a:noFill/>
+        </p:spPr>
+        <p:txBody>
+          <a:bodyPr vert="horz" wrap="square" lIns="91440" tIns="45720" rIns="91440" bIns="45720" numCol="1" anchor="t" anchorCtr="0" compatLnSpc="1">
+            <a:prstTxWarp prst="textNoShape">
+              <a:avLst/>
+            </a:prstTxWarp>
+          </a:bodyPr>
+          <a:lstStyle/>
+          <a:p>
+            <a:endParaRPr lang="en-US"/>
+          </a:p>
+        </p:txBody>
+      </p:sp>
+    </p:spTree>
+    <p:extLst>
+      <p:ext uri="{BB962C8B-B14F-4D97-AF65-F5344CB8AC3E}">
+        <p14:creationId xmlns:p14="http://schemas.microsoft.com/office/powerpoint/2010/main" val="3753017684"/>
+      </p:ext>
+    </p:extLst>
+  </p:cSld>
+  <p:clrMapOvr>
+    <a:masterClrMapping/>
+  </p:clrMapOvr>
+</p:sld>
+</file>
+
+<file path=ppt/slides/slide17.xml><?xml version="1.0" encoding="utf-8"?>
+<p:sld xmlns:a="http://schemas.openxmlformats.org/drawingml/2006/main" xmlns:r="http://schemas.openxmlformats.org/officeDocument/2006/relationships" xmlns:p="http://schemas.openxmlformats.org/presentationml/2006/main">
+  <p:cSld>
+    <p:spTree>
+      <p:nvGrpSpPr>
+        <p:cNvPr id="1" name="Shape 105">
+          <a:extLst>
+            <a:ext uri="{FF2B5EF4-FFF2-40B4-BE49-F238E27FC236}">
+              <a16:creationId xmlns:a16="http://schemas.microsoft.com/office/drawing/2014/main" id="{2E6A82E4-78D1-6CE3-BA45-11F892196269}"/>
+            </a:ext>
+          </a:extLst>
+        </p:cNvPr>
+        <p:cNvGrpSpPr/>
+        <p:nvPr/>
+      </p:nvGrpSpPr>
+      <p:grpSpPr>
+        <a:xfrm>
+          <a:off x="0" y="0"/>
+          <a:ext cx="0" cy="0"/>
+          <a:chOff x="0" y="0"/>
+          <a:chExt cx="0" cy="0"/>
+        </a:xfrm>
+      </p:grpSpPr>
+      <p:sp>
+        <p:nvSpPr>
+          <p:cNvPr id="106" name="Google Shape;106;p3">
+            <a:extLst>
+              <a:ext uri="{FF2B5EF4-FFF2-40B4-BE49-F238E27FC236}">
+                <a16:creationId xmlns:a16="http://schemas.microsoft.com/office/drawing/2014/main" id="{100ADA7B-6E28-31A7-6F81-5770E58E7C32}"/>
+              </a:ext>
+            </a:extLst>
+          </p:cNvPr>
+          <p:cNvSpPr txBox="1"/>
+          <p:nvPr/>
+        </p:nvSpPr>
+        <p:spPr>
+          <a:xfrm>
+            <a:off x="460375" y="1167627"/>
+            <a:ext cx="10989081" cy="5170606"/>
+          </a:xfrm>
+          <a:prstGeom prst="rect">
+            <a:avLst/>
+          </a:prstGeom>
+          <a:noFill/>
+          <a:ln>
+            <a:noFill/>
+          </a:ln>
+        </p:spPr>
+        <p:txBody>
+          <a:bodyPr spcFirstLastPara="1" wrap="square" lIns="91425" tIns="45700" rIns="91425" bIns="45700" anchor="t" anchorCtr="0">
+            <a:spAutoFit/>
+          </a:bodyPr>
+          <a:lstStyle/>
+          <a:p>
+            <a:pPr>
+              <a:lnSpc>
+                <a:spcPct val="150000"/>
+              </a:lnSpc>
+            </a:pPr>
+            <a:r>
+              <a:rPr lang="en-US" sz="2000" dirty="0">
+                <a:latin typeface="Nunito Sans" pitchFamily="2" charset="0"/>
+              </a:rPr>
+              <a:t>Bias-Variance Trade-Off Visualization:</a:t>
+            </a:r>
+          </a:p>
+          <a:p>
+            <a:pPr>
+              <a:lnSpc>
+                <a:spcPct val="150000"/>
+              </a:lnSpc>
+            </a:pPr>
+            <a:r>
+              <a:rPr lang="en-US" sz="2000" dirty="0">
+                <a:latin typeface="Nunito Sans" pitchFamily="2" charset="0"/>
+              </a:rPr>
+              <a:t>To illustrate the bias-variance trade-off, consider the following:</a:t>
+            </a:r>
+          </a:p>
+          <a:p>
+            <a:pPr marL="342900" indent="-342900">
+              <a:lnSpc>
+                <a:spcPct val="150000"/>
+              </a:lnSpc>
+              <a:buFont typeface="Arial" panose="020B0604020202020204" pitchFamily="34" charset="0"/>
+              <a:buChar char="•"/>
+            </a:pPr>
+            <a:r>
+              <a:rPr lang="en-US" sz="2000" dirty="0">
+                <a:latin typeface="Nunito Sans" pitchFamily="2" charset="0"/>
+              </a:rPr>
+              <a:t>As model complexity increases (e.g., moving from a linear regression model to a high-degree polynomial), variance increases and bias decreases.</a:t>
+            </a:r>
+          </a:p>
+          <a:p>
+            <a:pPr marL="342900" indent="-342900">
+              <a:lnSpc>
+                <a:spcPct val="150000"/>
+              </a:lnSpc>
+              <a:buFont typeface="Arial" panose="020B0604020202020204" pitchFamily="34" charset="0"/>
+              <a:buChar char="•"/>
+            </a:pPr>
+            <a:r>
+              <a:rPr lang="en-US" sz="2000" dirty="0">
+                <a:latin typeface="Nunito Sans" pitchFamily="2" charset="0"/>
+              </a:rPr>
+              <a:t>As model complexity decreases, variance decreases and bias increases.</a:t>
+            </a:r>
+          </a:p>
+          <a:p>
+            <a:pPr>
+              <a:lnSpc>
+                <a:spcPct val="150000"/>
+              </a:lnSpc>
+            </a:pPr>
+            <a:endParaRPr lang="en-US" sz="2000" dirty="0">
+              <a:latin typeface="Nunito Sans" pitchFamily="2" charset="0"/>
+            </a:endParaRPr>
+          </a:p>
+          <a:p>
+            <a:pPr>
+              <a:lnSpc>
+                <a:spcPct val="150000"/>
+              </a:lnSpc>
+            </a:pPr>
+            <a:r>
+              <a:rPr lang="en-US" sz="2000" dirty="0">
+                <a:latin typeface="Nunito Sans" pitchFamily="2" charset="0"/>
+              </a:rPr>
+              <a:t>Here’s a simple visualization of how bias and variance interact:</a:t>
+            </a:r>
+          </a:p>
+          <a:p>
+            <a:pPr marL="342900" indent="-342900">
+              <a:lnSpc>
+                <a:spcPct val="150000"/>
+              </a:lnSpc>
+              <a:buFont typeface="Arial" panose="020B0604020202020204" pitchFamily="34" charset="0"/>
+              <a:buChar char="•"/>
+            </a:pPr>
+            <a:endParaRPr lang="en-US" sz="2000" dirty="0">
+              <a:latin typeface="Nunito Sans" pitchFamily="2" charset="0"/>
+            </a:endParaRPr>
+          </a:p>
+          <a:p>
+            <a:pPr marL="342900" indent="-342900">
+              <a:lnSpc>
+                <a:spcPct val="150000"/>
+              </a:lnSpc>
+              <a:buFont typeface="Arial" panose="020B0604020202020204" pitchFamily="34" charset="0"/>
+              <a:buChar char="•"/>
+            </a:pPr>
+            <a:r>
+              <a:rPr lang="en-US" sz="2000" dirty="0">
+                <a:latin typeface="Nunito Sans" pitchFamily="2" charset="0"/>
+              </a:rPr>
+              <a:t>On the x-axis, we have model complexity (from low to high).</a:t>
+            </a:r>
+          </a:p>
+          <a:p>
+            <a:pPr marL="342900" indent="-342900">
+              <a:lnSpc>
+                <a:spcPct val="150000"/>
+              </a:lnSpc>
+              <a:buFont typeface="Arial" panose="020B0604020202020204" pitchFamily="34" charset="0"/>
+              <a:buChar char="•"/>
+            </a:pPr>
+            <a:r>
+              <a:rPr lang="en-US" sz="2000" dirty="0">
+                <a:latin typeface="Nunito Sans" pitchFamily="2" charset="0"/>
+              </a:rPr>
+              <a:t>On the y-axis, we have the error (which includes both bias and variance).</a:t>
+            </a:r>
+          </a:p>
+          <a:p>
+            <a:pPr marL="342900" indent="-342900">
+              <a:lnSpc>
+                <a:spcPct val="150000"/>
+              </a:lnSpc>
+              <a:buFont typeface="Arial" panose="020B0604020202020204" pitchFamily="34" charset="0"/>
+              <a:buChar char="•"/>
+            </a:pPr>
+            <a:r>
+              <a:rPr lang="en-US" sz="2000" dirty="0">
+                <a:latin typeface="Nunito Sans" pitchFamily="2" charset="0"/>
+              </a:rPr>
+              <a:t>The total error is a combination of both bias and variance.</a:t>
+            </a:r>
+          </a:p>
+        </p:txBody>
+      </p:sp>
+      <p:sp>
+        <p:nvSpPr>
+          <p:cNvPr id="115" name="Google Shape;115;p3">
+            <a:extLst>
+              <a:ext uri="{FF2B5EF4-FFF2-40B4-BE49-F238E27FC236}">
+                <a16:creationId xmlns:a16="http://schemas.microsoft.com/office/drawing/2014/main" id="{E08AEFE1-0C86-A8EF-1161-982B31D8FD9F}"/>
+              </a:ext>
+            </a:extLst>
+          </p:cNvPr>
+          <p:cNvSpPr/>
+          <p:nvPr/>
+        </p:nvSpPr>
+        <p:spPr>
+          <a:xfrm>
+            <a:off x="0" y="0"/>
+            <a:ext cx="12192000" cy="883618"/>
+          </a:xfrm>
+          <a:prstGeom prst="rect">
+            <a:avLst/>
+          </a:prstGeom>
+          <a:solidFill>
+            <a:srgbClr val="F05136"/>
+          </a:solidFill>
+          <a:ln>
+            <a:noFill/>
+          </a:ln>
+        </p:spPr>
+        <p:txBody>
+          <a:bodyPr spcFirstLastPara="1" wrap="square" lIns="91425" tIns="45700" rIns="91425" bIns="45700" anchor="ctr" anchorCtr="0">
+            <a:noAutofit/>
+          </a:bodyPr>
+          <a:lstStyle/>
+          <a:p>
+            <a:pPr marL="0" marR="0" lvl="0" indent="0" algn="ctr" defTabSz="914400" rtl="0" eaLnBrk="1" fontAlgn="auto" latinLnBrk="0" hangingPunct="1">
+              <a:lnSpc>
+                <a:spcPct val="100000"/>
+              </a:lnSpc>
+              <a:spcBef>
+                <a:spcPts val="0"/>
+              </a:spcBef>
+              <a:spcAft>
+                <a:spcPts val="0"/>
+              </a:spcAft>
+              <a:buClrTx/>
+              <a:buSzTx/>
+              <a:buFontTx/>
+              <a:buNone/>
+              <a:defRPr/>
+            </a:pPr>
+            <a:endParaRPr kumimoji="0" sz="1800" b="0" i="0" u="none" strike="noStrike" kern="1200" cap="none" spc="0" normalizeH="0" baseline="0" noProof="0">
               <a:ln>
                 <a:noFill/>
               </a:ln>
@@ -12737,11 +13708,73 @@
               <a:effectLst/>
               <a:uLnTx/>
               <a:uFillTx/>
-              <a:latin typeface="Nunito Sans" panose="00000500000000000000"/>
-              <a:ea typeface="Nunito Sans" panose="00000500000000000000"/>
-              <a:cs typeface="Nunito Sans" panose="00000500000000000000"/>
-              <a:sym typeface="Nunito Sans" panose="00000500000000000000"/>
-            </a:endParaRPr>
+              <a:latin typeface="Calibri" panose="020F0502020204030204"/>
+              <a:ea typeface="Calibri" panose="020F0502020204030204"/>
+              <a:cs typeface="Calibri" panose="020F0502020204030204"/>
+              <a:sym typeface="Calibri" panose="020F0502020204030204"/>
+            </a:endParaRPr>
+          </a:p>
+        </p:txBody>
+      </p:sp>
+      <p:sp>
+        <p:nvSpPr>
+          <p:cNvPr id="116" name="Google Shape;116;p3">
+            <a:extLst>
+              <a:ext uri="{FF2B5EF4-FFF2-40B4-BE49-F238E27FC236}">
+                <a16:creationId xmlns:a16="http://schemas.microsoft.com/office/drawing/2014/main" id="{EDD90395-107D-352A-E43C-E7B3B366CA24}"/>
+              </a:ext>
+            </a:extLst>
+          </p:cNvPr>
+          <p:cNvSpPr txBox="1"/>
+          <p:nvPr/>
+        </p:nvSpPr>
+        <p:spPr>
+          <a:xfrm>
+            <a:off x="3238986" y="173182"/>
+            <a:ext cx="7772400" cy="461624"/>
+          </a:xfrm>
+          <a:prstGeom prst="rect">
+            <a:avLst/>
+          </a:prstGeom>
+          <a:noFill/>
+          <a:ln>
+            <a:noFill/>
+          </a:ln>
+        </p:spPr>
+        <p:txBody>
+          <a:bodyPr spcFirstLastPara="1" wrap="square" lIns="91425" tIns="45700" rIns="91425" bIns="45700" anchor="t" anchorCtr="0">
+            <a:spAutoFit/>
+          </a:bodyPr>
+          <a:lstStyle/>
+          <a:p>
+            <a:pPr marL="0" marR="0" lvl="0" indent="0" algn="r" defTabSz="914400" rtl="0" eaLnBrk="1" fontAlgn="auto" latinLnBrk="0" hangingPunct="1">
+              <a:lnSpc>
+                <a:spcPct val="100000"/>
+              </a:lnSpc>
+              <a:spcBef>
+                <a:spcPts val="0"/>
+              </a:spcBef>
+              <a:spcAft>
+                <a:spcPts val="0"/>
+              </a:spcAft>
+              <a:buClrTx/>
+              <a:buSzTx/>
+              <a:buFontTx/>
+              <a:buNone/>
+              <a:defRPr/>
+            </a:pPr>
+            <a:r>
+              <a:rPr kumimoji="0" lang="en-GB" sz="2400" b="1" i="0" u="none" strike="noStrike" kern="1200" cap="none" spc="0" normalizeH="0" baseline="0" dirty="0">
+                <a:solidFill>
+                  <a:prstClr val="white"/>
+                </a:solidFill>
+                <a:latin typeface="Nunito Sans" panose="00000500000000000000"/>
+                <a:ea typeface="Nunito Sans" panose="00000500000000000000"/>
+                <a:cs typeface="Nunito Sans" panose="00000500000000000000"/>
+                <a:sym typeface="Nunito Sans" panose="00000500000000000000"/>
+              </a:rPr>
+              <a:t>BIAS-VARIANCE TRADE-OFF VISUALIZATION</a:t>
+            </a:r>
           </a:p>
         </p:txBody>
       </p:sp>
@@ -12750,7 +13783,7 @@
           <p:cNvPr id="117" name="Google Shape;117;p3">
             <a:extLst>
               <a:ext uri="{FF2B5EF4-FFF2-40B4-BE49-F238E27FC236}">
-                <a16:creationId xmlns:a16="http://schemas.microsoft.com/office/drawing/2014/main" id="{EC5477A4-7457-AE94-9182-F527E4A5FFAC}"/>
+                <a16:creationId xmlns:a16="http://schemas.microsoft.com/office/drawing/2014/main" id="{55F6E85F-A8A4-D383-EE4D-88DEC4351376}"/>
               </a:ext>
             </a:extLst>
           </p:cNvPr>
@@ -12783,7 +13816,7 @@
           <p:cNvPr id="29700" name="Rectangle 4">
             <a:extLst>
               <a:ext uri="{FF2B5EF4-FFF2-40B4-BE49-F238E27FC236}">
-                <a16:creationId xmlns:a16="http://schemas.microsoft.com/office/drawing/2014/main" id="{5F5EB0CD-7AC2-A369-2F6F-CACBE956E7A9}"/>
+                <a16:creationId xmlns:a16="http://schemas.microsoft.com/office/drawing/2014/main" id="{E41AC637-E80B-1729-8A31-B65A9F38F18E}"/>
               </a:ext>
             </a:extLst>
           </p:cNvPr>
@@ -12827,7 +13860,7 @@
           <p:cNvPr id="9" name="Rectangle 8">
             <a:extLst>
               <a:ext uri="{FF2B5EF4-FFF2-40B4-BE49-F238E27FC236}">
-                <a16:creationId xmlns:a16="http://schemas.microsoft.com/office/drawing/2014/main" id="{133F86A2-32E8-C42B-000B-BEE018E976C3}"/>
+                <a16:creationId xmlns:a16="http://schemas.microsoft.com/office/drawing/2014/main" id="{D825EAC9-818B-5DE4-155B-7A8A9F801384}"/>
               </a:ext>
             </a:extLst>
           </p:cNvPr>
@@ -12879,7 +13912,7 @@
           <p:cNvPr id="11" name="Rectangle 10">
             <a:extLst>
               <a:ext uri="{FF2B5EF4-FFF2-40B4-BE49-F238E27FC236}">
-                <a16:creationId xmlns:a16="http://schemas.microsoft.com/office/drawing/2014/main" id="{0D899D59-71DC-BDF8-A2AD-071DAC7D151A}"/>
+                <a16:creationId xmlns:a16="http://schemas.microsoft.com/office/drawing/2014/main" id="{112D8D95-03BF-F208-3C3B-D198234DC847}"/>
               </a:ext>
             </a:extLst>
           </p:cNvPr>
@@ -12977,7 +14010,7 @@
           <p:cNvPr id="2050" name="AutoShape 2" descr="Database PNG transparent image download, size: 512x512px">
             <a:extLst>
               <a:ext uri="{FF2B5EF4-FFF2-40B4-BE49-F238E27FC236}">
-                <a16:creationId xmlns:a16="http://schemas.microsoft.com/office/drawing/2014/main" id="{2DDDA998-9835-6AE8-FCDD-85559FE4C0CA}"/>
+                <a16:creationId xmlns:a16="http://schemas.microsoft.com/office/drawing/2014/main" id="{D1A72144-7679-EFC8-C9E7-76E6D135C430}"/>
               </a:ext>
             </a:extLst>
           </p:cNvPr>
@@ -13013,7 +14046,7 @@
           <p:cNvPr id="2052" name="AutoShape 4" descr="Database PNG transparent image download, size: 512x512px">
             <a:extLst>
               <a:ext uri="{FF2B5EF4-FFF2-40B4-BE49-F238E27FC236}">
-                <a16:creationId xmlns:a16="http://schemas.microsoft.com/office/drawing/2014/main" id="{A0C4F08A-827D-FAFC-8ED8-F3669217E58D}"/>
+                <a16:creationId xmlns:a16="http://schemas.microsoft.com/office/drawing/2014/main" id="{1237C759-DC3B-EBCC-7A72-7F4E0CF21704}"/>
               </a:ext>
             </a:extLst>
           </p:cNvPr>
@@ -13049,7 +14082,7 @@
           <p:cNvPr id="2054" name="AutoShape 6" descr="Database PNG transparent image download, size: 512x512px">
             <a:extLst>
               <a:ext uri="{FF2B5EF4-FFF2-40B4-BE49-F238E27FC236}">
-                <a16:creationId xmlns:a16="http://schemas.microsoft.com/office/drawing/2014/main" id="{F327FDDD-692B-5E2E-FE3E-963671C8590E}"/>
+                <a16:creationId xmlns:a16="http://schemas.microsoft.com/office/drawing/2014/main" id="{D4E949CF-AC84-C8CB-EAAE-D340CBF1AF16}"/>
               </a:ext>
             </a:extLst>
           </p:cNvPr>
@@ -13085,7 +14118,7 @@
           <p:cNvPr id="2056" name="AutoShape 8" descr="Database PNG transparent image download, size: 512x512px">
             <a:extLst>
               <a:ext uri="{FF2B5EF4-FFF2-40B4-BE49-F238E27FC236}">
-                <a16:creationId xmlns:a16="http://schemas.microsoft.com/office/drawing/2014/main" id="{461DF966-6827-D3F5-A6DD-72C65E020391}"/>
+                <a16:creationId xmlns:a16="http://schemas.microsoft.com/office/drawing/2014/main" id="{51779F72-A598-ED9A-1B6C-8E8AD56C46BB}"/>
               </a:ext>
             </a:extLst>
           </p:cNvPr>
@@ -13121,7 +14154,7 @@
           <p:cNvPr id="2058" name="AutoShape 10" descr="Database PNG transparent image download, size: 512x512px">
             <a:extLst>
               <a:ext uri="{FF2B5EF4-FFF2-40B4-BE49-F238E27FC236}">
-                <a16:creationId xmlns:a16="http://schemas.microsoft.com/office/drawing/2014/main" id="{4B708C6E-0E41-ECA6-DE49-BE52417AAE85}"/>
+                <a16:creationId xmlns:a16="http://schemas.microsoft.com/office/drawing/2014/main" id="{7FCAE894-659B-344F-4188-E097CE2FBE72}"/>
               </a:ext>
             </a:extLst>
           </p:cNvPr>
@@ -13152,85 +14185,808 @@
           </a:p>
         </p:txBody>
       </p:sp>
-      <p:sp>
-        <p:nvSpPr>
-          <p:cNvPr id="2" name="AutoShape 2" descr="A simple 2D illustration showing points classified by different shapes to represent the concept of shattering in VC dimension. In one example, points are separated by a line, demonstrating that they can be classified by a linear model. In another example, points are separated by a circle, showing how a circle can classify different arrangements of points. The image should visually depict points in configurations where a shape (line or circle) can separate them in all possible ways, with some points inside and some outside the shapes, highlighting the concept of shattering.">
-            <a:extLst>
-              <a:ext uri="{FF2B5EF4-FFF2-40B4-BE49-F238E27FC236}">
-                <a16:creationId xmlns:a16="http://schemas.microsoft.com/office/drawing/2014/main" id="{36CCF49E-6E81-39D4-B3EB-82B45C430AFB}"/>
-              </a:ext>
-            </a:extLst>
-          </p:cNvPr>
-          <p:cNvSpPr>
-            <a:spLocks noChangeAspect="1" noChangeArrowheads="1"/>
-          </p:cNvSpPr>
-          <p:nvPr/>
-        </p:nvSpPr>
-        <p:spPr bwMode="auto">
-          <a:xfrm>
-            <a:off x="5943600" y="3276600"/>
-            <a:ext cx="304800" cy="304800"/>
-          </a:xfrm>
-          <a:prstGeom prst="rect">
-            <a:avLst/>
-          </a:prstGeom>
-          <a:noFill/>
+    </p:spTree>
+    <p:extLst>
+      <p:ext uri="{BB962C8B-B14F-4D97-AF65-F5344CB8AC3E}">
+        <p14:creationId xmlns:p14="http://schemas.microsoft.com/office/powerpoint/2010/main" val="1454717929"/>
+      </p:ext>
+    </p:extLst>
+  </p:cSld>
+  <p:clrMapOvr>
+    <a:masterClrMapping/>
+  </p:clrMapOvr>
+</p:sld>
+</file>
+
+<file path=ppt/slides/slide18.xml><?xml version="1.0" encoding="utf-8"?>
+<p:sld xmlns:a="http://schemas.openxmlformats.org/drawingml/2006/main" xmlns:r="http://schemas.openxmlformats.org/officeDocument/2006/relationships" xmlns:p="http://schemas.openxmlformats.org/presentationml/2006/main">
+  <p:cSld>
+    <p:spTree>
+      <p:nvGrpSpPr>
+        <p:cNvPr id="1" name="Shape 105">
           <a:extLst>
-            <a:ext uri="{909E8E84-426E-40DD-AFC4-6F175D3DCCD1}">
-              <a14:hiddenFill xmlns:a14="http://schemas.microsoft.com/office/drawing/2010/main">
-                <a:solidFill>
-                  <a:srgbClr val="FFFFFF"/>
-                </a:solidFill>
-              </a14:hiddenFill>
+            <a:ext uri="{FF2B5EF4-FFF2-40B4-BE49-F238E27FC236}">
+              <a16:creationId xmlns:a16="http://schemas.microsoft.com/office/drawing/2014/main" id="{6F8D8974-BC49-4AF0-C720-D7BAEEEF8DFB}"/>
             </a:ext>
           </a:extLst>
-        </p:spPr>
-        <p:txBody>
-          <a:bodyPr vert="horz" wrap="square" lIns="91440" tIns="45720" rIns="91440" bIns="45720" numCol="1" anchor="t" anchorCtr="0" compatLnSpc="1">
-            <a:prstTxWarp prst="textNoShape">
-              <a:avLst/>
-            </a:prstTxWarp>
-          </a:bodyPr>
-          <a:lstStyle/>
-          <a:p>
-            <a:endParaRPr lang="en-IN"/>
+        </p:cNvPr>
+        <p:cNvGrpSpPr/>
+        <p:nvPr/>
+      </p:nvGrpSpPr>
+      <p:grpSpPr>
+        <a:xfrm>
+          <a:off x="0" y="0"/>
+          <a:ext cx="0" cy="0"/>
+          <a:chOff x="0" y="0"/>
+          <a:chExt cx="0" cy="0"/>
+        </a:xfrm>
+      </p:grpSpPr>
+      <p:sp>
+        <p:nvSpPr>
+          <p:cNvPr id="106" name="Google Shape;106;p3">
+            <a:extLst>
+              <a:ext uri="{FF2B5EF4-FFF2-40B4-BE49-F238E27FC236}">
+                <a16:creationId xmlns:a16="http://schemas.microsoft.com/office/drawing/2014/main" id="{A6E192FF-5687-8399-E176-86EA49382444}"/>
+              </a:ext>
+            </a:extLst>
+          </p:cNvPr>
+          <p:cNvSpPr txBox="1"/>
+          <p:nvPr/>
+        </p:nvSpPr>
+        <p:spPr>
+          <a:xfrm>
+            <a:off x="484908" y="261587"/>
+            <a:ext cx="10278030" cy="6463267"/>
+          </a:xfrm>
+          <a:prstGeom prst="rect">
+            <a:avLst/>
+          </a:prstGeom>
+          <a:noFill/>
+          <a:ln>
+            <a:noFill/>
+          </a:ln>
+        </p:spPr>
+        <p:txBody>
+          <a:bodyPr spcFirstLastPara="1" wrap="square" lIns="91425" tIns="45700" rIns="91425" bIns="45700" anchor="t" anchorCtr="0">
+            <a:spAutoFit/>
+          </a:bodyPr>
+          <a:lstStyle/>
+          <a:p>
+            <a:pPr>
+              <a:lnSpc>
+                <a:spcPct val="150000"/>
+              </a:lnSpc>
+            </a:pPr>
+            <a:r>
+              <a:rPr lang="en-US" sz="2000" dirty="0">
+                <a:latin typeface="Nunito Sans" pitchFamily="2" charset="0"/>
+              </a:rPr>
+              <a:t>         |   </a:t>
+            </a:r>
+          </a:p>
+          <a:p>
+            <a:pPr>
+              <a:lnSpc>
+                <a:spcPct val="150000"/>
+              </a:lnSpc>
+            </a:pPr>
+            <a:r>
+              <a:rPr lang="en-US" sz="1600" dirty="0">
+                <a:latin typeface="Nunito Sans" pitchFamily="2" charset="0"/>
+              </a:rPr>
+              <a:t>Error</a:t>
+            </a:r>
+            <a:r>
+              <a:rPr lang="en-US" sz="2000" dirty="0">
+                <a:latin typeface="Nunito Sans" pitchFamily="2" charset="0"/>
+              </a:rPr>
+              <a:t>|           /\</a:t>
+            </a:r>
+          </a:p>
+          <a:p>
+            <a:pPr>
+              <a:lnSpc>
+                <a:spcPct val="150000"/>
+              </a:lnSpc>
+            </a:pPr>
+            <a:r>
+              <a:rPr lang="en-US" sz="2000" dirty="0">
+                <a:latin typeface="Nunito Sans" pitchFamily="2" charset="0"/>
+              </a:rPr>
+              <a:t>       |          /  \</a:t>
+            </a:r>
+          </a:p>
+          <a:p>
+            <a:pPr>
+              <a:lnSpc>
+                <a:spcPct val="150000"/>
+              </a:lnSpc>
+            </a:pPr>
+            <a:r>
+              <a:rPr lang="en-US" sz="2000" dirty="0">
+                <a:latin typeface="Nunito Sans" pitchFamily="2" charset="0"/>
+              </a:rPr>
+              <a:t>       |         /    \</a:t>
+            </a:r>
+          </a:p>
+          <a:p>
+            <a:pPr>
+              <a:lnSpc>
+                <a:spcPct val="150000"/>
+              </a:lnSpc>
+            </a:pPr>
+            <a:r>
+              <a:rPr lang="en-US" sz="2000" dirty="0">
+                <a:latin typeface="Nunito Sans" pitchFamily="2" charset="0"/>
+              </a:rPr>
+              <a:t>       |        /      \</a:t>
+            </a:r>
+          </a:p>
+          <a:p>
+            <a:pPr>
+              <a:lnSpc>
+                <a:spcPct val="150000"/>
+              </a:lnSpc>
+            </a:pPr>
+            <a:r>
+              <a:rPr lang="en-US" sz="2000" dirty="0">
+                <a:latin typeface="Nunito Sans" pitchFamily="2" charset="0"/>
+              </a:rPr>
+              <a:t>       |       /        \</a:t>
+            </a:r>
+          </a:p>
+          <a:p>
+            <a:pPr>
+              <a:lnSpc>
+                <a:spcPct val="150000"/>
+              </a:lnSpc>
+            </a:pPr>
+            <a:r>
+              <a:rPr lang="en-US" sz="2000" dirty="0">
+                <a:latin typeface="Nunito Sans" pitchFamily="2" charset="0"/>
+              </a:rPr>
+              <a:t>       |      /          \  </a:t>
+            </a:r>
+          </a:p>
+          <a:p>
+            <a:pPr>
+              <a:lnSpc>
+                <a:spcPct val="150000"/>
+              </a:lnSpc>
+            </a:pPr>
+            <a:r>
+              <a:rPr lang="en-US" sz="2000" dirty="0">
+                <a:latin typeface="Nunito Sans" pitchFamily="2" charset="0"/>
+              </a:rPr>
+              <a:t>       |     /            \</a:t>
+            </a:r>
+          </a:p>
+          <a:p>
+            <a:pPr>
+              <a:lnSpc>
+                <a:spcPct val="150000"/>
+              </a:lnSpc>
+            </a:pPr>
+            <a:r>
+              <a:rPr lang="en-US" sz="2000" dirty="0">
+                <a:latin typeface="Nunito Sans" pitchFamily="2" charset="0"/>
+              </a:rPr>
+              <a:t>       |    /              \</a:t>
+            </a:r>
+          </a:p>
+          <a:p>
+            <a:pPr>
+              <a:lnSpc>
+                <a:spcPct val="150000"/>
+              </a:lnSpc>
+            </a:pPr>
+            <a:r>
+              <a:rPr lang="en-US" sz="2000" dirty="0">
+                <a:latin typeface="Nunito Sans" pitchFamily="2" charset="0"/>
+              </a:rPr>
+              <a:t>       |__/________\________</a:t>
+            </a:r>
+          </a:p>
+          <a:p>
+            <a:pPr>
+              <a:lnSpc>
+                <a:spcPct val="150000"/>
+              </a:lnSpc>
+            </a:pPr>
+            <a:r>
+              <a:rPr lang="en-US" sz="1600" dirty="0">
+                <a:latin typeface="Nunito Sans" pitchFamily="2" charset="0"/>
+              </a:rPr>
+              <a:t>                Low Complexity -&gt; High Complexity</a:t>
+            </a:r>
+          </a:p>
+          <a:p>
+            <a:pPr marL="342900" indent="-342900">
+              <a:lnSpc>
+                <a:spcPct val="150000"/>
+              </a:lnSpc>
+              <a:buFont typeface="Arial" panose="020B0604020202020204" pitchFamily="34" charset="0"/>
+              <a:buChar char="•"/>
+            </a:pPr>
+            <a:r>
+              <a:rPr lang="en-US" sz="2000" dirty="0">
+                <a:latin typeface="Nunito Sans" pitchFamily="2" charset="0"/>
+              </a:rPr>
+              <a:t>Left side (Low complexity): High bias, low variance — the model underfits.</a:t>
+            </a:r>
+          </a:p>
+          <a:p>
+            <a:pPr marL="342900" indent="-342900">
+              <a:lnSpc>
+                <a:spcPct val="150000"/>
+              </a:lnSpc>
+              <a:buFont typeface="Arial" panose="020B0604020202020204" pitchFamily="34" charset="0"/>
+              <a:buChar char="•"/>
+            </a:pPr>
+            <a:r>
+              <a:rPr lang="en-US" sz="2000" dirty="0">
+                <a:latin typeface="Nunito Sans" pitchFamily="2" charset="0"/>
+              </a:rPr>
+              <a:t>Right side (High complexity): Low bias, high variance — the model overfits.</a:t>
+            </a:r>
+          </a:p>
+          <a:p>
+            <a:pPr marL="342900" indent="-342900">
+              <a:lnSpc>
+                <a:spcPct val="150000"/>
+              </a:lnSpc>
+              <a:buFont typeface="Arial" panose="020B0604020202020204" pitchFamily="34" charset="0"/>
+              <a:buChar char="•"/>
+            </a:pPr>
+            <a:r>
+              <a:rPr lang="en-US" sz="2000" dirty="0">
+                <a:latin typeface="Nunito Sans" pitchFamily="2" charset="0"/>
+              </a:rPr>
+              <a:t>Sweet spot: Balanced bias and variance — optimal model performance.</a:t>
+            </a:r>
+          </a:p>
+        </p:txBody>
+      </p:sp>
+      <p:sp>
+        <p:nvSpPr>
+          <p:cNvPr id="115" name="Google Shape;115;p3">
+            <a:extLst>
+              <a:ext uri="{FF2B5EF4-FFF2-40B4-BE49-F238E27FC236}">
+                <a16:creationId xmlns:a16="http://schemas.microsoft.com/office/drawing/2014/main" id="{7A36E4AA-C4F3-818E-94C1-8B9A50211651}"/>
+              </a:ext>
+            </a:extLst>
+          </p:cNvPr>
+          <p:cNvSpPr/>
+          <p:nvPr/>
+        </p:nvSpPr>
+        <p:spPr>
+          <a:xfrm>
+            <a:off x="0" y="0"/>
+            <a:ext cx="12192000" cy="883618"/>
+          </a:xfrm>
+          <a:prstGeom prst="rect">
+            <a:avLst/>
+          </a:prstGeom>
+          <a:solidFill>
+            <a:srgbClr val="F05136"/>
+          </a:solidFill>
+          <a:ln>
+            <a:noFill/>
+          </a:ln>
+        </p:spPr>
+        <p:txBody>
+          <a:bodyPr spcFirstLastPara="1" wrap="square" lIns="91425" tIns="45700" rIns="91425" bIns="45700" anchor="ctr" anchorCtr="0">
+            <a:noAutofit/>
+          </a:bodyPr>
+          <a:lstStyle/>
+          <a:p>
+            <a:pPr marL="0" marR="0" lvl="0" indent="0" algn="ctr" defTabSz="914400" rtl="0" eaLnBrk="1" fontAlgn="auto" latinLnBrk="0" hangingPunct="1">
+              <a:lnSpc>
+                <a:spcPct val="100000"/>
+              </a:lnSpc>
+              <a:spcBef>
+                <a:spcPts val="0"/>
+              </a:spcBef>
+              <a:spcAft>
+                <a:spcPts val="0"/>
+              </a:spcAft>
+              <a:buClrTx/>
+              <a:buSzTx/>
+              <a:buFontTx/>
+              <a:buNone/>
+              <a:defRPr/>
+            </a:pPr>
+            <a:endParaRPr kumimoji="0" sz="1800" b="0" i="0" u="none" strike="noStrike" kern="1200" cap="none" spc="0" normalizeH="0" baseline="0" noProof="0">
+              <a:ln>
+                <a:noFill/>
+              </a:ln>
+              <a:solidFill>
+                <a:prstClr val="white"/>
+              </a:solidFill>
+              <a:effectLst/>
+              <a:uLnTx/>
+              <a:uFillTx/>
+              <a:latin typeface="Calibri" panose="020F0502020204030204"/>
+              <a:ea typeface="Calibri" panose="020F0502020204030204"/>
+              <a:cs typeface="Calibri" panose="020F0502020204030204"/>
+              <a:sym typeface="Calibri" panose="020F0502020204030204"/>
+            </a:endParaRPr>
+          </a:p>
+        </p:txBody>
+      </p:sp>
+      <p:sp>
+        <p:nvSpPr>
+          <p:cNvPr id="116" name="Google Shape;116;p3">
+            <a:extLst>
+              <a:ext uri="{FF2B5EF4-FFF2-40B4-BE49-F238E27FC236}">
+                <a16:creationId xmlns:a16="http://schemas.microsoft.com/office/drawing/2014/main" id="{E24ED06E-2B82-8FE2-8E1B-F16A08C4957E}"/>
+              </a:ext>
+            </a:extLst>
+          </p:cNvPr>
+          <p:cNvSpPr txBox="1"/>
+          <p:nvPr/>
+        </p:nvSpPr>
+        <p:spPr>
+          <a:xfrm>
+            <a:off x="3238986" y="173182"/>
+            <a:ext cx="7772400" cy="461624"/>
+          </a:xfrm>
+          <a:prstGeom prst="rect">
+            <a:avLst/>
+          </a:prstGeom>
+          <a:noFill/>
+          <a:ln>
+            <a:noFill/>
+          </a:ln>
+        </p:spPr>
+        <p:txBody>
+          <a:bodyPr spcFirstLastPara="1" wrap="square" lIns="91425" tIns="45700" rIns="91425" bIns="45700" anchor="t" anchorCtr="0">
+            <a:spAutoFit/>
+          </a:bodyPr>
+          <a:lstStyle/>
+          <a:p>
+            <a:pPr marL="0" marR="0" lvl="0" indent="0" algn="r" defTabSz="914400" rtl="0" eaLnBrk="1" fontAlgn="auto" latinLnBrk="0" hangingPunct="1">
+              <a:lnSpc>
+                <a:spcPct val="100000"/>
+              </a:lnSpc>
+              <a:spcBef>
+                <a:spcPts val="0"/>
+              </a:spcBef>
+              <a:spcAft>
+                <a:spcPts val="0"/>
+              </a:spcAft>
+              <a:buClrTx/>
+              <a:buSzTx/>
+              <a:buFontTx/>
+              <a:buNone/>
+              <a:defRPr/>
+            </a:pPr>
+            <a:r>
+              <a:rPr kumimoji="0" lang="en-GB" sz="2400" b="1" i="0" u="none" strike="noStrike" kern="1200" cap="none" spc="0" normalizeH="0" baseline="0" dirty="0">
+                <a:solidFill>
+                  <a:prstClr val="white"/>
+                </a:solidFill>
+                <a:latin typeface="Nunito Sans" panose="00000500000000000000"/>
+                <a:ea typeface="Nunito Sans" panose="00000500000000000000"/>
+                <a:cs typeface="Nunito Sans" panose="00000500000000000000"/>
+                <a:sym typeface="Nunito Sans" panose="00000500000000000000"/>
+              </a:rPr>
+              <a:t>BIAS-VARIANCE TRADE-OFF VISUALIZATION</a:t>
+            </a:r>
           </a:p>
         </p:txBody>
       </p:sp>
       <p:pic>
         <p:nvPicPr>
-          <p:cNvPr id="4" name="Picture 3">
-            <a:extLst>
-              <a:ext uri="{FF2B5EF4-FFF2-40B4-BE49-F238E27FC236}">
-                <a16:creationId xmlns:a16="http://schemas.microsoft.com/office/drawing/2014/main" id="{325C85F2-7B34-DB17-FAB1-E91039E96EA9}"/>
-              </a:ext>
-            </a:extLst>
-          </p:cNvPr>
-          <p:cNvPicPr>
-            <a:picLocks noChangeAspect="1"/>
-          </p:cNvPicPr>
+          <p:cNvPr id="117" name="Google Shape;117;p3">
+            <a:extLst>
+              <a:ext uri="{FF2B5EF4-FFF2-40B4-BE49-F238E27FC236}">
+                <a16:creationId xmlns:a16="http://schemas.microsoft.com/office/drawing/2014/main" id="{B2415699-6A72-ADAE-98A2-627E7923DBDF}"/>
+              </a:ext>
+            </a:extLst>
+          </p:cNvPr>
+          <p:cNvPicPr preferRelativeResize="0"/>
           <p:nvPr/>
         </p:nvPicPr>
-        <p:blipFill>
-          <a:blip r:embed="rId4"/>
+        <p:blipFill rotWithShape="1">
+          <a:blip r:embed="rId3"/>
+          <a:srcRect/>
           <a:stretch>
             <a:fillRect/>
           </a:stretch>
         </p:blipFill>
         <p:spPr>
           <a:xfrm>
-            <a:off x="3251613" y="1010588"/>
-            <a:ext cx="5757472" cy="5757472"/>
-          </a:xfrm>
-          <a:prstGeom prst="rect">
-            <a:avLst/>
-          </a:prstGeom>
+            <a:off x="9525600" y="6202800"/>
+            <a:ext cx="2356664" cy="298800"/>
+          </a:xfrm>
+          <a:prstGeom prst="rect">
+            <a:avLst/>
+          </a:prstGeom>
+          <a:noFill/>
+          <a:ln>
+            <a:noFill/>
+          </a:ln>
         </p:spPr>
       </p:pic>
+      <p:sp>
+        <p:nvSpPr>
+          <p:cNvPr id="29700" name="Rectangle 4">
+            <a:extLst>
+              <a:ext uri="{FF2B5EF4-FFF2-40B4-BE49-F238E27FC236}">
+                <a16:creationId xmlns:a16="http://schemas.microsoft.com/office/drawing/2014/main" id="{0948AB0C-6D17-E0A2-5E9D-915B74862784}"/>
+              </a:ext>
+            </a:extLst>
+          </p:cNvPr>
+          <p:cNvSpPr>
+            <a:spLocks noChangeArrowheads="1"/>
+          </p:cNvSpPr>
+          <p:nvPr/>
+        </p:nvSpPr>
+        <p:spPr bwMode="auto">
+          <a:xfrm>
+            <a:off x="0" y="0"/>
+            <a:ext cx="12192000" cy="0"/>
+          </a:xfrm>
+          <a:prstGeom prst="rect">
+            <a:avLst/>
+          </a:prstGeom>
+          <a:noFill/>
+          <a:ln w="9525">
+            <a:noFill/>
+            <a:miter lim="800000"/>
+            <a:headEnd/>
+            <a:tailEnd/>
+          </a:ln>
+          <a:effectLst/>
+        </p:spPr>
+        <p:txBody>
+          <a:bodyPr vert="horz" wrap="none" lIns="91440" tIns="45720" rIns="91440" bIns="45720" numCol="1" anchor="ctr" anchorCtr="0" compatLnSpc="1">
+            <a:prstTxWarp prst="textNoShape">
+              <a:avLst/>
+            </a:prstTxWarp>
+            <a:spAutoFit/>
+          </a:bodyPr>
+          <a:lstStyle/>
+          <a:p>
+            <a:endParaRPr lang="en-US"/>
+          </a:p>
+        </p:txBody>
+      </p:sp>
+      <p:sp>
+        <p:nvSpPr>
+          <p:cNvPr id="9" name="Rectangle 8">
+            <a:extLst>
+              <a:ext uri="{FF2B5EF4-FFF2-40B4-BE49-F238E27FC236}">
+                <a16:creationId xmlns:a16="http://schemas.microsoft.com/office/drawing/2014/main" id="{23937AED-B97E-D6E2-1351-1F848D4F926C}"/>
+              </a:ext>
+            </a:extLst>
+          </p:cNvPr>
+          <p:cNvSpPr/>
+          <p:nvPr/>
+        </p:nvSpPr>
+        <p:spPr>
+          <a:xfrm>
+            <a:off x="0" y="1026711"/>
+            <a:ext cx="11707091" cy="1277273"/>
+          </a:xfrm>
+          <a:prstGeom prst="rect">
+            <a:avLst/>
+          </a:prstGeom>
+        </p:spPr>
+        <p:txBody>
+          <a:bodyPr wrap="square">
+            <a:spAutoFit/>
+          </a:bodyPr>
+          <a:lstStyle/>
+          <a:p>
+            <a:endParaRPr lang="en-US" sz="2800" b="1" dirty="0">
+              <a:solidFill>
+                <a:srgbClr val="000000"/>
+              </a:solidFill>
+              <a:latin typeface="Nunito Sans" pitchFamily="2" charset="0"/>
+            </a:endParaRPr>
+          </a:p>
+          <a:p>
+            <a:endParaRPr lang="en-US" sz="2800" b="1" dirty="0">
+              <a:solidFill>
+                <a:srgbClr val="000000"/>
+              </a:solidFill>
+              <a:latin typeface="Nunito Sans" pitchFamily="2" charset="0"/>
+            </a:endParaRPr>
+          </a:p>
+          <a:p>
+            <a:endParaRPr lang="en-US" sz="2100" b="1" dirty="0">
+              <a:solidFill>
+                <a:srgbClr val="000000"/>
+              </a:solidFill>
+              <a:latin typeface="Nunito Sans" pitchFamily="2" charset="0"/>
+            </a:endParaRPr>
+          </a:p>
+        </p:txBody>
+      </p:sp>
+      <p:sp>
+        <p:nvSpPr>
+          <p:cNvPr id="11" name="Rectangle 10">
+            <a:extLst>
+              <a:ext uri="{FF2B5EF4-FFF2-40B4-BE49-F238E27FC236}">
+                <a16:creationId xmlns:a16="http://schemas.microsoft.com/office/drawing/2014/main" id="{10D13111-DB12-B500-EF46-DE9643075981}"/>
+              </a:ext>
+            </a:extLst>
+          </p:cNvPr>
+          <p:cNvSpPr/>
+          <p:nvPr/>
+        </p:nvSpPr>
+        <p:spPr>
+          <a:xfrm>
+            <a:off x="665018" y="706284"/>
+            <a:ext cx="11526982" cy="3316292"/>
+          </a:xfrm>
+          <a:prstGeom prst="rect">
+            <a:avLst/>
+          </a:prstGeom>
+        </p:spPr>
+        <p:txBody>
+          <a:bodyPr wrap="square">
+            <a:spAutoFit/>
+          </a:bodyPr>
+          <a:lstStyle/>
+          <a:p>
+            <a:pPr>
+              <a:lnSpc>
+                <a:spcPct val="150000"/>
+              </a:lnSpc>
+            </a:pPr>
+            <a:endParaRPr lang="en-US" sz="2300" dirty="0">
+              <a:solidFill>
+                <a:srgbClr val="000000"/>
+              </a:solidFill>
+              <a:latin typeface="Nunito Sans" pitchFamily="2" charset="0"/>
+            </a:endParaRPr>
+          </a:p>
+          <a:p>
+            <a:pPr>
+              <a:lnSpc>
+                <a:spcPct val="150000"/>
+              </a:lnSpc>
+            </a:pPr>
+            <a:endParaRPr lang="en-US" sz="2300" dirty="0">
+              <a:solidFill>
+                <a:srgbClr val="000000"/>
+              </a:solidFill>
+              <a:latin typeface="Nunito Sans" pitchFamily="2" charset="0"/>
+            </a:endParaRPr>
+          </a:p>
+          <a:p>
+            <a:pPr>
+              <a:lnSpc>
+                <a:spcPct val="150000"/>
+              </a:lnSpc>
+            </a:pPr>
+            <a:endParaRPr lang="en-US" sz="2200" dirty="0">
+              <a:solidFill>
+                <a:srgbClr val="000000"/>
+              </a:solidFill>
+              <a:latin typeface="Nunito Sans" pitchFamily="2" charset="0"/>
+            </a:endParaRPr>
+          </a:p>
+          <a:p>
+            <a:pPr>
+              <a:lnSpc>
+                <a:spcPct val="150000"/>
+              </a:lnSpc>
+            </a:pPr>
+            <a:endParaRPr lang="en-US" sz="2200" dirty="0">
+              <a:solidFill>
+                <a:srgbClr val="000000"/>
+              </a:solidFill>
+              <a:latin typeface="Nunito Sans" pitchFamily="2" charset="0"/>
+            </a:endParaRPr>
+          </a:p>
+          <a:p>
+            <a:endParaRPr lang="en-US" sz="2200" dirty="0">
+              <a:solidFill>
+                <a:srgbClr val="000000"/>
+              </a:solidFill>
+              <a:latin typeface="Nunito Sans" pitchFamily="2" charset="0"/>
+            </a:endParaRPr>
+          </a:p>
+          <a:p>
+            <a:pPr>
+              <a:lnSpc>
+                <a:spcPct val="250000"/>
+              </a:lnSpc>
+            </a:pPr>
+            <a:endParaRPr lang="en-US" sz="2100" dirty="0">
+              <a:latin typeface="Nunito Sans"/>
+            </a:endParaRPr>
+          </a:p>
+        </p:txBody>
+      </p:sp>
+      <p:sp>
+        <p:nvSpPr>
+          <p:cNvPr id="2050" name="AutoShape 2" descr="Database PNG transparent image download, size: 512x512px">
+            <a:extLst>
+              <a:ext uri="{FF2B5EF4-FFF2-40B4-BE49-F238E27FC236}">
+                <a16:creationId xmlns:a16="http://schemas.microsoft.com/office/drawing/2014/main" id="{AF6A4966-D9B2-DE14-ED14-BDAD93ED2D84}"/>
+              </a:ext>
+            </a:extLst>
+          </p:cNvPr>
+          <p:cNvSpPr>
+            <a:spLocks noChangeAspect="1" noChangeArrowheads="1"/>
+          </p:cNvSpPr>
+          <p:nvPr/>
+        </p:nvSpPr>
+        <p:spPr bwMode="auto">
+          <a:xfrm>
+            <a:off x="155575" y="-144463"/>
+            <a:ext cx="304800" cy="304801"/>
+          </a:xfrm>
+          <a:prstGeom prst="rect">
+            <a:avLst/>
+          </a:prstGeom>
+          <a:noFill/>
+        </p:spPr>
+        <p:txBody>
+          <a:bodyPr vert="horz" wrap="square" lIns="91440" tIns="45720" rIns="91440" bIns="45720" numCol="1" anchor="t" anchorCtr="0" compatLnSpc="1">
+            <a:prstTxWarp prst="textNoShape">
+              <a:avLst/>
+            </a:prstTxWarp>
+          </a:bodyPr>
+          <a:lstStyle/>
+          <a:p>
+            <a:endParaRPr lang="en-US"/>
+          </a:p>
+        </p:txBody>
+      </p:sp>
+      <p:sp>
+        <p:nvSpPr>
+          <p:cNvPr id="2052" name="AutoShape 4" descr="Database PNG transparent image download, size: 512x512px">
+            <a:extLst>
+              <a:ext uri="{FF2B5EF4-FFF2-40B4-BE49-F238E27FC236}">
+                <a16:creationId xmlns:a16="http://schemas.microsoft.com/office/drawing/2014/main" id="{746EB710-A5E4-C545-8AA1-7B130541BCEA}"/>
+              </a:ext>
+            </a:extLst>
+          </p:cNvPr>
+          <p:cNvSpPr>
+            <a:spLocks noChangeAspect="1" noChangeArrowheads="1"/>
+          </p:cNvSpPr>
+          <p:nvPr/>
+        </p:nvSpPr>
+        <p:spPr bwMode="auto">
+          <a:xfrm>
+            <a:off x="155575" y="-144463"/>
+            <a:ext cx="304800" cy="304801"/>
+          </a:xfrm>
+          <a:prstGeom prst="rect">
+            <a:avLst/>
+          </a:prstGeom>
+          <a:noFill/>
+        </p:spPr>
+        <p:txBody>
+          <a:bodyPr vert="horz" wrap="square" lIns="91440" tIns="45720" rIns="91440" bIns="45720" numCol="1" anchor="t" anchorCtr="0" compatLnSpc="1">
+            <a:prstTxWarp prst="textNoShape">
+              <a:avLst/>
+            </a:prstTxWarp>
+          </a:bodyPr>
+          <a:lstStyle/>
+          <a:p>
+            <a:endParaRPr lang="en-US"/>
+          </a:p>
+        </p:txBody>
+      </p:sp>
+      <p:sp>
+        <p:nvSpPr>
+          <p:cNvPr id="2054" name="AutoShape 6" descr="Database PNG transparent image download, size: 512x512px">
+            <a:extLst>
+              <a:ext uri="{FF2B5EF4-FFF2-40B4-BE49-F238E27FC236}">
+                <a16:creationId xmlns:a16="http://schemas.microsoft.com/office/drawing/2014/main" id="{33860C0A-F05D-78ED-E9E5-4C3511067546}"/>
+              </a:ext>
+            </a:extLst>
+          </p:cNvPr>
+          <p:cNvSpPr>
+            <a:spLocks noChangeAspect="1" noChangeArrowheads="1"/>
+          </p:cNvSpPr>
+          <p:nvPr/>
+        </p:nvSpPr>
+        <p:spPr bwMode="auto">
+          <a:xfrm>
+            <a:off x="155575" y="-144463"/>
+            <a:ext cx="304800" cy="304801"/>
+          </a:xfrm>
+          <a:prstGeom prst="rect">
+            <a:avLst/>
+          </a:prstGeom>
+          <a:noFill/>
+        </p:spPr>
+        <p:txBody>
+          <a:bodyPr vert="horz" wrap="square" lIns="91440" tIns="45720" rIns="91440" bIns="45720" numCol="1" anchor="t" anchorCtr="0" compatLnSpc="1">
+            <a:prstTxWarp prst="textNoShape">
+              <a:avLst/>
+            </a:prstTxWarp>
+          </a:bodyPr>
+          <a:lstStyle/>
+          <a:p>
+            <a:endParaRPr lang="en-US"/>
+          </a:p>
+        </p:txBody>
+      </p:sp>
+      <p:sp>
+        <p:nvSpPr>
+          <p:cNvPr id="2056" name="AutoShape 8" descr="Database PNG transparent image download, size: 512x512px">
+            <a:extLst>
+              <a:ext uri="{FF2B5EF4-FFF2-40B4-BE49-F238E27FC236}">
+                <a16:creationId xmlns:a16="http://schemas.microsoft.com/office/drawing/2014/main" id="{D5C298EB-E3AC-D3F2-C29E-DCC2EC2B67B6}"/>
+              </a:ext>
+            </a:extLst>
+          </p:cNvPr>
+          <p:cNvSpPr>
+            <a:spLocks noChangeAspect="1" noChangeArrowheads="1"/>
+          </p:cNvSpPr>
+          <p:nvPr/>
+        </p:nvSpPr>
+        <p:spPr bwMode="auto">
+          <a:xfrm>
+            <a:off x="155575" y="-144463"/>
+            <a:ext cx="304800" cy="304801"/>
+          </a:xfrm>
+          <a:prstGeom prst="rect">
+            <a:avLst/>
+          </a:prstGeom>
+          <a:noFill/>
+        </p:spPr>
+        <p:txBody>
+          <a:bodyPr vert="horz" wrap="square" lIns="91440" tIns="45720" rIns="91440" bIns="45720" numCol="1" anchor="t" anchorCtr="0" compatLnSpc="1">
+            <a:prstTxWarp prst="textNoShape">
+              <a:avLst/>
+            </a:prstTxWarp>
+          </a:bodyPr>
+          <a:lstStyle/>
+          <a:p>
+            <a:endParaRPr lang="en-US"/>
+          </a:p>
+        </p:txBody>
+      </p:sp>
+      <p:sp>
+        <p:nvSpPr>
+          <p:cNvPr id="2058" name="AutoShape 10" descr="Database PNG transparent image download, size: 512x512px">
+            <a:extLst>
+              <a:ext uri="{FF2B5EF4-FFF2-40B4-BE49-F238E27FC236}">
+                <a16:creationId xmlns:a16="http://schemas.microsoft.com/office/drawing/2014/main" id="{1D81F61D-A459-AF4A-83F7-DBD48C836C24}"/>
+              </a:ext>
+            </a:extLst>
+          </p:cNvPr>
+          <p:cNvSpPr>
+            <a:spLocks noChangeAspect="1" noChangeArrowheads="1"/>
+          </p:cNvSpPr>
+          <p:nvPr/>
+        </p:nvSpPr>
+        <p:spPr bwMode="auto">
+          <a:xfrm>
+            <a:off x="155575" y="-144463"/>
+            <a:ext cx="304800" cy="304801"/>
+          </a:xfrm>
+          <a:prstGeom prst="rect">
+            <a:avLst/>
+          </a:prstGeom>
+          <a:noFill/>
+        </p:spPr>
+        <p:txBody>
+          <a:bodyPr vert="horz" wrap="square" lIns="91440" tIns="45720" rIns="91440" bIns="45720" numCol="1" anchor="t" anchorCtr="0" compatLnSpc="1">
+            <a:prstTxWarp prst="textNoShape">
+              <a:avLst/>
+            </a:prstTxWarp>
+          </a:bodyPr>
+          <a:lstStyle/>
+          <a:p>
+            <a:endParaRPr lang="en-US"/>
+          </a:p>
+        </p:txBody>
+      </p:sp>
     </p:spTree>
     <p:extLst>
       <p:ext uri="{BB962C8B-B14F-4D97-AF65-F5344CB8AC3E}">
-        <p14:creationId xmlns:p14="http://schemas.microsoft.com/office/powerpoint/2010/main" val="4281719390"/>
+        <p14:creationId xmlns:p14="http://schemas.microsoft.com/office/powerpoint/2010/main" val="2957153240"/>
       </p:ext>
     </p:extLst>
   </p:cSld>
@@ -13277,8 +15033,8 @@
         </p:nvSpPr>
         <p:spPr>
           <a:xfrm>
-            <a:off x="421524" y="913455"/>
-            <a:ext cx="10989081" cy="6093936"/>
+            <a:off x="421524" y="673614"/>
+            <a:ext cx="10989081" cy="6401712"/>
           </a:xfrm>
           <a:prstGeom prst="rect">
             <a:avLst/>
@@ -13314,16 +15070,6 @@
               <a:lnSpc>
                 <a:spcPct val="150000"/>
               </a:lnSpc>
-            </a:pPr>
-            <a:endParaRPr lang="en-IN" sz="2000" b="1" dirty="0">
-              <a:latin typeface="Nunito Sans" pitchFamily="2" charset="0"/>
-            </a:endParaRPr>
-          </a:p>
-          <a:p>
-            <a:pPr>
-              <a:lnSpc>
-                <a:spcPct val="150000"/>
-              </a:lnSpc>
               <a:buFont typeface="Arial" panose="020B0604020202020204" pitchFamily="34" charset="0"/>
               <a:buChar char="•"/>
             </a:pPr>
@@ -13370,7 +15116,7 @@
               <a:rPr lang="en-IN" sz="2000" dirty="0">
                 <a:latin typeface="Nunito Sans" pitchFamily="2" charset="0"/>
               </a:rPr>
-              <a:t>: Ordered lists of numbers (e.g., features in data), denoted as bold lowercase (e.g., v\</a:t>
+              <a:t>: Ordered lists of numbers denoted as bold lowercase (e.g., v\</a:t>
             </a:r>
             <a:r>
               <a:rPr lang="en-IN" sz="2000" dirty="0" err="1">
@@ -13403,7 +15149,7 @@
               <a:rPr lang="en-IN" sz="2000" dirty="0">
                 <a:latin typeface="Nunito Sans" pitchFamily="2" charset="0"/>
               </a:rPr>
-              <a:t>: 2D arrays of numbers (e.g., datasets with rows and columns), denoted as bold uppercase (e.g., A\</a:t>
+              <a:t>: 2D arrays of numbers denoted as bold uppercase (e.g., A\</a:t>
             </a:r>
             <a:r>
               <a:rPr lang="en-IN" sz="2000" dirty="0" err="1">
@@ -13441,8 +15187,9 @@
           </a:p>
           <a:p>
             <a:pPr>
-              <a:buFont typeface="Arial" panose="020B0604020202020204" pitchFamily="34" charset="0"/>
-              <a:buChar char="•"/>
+              <a:lnSpc>
+                <a:spcPct val="150000"/>
+              </a:lnSpc>
             </a:pPr>
             <a:endParaRPr lang="en-IN" sz="2000" dirty="0">
               <a:latin typeface="Nunito Sans" pitchFamily="2" charset="0"/>
@@ -13505,6 +15252,69 @@
               </a:rPr>
               <a:t>: Each element is multiplied by a scalar.</a:t>
             </a:r>
+          </a:p>
+          <a:p>
+            <a:pPr>
+              <a:buFont typeface="Arial" panose="020B0604020202020204" pitchFamily="34" charset="0"/>
+              <a:buChar char="•"/>
+            </a:pPr>
+            <a:endParaRPr lang="en-IN" sz="2000" dirty="0">
+              <a:latin typeface="Nunito Sans" pitchFamily="2" charset="0"/>
+            </a:endParaRPr>
+          </a:p>
+          <a:p>
+            <a:pPr>
+              <a:buFont typeface="Arial" panose="020B0604020202020204" pitchFamily="34" charset="0"/>
+              <a:buChar char="•"/>
+            </a:pPr>
+            <a:r>
+              <a:rPr lang="en-IN" sz="2000" b="1" dirty="0">
+                <a:latin typeface="Nunito Sans" pitchFamily="2" charset="0"/>
+              </a:rPr>
+              <a:t>Dot Product</a:t>
+            </a:r>
+            <a:r>
+              <a:rPr lang="en-IN" sz="2000" dirty="0">
+                <a:latin typeface="Nunito Sans" pitchFamily="2" charset="0"/>
+              </a:rPr>
+              <a:t>: Multiplication of two vectors to yield a scalar (measures similarity).</a:t>
+            </a:r>
+          </a:p>
+          <a:p>
+            <a:pPr>
+              <a:buFont typeface="Arial" panose="020B0604020202020204" pitchFamily="34" charset="0"/>
+              <a:buChar char="•"/>
+            </a:pPr>
+            <a:endParaRPr lang="en-IN" sz="2000" dirty="0">
+              <a:latin typeface="Nunito Sans" pitchFamily="2" charset="0"/>
+            </a:endParaRPr>
+          </a:p>
+          <a:p>
+            <a:pPr>
+              <a:buFont typeface="Arial" panose="020B0604020202020204" pitchFamily="34" charset="0"/>
+              <a:buChar char="•"/>
+            </a:pPr>
+            <a:r>
+              <a:rPr lang="en-IN" sz="2000" b="1" dirty="0">
+                <a:latin typeface="Nunito Sans" pitchFamily="2" charset="0"/>
+              </a:rPr>
+              <a:t>Matrix Multiplication</a:t>
+            </a:r>
+            <a:r>
+              <a:rPr lang="en-IN" sz="2000" dirty="0">
+                <a:latin typeface="Nunito Sans" pitchFamily="2" charset="0"/>
+              </a:rPr>
+              <a:t>: Combines two matrices; central for transformations (applying weights).</a:t>
+            </a:r>
+          </a:p>
+          <a:p>
+            <a:pPr>
+              <a:buFont typeface="Arial" panose="020B0604020202020204" pitchFamily="34" charset="0"/>
+              <a:buChar char="•"/>
+            </a:pPr>
+            <a:endParaRPr lang="en-IN" sz="2000" dirty="0">
+              <a:latin typeface="Nunito Sans" pitchFamily="2" charset="0"/>
+            </a:endParaRPr>
           </a:p>
           <a:p>
             <a:endParaRPr lang="en-US" sz="2000" dirty="0">
@@ -13598,7 +15408,7 @@
         <p:spPr>
           <a:xfrm>
             <a:off x="-1244184" y="173182"/>
-            <a:ext cx="13436184" cy="523180"/>
+            <a:ext cx="13436184" cy="461624"/>
           </a:xfrm>
           <a:prstGeom prst="rect">
             <a:avLst/>
@@ -13631,7 +15441,7 @@
               <a:defRPr/>
             </a:pPr>
             <a:r>
-              <a:rPr kumimoji="0" lang="en-US" sz="2800" b="1" i="0" u="none" strike="noStrike" kern="1200" cap="none" spc="0" normalizeH="0" baseline="0" dirty="0">
+              <a:rPr kumimoji="0" lang="en-US" sz="2400" b="1" i="0" u="none" strike="noStrike" kern="1200" cap="none" spc="0" normalizeH="0" baseline="0" dirty="0">
                 <a:solidFill>
                   <a:prstClr val="white"/>
                 </a:solidFill>
@@ -13642,7 +15452,7 @@
               </a:rPr>
               <a:t>REVIEW OF LINEAR ALGEBRA FOR MACHINE LEARNING</a:t>
             </a:r>
-            <a:endParaRPr kumimoji="0" lang="en-US" sz="2800" b="1" i="0" u="none" strike="noStrike" kern="1200" cap="none" spc="0" normalizeH="0" baseline="0" noProof="0" dirty="0">
+            <a:endParaRPr kumimoji="0" lang="en-US" sz="2400" b="1" i="0" u="none" strike="noStrike" kern="1200" cap="none" spc="0" normalizeH="0" baseline="0" noProof="0" dirty="0">
               <a:ln>
                 <a:noFill/>
               </a:ln>
@@ -14085,13 +15895,7 @@
   <p:cSld>
     <p:spTree>
       <p:nvGrpSpPr>
-        <p:cNvPr id="1" name="Shape 105">
-          <a:extLst>
-            <a:ext uri="{FF2B5EF4-FFF2-40B4-BE49-F238E27FC236}">
-              <a16:creationId xmlns:a16="http://schemas.microsoft.com/office/drawing/2014/main" id="{9F6B8AB4-B96B-208E-BC4A-E95584681CC8}"/>
-            </a:ext>
-          </a:extLst>
-        </p:cNvPr>
+        <p:cNvPr id="1" name="Shape 105"/>
         <p:cNvGrpSpPr/>
         <p:nvPr/>
       </p:nvGrpSpPr>
@@ -14105,20 +15909,14 @@
       </p:grpSpPr>
       <p:sp>
         <p:nvSpPr>
-          <p:cNvPr id="106" name="Google Shape;106;p3">
-            <a:extLst>
-              <a:ext uri="{FF2B5EF4-FFF2-40B4-BE49-F238E27FC236}">
-                <a16:creationId xmlns:a16="http://schemas.microsoft.com/office/drawing/2014/main" id="{2135AE7A-4447-60C6-733D-E07E92F21228}"/>
-              </a:ext>
-            </a:extLst>
-          </p:cNvPr>
+          <p:cNvPr id="106" name="Google Shape;106;p3"/>
           <p:cNvSpPr txBox="1"/>
           <p:nvPr/>
         </p:nvSpPr>
         <p:spPr>
           <a:xfrm>
-            <a:off x="421524" y="883475"/>
-            <a:ext cx="10989081" cy="6247824"/>
+            <a:off x="421524" y="793535"/>
+            <a:ext cx="10989081" cy="5940047"/>
           </a:xfrm>
           <a:prstGeom prst="rect">
             <a:avLst/>
@@ -14134,7 +15932,31 @@
           </a:bodyPr>
           <a:lstStyle/>
           <a:p>
-            <a:endParaRPr lang="en-IN" sz="2000" dirty="0">
+            <a:pPr fontAlgn="base">
+              <a:lnSpc>
+                <a:spcPct val="150000"/>
+              </a:lnSpc>
+            </a:pPr>
+            <a:r>
+              <a:rPr lang="en-US" sz="2000" dirty="0">
+                <a:latin typeface="Nunito Sans" pitchFamily="2" charset="0"/>
+              </a:rPr>
+              <a:t>Machine learning is a subset of artificial intelligence that involves using algorithms and statistical models to enable computers to perform tasks without being explicitly programmed. ML allows systems to learn from data and improve their performance over time based on experience.</a:t>
+            </a:r>
+          </a:p>
+          <a:p>
+            <a:pPr marL="457200" indent="-457200">
+              <a:buAutoNum type="arabicPeriod"/>
+            </a:pPr>
+            <a:r>
+              <a:rPr lang="en-US" sz="2000" b="1" dirty="0">
+                <a:latin typeface="Nunito Sans" pitchFamily="2" charset="0"/>
+              </a:rPr>
+              <a:t>Types of Machine Learning: </a:t>
+            </a:r>
+          </a:p>
+          <a:p>
+            <a:endParaRPr lang="en-US" sz="2000" b="1" dirty="0">
               <a:latin typeface="Nunito Sans" pitchFamily="2" charset="0"/>
             </a:endParaRPr>
           </a:p>
@@ -14144,16 +15966,16 @@
               <a:buChar char="•"/>
             </a:pPr>
             <a:r>
-              <a:rPr lang="en-IN" sz="2000" b="1" dirty="0">
+              <a:rPr lang="en-US" sz="2000" b="1" dirty="0">
                 <a:latin typeface="Nunito Sans" pitchFamily="2" charset="0"/>
               </a:rPr>
-              <a:t>Dot Product</a:t>
-            </a:r>
-            <a:r>
-              <a:rPr lang="en-IN" sz="2000" dirty="0">
+              <a:t>     Supervised Learning:</a:t>
+            </a:r>
+            <a:r>
+              <a:rPr lang="en-US" sz="2000" dirty="0">
                 <a:latin typeface="Nunito Sans" pitchFamily="2" charset="0"/>
               </a:rPr>
-              <a:t>: Multiplication of two vectors to yield a scalar (measures similarity).</a:t>
+              <a:t> The model is trained on labeled data, the input data includes input features and the correct output. </a:t>
             </a:r>
           </a:p>
           <a:p>
@@ -14161,7 +15983,7 @@
               <a:buFont typeface="Arial" panose="020B0604020202020204" pitchFamily="34" charset="0"/>
               <a:buChar char="•"/>
             </a:pPr>
-            <a:endParaRPr lang="en-IN" sz="2000" dirty="0">
+            <a:endParaRPr lang="en-US" sz="2000" b="1" dirty="0">
               <a:latin typeface="Nunito Sans" pitchFamily="2" charset="0"/>
             </a:endParaRPr>
           </a:p>
@@ -14171,227 +15993,75 @@
               <a:buChar char="•"/>
             </a:pPr>
             <a:r>
-              <a:rPr lang="en-IN" sz="2000" b="1" dirty="0">
+              <a:rPr lang="en-US" sz="2000" b="1" dirty="0">
                 <a:latin typeface="Nunito Sans" pitchFamily="2" charset="0"/>
               </a:rPr>
-              <a:t>Matrix Multiplication</a:t>
-            </a:r>
-            <a:r>
-              <a:rPr lang="en-IN" sz="2000" dirty="0">
+              <a:t>    Unsupervised Learning:</a:t>
+            </a:r>
+            <a:r>
+              <a:rPr lang="en-US" sz="2000" dirty="0">
                 <a:latin typeface="Nunito Sans" pitchFamily="2" charset="0"/>
               </a:rPr>
-              <a:t>: Combines two matrices; central for transformations (e.g., applying weights).</a:t>
-            </a:r>
-          </a:p>
-          <a:p>
-            <a:endParaRPr lang="en-IN" sz="2000" dirty="0">
+              <a:t> The model works with unlabeled data,  has input data with no defined output</a:t>
+            </a:r>
+          </a:p>
+          <a:p>
+            <a:endParaRPr lang="en-US" sz="2000" b="1" dirty="0">
               <a:latin typeface="Nunito Sans" pitchFamily="2" charset="0"/>
             </a:endParaRPr>
           </a:p>
           <a:p>
-            <a:r>
-              <a:rPr lang="en-IN" sz="2000" b="1" dirty="0">
+            <a:pPr marL="342900" indent="-342900">
+              <a:buFont typeface="Arial" panose="020B0604020202020204" pitchFamily="34" charset="0"/>
+              <a:buChar char="•"/>
+            </a:pPr>
+            <a:r>
+              <a:rPr lang="en-US" sz="2000" b="1" dirty="0">
                 <a:latin typeface="Nunito Sans" pitchFamily="2" charset="0"/>
               </a:rPr>
-              <a:t>3. Norms and Distances :</a:t>
-            </a:r>
-          </a:p>
-          <a:p>
-            <a:endParaRPr lang="en-IN" sz="2000" b="1" dirty="0">
+              <a:t>Semi-supervised Learning:</a:t>
+            </a:r>
+            <a:r>
+              <a:rPr lang="en-US" sz="2000" dirty="0">
+                <a:latin typeface="Nunito Sans" pitchFamily="2" charset="0"/>
+              </a:rPr>
+              <a:t> A mix of labeled and unlabeled data is used, often when labeled data is scarce. </a:t>
+            </a:r>
+          </a:p>
+          <a:p>
+            <a:endParaRPr lang="en-US" sz="2000" b="1" dirty="0">
               <a:latin typeface="Nunito Sans" pitchFamily="2" charset="0"/>
             </a:endParaRPr>
           </a:p>
           <a:p>
-            <a:pPr>
+            <a:pPr marL="342900" indent="-342900">
               <a:buFont typeface="Arial" panose="020B0604020202020204" pitchFamily="34" charset="0"/>
               <a:buChar char="•"/>
             </a:pPr>
             <a:r>
-              <a:rPr lang="en-IN" sz="2000" b="1" dirty="0">
+              <a:rPr lang="en-US" sz="2000" b="1" dirty="0">
                 <a:latin typeface="Nunito Sans" pitchFamily="2" charset="0"/>
               </a:rPr>
-              <a:t>L2L2L2-norm</a:t>
-            </a:r>
-            <a:r>
-              <a:rPr lang="en-IN" sz="2000" dirty="0">
+              <a:t>Reinforcement Learning:</a:t>
+            </a:r>
+            <a:r>
+              <a:rPr lang="en-US" sz="2000" dirty="0">
                 <a:latin typeface="Nunito Sans" pitchFamily="2" charset="0"/>
               </a:rPr>
-              <a:t>: Measures vector magnitude (Euclidean distance).</a:t>
-            </a:r>
-          </a:p>
-          <a:p>
-            <a:pPr>
-              <a:buFont typeface="Arial" panose="020B0604020202020204" pitchFamily="34" charset="0"/>
-              <a:buChar char="•"/>
-            </a:pPr>
-            <a:endParaRPr lang="en-IN" sz="2000" dirty="0">
+              <a:t> This approach involves an agent that learns by interacting with its environment, making decisions, and receiving feedback in the form of rewards or penalties. </a:t>
+            </a:r>
+            <a:endParaRPr lang="en-US" sz="2000" dirty="0">
+              <a:solidFill>
+                <a:srgbClr val="000000"/>
+              </a:solidFill>
               <a:latin typeface="Nunito Sans" pitchFamily="2" charset="0"/>
             </a:endParaRPr>
           </a:p>
-          <a:p>
-            <a:pPr>
-              <a:buFont typeface="Arial" panose="020B0604020202020204" pitchFamily="34" charset="0"/>
-              <a:buChar char="•"/>
-            </a:pPr>
-            <a:r>
-              <a:rPr lang="en-IN" sz="2000" b="1" dirty="0">
-                <a:latin typeface="Nunito Sans" pitchFamily="2" charset="0"/>
-              </a:rPr>
-              <a:t>L1L1L1-norm</a:t>
-            </a:r>
-            <a:r>
-              <a:rPr lang="en-IN" sz="2000" dirty="0">
-                <a:latin typeface="Nunito Sans" pitchFamily="2" charset="0"/>
-              </a:rPr>
-              <a:t>: Sum of absolute values (useful for sparsity).</a:t>
-            </a:r>
-          </a:p>
-          <a:p>
-            <a:pPr>
-              <a:buFont typeface="Arial" panose="020B0604020202020204" pitchFamily="34" charset="0"/>
-              <a:buChar char="•"/>
-            </a:pPr>
-            <a:endParaRPr lang="en-IN" sz="2000" dirty="0">
-              <a:latin typeface="Nunito Sans" pitchFamily="2" charset="0"/>
-            </a:endParaRPr>
-          </a:p>
-          <a:p>
-            <a:pPr>
-              <a:buFont typeface="Arial" panose="020B0604020202020204" pitchFamily="34" charset="0"/>
-              <a:buChar char="•"/>
-            </a:pPr>
-            <a:r>
-              <a:rPr lang="en-IN" sz="2000" b="1" dirty="0">
-                <a:latin typeface="Nunito Sans" pitchFamily="2" charset="0"/>
-              </a:rPr>
-              <a:t>Distance Metrics</a:t>
-            </a:r>
-            <a:r>
-              <a:rPr lang="en-IN" sz="2000" dirty="0">
-                <a:latin typeface="Nunito Sans" pitchFamily="2" charset="0"/>
-              </a:rPr>
-              <a:t>: Euclidean and Manhattan distances for similarity measurement. </a:t>
-            </a:r>
-          </a:p>
-          <a:p>
-            <a:pPr>
-              <a:buFont typeface="Arial" panose="020B0604020202020204" pitchFamily="34" charset="0"/>
-              <a:buChar char="•"/>
-            </a:pPr>
-            <a:endParaRPr lang="en-IN" sz="2000" b="1" dirty="0">
-              <a:latin typeface="Nunito Sans" pitchFamily="2" charset="0"/>
-            </a:endParaRPr>
-          </a:p>
-          <a:p>
-            <a:r>
-              <a:rPr lang="en-IN" sz="2000" b="1" dirty="0">
-                <a:latin typeface="Nunito Sans" pitchFamily="2" charset="0"/>
-              </a:rPr>
-              <a:t>4. Transformations :</a:t>
-            </a:r>
-          </a:p>
-          <a:p>
-            <a:endParaRPr lang="en-IN" sz="2000" b="1" dirty="0">
-              <a:latin typeface="Nunito Sans" pitchFamily="2" charset="0"/>
-            </a:endParaRPr>
-          </a:p>
-          <a:p>
-            <a:pPr>
-              <a:buFont typeface="Arial" panose="020B0604020202020204" pitchFamily="34" charset="0"/>
-              <a:buChar char="•"/>
-            </a:pPr>
-            <a:r>
-              <a:rPr lang="en-IN" sz="2000" b="1" dirty="0">
-                <a:latin typeface="Nunito Sans" pitchFamily="2" charset="0"/>
-              </a:rPr>
-              <a:t>Linear </a:t>
-            </a:r>
-            <a:r>
-              <a:rPr lang="en-IN" sz="2000" dirty="0">
-                <a:latin typeface="Nunito Sans" pitchFamily="2" charset="0"/>
-              </a:rPr>
-              <a:t>: Applying a matrix to a vector (e.g., y=Ax\</a:t>
-            </a:r>
-            <a:r>
-              <a:rPr lang="en-IN" sz="2000" dirty="0" err="1">
-                <a:latin typeface="Nunito Sans" pitchFamily="2" charset="0"/>
-              </a:rPr>
-              <a:t>mathbf</a:t>
-            </a:r>
-            <a:r>
-              <a:rPr lang="en-IN" sz="2000" dirty="0">
-                <a:latin typeface="Nunito Sans" pitchFamily="2" charset="0"/>
-              </a:rPr>
-              <a:t>{y} = \</a:t>
-            </a:r>
-            <a:r>
-              <a:rPr lang="en-IN" sz="2000" dirty="0" err="1">
-                <a:latin typeface="Nunito Sans" pitchFamily="2" charset="0"/>
-              </a:rPr>
-              <a:t>mathbf</a:t>
-            </a:r>
-            <a:r>
-              <a:rPr lang="en-IN" sz="2000" dirty="0">
-                <a:latin typeface="Nunito Sans" pitchFamily="2" charset="0"/>
-              </a:rPr>
-              <a:t>{A} \</a:t>
-            </a:r>
-            <a:r>
-              <a:rPr lang="en-IN" sz="2000" dirty="0" err="1">
-                <a:latin typeface="Nunito Sans" pitchFamily="2" charset="0"/>
-              </a:rPr>
-              <a:t>mathbf</a:t>
-            </a:r>
-            <a:r>
-              <a:rPr lang="en-IN" sz="2000" dirty="0">
-                <a:latin typeface="Nunito Sans" pitchFamily="2" charset="0"/>
-              </a:rPr>
-              <a:t>{x}y=Ax).</a:t>
-            </a:r>
-          </a:p>
-          <a:p>
-            <a:pPr>
-              <a:buFont typeface="Arial" panose="020B0604020202020204" pitchFamily="34" charset="0"/>
-              <a:buChar char="•"/>
-            </a:pPr>
-            <a:endParaRPr lang="en-IN" sz="2000" dirty="0">
-              <a:latin typeface="Nunito Sans" pitchFamily="2" charset="0"/>
-            </a:endParaRPr>
-          </a:p>
-          <a:p>
-            <a:pPr>
-              <a:buFont typeface="Arial" panose="020B0604020202020204" pitchFamily="34" charset="0"/>
-              <a:buChar char="•"/>
-            </a:pPr>
-            <a:r>
-              <a:rPr lang="en-IN" sz="2000" b="1" dirty="0">
-                <a:latin typeface="Nunito Sans" pitchFamily="2" charset="0"/>
-              </a:rPr>
-              <a:t>Projection</a:t>
-            </a:r>
-            <a:r>
-              <a:rPr lang="en-IN" sz="2000" dirty="0">
-                <a:latin typeface="Nunito Sans" pitchFamily="2" charset="0"/>
-              </a:rPr>
-              <a:t>: Maps into lower-dimensional subspace (used in PCA for dimensionality reduction).</a:t>
-            </a:r>
-          </a:p>
-          <a:p>
-            <a:endParaRPr lang="en-IN" sz="2000" dirty="0">
-              <a:latin typeface="Nunito Sans" pitchFamily="2" charset="0"/>
-            </a:endParaRPr>
-          </a:p>
-        </p:txBody>
-      </p:sp>
-      <p:sp>
-        <p:nvSpPr>
-          <p:cNvPr id="115" name="Google Shape;115;p3">
-            <a:extLst>
-              <a:ext uri="{FF2B5EF4-FFF2-40B4-BE49-F238E27FC236}">
-                <a16:creationId xmlns:a16="http://schemas.microsoft.com/office/drawing/2014/main" id="{04177BE8-508A-7833-C941-CCAA99500301}"/>
-              </a:ext>
-            </a:extLst>
-          </p:cNvPr>
+        </p:txBody>
+      </p:sp>
+      <p:sp>
+        <p:nvSpPr>
+          <p:cNvPr id="115" name="Google Shape;115;p3"/>
           <p:cNvSpPr/>
           <p:nvPr/>
         </p:nvSpPr>
@@ -14450,15 +16120,116 @@
           </a:p>
         </p:txBody>
       </p:sp>
+      <p:sp>
+        <p:nvSpPr>
+          <p:cNvPr id="116" name="Google Shape;116;p3"/>
+          <p:cNvSpPr txBox="1"/>
+          <p:nvPr/>
+        </p:nvSpPr>
+        <p:spPr>
+          <a:xfrm>
+            <a:off x="421524" y="173182"/>
+            <a:ext cx="10589862" cy="477013"/>
+          </a:xfrm>
+          <a:prstGeom prst="rect">
+            <a:avLst/>
+          </a:prstGeom>
+          <a:noFill/>
+          <a:ln>
+            <a:noFill/>
+          </a:ln>
+        </p:spPr>
+        <p:txBody>
+          <a:bodyPr spcFirstLastPara="1" wrap="square" lIns="91425" tIns="45700" rIns="91425" bIns="45700" anchor="t" anchorCtr="0">
+            <a:spAutoFit/>
+          </a:bodyPr>
+          <a:lstStyle/>
+          <a:p>
+            <a:pPr marL="0" marR="0" lvl="0" indent="0" algn="r" defTabSz="914400" rtl="0" eaLnBrk="1" fontAlgn="auto" latinLnBrk="0" hangingPunct="1">
+              <a:lnSpc>
+                <a:spcPct val="100000"/>
+              </a:lnSpc>
+              <a:spcBef>
+                <a:spcPts val="0"/>
+              </a:spcBef>
+              <a:spcAft>
+                <a:spcPts val="0"/>
+              </a:spcAft>
+              <a:buClrTx/>
+              <a:buSzTx/>
+              <a:buFontTx/>
+              <a:buNone/>
+              <a:defRPr/>
+            </a:pPr>
+            <a:r>
+              <a:rPr lang="en-GB" sz="2500" b="1" noProof="0" dirty="0">
+                <a:ln>
+                  <a:noFill/>
+                </a:ln>
+                <a:solidFill>
+                  <a:prstClr val="white"/>
+                </a:solidFill>
+                <a:effectLst/>
+                <a:uLnTx/>
+                <a:uFillTx/>
+                <a:latin typeface="Nunito Sans" panose="00000500000000000000"/>
+                <a:ea typeface="Nunito Sans" panose="00000500000000000000"/>
+                <a:cs typeface="Nunito Sans" panose="00000500000000000000"/>
+                <a:sym typeface="Nunito Sans" panose="00000500000000000000"/>
+              </a:rPr>
+              <a:t>INTRODUCTION AND MOTIVATION </a:t>
+            </a:r>
+            <a:r>
+              <a:rPr lang="en-GB" sz="2500" b="1" dirty="0">
+                <a:solidFill>
+                  <a:prstClr val="white"/>
+                </a:solidFill>
+                <a:latin typeface="Nunito Sans" panose="00000500000000000000"/>
+                <a:ea typeface="Nunito Sans" panose="00000500000000000000"/>
+                <a:cs typeface="Nunito Sans" panose="00000500000000000000"/>
+                <a:sym typeface="Nunito Sans" panose="00000500000000000000"/>
+              </a:rPr>
+              <a:t>F</a:t>
+            </a:r>
+            <a:r>
+              <a:rPr lang="en-GB" sz="2500" b="1" noProof="0" dirty="0">
+                <a:ln>
+                  <a:noFill/>
+                </a:ln>
+                <a:solidFill>
+                  <a:prstClr val="white"/>
+                </a:solidFill>
+                <a:effectLst/>
+                <a:uLnTx/>
+                <a:uFillTx/>
+                <a:latin typeface="Nunito Sans" panose="00000500000000000000"/>
+                <a:ea typeface="Nunito Sans" panose="00000500000000000000"/>
+                <a:cs typeface="Nunito Sans" panose="00000500000000000000"/>
+                <a:sym typeface="Nunito Sans" panose="00000500000000000000"/>
+              </a:rPr>
+              <a:t>OR MACHINE LEARNING</a:t>
+            </a:r>
+            <a:endParaRPr kumimoji="0" sz="2500" b="1" i="0" u="none" strike="noStrike" kern="1200" cap="none" spc="0" normalizeH="0" baseline="0" noProof="0" dirty="0">
+              <a:ln>
+                <a:noFill/>
+              </a:ln>
+              <a:solidFill>
+                <a:prstClr val="white"/>
+              </a:solidFill>
+              <a:effectLst/>
+              <a:uLnTx/>
+              <a:uFillTx/>
+              <a:latin typeface="Nunito Sans" panose="00000500000000000000"/>
+              <a:ea typeface="Nunito Sans" panose="00000500000000000000"/>
+              <a:cs typeface="Nunito Sans" panose="00000500000000000000"/>
+              <a:sym typeface="Nunito Sans" panose="00000500000000000000"/>
+            </a:endParaRPr>
+          </a:p>
+        </p:txBody>
+      </p:sp>
       <p:pic>
         <p:nvPicPr>
-          <p:cNvPr id="117" name="Google Shape;117;p3">
-            <a:extLst>
-              <a:ext uri="{FF2B5EF4-FFF2-40B4-BE49-F238E27FC236}">
-                <a16:creationId xmlns:a16="http://schemas.microsoft.com/office/drawing/2014/main" id="{1DE29916-16D2-AC8A-90C2-6BE9A518B90D}"/>
-              </a:ext>
-            </a:extLst>
-          </p:cNvPr>
+          <p:cNvPr id="117" name="Google Shape;117;p3"/>
           <p:cNvPicPr preferRelativeResize="0"/>
           <p:nvPr/>
         </p:nvPicPr>
@@ -14485,13 +16256,7 @@
       </p:pic>
       <p:sp>
         <p:nvSpPr>
-          <p:cNvPr id="29700" name="Rectangle 4">
-            <a:extLst>
-              <a:ext uri="{FF2B5EF4-FFF2-40B4-BE49-F238E27FC236}">
-                <a16:creationId xmlns:a16="http://schemas.microsoft.com/office/drawing/2014/main" id="{6A72826A-5011-AB01-330A-3605042EC3BA}"/>
-              </a:ext>
-            </a:extLst>
-          </p:cNvPr>
+          <p:cNvPr id="29700" name="Rectangle 4"/>
           <p:cNvSpPr>
             <a:spLocks noChangeArrowheads="1"/>
           </p:cNvSpPr>
@@ -14529,13 +16294,7 @@
       </p:sp>
       <p:sp>
         <p:nvSpPr>
-          <p:cNvPr id="9" name="Rectangle 8">
-            <a:extLst>
-              <a:ext uri="{FF2B5EF4-FFF2-40B4-BE49-F238E27FC236}">
-                <a16:creationId xmlns:a16="http://schemas.microsoft.com/office/drawing/2014/main" id="{2BBB1049-D29B-F4F0-EF55-2F5AEF436A3E}"/>
-              </a:ext>
-            </a:extLst>
-          </p:cNvPr>
+          <p:cNvPr id="9" name="Rectangle 8"/>
           <p:cNvSpPr/>
           <p:nvPr/>
         </p:nvSpPr>
@@ -14581,13 +16340,7 @@
       </p:sp>
       <p:sp>
         <p:nvSpPr>
-          <p:cNvPr id="11" name="Rectangle 10">
-            <a:extLst>
-              <a:ext uri="{FF2B5EF4-FFF2-40B4-BE49-F238E27FC236}">
-                <a16:creationId xmlns:a16="http://schemas.microsoft.com/office/drawing/2014/main" id="{44EFED15-09B5-798E-DEFF-94B1A64DF344}"/>
-              </a:ext>
-            </a:extLst>
-          </p:cNvPr>
+          <p:cNvPr id="11" name="Rectangle 10"/>
           <p:cNvSpPr/>
           <p:nvPr/>
         </p:nvSpPr>
@@ -14679,13 +16432,7 @@
       </p:sp>
       <p:sp>
         <p:nvSpPr>
-          <p:cNvPr id="2050" name="AutoShape 2" descr="Database PNG transparent image download, size: 512x512px">
-            <a:extLst>
-              <a:ext uri="{FF2B5EF4-FFF2-40B4-BE49-F238E27FC236}">
-                <a16:creationId xmlns:a16="http://schemas.microsoft.com/office/drawing/2014/main" id="{FD624751-F547-D2B2-712E-C5BF5894D50A}"/>
-              </a:ext>
-            </a:extLst>
-          </p:cNvPr>
+          <p:cNvPr id="2050" name="AutoShape 2" descr="Database PNG transparent image download, size: 512x512px"/>
           <p:cNvSpPr>
             <a:spLocks noChangeAspect="1" noChangeArrowheads="1"/>
           </p:cNvSpPr>
@@ -14715,13 +16462,7 @@
       </p:sp>
       <p:sp>
         <p:nvSpPr>
-          <p:cNvPr id="2052" name="AutoShape 4" descr="Database PNG transparent image download, size: 512x512px">
-            <a:extLst>
-              <a:ext uri="{FF2B5EF4-FFF2-40B4-BE49-F238E27FC236}">
-                <a16:creationId xmlns:a16="http://schemas.microsoft.com/office/drawing/2014/main" id="{6BD0BD38-5993-6FE8-2F2C-9710A0E47356}"/>
-              </a:ext>
-            </a:extLst>
-          </p:cNvPr>
+          <p:cNvPr id="2052" name="AutoShape 4" descr="Database PNG transparent image download, size: 512x512px"/>
           <p:cNvSpPr>
             <a:spLocks noChangeAspect="1" noChangeArrowheads="1"/>
           </p:cNvSpPr>
@@ -14751,13 +16492,7 @@
       </p:sp>
       <p:sp>
         <p:nvSpPr>
-          <p:cNvPr id="2054" name="AutoShape 6" descr="Database PNG transparent image download, size: 512x512px">
-            <a:extLst>
-              <a:ext uri="{FF2B5EF4-FFF2-40B4-BE49-F238E27FC236}">
-                <a16:creationId xmlns:a16="http://schemas.microsoft.com/office/drawing/2014/main" id="{18207D82-F6C2-85F6-4E3F-5A0E969710A0}"/>
-              </a:ext>
-            </a:extLst>
-          </p:cNvPr>
+          <p:cNvPr id="2054" name="AutoShape 6" descr="Database PNG transparent image download, size: 512x512px"/>
           <p:cNvSpPr>
             <a:spLocks noChangeAspect="1" noChangeArrowheads="1"/>
           </p:cNvSpPr>
@@ -14787,13 +16522,7 @@
       </p:sp>
       <p:sp>
         <p:nvSpPr>
-          <p:cNvPr id="2056" name="AutoShape 8" descr="Database PNG transparent image download, size: 512x512px">
-            <a:extLst>
-              <a:ext uri="{FF2B5EF4-FFF2-40B4-BE49-F238E27FC236}">
-                <a16:creationId xmlns:a16="http://schemas.microsoft.com/office/drawing/2014/main" id="{14D8340C-58F0-375F-42FB-B93E540A1188}"/>
-              </a:ext>
-            </a:extLst>
-          </p:cNvPr>
+          <p:cNvPr id="2056" name="AutoShape 8" descr="Database PNG transparent image download, size: 512x512px"/>
           <p:cNvSpPr>
             <a:spLocks noChangeAspect="1" noChangeArrowheads="1"/>
           </p:cNvSpPr>
@@ -14823,13 +16552,7 @@
       </p:sp>
       <p:sp>
         <p:nvSpPr>
-          <p:cNvPr id="2058" name="AutoShape 10" descr="Database PNG transparent image download, size: 512x512px">
-            <a:extLst>
-              <a:ext uri="{FF2B5EF4-FFF2-40B4-BE49-F238E27FC236}">
-                <a16:creationId xmlns:a16="http://schemas.microsoft.com/office/drawing/2014/main" id="{8C213589-85C0-1BC9-A119-6125BEA389CE}"/>
-              </a:ext>
-            </a:extLst>
-          </p:cNvPr>
+          <p:cNvPr id="2058" name="AutoShape 10" descr="Database PNG transparent image download, size: 512x512px"/>
           <p:cNvSpPr>
             <a:spLocks noChangeAspect="1" noChangeArrowheads="1"/>
           </p:cNvSpPr>
@@ -14860,7 +16583,7 @@
     </p:spTree>
     <p:extLst>
       <p:ext uri="{BB962C8B-B14F-4D97-AF65-F5344CB8AC3E}">
-        <p14:creationId xmlns:p14="http://schemas.microsoft.com/office/powerpoint/2010/main" val="2406177673"/>
+        <p14:creationId xmlns:p14="http://schemas.microsoft.com/office/powerpoint/2010/main" val="1908599739"/>
       </p:ext>
     </p:extLst>
   </p:cSld>
@@ -14878,7 +16601,7 @@
         <p:cNvPr id="1" name="Shape 105">
           <a:extLst>
             <a:ext uri="{FF2B5EF4-FFF2-40B4-BE49-F238E27FC236}">
-              <a16:creationId xmlns:a16="http://schemas.microsoft.com/office/drawing/2014/main" id="{F6CA9FD4-12EB-BD02-121F-BFEF4A2AEBA7}"/>
+              <a16:creationId xmlns:a16="http://schemas.microsoft.com/office/drawing/2014/main" id="{5478D540-8CE7-0C46-30A0-78A4A0FD939C}"/>
             </a:ext>
           </a:extLst>
         </p:cNvPr>
@@ -14898,7 +16621,7 @@
           <p:cNvPr id="106" name="Google Shape;106;p3">
             <a:extLst>
               <a:ext uri="{FF2B5EF4-FFF2-40B4-BE49-F238E27FC236}">
-                <a16:creationId xmlns:a16="http://schemas.microsoft.com/office/drawing/2014/main" id="{99D5EAB0-DCFD-41F7-6946-F329ADE0D089}"/>
+                <a16:creationId xmlns:a16="http://schemas.microsoft.com/office/drawing/2014/main" id="{A8C3E265-220C-3DFF-C205-2C0C8327636A}"/>
               </a:ext>
             </a:extLst>
           </p:cNvPr>
@@ -14907,8 +16630,8 @@
         </p:nvSpPr>
         <p:spPr>
           <a:xfrm>
-            <a:off x="421524" y="1048365"/>
-            <a:ext cx="10989081" cy="5478382"/>
+            <a:off x="421524" y="1183275"/>
+            <a:ext cx="10989081" cy="4585830"/>
           </a:xfrm>
           <a:prstGeom prst="rect">
             <a:avLst/>
@@ -14924,25 +16647,18 @@
           </a:bodyPr>
           <a:lstStyle/>
           <a:p>
-            <a:pPr>
-              <a:lnSpc>
-                <a:spcPct val="150000"/>
-              </a:lnSpc>
-            </a:pPr>
-            <a:endParaRPr lang="en-IN" sz="2000" b="1" dirty="0">
-              <a:latin typeface="Nunito Sans" pitchFamily="2" charset="0"/>
-            </a:endParaRPr>
-          </a:p>
-          <a:p>
-            <a:r>
-              <a:rPr lang="en-IN" sz="2000" b="1" dirty="0">
+            <a:pPr marL="457200" indent="-457200">
+              <a:buAutoNum type="arabicPeriod"/>
+            </a:pPr>
+            <a:r>
+              <a:rPr lang="en-US" sz="2400" b="1" dirty="0">
                 <a:latin typeface="Nunito Sans" pitchFamily="2" charset="0"/>
               </a:rPr>
-              <a:t>5. Determinants and Inverses</a:t>
-            </a:r>
-          </a:p>
-          <a:p>
-            <a:endParaRPr lang="en-IN" sz="2000" b="1" dirty="0">
+              <a:t>Image Recognition and Computer Vision</a:t>
+            </a:r>
+          </a:p>
+          <a:p>
+            <a:endParaRPr lang="en-US" sz="2400" b="1" dirty="0">
               <a:latin typeface="Nunito Sans" pitchFamily="2" charset="0"/>
             </a:endParaRPr>
           </a:p>
@@ -14952,20 +16668,20 @@
               <a:buChar char="•"/>
             </a:pPr>
             <a:r>
-              <a:rPr lang="en-IN" sz="2000" b="1" dirty="0">
+              <a:rPr lang="en-US" sz="2400" b="1" dirty="0">
                 <a:latin typeface="Nunito Sans" pitchFamily="2" charset="0"/>
               </a:rPr>
-              <a:t>Determinant</a:t>
-            </a:r>
-            <a:r>
-              <a:rPr lang="en-IN" sz="2000" dirty="0">
+              <a:t>Facial Recognition</a:t>
+            </a:r>
+            <a:r>
+              <a:rPr lang="en-US" sz="2000" dirty="0">
                 <a:latin typeface="Nunito Sans" pitchFamily="2" charset="0"/>
               </a:rPr>
-              <a:t>: Scalar value showing matrix properties; zero means matrix is non-invertible.</a:t>
-            </a:r>
-          </a:p>
-          <a:p>
-            <a:endParaRPr lang="en-IN" sz="2000" dirty="0">
+              <a:t>: Used in social media, surveillance, and smartphone security, facial recognition systems can identify or verify people based on their facial features</a:t>
+            </a:r>
+          </a:p>
+          <a:p>
+            <a:endParaRPr lang="en-US" sz="2800" dirty="0">
               <a:latin typeface="Nunito Sans" pitchFamily="2" charset="0"/>
             </a:endParaRPr>
           </a:p>
@@ -14975,173 +16691,86 @@
               <a:buChar char="•"/>
             </a:pPr>
             <a:r>
-              <a:rPr lang="en-IN" sz="2000" b="1" dirty="0">
+              <a:rPr lang="en-US" sz="2400" b="1" dirty="0">
                 <a:latin typeface="Nunito Sans" pitchFamily="2" charset="0"/>
               </a:rPr>
-              <a:t>Inverse</a:t>
-            </a:r>
-            <a:r>
-              <a:rPr lang="en-IN" sz="2000" dirty="0">
+              <a:t>Object Detection</a:t>
+            </a:r>
+            <a:r>
+              <a:rPr lang="en-US" sz="2400" dirty="0">
                 <a:latin typeface="Nunito Sans" pitchFamily="2" charset="0"/>
               </a:rPr>
-              <a:t>: A−1\</a:t>
-            </a:r>
-            <a:r>
-              <a:rPr lang="en-IN" sz="2000" dirty="0" err="1">
+              <a:t>: </a:t>
+            </a:r>
+            <a:r>
+              <a:rPr lang="en-US" sz="2000" dirty="0">
                 <a:latin typeface="Nunito Sans" pitchFamily="2" charset="0"/>
               </a:rPr>
-              <a:t>mathbf</a:t>
-            </a:r>
-            <a:r>
-              <a:rPr lang="en-IN" sz="2000" dirty="0">
+              <a:t>Self-driving cars rely on computer vision to detect and classify objects like other cars, pedestrians, and traffic signals, ensuring safe navigation.</a:t>
+            </a:r>
+          </a:p>
+          <a:p>
+            <a:endParaRPr lang="en-US" sz="2000" dirty="0">
+              <a:latin typeface="Nunito Sans" pitchFamily="2" charset="0"/>
+            </a:endParaRPr>
+          </a:p>
+          <a:p>
+            <a:pPr>
+              <a:buFont typeface="Arial" panose="020B0604020202020204" pitchFamily="34" charset="0"/>
+              <a:buChar char="•"/>
+            </a:pPr>
+            <a:r>
+              <a:rPr lang="en-US" sz="2400" b="1" dirty="0">
                 <a:latin typeface="Nunito Sans" pitchFamily="2" charset="0"/>
               </a:rPr>
-              <a:t>{A}^{-1}A−1 is a matrix undoes A\</a:t>
-            </a:r>
-            <a:r>
-              <a:rPr lang="en-IN" sz="2000" dirty="0" err="1">
+              <a:t>Medical Imaging</a:t>
+            </a:r>
+            <a:r>
+              <a:rPr lang="en-US" sz="2400" dirty="0">
                 <a:latin typeface="Nunito Sans" pitchFamily="2" charset="0"/>
               </a:rPr>
-              <a:t>mathbf</a:t>
-            </a:r>
-            <a:r>
-              <a:rPr lang="en-IN" sz="2000" dirty="0">
+              <a:t>: </a:t>
+            </a:r>
+            <a:r>
+              <a:rPr lang="en-US" sz="2000" dirty="0">
                 <a:latin typeface="Nunito Sans" pitchFamily="2" charset="0"/>
               </a:rPr>
-              <a:t>{A}A; crucial for solving linear systems.</a:t>
-            </a:r>
-          </a:p>
-          <a:p>
-            <a:endParaRPr lang="en-IN" sz="2000" dirty="0">
+              <a:t>AI models help radiologists detect abnormalities (like tumors) in X-rays, MRIs, and CT scans, aiding early diagnosis and treatment planning.</a:t>
+            </a:r>
+          </a:p>
+          <a:p>
+            <a:pPr>
+              <a:buFont typeface="Arial" panose="020B0604020202020204" pitchFamily="34" charset="0"/>
+              <a:buChar char="•"/>
+            </a:pPr>
+            <a:endParaRPr lang="en-US" sz="2000" dirty="0">
               <a:latin typeface="Nunito Sans" pitchFamily="2" charset="0"/>
             </a:endParaRPr>
           </a:p>
           <a:p>
             <a:pPr>
-              <a:lnSpc>
-                <a:spcPct val="150000"/>
-              </a:lnSpc>
-            </a:pPr>
-            <a:r>
-              <a:rPr lang="en-IN" sz="2000" b="1" dirty="0">
+              <a:buFont typeface="Arial" panose="020B0604020202020204" pitchFamily="34" charset="0"/>
+              <a:buChar char="•"/>
+            </a:pPr>
+            <a:r>
+              <a:rPr lang="en-US" sz="2400" b="1" dirty="0">
                 <a:latin typeface="Nunito Sans" pitchFamily="2" charset="0"/>
               </a:rPr>
-              <a:t>6. Eigenvalues and Eigenvectors:</a:t>
-            </a:r>
-          </a:p>
-          <a:p>
-            <a:pPr>
-              <a:lnSpc>
-                <a:spcPct val="150000"/>
-              </a:lnSpc>
-            </a:pPr>
-            <a:endParaRPr lang="en-IN" sz="2000" b="1" dirty="0">
-              <a:latin typeface="Nunito Sans" pitchFamily="2" charset="0"/>
-            </a:endParaRPr>
-          </a:p>
-          <a:p>
-            <a:pPr>
-              <a:lnSpc>
-                <a:spcPct val="150000"/>
-              </a:lnSpc>
-              <a:buFont typeface="Arial" panose="020B0604020202020204" pitchFamily="34" charset="0"/>
-              <a:buChar char="•"/>
-            </a:pPr>
-            <a:r>
-              <a:rPr lang="en-IN" sz="2000" dirty="0">
+              <a:t>Augmented Reality (AR)</a:t>
+            </a:r>
+            <a:r>
+              <a:rPr lang="en-US" sz="2400" dirty="0">
                 <a:latin typeface="Nunito Sans" pitchFamily="2" charset="0"/>
               </a:rPr>
-              <a:t>Eigenvectors satisfy Av=</a:t>
-            </a:r>
-            <a:r>
-              <a:rPr lang="el-GR" sz="2000" dirty="0">
+              <a:t>: </a:t>
+            </a:r>
+            <a:r>
+              <a:rPr lang="en-US" sz="2000" dirty="0">
                 <a:latin typeface="Nunito Sans" pitchFamily="2" charset="0"/>
               </a:rPr>
-              <a:t>λ</a:t>
-            </a:r>
-            <a:r>
-              <a:rPr lang="en-IN" sz="2000" dirty="0">
-                <a:latin typeface="Nunito Sans" pitchFamily="2" charset="0"/>
-              </a:rPr>
-              <a:t>v\</a:t>
-            </a:r>
-            <a:r>
-              <a:rPr lang="en-IN" sz="2000" dirty="0" err="1">
-                <a:latin typeface="Nunito Sans" pitchFamily="2" charset="0"/>
-              </a:rPr>
-              <a:t>mathbf</a:t>
-            </a:r>
-            <a:r>
-              <a:rPr lang="en-IN" sz="2000" dirty="0">
-                <a:latin typeface="Nunito Sans" pitchFamily="2" charset="0"/>
-              </a:rPr>
-              <a:t>{A} \</a:t>
-            </a:r>
-            <a:r>
-              <a:rPr lang="en-IN" sz="2000" dirty="0" err="1">
-                <a:latin typeface="Nunito Sans" pitchFamily="2" charset="0"/>
-              </a:rPr>
-              <a:t>mathbf</a:t>
-            </a:r>
-            <a:r>
-              <a:rPr lang="en-IN" sz="2000" dirty="0">
-                <a:latin typeface="Nunito Sans" pitchFamily="2" charset="0"/>
-              </a:rPr>
-              <a:t>{v} = \lambda \</a:t>
-            </a:r>
-            <a:r>
-              <a:rPr lang="en-IN" sz="2000" dirty="0" err="1">
-                <a:latin typeface="Nunito Sans" pitchFamily="2" charset="0"/>
-              </a:rPr>
-              <a:t>mathbf</a:t>
-            </a:r>
-            <a:r>
-              <a:rPr lang="en-IN" sz="2000" dirty="0">
-                <a:latin typeface="Nunito Sans" pitchFamily="2" charset="0"/>
-              </a:rPr>
-              <a:t>{v}Av=</a:t>
-            </a:r>
-            <a:r>
-              <a:rPr lang="el-GR" sz="2000" dirty="0">
-                <a:latin typeface="Nunito Sans" pitchFamily="2" charset="0"/>
-              </a:rPr>
-              <a:t>λ</a:t>
-            </a:r>
-            <a:r>
-              <a:rPr lang="en-IN" sz="2000" dirty="0">
-                <a:latin typeface="Nunito Sans" pitchFamily="2" charset="0"/>
-              </a:rPr>
-              <a:t>v (important in PCA, stability analysis).</a:t>
-            </a:r>
-          </a:p>
-          <a:p>
-            <a:pPr>
-              <a:lnSpc>
-                <a:spcPct val="150000"/>
-              </a:lnSpc>
-              <a:buFont typeface="Arial" panose="020B0604020202020204" pitchFamily="34" charset="0"/>
-              <a:buChar char="•"/>
-            </a:pPr>
-            <a:r>
-              <a:rPr lang="en-IN" sz="2000" b="1" dirty="0">
-                <a:latin typeface="Nunito Sans" pitchFamily="2" charset="0"/>
-              </a:rPr>
-              <a:t>Eigenvalues</a:t>
-            </a:r>
-            <a:r>
-              <a:rPr lang="en-IN" sz="2000" dirty="0">
-                <a:latin typeface="Nunito Sans" pitchFamily="2" charset="0"/>
-              </a:rPr>
-              <a:t> tell how much eigenvectors stretch or compress along directions.</a:t>
-            </a:r>
-          </a:p>
-          <a:p>
-            <a:pPr>
-              <a:lnSpc>
-                <a:spcPct val="150000"/>
-              </a:lnSpc>
-            </a:pPr>
-            <a:endParaRPr lang="en-IN" sz="2000" dirty="0">
+              <a:t>Image recognition algorithms track real-world objects, which AR applications then overlay with virtual content for gaming, shopping, or remote assistance.</a:t>
+            </a:r>
+            <a:endParaRPr lang="en-US" sz="2800" dirty="0">
               <a:latin typeface="Nunito Sans" pitchFamily="2" charset="0"/>
             </a:endParaRPr>
           </a:p>
@@ -15152,7 +16781,7 @@
           <p:cNvPr id="115" name="Google Shape;115;p3">
             <a:extLst>
               <a:ext uri="{FF2B5EF4-FFF2-40B4-BE49-F238E27FC236}">
-                <a16:creationId xmlns:a16="http://schemas.microsoft.com/office/drawing/2014/main" id="{2B859DA7-5150-6908-4067-D39146B84D92}"/>
+                <a16:creationId xmlns:a16="http://schemas.microsoft.com/office/drawing/2014/main" id="{BA228899-BC8B-0950-7E35-5DFD8E3E920C}"/>
               </a:ext>
             </a:extLst>
           </p:cNvPr>
@@ -15214,12 +16843,89 @@
           </a:p>
         </p:txBody>
       </p:sp>
+      <p:sp>
+        <p:nvSpPr>
+          <p:cNvPr id="116" name="Google Shape;116;p3">
+            <a:extLst>
+              <a:ext uri="{FF2B5EF4-FFF2-40B4-BE49-F238E27FC236}">
+                <a16:creationId xmlns:a16="http://schemas.microsoft.com/office/drawing/2014/main" id="{A2CAAB6F-0ED4-7652-DF43-98D047FD11BC}"/>
+              </a:ext>
+            </a:extLst>
+          </p:cNvPr>
+          <p:cNvSpPr txBox="1"/>
+          <p:nvPr/>
+        </p:nvSpPr>
+        <p:spPr>
+          <a:xfrm>
+            <a:off x="3238986" y="173182"/>
+            <a:ext cx="7772400" cy="828675"/>
+          </a:xfrm>
+          <a:prstGeom prst="rect">
+            <a:avLst/>
+          </a:prstGeom>
+          <a:noFill/>
+          <a:ln>
+            <a:noFill/>
+          </a:ln>
+        </p:spPr>
+        <p:txBody>
+          <a:bodyPr spcFirstLastPara="1" wrap="square" lIns="91425" tIns="45700" rIns="91425" bIns="45700" anchor="t" anchorCtr="0">
+            <a:spAutoFit/>
+          </a:bodyPr>
+          <a:lstStyle/>
+          <a:p>
+            <a:pPr marL="0" marR="0" lvl="0" indent="0" algn="r" defTabSz="914400" rtl="0" eaLnBrk="1" fontAlgn="auto" latinLnBrk="0" hangingPunct="1">
+              <a:lnSpc>
+                <a:spcPct val="100000"/>
+              </a:lnSpc>
+              <a:spcBef>
+                <a:spcPts val="0"/>
+              </a:spcBef>
+              <a:spcAft>
+                <a:spcPts val="0"/>
+              </a:spcAft>
+              <a:buClrTx/>
+              <a:buSzTx/>
+              <a:buFontTx/>
+              <a:buNone/>
+              <a:defRPr/>
+            </a:pPr>
+            <a:r>
+              <a:rPr kumimoji="0" lang="en-GB" sz="4800" b="1" i="0" u="none" strike="noStrike" kern="1200" cap="none" spc="0" normalizeH="0" baseline="0" dirty="0">
+                <a:solidFill>
+                  <a:prstClr val="white"/>
+                </a:solidFill>
+                <a:latin typeface="Nunito Sans" panose="00000500000000000000"/>
+                <a:ea typeface="Nunito Sans" panose="00000500000000000000"/>
+                <a:cs typeface="Nunito Sans" panose="00000500000000000000"/>
+                <a:sym typeface="Nunito Sans" panose="00000500000000000000"/>
+              </a:rPr>
+              <a:t>EXAMPLES</a:t>
+            </a:r>
+            <a:endParaRPr kumimoji="0" sz="4800" b="1" i="0" u="none" strike="noStrike" kern="1200" cap="none" spc="0" normalizeH="0" baseline="0" noProof="0" dirty="0">
+              <a:ln>
+                <a:noFill/>
+              </a:ln>
+              <a:solidFill>
+                <a:prstClr val="white"/>
+              </a:solidFill>
+              <a:effectLst/>
+              <a:uLnTx/>
+              <a:uFillTx/>
+              <a:latin typeface="Nunito Sans" panose="00000500000000000000"/>
+              <a:ea typeface="Nunito Sans" panose="00000500000000000000"/>
+              <a:cs typeface="Nunito Sans" panose="00000500000000000000"/>
+              <a:sym typeface="Nunito Sans" panose="00000500000000000000"/>
+            </a:endParaRPr>
+          </a:p>
+        </p:txBody>
+      </p:sp>
       <p:pic>
         <p:nvPicPr>
           <p:cNvPr id="117" name="Google Shape;117;p3">
             <a:extLst>
               <a:ext uri="{FF2B5EF4-FFF2-40B4-BE49-F238E27FC236}">
-                <a16:creationId xmlns:a16="http://schemas.microsoft.com/office/drawing/2014/main" id="{A792A64C-803D-2F04-5E4C-C4772CCE9E60}"/>
+                <a16:creationId xmlns:a16="http://schemas.microsoft.com/office/drawing/2014/main" id="{75D4596E-48AD-B476-CEAA-16994EC372B2}"/>
               </a:ext>
             </a:extLst>
           </p:cNvPr>
@@ -15252,7 +16958,7 @@
           <p:cNvPr id="29700" name="Rectangle 4">
             <a:extLst>
               <a:ext uri="{FF2B5EF4-FFF2-40B4-BE49-F238E27FC236}">
-                <a16:creationId xmlns:a16="http://schemas.microsoft.com/office/drawing/2014/main" id="{C0F3ED74-2898-0BE5-0667-C1041DDD83E7}"/>
+                <a16:creationId xmlns:a16="http://schemas.microsoft.com/office/drawing/2014/main" id="{562E4A92-D703-C33D-D0D5-6BD95155F790}"/>
               </a:ext>
             </a:extLst>
           </p:cNvPr>
@@ -15296,7 +17002,7 @@
           <p:cNvPr id="9" name="Rectangle 8">
             <a:extLst>
               <a:ext uri="{FF2B5EF4-FFF2-40B4-BE49-F238E27FC236}">
-                <a16:creationId xmlns:a16="http://schemas.microsoft.com/office/drawing/2014/main" id="{743BC981-0C5A-784B-609F-9C263A98133D}"/>
+                <a16:creationId xmlns:a16="http://schemas.microsoft.com/office/drawing/2014/main" id="{4EC9A01D-2E23-2EEC-56A9-323B66E2D2D0}"/>
               </a:ext>
             </a:extLst>
           </p:cNvPr>
@@ -15348,7 +17054,7 @@
           <p:cNvPr id="11" name="Rectangle 10">
             <a:extLst>
               <a:ext uri="{FF2B5EF4-FFF2-40B4-BE49-F238E27FC236}">
-                <a16:creationId xmlns:a16="http://schemas.microsoft.com/office/drawing/2014/main" id="{D85288B2-EECF-97C0-C388-9B7F6BB56DD1}"/>
+                <a16:creationId xmlns:a16="http://schemas.microsoft.com/office/drawing/2014/main" id="{A17AA5CE-6B7F-929A-EE77-DBF15EED6785}"/>
               </a:ext>
             </a:extLst>
           </p:cNvPr>
@@ -15446,7 +17152,7 @@
           <p:cNvPr id="2050" name="AutoShape 2" descr="Database PNG transparent image download, size: 512x512px">
             <a:extLst>
               <a:ext uri="{FF2B5EF4-FFF2-40B4-BE49-F238E27FC236}">
-                <a16:creationId xmlns:a16="http://schemas.microsoft.com/office/drawing/2014/main" id="{E1716897-7785-3EC5-088A-A7F5D9696DB4}"/>
+                <a16:creationId xmlns:a16="http://schemas.microsoft.com/office/drawing/2014/main" id="{A5A0DE1A-B352-45B2-E0BC-12BD7B6A75F8}"/>
               </a:ext>
             </a:extLst>
           </p:cNvPr>
@@ -15482,7 +17188,7 @@
           <p:cNvPr id="2052" name="AutoShape 4" descr="Database PNG transparent image download, size: 512x512px">
             <a:extLst>
               <a:ext uri="{FF2B5EF4-FFF2-40B4-BE49-F238E27FC236}">
-                <a16:creationId xmlns:a16="http://schemas.microsoft.com/office/drawing/2014/main" id="{C25D456A-49B7-4155-BE64-548D7FFAF7C5}"/>
+                <a16:creationId xmlns:a16="http://schemas.microsoft.com/office/drawing/2014/main" id="{8F88C92E-B667-60B9-5F1A-B989D0E621F1}"/>
               </a:ext>
             </a:extLst>
           </p:cNvPr>
@@ -15518,7 +17224,7 @@
           <p:cNvPr id="2054" name="AutoShape 6" descr="Database PNG transparent image download, size: 512x512px">
             <a:extLst>
               <a:ext uri="{FF2B5EF4-FFF2-40B4-BE49-F238E27FC236}">
-                <a16:creationId xmlns:a16="http://schemas.microsoft.com/office/drawing/2014/main" id="{B4592027-0D8F-F0DC-0EA0-AE2C5D14F6EE}"/>
+                <a16:creationId xmlns:a16="http://schemas.microsoft.com/office/drawing/2014/main" id="{EA5139CB-3A6B-8C05-7AEA-94FBC5774EF5}"/>
               </a:ext>
             </a:extLst>
           </p:cNvPr>
@@ -15554,7 +17260,7 @@
           <p:cNvPr id="2056" name="AutoShape 8" descr="Database PNG transparent image download, size: 512x512px">
             <a:extLst>
               <a:ext uri="{FF2B5EF4-FFF2-40B4-BE49-F238E27FC236}">
-                <a16:creationId xmlns:a16="http://schemas.microsoft.com/office/drawing/2014/main" id="{37A03159-65D8-2C8E-7EF7-4789FB7144BB}"/>
+                <a16:creationId xmlns:a16="http://schemas.microsoft.com/office/drawing/2014/main" id="{7A833079-055B-F1B7-68ED-AB845D04F433}"/>
               </a:ext>
             </a:extLst>
           </p:cNvPr>
@@ -15590,7 +17296,7 @@
           <p:cNvPr id="2058" name="AutoShape 10" descr="Database PNG transparent image download, size: 512x512px">
             <a:extLst>
               <a:ext uri="{FF2B5EF4-FFF2-40B4-BE49-F238E27FC236}">
-                <a16:creationId xmlns:a16="http://schemas.microsoft.com/office/drawing/2014/main" id="{ED0C54C2-202D-F159-649D-4CCD5422EDDB}"/>
+                <a16:creationId xmlns:a16="http://schemas.microsoft.com/office/drawing/2014/main" id="{50EE92FE-0B01-C2E1-7622-473BCD1AB878}"/>
               </a:ext>
             </a:extLst>
           </p:cNvPr>
@@ -15624,7 +17330,7 @@
     </p:spTree>
     <p:extLst>
       <p:ext uri="{BB962C8B-B14F-4D97-AF65-F5344CB8AC3E}">
-        <p14:creationId xmlns:p14="http://schemas.microsoft.com/office/powerpoint/2010/main" val="2329131108"/>
+        <p14:creationId xmlns:p14="http://schemas.microsoft.com/office/powerpoint/2010/main" val="3553998314"/>
       </p:ext>
     </p:extLst>
   </p:cSld>
@@ -15642,7 +17348,7 @@
         <p:cNvPr id="1" name="Shape 105">
           <a:extLst>
             <a:ext uri="{FF2B5EF4-FFF2-40B4-BE49-F238E27FC236}">
-              <a16:creationId xmlns:a16="http://schemas.microsoft.com/office/drawing/2014/main" id="{A58C468A-EE5C-470D-6A99-7EE9600F2B71}"/>
+              <a16:creationId xmlns:a16="http://schemas.microsoft.com/office/drawing/2014/main" id="{B8F6F47D-EAE9-52EB-5FE9-6F130A395928}"/>
             </a:ext>
           </a:extLst>
         </p:cNvPr>
@@ -15662,7 +17368,7 @@
           <p:cNvPr id="106" name="Google Shape;106;p3">
             <a:extLst>
               <a:ext uri="{FF2B5EF4-FFF2-40B4-BE49-F238E27FC236}">
-                <a16:creationId xmlns:a16="http://schemas.microsoft.com/office/drawing/2014/main" id="{D2C15239-41CC-1FA5-207F-0B69E858B0F0}"/>
+                <a16:creationId xmlns:a16="http://schemas.microsoft.com/office/drawing/2014/main" id="{AE739603-6A79-7193-F76C-1B8AA15EC8AA}"/>
               </a:ext>
             </a:extLst>
           </p:cNvPr>
@@ -15671,8 +17377,8 @@
         </p:nvSpPr>
         <p:spPr>
           <a:xfrm>
-            <a:off x="421524" y="1048365"/>
-            <a:ext cx="10989081" cy="4708941"/>
+            <a:off x="421524" y="898465"/>
+            <a:ext cx="10989081" cy="5355272"/>
           </a:xfrm>
           <a:prstGeom prst="rect">
             <a:avLst/>
@@ -15694,21 +17400,11 @@
               </a:lnSpc>
             </a:pPr>
             <a:r>
-              <a:rPr lang="en-IN" sz="2000" b="1" dirty="0">
+              <a:rPr lang="en-US" sz="2400" b="1" dirty="0">
                 <a:latin typeface="Nunito Sans" pitchFamily="2" charset="0"/>
               </a:rPr>
-              <a:t>7. Singular Value Decomposition (SVD):</a:t>
-            </a:r>
-          </a:p>
-          <a:p>
-            <a:pPr>
-              <a:lnSpc>
-                <a:spcPct val="150000"/>
-              </a:lnSpc>
-            </a:pPr>
-            <a:endParaRPr lang="en-IN" sz="2000" b="1" dirty="0">
-              <a:latin typeface="Nunito Sans" pitchFamily="2" charset="0"/>
-            </a:endParaRPr>
+              <a:t>2. Natural Language Processing (NLP)</a:t>
+            </a:r>
           </a:p>
           <a:p>
             <a:pPr>
@@ -15719,180 +17415,114 @@
               <a:buChar char="•"/>
             </a:pPr>
             <a:r>
-              <a:rPr lang="en-IN" sz="2000" dirty="0">
+              <a:rPr lang="en-US" sz="2400" b="1" dirty="0">
                 <a:latin typeface="Nunito Sans" pitchFamily="2" charset="0"/>
               </a:rPr>
-              <a:t>Decomposes matrix A\</a:t>
-            </a:r>
-            <a:r>
-              <a:rPr lang="en-IN" sz="2000" dirty="0" err="1">
+              <a:t> Language Translation</a:t>
+            </a:r>
+            <a:r>
+              <a:rPr lang="en-US" sz="2400" dirty="0">
                 <a:latin typeface="Nunito Sans" pitchFamily="2" charset="0"/>
               </a:rPr>
-              <a:t>mathbf</a:t>
-            </a:r>
-            <a:r>
-              <a:rPr lang="en-IN" sz="2000" dirty="0">
+              <a:t>: </a:t>
+            </a:r>
+            <a:r>
+              <a:rPr lang="en-US" sz="2000" dirty="0">
                 <a:latin typeface="Nunito Sans" pitchFamily="2" charset="0"/>
               </a:rPr>
-              <a:t>{A}A into U</a:t>
-            </a:r>
-            <a:r>
-              <a:rPr lang="el-GR" sz="2000" dirty="0">
+              <a:t>Apps like Google Translate use NLP models to translate text or speech in real-time, supporting multiple languages.</a:t>
+            </a:r>
+          </a:p>
+          <a:p>
+            <a:pPr>
+              <a:lnSpc>
+                <a:spcPct val="150000"/>
+              </a:lnSpc>
+              <a:buFont typeface="Arial" panose="020B0604020202020204" pitchFamily="34" charset="0"/>
+              <a:buChar char="•"/>
+            </a:pPr>
+            <a:r>
+              <a:rPr lang="en-US" sz="2400" b="1" dirty="0">
                 <a:latin typeface="Nunito Sans" pitchFamily="2" charset="0"/>
               </a:rPr>
-              <a:t>Σ</a:t>
-            </a:r>
-            <a:r>
-              <a:rPr lang="en-IN" sz="2000" dirty="0">
+              <a:t> Sentiment Analysis</a:t>
+            </a:r>
+            <a:r>
+              <a:rPr lang="en-US" sz="2400" dirty="0">
                 <a:latin typeface="Nunito Sans" pitchFamily="2" charset="0"/>
               </a:rPr>
-              <a:t>VT\</a:t>
-            </a:r>
-            <a:r>
-              <a:rPr lang="en-IN" sz="2000" dirty="0" err="1">
+              <a:t>: </a:t>
+            </a:r>
+            <a:r>
+              <a:rPr lang="en-US" sz="2000" dirty="0">
                 <a:latin typeface="Nunito Sans" pitchFamily="2" charset="0"/>
               </a:rPr>
-              <a:t>mathbf</a:t>
-            </a:r>
-            <a:r>
-              <a:rPr lang="en-IN" sz="2000" dirty="0">
+              <a:t>Businesses use NLP to analyze customer sentiment in reviews or social media, helping them understand consumer opinions.</a:t>
+            </a:r>
+            <a:endParaRPr lang="en-US" sz="2400" dirty="0">
+              <a:latin typeface="Nunito Sans" pitchFamily="2" charset="0"/>
+            </a:endParaRPr>
+          </a:p>
+          <a:p>
+            <a:pPr>
+              <a:lnSpc>
+                <a:spcPct val="150000"/>
+              </a:lnSpc>
+              <a:buFont typeface="Arial" panose="020B0604020202020204" pitchFamily="34" charset="0"/>
+              <a:buChar char="•"/>
+            </a:pPr>
+            <a:r>
+              <a:rPr lang="en-US" sz="2400" b="1" dirty="0">
                 <a:latin typeface="Nunito Sans" pitchFamily="2" charset="0"/>
               </a:rPr>
-              <a:t>{U} \</a:t>
-            </a:r>
-            <a:r>
-              <a:rPr lang="en-IN" sz="2000" dirty="0" err="1">
+              <a:t> Chatbots and Virtual Assistants</a:t>
+            </a:r>
+            <a:r>
+              <a:rPr lang="en-US" sz="2400" dirty="0">
                 <a:latin typeface="Nunito Sans" pitchFamily="2" charset="0"/>
               </a:rPr>
-              <a:t>mathbf</a:t>
-            </a:r>
-            <a:r>
-              <a:rPr lang="en-IN" sz="2000" dirty="0">
+              <a:t>: </a:t>
+            </a:r>
+            <a:r>
+              <a:rPr lang="en-US" sz="2000" dirty="0">
                 <a:latin typeface="Nunito Sans" pitchFamily="2" charset="0"/>
               </a:rPr>
-              <a:t>{\Sigma} \</a:t>
-            </a:r>
-            <a:r>
-              <a:rPr lang="en-IN" sz="2000" dirty="0" err="1">
+              <a:t>Siri, Alexa, and other voice-activated assistants use NLP to understand spoken language, answer questions, and perform tasks.</a:t>
+            </a:r>
+            <a:endParaRPr lang="en-US" sz="2400" dirty="0">
+              <a:latin typeface="Nunito Sans" pitchFamily="2" charset="0"/>
+            </a:endParaRPr>
+          </a:p>
+          <a:p>
+            <a:pPr>
+              <a:lnSpc>
+                <a:spcPct val="150000"/>
+              </a:lnSpc>
+              <a:buFont typeface="Arial" panose="020B0604020202020204" pitchFamily="34" charset="0"/>
+              <a:buChar char="•"/>
+            </a:pPr>
+            <a:r>
+              <a:rPr lang="en-US" sz="2400" b="1" dirty="0">
                 <a:latin typeface="Nunito Sans" pitchFamily="2" charset="0"/>
               </a:rPr>
-              <a:t>mathbf</a:t>
-            </a:r>
-            <a:r>
-              <a:rPr lang="en-IN" sz="2000" dirty="0">
+              <a:t> Content Generation and Summarization</a:t>
+            </a:r>
+            <a:r>
+              <a:rPr lang="en-US" sz="2000" dirty="0">
                 <a:latin typeface="Nunito Sans" pitchFamily="2" charset="0"/>
               </a:rPr>
-              <a:t>{V}^TU</a:t>
-            </a:r>
-            <a:r>
-              <a:rPr lang="el-GR" sz="2000" dirty="0">
+              <a:t>: </a:t>
+            </a:r>
+            <a:r>
+              <a:rPr lang="en-US" sz="2400" dirty="0">
                 <a:latin typeface="Nunito Sans" pitchFamily="2" charset="0"/>
               </a:rPr>
-              <a:t>Σ</a:t>
-            </a:r>
-            <a:r>
-              <a:rPr lang="en-IN" sz="2000" dirty="0">
-                <a:latin typeface="Nunito Sans" pitchFamily="2" charset="0"/>
-              </a:rPr>
-              <a:t>VT; used in dimensionality reduction, noise filtering.</a:t>
-            </a:r>
-          </a:p>
-          <a:p>
-            <a:pPr>
-              <a:lnSpc>
-                <a:spcPct val="150000"/>
-              </a:lnSpc>
-            </a:pPr>
-            <a:endParaRPr lang="en-IN" sz="2000" dirty="0">
+              <a:t>Tools like GPT can generate human-like text, summarize articles, or assist with creative writing, enhancing productivity.</a:t>
+            </a:r>
+            <a:endParaRPr lang="en-US" sz="2800" dirty="0">
               <a:latin typeface="Nunito Sans" pitchFamily="2" charset="0"/>
             </a:endParaRPr>
           </a:p>
-          <a:p>
-            <a:pPr>
-              <a:lnSpc>
-                <a:spcPct val="150000"/>
-              </a:lnSpc>
-            </a:pPr>
-            <a:r>
-              <a:rPr lang="en-IN" sz="2000" b="1" dirty="0">
-                <a:latin typeface="Nunito Sans" pitchFamily="2" charset="0"/>
-              </a:rPr>
-              <a:t>8. Applications in ML:</a:t>
-            </a:r>
-          </a:p>
-          <a:p>
-            <a:pPr>
-              <a:lnSpc>
-                <a:spcPct val="150000"/>
-              </a:lnSpc>
-            </a:pPr>
-            <a:endParaRPr lang="en-IN" sz="2000" b="1" dirty="0">
-              <a:latin typeface="Nunito Sans" pitchFamily="2" charset="0"/>
-            </a:endParaRPr>
-          </a:p>
-          <a:p>
-            <a:pPr>
-              <a:lnSpc>
-                <a:spcPct val="150000"/>
-              </a:lnSpc>
-              <a:buFont typeface="Arial" panose="020B0604020202020204" pitchFamily="34" charset="0"/>
-              <a:buChar char="•"/>
-            </a:pPr>
-            <a:r>
-              <a:rPr lang="en-IN" sz="2000" b="1" dirty="0">
-                <a:latin typeface="Nunito Sans" pitchFamily="2" charset="0"/>
-              </a:rPr>
-              <a:t>Data Preprocessing</a:t>
-            </a:r>
-            <a:r>
-              <a:rPr lang="en-IN" sz="2000" dirty="0">
-                <a:latin typeface="Nunito Sans" pitchFamily="2" charset="0"/>
-              </a:rPr>
-              <a:t>: Normalization, feature scaling.</a:t>
-            </a:r>
-          </a:p>
-          <a:p>
-            <a:pPr>
-              <a:lnSpc>
-                <a:spcPct val="150000"/>
-              </a:lnSpc>
-              <a:buFont typeface="Arial" panose="020B0604020202020204" pitchFamily="34" charset="0"/>
-              <a:buChar char="•"/>
-            </a:pPr>
-            <a:r>
-              <a:rPr lang="en-IN" sz="2000" b="1" dirty="0">
-                <a:latin typeface="Nunito Sans" pitchFamily="2" charset="0"/>
-              </a:rPr>
-              <a:t>Optimization</a:t>
-            </a:r>
-            <a:r>
-              <a:rPr lang="en-IN" sz="2000" dirty="0">
-                <a:latin typeface="Nunito Sans" pitchFamily="2" charset="0"/>
-              </a:rPr>
-              <a:t>: Matrix calculus in training models.</a:t>
-            </a:r>
-          </a:p>
-          <a:p>
-            <a:pPr>
-              <a:lnSpc>
-                <a:spcPct val="150000"/>
-              </a:lnSpc>
-              <a:buFont typeface="Arial" panose="020B0604020202020204" pitchFamily="34" charset="0"/>
-              <a:buChar char="•"/>
-            </a:pPr>
-            <a:r>
-              <a:rPr lang="en-IN" sz="2000" b="1" dirty="0">
-                <a:latin typeface="Nunito Sans" pitchFamily="2" charset="0"/>
-              </a:rPr>
-              <a:t>Dimensionality Reduction</a:t>
-            </a:r>
-            <a:r>
-              <a:rPr lang="en-IN" sz="2000" dirty="0">
-                <a:latin typeface="Nunito Sans" pitchFamily="2" charset="0"/>
-              </a:rPr>
-              <a:t>: PCA, LDA for reducing feature space.</a:t>
-            </a:r>
-          </a:p>
         </p:txBody>
       </p:sp>
       <p:sp>
@@ -15900,7 +17530,7 @@
           <p:cNvPr id="115" name="Google Shape;115;p3">
             <a:extLst>
               <a:ext uri="{FF2B5EF4-FFF2-40B4-BE49-F238E27FC236}">
-                <a16:creationId xmlns:a16="http://schemas.microsoft.com/office/drawing/2014/main" id="{F61B576D-9CD4-38BD-DED8-51D865A5837F}"/>
+                <a16:creationId xmlns:a16="http://schemas.microsoft.com/office/drawing/2014/main" id="{085EEEFC-F3CD-3EA3-3A2D-6475E3148FCA}"/>
               </a:ext>
             </a:extLst>
           </p:cNvPr>
@@ -15962,12 +17592,89 @@
           </a:p>
         </p:txBody>
       </p:sp>
+      <p:sp>
+        <p:nvSpPr>
+          <p:cNvPr id="116" name="Google Shape;116;p3">
+            <a:extLst>
+              <a:ext uri="{FF2B5EF4-FFF2-40B4-BE49-F238E27FC236}">
+                <a16:creationId xmlns:a16="http://schemas.microsoft.com/office/drawing/2014/main" id="{BDF573A8-5119-E5EC-D5CA-8FC8E793530B}"/>
+              </a:ext>
+            </a:extLst>
+          </p:cNvPr>
+          <p:cNvSpPr txBox="1"/>
+          <p:nvPr/>
+        </p:nvSpPr>
+        <p:spPr>
+          <a:xfrm>
+            <a:off x="3238986" y="173182"/>
+            <a:ext cx="7772400" cy="828675"/>
+          </a:xfrm>
+          <a:prstGeom prst="rect">
+            <a:avLst/>
+          </a:prstGeom>
+          <a:noFill/>
+          <a:ln>
+            <a:noFill/>
+          </a:ln>
+        </p:spPr>
+        <p:txBody>
+          <a:bodyPr spcFirstLastPara="1" wrap="square" lIns="91425" tIns="45700" rIns="91425" bIns="45700" anchor="t" anchorCtr="0">
+            <a:spAutoFit/>
+          </a:bodyPr>
+          <a:lstStyle/>
+          <a:p>
+            <a:pPr marL="0" marR="0" lvl="0" indent="0" algn="r" defTabSz="914400" rtl="0" eaLnBrk="1" fontAlgn="auto" latinLnBrk="0" hangingPunct="1">
+              <a:lnSpc>
+                <a:spcPct val="100000"/>
+              </a:lnSpc>
+              <a:spcBef>
+                <a:spcPts val="0"/>
+              </a:spcBef>
+              <a:spcAft>
+                <a:spcPts val="0"/>
+              </a:spcAft>
+              <a:buClrTx/>
+              <a:buSzTx/>
+              <a:buFontTx/>
+              <a:buNone/>
+              <a:defRPr/>
+            </a:pPr>
+            <a:r>
+              <a:rPr kumimoji="0" lang="en-GB" sz="4800" b="1" i="0" u="none" strike="noStrike" kern="1200" cap="none" spc="0" normalizeH="0" baseline="0" dirty="0">
+                <a:solidFill>
+                  <a:prstClr val="white"/>
+                </a:solidFill>
+                <a:latin typeface="Nunito Sans" panose="00000500000000000000"/>
+                <a:ea typeface="Nunito Sans" panose="00000500000000000000"/>
+                <a:cs typeface="Nunito Sans" panose="00000500000000000000"/>
+                <a:sym typeface="Nunito Sans" panose="00000500000000000000"/>
+              </a:rPr>
+              <a:t>EXAMPLES</a:t>
+            </a:r>
+            <a:endParaRPr kumimoji="0" sz="4800" b="1" i="0" u="none" strike="noStrike" kern="1200" cap="none" spc="0" normalizeH="0" baseline="0" noProof="0" dirty="0">
+              <a:ln>
+                <a:noFill/>
+              </a:ln>
+              <a:solidFill>
+                <a:prstClr val="white"/>
+              </a:solidFill>
+              <a:effectLst/>
+              <a:uLnTx/>
+              <a:uFillTx/>
+              <a:latin typeface="Nunito Sans" panose="00000500000000000000"/>
+              <a:ea typeface="Nunito Sans" panose="00000500000000000000"/>
+              <a:cs typeface="Nunito Sans" panose="00000500000000000000"/>
+              <a:sym typeface="Nunito Sans" panose="00000500000000000000"/>
+            </a:endParaRPr>
+          </a:p>
+        </p:txBody>
+      </p:sp>
       <p:pic>
         <p:nvPicPr>
           <p:cNvPr id="117" name="Google Shape;117;p3">
             <a:extLst>
               <a:ext uri="{FF2B5EF4-FFF2-40B4-BE49-F238E27FC236}">
-                <a16:creationId xmlns:a16="http://schemas.microsoft.com/office/drawing/2014/main" id="{A60347C1-7B48-B521-B91E-9E84D12C3D98}"/>
+                <a16:creationId xmlns:a16="http://schemas.microsoft.com/office/drawing/2014/main" id="{A5949A66-4AD7-FA8A-E289-FEE1892894D4}"/>
               </a:ext>
             </a:extLst>
           </p:cNvPr>
@@ -16000,7 +17707,7 @@
           <p:cNvPr id="29700" name="Rectangle 4">
             <a:extLst>
               <a:ext uri="{FF2B5EF4-FFF2-40B4-BE49-F238E27FC236}">
-                <a16:creationId xmlns:a16="http://schemas.microsoft.com/office/drawing/2014/main" id="{2A2A3828-0B16-B2B5-99CA-04AB82880F31}"/>
+                <a16:creationId xmlns:a16="http://schemas.microsoft.com/office/drawing/2014/main" id="{FE2BB15F-287B-683B-01FD-06347A7C27E8}"/>
               </a:ext>
             </a:extLst>
           </p:cNvPr>
@@ -16044,7 +17751,7 @@
           <p:cNvPr id="9" name="Rectangle 8">
             <a:extLst>
               <a:ext uri="{FF2B5EF4-FFF2-40B4-BE49-F238E27FC236}">
-                <a16:creationId xmlns:a16="http://schemas.microsoft.com/office/drawing/2014/main" id="{D9F6AAD3-46F6-AB41-2915-65979D3131C2}"/>
+                <a16:creationId xmlns:a16="http://schemas.microsoft.com/office/drawing/2014/main" id="{6603D4A9-3463-A3EB-A987-98804A3CAACC}"/>
               </a:ext>
             </a:extLst>
           </p:cNvPr>
@@ -16096,7 +17803,7 @@
           <p:cNvPr id="11" name="Rectangle 10">
             <a:extLst>
               <a:ext uri="{FF2B5EF4-FFF2-40B4-BE49-F238E27FC236}">
-                <a16:creationId xmlns:a16="http://schemas.microsoft.com/office/drawing/2014/main" id="{3635BA66-BBBF-9841-37D4-6F336D89CE4D}"/>
+                <a16:creationId xmlns:a16="http://schemas.microsoft.com/office/drawing/2014/main" id="{5B448517-BBC8-4FB0-B251-7044119A571C}"/>
               </a:ext>
             </a:extLst>
           </p:cNvPr>
@@ -16194,7 +17901,7 @@
           <p:cNvPr id="2050" name="AutoShape 2" descr="Database PNG transparent image download, size: 512x512px">
             <a:extLst>
               <a:ext uri="{FF2B5EF4-FFF2-40B4-BE49-F238E27FC236}">
-                <a16:creationId xmlns:a16="http://schemas.microsoft.com/office/drawing/2014/main" id="{2DE271E4-3C46-DFFE-A713-355D7FAEA3F8}"/>
+                <a16:creationId xmlns:a16="http://schemas.microsoft.com/office/drawing/2014/main" id="{3BACA8CF-A038-F087-E97B-07D3439E4538}"/>
               </a:ext>
             </a:extLst>
           </p:cNvPr>
@@ -16230,7 +17937,7 @@
           <p:cNvPr id="2052" name="AutoShape 4" descr="Database PNG transparent image download, size: 512x512px">
             <a:extLst>
               <a:ext uri="{FF2B5EF4-FFF2-40B4-BE49-F238E27FC236}">
-                <a16:creationId xmlns:a16="http://schemas.microsoft.com/office/drawing/2014/main" id="{2A197D53-D645-135B-3724-8643B21D433C}"/>
+                <a16:creationId xmlns:a16="http://schemas.microsoft.com/office/drawing/2014/main" id="{11589C47-3123-DBE2-27F6-889423E20CB0}"/>
               </a:ext>
             </a:extLst>
           </p:cNvPr>
@@ -16266,7 +17973,7 @@
           <p:cNvPr id="2054" name="AutoShape 6" descr="Database PNG transparent image download, size: 512x512px">
             <a:extLst>
               <a:ext uri="{FF2B5EF4-FFF2-40B4-BE49-F238E27FC236}">
-                <a16:creationId xmlns:a16="http://schemas.microsoft.com/office/drawing/2014/main" id="{F4444CE4-74D5-2729-34BF-56B1FA4CF1AA}"/>
+                <a16:creationId xmlns:a16="http://schemas.microsoft.com/office/drawing/2014/main" id="{03A78465-43CB-E42A-276E-827BCA40E34D}"/>
               </a:ext>
             </a:extLst>
           </p:cNvPr>
@@ -16302,7 +18009,7 @@
           <p:cNvPr id="2056" name="AutoShape 8" descr="Database PNG transparent image download, size: 512x512px">
             <a:extLst>
               <a:ext uri="{FF2B5EF4-FFF2-40B4-BE49-F238E27FC236}">
-                <a16:creationId xmlns:a16="http://schemas.microsoft.com/office/drawing/2014/main" id="{70FD61DD-0F9E-B338-1C2E-FA115A323DF8}"/>
+                <a16:creationId xmlns:a16="http://schemas.microsoft.com/office/drawing/2014/main" id="{E19EBF64-7F6C-DFB4-88D8-B764A7ABFFE9}"/>
               </a:ext>
             </a:extLst>
           </p:cNvPr>
@@ -16338,7 +18045,7 @@
           <p:cNvPr id="2058" name="AutoShape 10" descr="Database PNG transparent image download, size: 512x512px">
             <a:extLst>
               <a:ext uri="{FF2B5EF4-FFF2-40B4-BE49-F238E27FC236}">
-                <a16:creationId xmlns:a16="http://schemas.microsoft.com/office/drawing/2014/main" id="{B0D16E84-F86A-0EFD-C6AC-57DC4C3785CB}"/>
+                <a16:creationId xmlns:a16="http://schemas.microsoft.com/office/drawing/2014/main" id="{E37500F3-8B59-D282-32D9-54A2C954BE50}"/>
               </a:ext>
             </a:extLst>
           </p:cNvPr>
@@ -16372,7 +18079,7 @@
     </p:spTree>
     <p:extLst>
       <p:ext uri="{BB962C8B-B14F-4D97-AF65-F5344CB8AC3E}">
-        <p14:creationId xmlns:p14="http://schemas.microsoft.com/office/powerpoint/2010/main" val="807412667"/>
+        <p14:creationId xmlns:p14="http://schemas.microsoft.com/office/powerpoint/2010/main" val="2361665689"/>
       </p:ext>
     </p:extLst>
   </p:cSld>
@@ -16390,7 +18097,7 @@
         <p:cNvPr id="1" name="Shape 105">
           <a:extLst>
             <a:ext uri="{FF2B5EF4-FFF2-40B4-BE49-F238E27FC236}">
-              <a16:creationId xmlns:a16="http://schemas.microsoft.com/office/drawing/2014/main" id="{38039CCE-AD44-7793-C8DE-7C8EB15D7A4A}"/>
+              <a16:creationId xmlns:a16="http://schemas.microsoft.com/office/drawing/2014/main" id="{EB56CBDB-7709-BE89-8BB6-BFB2901AF9D1}"/>
             </a:ext>
           </a:extLst>
         </p:cNvPr>
@@ -16410,7 +18117,7 @@
           <p:cNvPr id="106" name="Google Shape;106;p3">
             <a:extLst>
               <a:ext uri="{FF2B5EF4-FFF2-40B4-BE49-F238E27FC236}">
-                <a16:creationId xmlns:a16="http://schemas.microsoft.com/office/drawing/2014/main" id="{C1569B26-520B-55C6-1F08-E8E9D9D5DA8C}"/>
+                <a16:creationId xmlns:a16="http://schemas.microsoft.com/office/drawing/2014/main" id="{221D5772-7D08-8E38-48A9-168A7B7D668E}"/>
               </a:ext>
             </a:extLst>
           </p:cNvPr>
@@ -16419,8 +18126,8 @@
         </p:nvSpPr>
         <p:spPr>
           <a:xfrm>
-            <a:off x="421524" y="1048365"/>
-            <a:ext cx="10989081" cy="4247276"/>
+            <a:off x="460375" y="1167627"/>
+            <a:ext cx="10989081" cy="4524275"/>
           </a:xfrm>
           <a:prstGeom prst="rect">
             <a:avLst/>
@@ -16438,104 +18145,65 @@
           <a:p>
             <a:pPr>
               <a:lnSpc>
-                <a:spcPct val="150000"/>
+                <a:spcPct val="200000"/>
+              </a:lnSpc>
+            </a:pPr>
+            <a:r>
+              <a:rPr lang="en-US" sz="2400" b="1" dirty="0">
+                <a:latin typeface="Nunito Sans" pitchFamily="2" charset="0"/>
+              </a:rPr>
+              <a:t>VC Dimension</a:t>
+            </a:r>
+            <a:r>
+              <a:rPr lang="en-US" sz="2400" dirty="0">
+                <a:latin typeface="Nunito Sans" pitchFamily="2" charset="0"/>
+              </a:rPr>
+              <a:t> :</a:t>
+            </a:r>
+            <a:endParaRPr lang="en-US" sz="2000" dirty="0">
+              <a:latin typeface="Nunito Sans" pitchFamily="2" charset="0"/>
+            </a:endParaRPr>
+          </a:p>
+          <a:p>
+            <a:pPr>
+              <a:lnSpc>
+                <a:spcPct val="200000"/>
               </a:lnSpc>
             </a:pPr>
             <a:r>
               <a:rPr lang="en-US" sz="2000" dirty="0">
                 <a:latin typeface="Nunito Sans" pitchFamily="2" charset="0"/>
               </a:rPr>
-              <a:t>In machine learning, 2D transformations like </a:t>
-            </a:r>
-            <a:r>
-              <a:rPr lang="en-US" sz="2000" b="1" dirty="0">
+              <a:t>	(</a:t>
+            </a:r>
+            <a:r>
+              <a:rPr lang="en-US" sz="2000" dirty="0" err="1">
                 <a:latin typeface="Nunito Sans" pitchFamily="2" charset="0"/>
               </a:rPr>
-              <a:t>rotation</a:t>
+              <a:t>Vapnik-Chervonenkis</a:t>
             </a:r>
             <a:r>
               <a:rPr lang="en-US" sz="2000" dirty="0">
                 <a:latin typeface="Nunito Sans" pitchFamily="2" charset="0"/>
               </a:rPr>
-              <a:t> and </a:t>
-            </a:r>
-            <a:r>
-              <a:rPr lang="en-US" sz="2000" b="1" dirty="0">
+              <a:t> Dimension): The VC dimension is a measure of a model’s capacity, or its ability to classify a variety of data patterns. It’s defined as the maximum number of points a model can shatter, meaning the model can perfectly classify all possible </a:t>
+            </a:r>
+            <a:r>
+              <a:rPr lang="en-US" sz="2000" dirty="0" err="1">
                 <a:latin typeface="Nunito Sans" pitchFamily="2" charset="0"/>
               </a:rPr>
-              <a:t>scaling</a:t>
+              <a:t>labelings</a:t>
             </a:r>
             <a:r>
               <a:rPr lang="en-US" sz="2000" dirty="0">
                 <a:latin typeface="Nunito Sans" pitchFamily="2" charset="0"/>
               </a:rPr>
-              <a:t> can preprocess image and vector data for tasks like data augmentation. This helps models generalize by introducing variations of training samples.</a:t>
-            </a:r>
-          </a:p>
-          <a:p>
-            <a:pPr>
-              <a:lnSpc>
-                <a:spcPct val="150000"/>
-              </a:lnSpc>
-            </a:pPr>
-            <a:endParaRPr lang="en-US" sz="2000" dirty="0">
+              <a:t> of those points. Higher VC dimensions imply more complex models, potentially leading to overfitting, while lower VC dimensions suggest simpler models that may underfit. It’s crucial for understanding a model’s generalization ability.</a:t>
+            </a:r>
+            <a:endParaRPr lang="en-US" sz="2400" dirty="0">
               <a:latin typeface="Nunito Sans" pitchFamily="2" charset="0"/>
             </a:endParaRPr>
           </a:p>
-          <a:p>
-            <a:pPr>
-              <a:lnSpc>
-                <a:spcPct val="150000"/>
-              </a:lnSpc>
-              <a:buFont typeface="Arial" panose="020B0604020202020204" pitchFamily="34" charset="0"/>
-              <a:buChar char="•"/>
-            </a:pPr>
-            <a:r>
-              <a:rPr lang="en-US" sz="2000" b="1" dirty="0">
-                <a:latin typeface="Nunito Sans" pitchFamily="2" charset="0"/>
-              </a:rPr>
-              <a:t>Rotation</a:t>
-            </a:r>
-            <a:r>
-              <a:rPr lang="en-US" sz="2000" dirty="0">
-                <a:latin typeface="Nunito Sans" pitchFamily="2" charset="0"/>
-              </a:rPr>
-              <a:t>: Applied to 2D vectors or image data, rotation matrices (e.g., rotating points by 30° or 45°) alter orientation, enriching training data.</a:t>
-            </a:r>
-          </a:p>
-          <a:p>
-            <a:pPr>
-              <a:lnSpc>
-                <a:spcPct val="150000"/>
-              </a:lnSpc>
-              <a:buFont typeface="Arial" panose="020B0604020202020204" pitchFamily="34" charset="0"/>
-              <a:buChar char="•"/>
-            </a:pPr>
-            <a:endParaRPr lang="en-US" sz="2000" dirty="0">
-              <a:latin typeface="Nunito Sans" pitchFamily="2" charset="0"/>
-            </a:endParaRPr>
-          </a:p>
-          <a:p>
-            <a:pPr>
-              <a:lnSpc>
-                <a:spcPct val="150000"/>
-              </a:lnSpc>
-              <a:buFont typeface="Arial" panose="020B0604020202020204" pitchFamily="34" charset="0"/>
-              <a:buChar char="•"/>
-            </a:pPr>
-            <a:r>
-              <a:rPr lang="en-US" sz="2000" b="1" dirty="0">
-                <a:latin typeface="Nunito Sans" pitchFamily="2" charset="0"/>
-              </a:rPr>
-              <a:t>Scaling</a:t>
-            </a:r>
-            <a:r>
-              <a:rPr lang="en-US" sz="2000" dirty="0">
-                <a:latin typeface="Nunito Sans" pitchFamily="2" charset="0"/>
-              </a:rPr>
-              <a:t>: Scaling adjusts the size of features, helping models handle size variations. Scaling matrices enlarge or shrink vectors uniformly or non-uniformly.</a:t>
-            </a:r>
-          </a:p>
         </p:txBody>
       </p:sp>
       <p:sp>
@@ -16543,7 +18211,7 @@
           <p:cNvPr id="115" name="Google Shape;115;p3">
             <a:extLst>
               <a:ext uri="{FF2B5EF4-FFF2-40B4-BE49-F238E27FC236}">
-                <a16:creationId xmlns:a16="http://schemas.microsoft.com/office/drawing/2014/main" id="{BA37570E-A9B8-625F-1E1F-C2D8B094238F}"/>
+                <a16:creationId xmlns:a16="http://schemas.microsoft.com/office/drawing/2014/main" id="{09B810D2-83F7-F7BC-EF78-8DB4709D374C}"/>
               </a:ext>
             </a:extLst>
           </p:cNvPr>
@@ -16587,20 +18255,12 @@
               <a:buNone/>
               <a:defRPr/>
             </a:pPr>
-            <a:r>
-              <a:rPr lang="en-US" sz="2500" dirty="0">
-                <a:solidFill>
-                  <a:schemeClr val="bg1"/>
-                </a:solidFill>
-              </a:rPr>
-              <a:t>2D transformations</a:t>
-            </a:r>
-            <a:endParaRPr kumimoji="0" sz="2500" b="0" i="0" u="none" strike="noStrike" kern="1200" cap="none" spc="0" normalizeH="0" baseline="0" noProof="0" dirty="0">
+            <a:endParaRPr kumimoji="0" sz="1800" b="0" i="0" u="none" strike="noStrike" kern="1200" cap="none" spc="0" normalizeH="0" baseline="0" noProof="0">
               <a:ln>
                 <a:noFill/>
               </a:ln>
               <a:solidFill>
-                <a:schemeClr val="bg1"/>
+                <a:prstClr val="white"/>
               </a:solidFill>
               <a:effectLst/>
               <a:uLnTx/>
@@ -16613,12 +18273,74 @@
           </a:p>
         </p:txBody>
       </p:sp>
+      <p:sp>
+        <p:nvSpPr>
+          <p:cNvPr id="116" name="Google Shape;116;p3">
+            <a:extLst>
+              <a:ext uri="{FF2B5EF4-FFF2-40B4-BE49-F238E27FC236}">
+                <a16:creationId xmlns:a16="http://schemas.microsoft.com/office/drawing/2014/main" id="{0EABBF9C-C84D-7111-AEEF-F51FC363C442}"/>
+              </a:ext>
+            </a:extLst>
+          </p:cNvPr>
+          <p:cNvSpPr txBox="1"/>
+          <p:nvPr/>
+        </p:nvSpPr>
+        <p:spPr>
+          <a:xfrm>
+            <a:off x="3238986" y="173182"/>
+            <a:ext cx="7772400" cy="828675"/>
+          </a:xfrm>
+          <a:prstGeom prst="rect">
+            <a:avLst/>
+          </a:prstGeom>
+          <a:noFill/>
+          <a:ln>
+            <a:noFill/>
+          </a:ln>
+        </p:spPr>
+        <p:txBody>
+          <a:bodyPr spcFirstLastPara="1" wrap="square" lIns="91425" tIns="45700" rIns="91425" bIns="45700" anchor="t" anchorCtr="0">
+            <a:spAutoFit/>
+          </a:bodyPr>
+          <a:lstStyle/>
+          <a:p>
+            <a:pPr marL="0" marR="0" lvl="0" indent="0" algn="r" defTabSz="914400" rtl="0" eaLnBrk="1" fontAlgn="auto" latinLnBrk="0" hangingPunct="1">
+              <a:lnSpc>
+                <a:spcPct val="100000"/>
+              </a:lnSpc>
+              <a:spcBef>
+                <a:spcPts val="0"/>
+              </a:spcBef>
+              <a:spcAft>
+                <a:spcPts val="0"/>
+              </a:spcAft>
+              <a:buClrTx/>
+              <a:buSzTx/>
+              <a:buFontTx/>
+              <a:buNone/>
+              <a:defRPr/>
+            </a:pPr>
+            <a:r>
+              <a:rPr kumimoji="0" lang="en-GB" sz="4800" b="1" i="0" u="none" strike="noStrike" kern="1200" cap="none" spc="0" normalizeH="0" baseline="0" dirty="0">
+                <a:solidFill>
+                  <a:prstClr val="white"/>
+                </a:solidFill>
+                <a:latin typeface="Nunito Sans" panose="00000500000000000000"/>
+                <a:ea typeface="Nunito Sans" panose="00000500000000000000"/>
+                <a:cs typeface="Nunito Sans" panose="00000500000000000000"/>
+                <a:sym typeface="Nunito Sans" panose="00000500000000000000"/>
+              </a:rPr>
+              <a:t>VC DIMENSION</a:t>
+            </a:r>
+          </a:p>
+        </p:txBody>
+      </p:sp>
       <p:pic>
         <p:nvPicPr>
           <p:cNvPr id="117" name="Google Shape;117;p3">
             <a:extLst>
               <a:ext uri="{FF2B5EF4-FFF2-40B4-BE49-F238E27FC236}">
-                <a16:creationId xmlns:a16="http://schemas.microsoft.com/office/drawing/2014/main" id="{10385FE8-1754-A11B-5503-F0096A253D3B}"/>
+                <a16:creationId xmlns:a16="http://schemas.microsoft.com/office/drawing/2014/main" id="{10C56AC9-9B6F-1BA9-EF16-0FC28AAEABBF}"/>
               </a:ext>
             </a:extLst>
           </p:cNvPr>
@@ -16651,7 +18373,7 @@
           <p:cNvPr id="29700" name="Rectangle 4">
             <a:extLst>
               <a:ext uri="{FF2B5EF4-FFF2-40B4-BE49-F238E27FC236}">
-                <a16:creationId xmlns:a16="http://schemas.microsoft.com/office/drawing/2014/main" id="{3F9663B2-B17E-A5BA-46C3-04D45C146AE1}"/>
+                <a16:creationId xmlns:a16="http://schemas.microsoft.com/office/drawing/2014/main" id="{1568EAA2-EE4E-F202-4E78-EBBBDCA2849D}"/>
               </a:ext>
             </a:extLst>
           </p:cNvPr>
@@ -16695,7 +18417,7 @@
           <p:cNvPr id="9" name="Rectangle 8">
             <a:extLst>
               <a:ext uri="{FF2B5EF4-FFF2-40B4-BE49-F238E27FC236}">
-                <a16:creationId xmlns:a16="http://schemas.microsoft.com/office/drawing/2014/main" id="{900C414C-6E6A-1326-7053-F1C18571893A}"/>
+                <a16:creationId xmlns:a16="http://schemas.microsoft.com/office/drawing/2014/main" id="{5106AE39-00C9-DCD3-D221-8F2B83DD4D6F}"/>
               </a:ext>
             </a:extLst>
           </p:cNvPr>
@@ -16747,7 +18469,7 @@
           <p:cNvPr id="11" name="Rectangle 10">
             <a:extLst>
               <a:ext uri="{FF2B5EF4-FFF2-40B4-BE49-F238E27FC236}">
-                <a16:creationId xmlns:a16="http://schemas.microsoft.com/office/drawing/2014/main" id="{676FA614-947D-38EE-8B81-4C51EBB679DE}"/>
+                <a16:creationId xmlns:a16="http://schemas.microsoft.com/office/drawing/2014/main" id="{E1B8609E-C95E-263C-D995-03E0255E981B}"/>
               </a:ext>
             </a:extLst>
           </p:cNvPr>
@@ -16845,7 +18567,7 @@
           <p:cNvPr id="2050" name="AutoShape 2" descr="Database PNG transparent image download, size: 512x512px">
             <a:extLst>
               <a:ext uri="{FF2B5EF4-FFF2-40B4-BE49-F238E27FC236}">
-                <a16:creationId xmlns:a16="http://schemas.microsoft.com/office/drawing/2014/main" id="{5220BEFB-6726-CE5A-7F56-B5E791104C25}"/>
+                <a16:creationId xmlns:a16="http://schemas.microsoft.com/office/drawing/2014/main" id="{CA5DFD6E-AA75-5CCE-7BE2-F654D93D0312}"/>
               </a:ext>
             </a:extLst>
           </p:cNvPr>
@@ -16881,7 +18603,7 @@
           <p:cNvPr id="2052" name="AutoShape 4" descr="Database PNG transparent image download, size: 512x512px">
             <a:extLst>
               <a:ext uri="{FF2B5EF4-FFF2-40B4-BE49-F238E27FC236}">
-                <a16:creationId xmlns:a16="http://schemas.microsoft.com/office/drawing/2014/main" id="{ED795511-9335-0B94-667B-87B0C05F066C}"/>
+                <a16:creationId xmlns:a16="http://schemas.microsoft.com/office/drawing/2014/main" id="{457B36DD-C045-49EC-BCC5-2DED62CCA5C0}"/>
               </a:ext>
             </a:extLst>
           </p:cNvPr>
@@ -16917,7 +18639,7 @@
           <p:cNvPr id="2054" name="AutoShape 6" descr="Database PNG transparent image download, size: 512x512px">
             <a:extLst>
               <a:ext uri="{FF2B5EF4-FFF2-40B4-BE49-F238E27FC236}">
-                <a16:creationId xmlns:a16="http://schemas.microsoft.com/office/drawing/2014/main" id="{6EF60022-664D-BE5B-5EFB-33D9086A484A}"/>
+                <a16:creationId xmlns:a16="http://schemas.microsoft.com/office/drawing/2014/main" id="{A6CE9309-7E8E-E189-A1B3-3956B659B938}"/>
               </a:ext>
             </a:extLst>
           </p:cNvPr>
@@ -16953,7 +18675,7 @@
           <p:cNvPr id="2056" name="AutoShape 8" descr="Database PNG transparent image download, size: 512x512px">
             <a:extLst>
               <a:ext uri="{FF2B5EF4-FFF2-40B4-BE49-F238E27FC236}">
-                <a16:creationId xmlns:a16="http://schemas.microsoft.com/office/drawing/2014/main" id="{A0BFD573-B952-4588-4D25-1A43317C1934}"/>
+                <a16:creationId xmlns:a16="http://schemas.microsoft.com/office/drawing/2014/main" id="{97F68C25-9A1A-0936-0125-F5C799C6AC99}"/>
               </a:ext>
             </a:extLst>
           </p:cNvPr>
@@ -16989,7 +18711,7 @@
           <p:cNvPr id="2058" name="AutoShape 10" descr="Database PNG transparent image download, size: 512x512px">
             <a:extLst>
               <a:ext uri="{FF2B5EF4-FFF2-40B4-BE49-F238E27FC236}">
-                <a16:creationId xmlns:a16="http://schemas.microsoft.com/office/drawing/2014/main" id="{41B418D8-8BB0-EEA5-90A9-CBAAA72BB807}"/>
+                <a16:creationId xmlns:a16="http://schemas.microsoft.com/office/drawing/2014/main" id="{B747A741-5175-DCD3-3728-098506170313}"/>
               </a:ext>
             </a:extLst>
           </p:cNvPr>
@@ -17023,7 +18745,7 @@
     </p:spTree>
     <p:extLst>
       <p:ext uri="{BB962C8B-B14F-4D97-AF65-F5344CB8AC3E}">
-        <p14:creationId xmlns:p14="http://schemas.microsoft.com/office/powerpoint/2010/main" val="2082056204"/>
+        <p14:creationId xmlns:p14="http://schemas.microsoft.com/office/powerpoint/2010/main" val="630096410"/>
       </p:ext>
     </p:extLst>
   </p:cSld>
@@ -17038,7 +18760,13 @@
   <p:cSld>
     <p:spTree>
       <p:nvGrpSpPr>
-        <p:cNvPr id="1" name="Shape 105"/>
+        <p:cNvPr id="1" name="Shape 105">
+          <a:extLst>
+            <a:ext uri="{FF2B5EF4-FFF2-40B4-BE49-F238E27FC236}">
+              <a16:creationId xmlns:a16="http://schemas.microsoft.com/office/drawing/2014/main" id="{F45F2713-66E0-3C3D-ACE7-653F2F0D31BC}"/>
+            </a:ext>
+          </a:extLst>
+        </p:cNvPr>
         <p:cNvGrpSpPr/>
         <p:nvPr/>
       </p:nvGrpSpPr>
@@ -17052,159 +18780,13 @@
       </p:grpSpPr>
       <p:sp>
         <p:nvSpPr>
-          <p:cNvPr id="106" name="Google Shape;106;p3"/>
-          <p:cNvSpPr txBox="1"/>
-          <p:nvPr/>
-        </p:nvSpPr>
-        <p:spPr>
-          <a:xfrm>
-            <a:off x="421524" y="793535"/>
-            <a:ext cx="10989081" cy="5940047"/>
-          </a:xfrm>
-          <a:prstGeom prst="rect">
-            <a:avLst/>
-          </a:prstGeom>
-          <a:noFill/>
-          <a:ln>
-            <a:noFill/>
-          </a:ln>
-        </p:spPr>
-        <p:txBody>
-          <a:bodyPr spcFirstLastPara="1" wrap="square" lIns="91425" tIns="45700" rIns="91425" bIns="45700" anchor="t" anchorCtr="0">
-            <a:spAutoFit/>
-          </a:bodyPr>
-          <a:lstStyle/>
-          <a:p>
-            <a:pPr fontAlgn="base">
-              <a:lnSpc>
-                <a:spcPct val="150000"/>
-              </a:lnSpc>
-            </a:pPr>
-            <a:r>
-              <a:rPr lang="en-US" sz="2000" dirty="0">
-                <a:latin typeface="Nunito Sans" pitchFamily="2" charset="0"/>
-              </a:rPr>
-              <a:t>Machine learning is a subset of artificial intelligence that involves using algorithms and statistical models to enable computers to perform tasks without being explicitly programmed. ML allows systems to learn from data and improve their performance over time based on experience.</a:t>
-            </a:r>
-          </a:p>
-          <a:p>
-            <a:pPr marL="457200" indent="-457200">
-              <a:buAutoNum type="arabicPeriod"/>
-            </a:pPr>
-            <a:r>
-              <a:rPr lang="en-US" sz="2000" b="1" dirty="0">
-                <a:latin typeface="Nunito Sans" pitchFamily="2" charset="0"/>
-              </a:rPr>
-              <a:t>Types of Machine Learning: </a:t>
-            </a:r>
-          </a:p>
-          <a:p>
-            <a:endParaRPr lang="en-US" sz="2000" b="1" dirty="0">
-              <a:latin typeface="Nunito Sans" pitchFamily="2" charset="0"/>
-            </a:endParaRPr>
-          </a:p>
-          <a:p>
-            <a:pPr>
-              <a:buFont typeface="Arial" panose="020B0604020202020204" pitchFamily="34" charset="0"/>
-              <a:buChar char="•"/>
-            </a:pPr>
-            <a:r>
-              <a:rPr lang="en-US" sz="2000" b="1" dirty="0">
-                <a:latin typeface="Nunito Sans" pitchFamily="2" charset="0"/>
-              </a:rPr>
-              <a:t>     Supervised Learning:</a:t>
-            </a:r>
-            <a:r>
-              <a:rPr lang="en-US" sz="2000" dirty="0">
-                <a:latin typeface="Nunito Sans" pitchFamily="2" charset="0"/>
-              </a:rPr>
-              <a:t> The model is trained on labeled data, the input data includes input features and the correct output. </a:t>
-            </a:r>
-          </a:p>
-          <a:p>
-            <a:pPr>
-              <a:buFont typeface="Arial" panose="020B0604020202020204" pitchFamily="34" charset="0"/>
-              <a:buChar char="•"/>
-            </a:pPr>
-            <a:endParaRPr lang="en-US" sz="2000" b="1" dirty="0">
-              <a:latin typeface="Nunito Sans" pitchFamily="2" charset="0"/>
-            </a:endParaRPr>
-          </a:p>
-          <a:p>
-            <a:pPr>
-              <a:buFont typeface="Arial" panose="020B0604020202020204" pitchFamily="34" charset="0"/>
-              <a:buChar char="•"/>
-            </a:pPr>
-            <a:r>
-              <a:rPr lang="en-US" sz="2000" b="1" dirty="0">
-                <a:latin typeface="Nunito Sans" pitchFamily="2" charset="0"/>
-              </a:rPr>
-              <a:t>    Unsupervised Learning:</a:t>
-            </a:r>
-            <a:r>
-              <a:rPr lang="en-US" sz="2000" dirty="0">
-                <a:latin typeface="Nunito Sans" pitchFamily="2" charset="0"/>
-              </a:rPr>
-              <a:t> The model works with unlabeled data,  has input data with no defined output</a:t>
-            </a:r>
-          </a:p>
-          <a:p>
-            <a:endParaRPr lang="en-US" sz="2000" b="1" dirty="0">
-              <a:latin typeface="Nunito Sans" pitchFamily="2" charset="0"/>
-            </a:endParaRPr>
-          </a:p>
-          <a:p>
-            <a:pPr marL="342900" indent="-342900">
-              <a:buFont typeface="Arial" panose="020B0604020202020204" pitchFamily="34" charset="0"/>
-              <a:buChar char="•"/>
-            </a:pPr>
-            <a:r>
-              <a:rPr lang="en-US" sz="2000" b="1" dirty="0">
-                <a:latin typeface="Nunito Sans" pitchFamily="2" charset="0"/>
-              </a:rPr>
-              <a:t>Semi-supervised Learning:</a:t>
-            </a:r>
-            <a:r>
-              <a:rPr lang="en-US" sz="2000" dirty="0">
-                <a:latin typeface="Nunito Sans" pitchFamily="2" charset="0"/>
-              </a:rPr>
-              <a:t> A mix of labeled and unlabeled data is used, often when labeled data is scarce. </a:t>
-            </a:r>
-          </a:p>
-          <a:p>
-            <a:endParaRPr lang="en-US" sz="2000" b="1" dirty="0">
-              <a:latin typeface="Nunito Sans" pitchFamily="2" charset="0"/>
-            </a:endParaRPr>
-          </a:p>
-          <a:p>
-            <a:pPr marL="342900" indent="-342900">
-              <a:buFont typeface="Arial" panose="020B0604020202020204" pitchFamily="34" charset="0"/>
-              <a:buChar char="•"/>
-            </a:pPr>
-            <a:r>
-              <a:rPr lang="en-US" sz="2000" b="1" dirty="0">
-                <a:latin typeface="Nunito Sans" pitchFamily="2" charset="0"/>
-              </a:rPr>
-              <a:t>Reinforcement Learning:</a:t>
-            </a:r>
-            <a:r>
-              <a:rPr lang="en-US" sz="2000" dirty="0">
-                <a:latin typeface="Nunito Sans" pitchFamily="2" charset="0"/>
-              </a:rPr>
-              <a:t> This approach involves an agent that learns by interacting with its environment, making decisions, and receiving feedback in the form of rewards or penalties. </a:t>
-            </a:r>
-            <a:endParaRPr lang="en-US" sz="2000" dirty="0">
-              <a:solidFill>
-                <a:srgbClr val="000000"/>
-              </a:solidFill>
-              <a:latin typeface="Nunito Sans" pitchFamily="2" charset="0"/>
-            </a:endParaRPr>
-          </a:p>
-        </p:txBody>
-      </p:sp>
-      <p:sp>
-        <p:nvSpPr>
-          <p:cNvPr id="115" name="Google Shape;115;p3"/>
+          <p:cNvPr id="115" name="Google Shape;115;p3">
+            <a:extLst>
+              <a:ext uri="{FF2B5EF4-FFF2-40B4-BE49-F238E27FC236}">
+                <a16:creationId xmlns:a16="http://schemas.microsoft.com/office/drawing/2014/main" id="{277F9253-B98E-44FD-DD66-C5B4EC550CC8}"/>
+              </a:ext>
+            </a:extLst>
+          </p:cNvPr>
           <p:cNvSpPr/>
           <p:nvPr/>
         </p:nvSpPr>
@@ -17265,14 +18847,20 @@
       </p:sp>
       <p:sp>
         <p:nvSpPr>
-          <p:cNvPr id="116" name="Google Shape;116;p3"/>
+          <p:cNvPr id="116" name="Google Shape;116;p3">
+            <a:extLst>
+              <a:ext uri="{FF2B5EF4-FFF2-40B4-BE49-F238E27FC236}">
+                <a16:creationId xmlns:a16="http://schemas.microsoft.com/office/drawing/2014/main" id="{1C6D4066-E62E-786D-ED5E-673F7497E1D0}"/>
+              </a:ext>
+            </a:extLst>
+          </p:cNvPr>
           <p:cNvSpPr txBox="1"/>
           <p:nvPr/>
         </p:nvSpPr>
         <p:spPr>
           <a:xfrm>
-            <a:off x="421524" y="173182"/>
-            <a:ext cx="10589862" cy="477013"/>
+            <a:off x="484909" y="128212"/>
+            <a:ext cx="11397355" cy="830956"/>
           </a:xfrm>
           <a:prstGeom prst="rect">
             <a:avLst/>
@@ -17305,25 +18893,7 @@
               <a:defRPr/>
             </a:pPr>
             <a:r>
-              <a:rPr lang="en-GB" sz="2500" b="1" noProof="0" dirty="0">
-                <a:ln>
-                  <a:noFill/>
-                </a:ln>
-                <a:solidFill>
-                  <a:prstClr val="white"/>
-                </a:solidFill>
-                <a:effectLst/>
-                <a:uLnTx/>
-                <a:uFillTx/>
-                <a:latin typeface="Nunito Sans" panose="00000500000000000000"/>
-                <a:ea typeface="Nunito Sans" panose="00000500000000000000"/>
-                <a:cs typeface="Nunito Sans" panose="00000500000000000000"/>
-                <a:sym typeface="Nunito Sans" panose="00000500000000000000"/>
-              </a:rPr>
-              <a:t>INTRODUCTION AND MOTIVATION </a:t>
-            </a:r>
-            <a:r>
-              <a:rPr lang="en-GB" sz="2500" b="1" dirty="0">
+              <a:rPr kumimoji="0" lang="en-US" sz="2400" b="1" i="0" u="none" strike="noStrike" kern="1200" cap="none" spc="0" normalizeH="0" baseline="0" dirty="0">
                 <a:solidFill>
                   <a:prstClr val="white"/>
                 </a:solidFill>
@@ -17332,27 +18902,9 @@
                 <a:cs typeface="Nunito Sans" panose="00000500000000000000"/>
                 <a:sym typeface="Nunito Sans" panose="00000500000000000000"/>
               </a:rPr>
-              <a:t>F</a:t>
-            </a:r>
-            <a:r>
-              <a:rPr lang="en-GB" sz="2500" b="1" noProof="0" dirty="0">
-                <a:ln>
-                  <a:noFill/>
-                </a:ln>
-                <a:solidFill>
-                  <a:prstClr val="white"/>
-                </a:solidFill>
-                <a:effectLst/>
-                <a:uLnTx/>
-                <a:uFillTx/>
-                <a:latin typeface="Nunito Sans" panose="00000500000000000000"/>
-                <a:ea typeface="Nunito Sans" panose="00000500000000000000"/>
-                <a:cs typeface="Nunito Sans" panose="00000500000000000000"/>
-                <a:sym typeface="Nunito Sans" panose="00000500000000000000"/>
-              </a:rPr>
-              <a:t>OR MACHINE LEARNING</a:t>
-            </a:r>
-            <a:endParaRPr kumimoji="0" sz="2500" b="1" i="0" u="none" strike="noStrike" kern="1200" cap="none" spc="0" normalizeH="0" baseline="0" noProof="0" dirty="0">
+              <a:t>Show a visual of points being classified by different shapes (e.g., line, circle) to represent the idea of shattering.</a:t>
+            </a:r>
+            <a:endParaRPr kumimoji="0" sz="2400" b="1" i="0" u="none" strike="noStrike" kern="1200" cap="none" spc="0" normalizeH="0" baseline="0" noProof="0" dirty="0">
               <a:ln>
                 <a:noFill/>
               </a:ln>
@@ -17372,7 +18924,13 @@
       </p:sp>
       <p:pic>
         <p:nvPicPr>
-          <p:cNvPr id="117" name="Google Shape;117;p3"/>
+          <p:cNvPr id="117" name="Google Shape;117;p3">
+            <a:extLst>
+              <a:ext uri="{FF2B5EF4-FFF2-40B4-BE49-F238E27FC236}">
+                <a16:creationId xmlns:a16="http://schemas.microsoft.com/office/drawing/2014/main" id="{EC5477A4-7457-AE94-9182-F527E4A5FFAC}"/>
+              </a:ext>
+            </a:extLst>
+          </p:cNvPr>
           <p:cNvPicPr preferRelativeResize="0"/>
           <p:nvPr/>
         </p:nvPicPr>
@@ -17399,7 +18957,13 @@
       </p:pic>
       <p:sp>
         <p:nvSpPr>
-          <p:cNvPr id="29700" name="Rectangle 4"/>
+          <p:cNvPr id="29700" name="Rectangle 4">
+            <a:extLst>
+              <a:ext uri="{FF2B5EF4-FFF2-40B4-BE49-F238E27FC236}">
+                <a16:creationId xmlns:a16="http://schemas.microsoft.com/office/drawing/2014/main" id="{5F5EB0CD-7AC2-A369-2F6F-CACBE956E7A9}"/>
+              </a:ext>
+            </a:extLst>
+          </p:cNvPr>
           <p:cNvSpPr>
             <a:spLocks noChangeArrowheads="1"/>
           </p:cNvSpPr>
@@ -17437,7 +19001,13 @@
       </p:sp>
       <p:sp>
         <p:nvSpPr>
-          <p:cNvPr id="9" name="Rectangle 8"/>
+          <p:cNvPr id="9" name="Rectangle 8">
+            <a:extLst>
+              <a:ext uri="{FF2B5EF4-FFF2-40B4-BE49-F238E27FC236}">
+                <a16:creationId xmlns:a16="http://schemas.microsoft.com/office/drawing/2014/main" id="{133F86A2-32E8-C42B-000B-BEE018E976C3}"/>
+              </a:ext>
+            </a:extLst>
+          </p:cNvPr>
           <p:cNvSpPr/>
           <p:nvPr/>
         </p:nvSpPr>
@@ -17483,7 +19053,13 @@
       </p:sp>
       <p:sp>
         <p:nvSpPr>
-          <p:cNvPr id="11" name="Rectangle 10"/>
+          <p:cNvPr id="11" name="Rectangle 10">
+            <a:extLst>
+              <a:ext uri="{FF2B5EF4-FFF2-40B4-BE49-F238E27FC236}">
+                <a16:creationId xmlns:a16="http://schemas.microsoft.com/office/drawing/2014/main" id="{0D899D59-71DC-BDF8-A2AD-071DAC7D151A}"/>
+              </a:ext>
+            </a:extLst>
+          </p:cNvPr>
           <p:cNvSpPr/>
           <p:nvPr/>
         </p:nvSpPr>
@@ -17575,7 +19151,13 @@
       </p:sp>
       <p:sp>
         <p:nvSpPr>
-          <p:cNvPr id="2050" name="AutoShape 2" descr="Database PNG transparent image download, size: 512x512px"/>
+          <p:cNvPr id="2050" name="AutoShape 2" descr="Database PNG transparent image download, size: 512x512px">
+            <a:extLst>
+              <a:ext uri="{FF2B5EF4-FFF2-40B4-BE49-F238E27FC236}">
+                <a16:creationId xmlns:a16="http://schemas.microsoft.com/office/drawing/2014/main" id="{2DDDA998-9835-6AE8-FCDD-85559FE4C0CA}"/>
+              </a:ext>
+            </a:extLst>
+          </p:cNvPr>
           <p:cNvSpPr>
             <a:spLocks noChangeAspect="1" noChangeArrowheads="1"/>
           </p:cNvSpPr>
@@ -17605,7 +19187,13 @@
       </p:sp>
       <p:sp>
         <p:nvSpPr>
-          <p:cNvPr id="2052" name="AutoShape 4" descr="Database PNG transparent image download, size: 512x512px"/>
+          <p:cNvPr id="2052" name="AutoShape 4" descr="Database PNG transparent image download, size: 512x512px">
+            <a:extLst>
+              <a:ext uri="{FF2B5EF4-FFF2-40B4-BE49-F238E27FC236}">
+                <a16:creationId xmlns:a16="http://schemas.microsoft.com/office/drawing/2014/main" id="{A0C4F08A-827D-FAFC-8ED8-F3669217E58D}"/>
+              </a:ext>
+            </a:extLst>
+          </p:cNvPr>
           <p:cNvSpPr>
             <a:spLocks noChangeAspect="1" noChangeArrowheads="1"/>
           </p:cNvSpPr>
@@ -17635,7 +19223,13 @@
       </p:sp>
       <p:sp>
         <p:nvSpPr>
-          <p:cNvPr id="2054" name="AutoShape 6" descr="Database PNG transparent image download, size: 512x512px"/>
+          <p:cNvPr id="2054" name="AutoShape 6" descr="Database PNG transparent image download, size: 512x512px">
+            <a:extLst>
+              <a:ext uri="{FF2B5EF4-FFF2-40B4-BE49-F238E27FC236}">
+                <a16:creationId xmlns:a16="http://schemas.microsoft.com/office/drawing/2014/main" id="{F327FDDD-692B-5E2E-FE3E-963671C8590E}"/>
+              </a:ext>
+            </a:extLst>
+          </p:cNvPr>
           <p:cNvSpPr>
             <a:spLocks noChangeAspect="1" noChangeArrowheads="1"/>
           </p:cNvSpPr>
@@ -17665,7 +19259,13 @@
       </p:sp>
       <p:sp>
         <p:nvSpPr>
-          <p:cNvPr id="2056" name="AutoShape 8" descr="Database PNG transparent image download, size: 512x512px"/>
+          <p:cNvPr id="2056" name="AutoShape 8" descr="Database PNG transparent image download, size: 512x512px">
+            <a:extLst>
+              <a:ext uri="{FF2B5EF4-FFF2-40B4-BE49-F238E27FC236}">
+                <a16:creationId xmlns:a16="http://schemas.microsoft.com/office/drawing/2014/main" id="{461DF966-6827-D3F5-A6DD-72C65E020391}"/>
+              </a:ext>
+            </a:extLst>
+          </p:cNvPr>
           <p:cNvSpPr>
             <a:spLocks noChangeAspect="1" noChangeArrowheads="1"/>
           </p:cNvSpPr>
@@ -17695,7 +19295,13 @@
       </p:sp>
       <p:sp>
         <p:nvSpPr>
-          <p:cNvPr id="2058" name="AutoShape 10" descr="Database PNG transparent image download, size: 512x512px"/>
+          <p:cNvPr id="2058" name="AutoShape 10" descr="Database PNG transparent image download, size: 512x512px">
+            <a:extLst>
+              <a:ext uri="{FF2B5EF4-FFF2-40B4-BE49-F238E27FC236}">
+                <a16:creationId xmlns:a16="http://schemas.microsoft.com/office/drawing/2014/main" id="{4B708C6E-0E41-ECA6-DE49-BE52417AAE85}"/>
+              </a:ext>
+            </a:extLst>
+          </p:cNvPr>
           <p:cNvSpPr>
             <a:spLocks noChangeAspect="1" noChangeArrowheads="1"/>
           </p:cNvSpPr>
@@ -17723,10 +19329,85 @@
           </a:p>
         </p:txBody>
       </p:sp>
+      <p:sp>
+        <p:nvSpPr>
+          <p:cNvPr id="2" name="AutoShape 2" descr="A simple 2D illustration showing points classified by different shapes to represent the concept of shattering in VC dimension. In one example, points are separated by a line, demonstrating that they can be classified by a linear model. In another example, points are separated by a circle, showing how a circle can classify different arrangements of points. The image should visually depict points in configurations where a shape (line or circle) can separate them in all possible ways, with some points inside and some outside the shapes, highlighting the concept of shattering.">
+            <a:extLst>
+              <a:ext uri="{FF2B5EF4-FFF2-40B4-BE49-F238E27FC236}">
+                <a16:creationId xmlns:a16="http://schemas.microsoft.com/office/drawing/2014/main" id="{36CCF49E-6E81-39D4-B3EB-82B45C430AFB}"/>
+              </a:ext>
+            </a:extLst>
+          </p:cNvPr>
+          <p:cNvSpPr>
+            <a:spLocks noChangeAspect="1" noChangeArrowheads="1"/>
+          </p:cNvSpPr>
+          <p:nvPr/>
+        </p:nvSpPr>
+        <p:spPr bwMode="auto">
+          <a:xfrm>
+            <a:off x="5943600" y="3276600"/>
+            <a:ext cx="304800" cy="304800"/>
+          </a:xfrm>
+          <a:prstGeom prst="rect">
+            <a:avLst/>
+          </a:prstGeom>
+          <a:noFill/>
+          <a:extLst>
+            <a:ext uri="{909E8E84-426E-40DD-AFC4-6F175D3DCCD1}">
+              <a14:hiddenFill xmlns:a14="http://schemas.microsoft.com/office/drawing/2010/main">
+                <a:solidFill>
+                  <a:srgbClr val="FFFFFF"/>
+                </a:solidFill>
+              </a14:hiddenFill>
+            </a:ext>
+          </a:extLst>
+        </p:spPr>
+        <p:txBody>
+          <a:bodyPr vert="horz" wrap="square" lIns="91440" tIns="45720" rIns="91440" bIns="45720" numCol="1" anchor="t" anchorCtr="0" compatLnSpc="1">
+            <a:prstTxWarp prst="textNoShape">
+              <a:avLst/>
+            </a:prstTxWarp>
+          </a:bodyPr>
+          <a:lstStyle/>
+          <a:p>
+            <a:endParaRPr lang="en-IN"/>
+          </a:p>
+        </p:txBody>
+      </p:sp>
+      <p:pic>
+        <p:nvPicPr>
+          <p:cNvPr id="4" name="Picture 3">
+            <a:extLst>
+              <a:ext uri="{FF2B5EF4-FFF2-40B4-BE49-F238E27FC236}">
+                <a16:creationId xmlns:a16="http://schemas.microsoft.com/office/drawing/2014/main" id="{325C85F2-7B34-DB17-FAB1-E91039E96EA9}"/>
+              </a:ext>
+            </a:extLst>
+          </p:cNvPr>
+          <p:cNvPicPr>
+            <a:picLocks noChangeAspect="1"/>
+          </p:cNvPicPr>
+          <p:nvPr/>
+        </p:nvPicPr>
+        <p:blipFill>
+          <a:blip r:embed="rId4"/>
+          <a:stretch>
+            <a:fillRect/>
+          </a:stretch>
+        </p:blipFill>
+        <p:spPr>
+          <a:xfrm>
+            <a:off x="3251613" y="1010588"/>
+            <a:ext cx="5757472" cy="5757472"/>
+          </a:xfrm>
+          <a:prstGeom prst="rect">
+            <a:avLst/>
+          </a:prstGeom>
+        </p:spPr>
+      </p:pic>
     </p:spTree>
     <p:extLst>
       <p:ext uri="{BB962C8B-B14F-4D97-AF65-F5344CB8AC3E}">
-        <p14:creationId xmlns:p14="http://schemas.microsoft.com/office/powerpoint/2010/main" val="1908599739"/>
+        <p14:creationId xmlns:p14="http://schemas.microsoft.com/office/powerpoint/2010/main" val="4281719390"/>
       </p:ext>
     </p:extLst>
   </p:cSld>
@@ -17744,7 +19425,7 @@
         <p:cNvPr id="1" name="Shape 105">
           <a:extLst>
             <a:ext uri="{FF2B5EF4-FFF2-40B4-BE49-F238E27FC236}">
-              <a16:creationId xmlns:a16="http://schemas.microsoft.com/office/drawing/2014/main" id="{BCE57732-DFDE-40CD-1E0C-759A4D07A602}"/>
+              <a16:creationId xmlns:a16="http://schemas.microsoft.com/office/drawing/2014/main" id="{5FD4C6A9-917B-0168-5F62-E806CC0C97E4}"/>
             </a:ext>
           </a:extLst>
         </p:cNvPr>
@@ -17764,7 +19445,7 @@
           <p:cNvPr id="106" name="Google Shape;106;p3">
             <a:extLst>
               <a:ext uri="{FF2B5EF4-FFF2-40B4-BE49-F238E27FC236}">
-                <a16:creationId xmlns:a16="http://schemas.microsoft.com/office/drawing/2014/main" id="{3AC02CE6-D37E-618A-818F-2794D1ABF0E5}"/>
+                <a16:creationId xmlns:a16="http://schemas.microsoft.com/office/drawing/2014/main" id="{D196B085-BB7E-0C59-7585-0744EDCC3EBB}"/>
               </a:ext>
             </a:extLst>
           </p:cNvPr>
@@ -17773,8 +19454,8 @@
         </p:nvSpPr>
         <p:spPr>
           <a:xfrm>
-            <a:off x="421524" y="853495"/>
-            <a:ext cx="10989081" cy="5909270"/>
+            <a:off x="460375" y="1167627"/>
+            <a:ext cx="10989081" cy="5170606"/>
           </a:xfrm>
           <a:prstGeom prst="rect">
             <a:avLst/>
@@ -17790,228 +19471,88 @@
           </a:bodyPr>
           <a:lstStyle/>
           <a:p>
-            <a:r>
-              <a:rPr lang="en-US" sz="2000" b="1" dirty="0">
-                <a:latin typeface="Nunito Sans" pitchFamily="2" charset="0"/>
-              </a:rPr>
-              <a:t>2. Key Algorithms :</a:t>
-            </a:r>
-          </a:p>
-          <a:p>
-            <a:endParaRPr lang="en-US" sz="2000" b="1" dirty="0">
-              <a:latin typeface="Nunito Sans" pitchFamily="2" charset="0"/>
-            </a:endParaRPr>
-          </a:p>
-          <a:p>
             <a:pPr>
+              <a:lnSpc>
+                <a:spcPct val="150000"/>
+              </a:lnSpc>
+            </a:pPr>
+            <a:r>
+              <a:rPr lang="en-US" sz="2000" b="1" dirty="0"/>
+              <a:t>Probably Approximately Correct (PAC) Learning</a:t>
+            </a:r>
+            <a:r>
+              <a:rPr lang="en-US" sz="2000" dirty="0"/>
+              <a:t> is a framework in machine learning that quantifies a model's ability to learn from data. In PAC learning, a model is considered successful if, with high probability (the "Probably" part), it can learn a hypothesis that is approximately correct—that is, close enough to the true function or distribution generating the data.</a:t>
+            </a:r>
+          </a:p>
+          <a:p>
+            <a:pPr>
+              <a:lnSpc>
+                <a:spcPct val="150000"/>
+              </a:lnSpc>
+            </a:pPr>
+            <a:endParaRPr lang="en-US" sz="2000" dirty="0"/>
+          </a:p>
+          <a:p>
+            <a:pPr>
+              <a:lnSpc>
+                <a:spcPct val="150000"/>
+              </a:lnSpc>
+            </a:pPr>
+            <a:r>
+              <a:rPr lang="en-US" sz="2000" dirty="0"/>
+              <a:t>Key points:</a:t>
+            </a:r>
+          </a:p>
+          <a:p>
+            <a:pPr>
+              <a:lnSpc>
+                <a:spcPct val="150000"/>
+              </a:lnSpc>
               <a:buFont typeface="Arial" panose="020B0604020202020204" pitchFamily="34" charset="0"/>
               <a:buChar char="•"/>
             </a:pPr>
             <a:r>
-              <a:rPr lang="en-US" sz="2000" b="1" dirty="0">
-                <a:latin typeface="Nunito Sans" pitchFamily="2" charset="0"/>
-              </a:rPr>
-              <a:t>Linear Regression and Logistic Regression</a:t>
-            </a:r>
-            <a:r>
-              <a:rPr lang="en-US" sz="2000" dirty="0">
-                <a:latin typeface="Nunito Sans" pitchFamily="2" charset="0"/>
-              </a:rPr>
-              <a:t> for simple predictive modeling.</a:t>
+              <a:rPr lang="en-US" sz="2000" b="1" dirty="0"/>
+              <a:t>Probably</a:t>
+            </a:r>
+            <a:r>
+              <a:rPr lang="en-US" sz="2000" dirty="0"/>
+              <a:t>: The model will produce an accurate hypothesis with a high probability (e.g., 95%).</a:t>
             </a:r>
           </a:p>
           <a:p>
             <a:pPr>
+              <a:lnSpc>
+                <a:spcPct val="150000"/>
+              </a:lnSpc>
               <a:buFont typeface="Arial" panose="020B0604020202020204" pitchFamily="34" charset="0"/>
               <a:buChar char="•"/>
             </a:pPr>
-            <a:endParaRPr lang="en-US" sz="2000" dirty="0">
-              <a:latin typeface="Nunito Sans" pitchFamily="2" charset="0"/>
-            </a:endParaRPr>
+            <a:r>
+              <a:rPr lang="en-US" sz="2000" b="1" dirty="0"/>
+              <a:t>Approximately Correct</a:t>
+            </a:r>
+            <a:r>
+              <a:rPr lang="en-US" sz="2000" dirty="0"/>
+              <a:t>: The hypothesis may not be perfect, but its error is within an acceptable margin (ε).</a:t>
+            </a:r>
           </a:p>
           <a:p>
             <a:pPr>
+              <a:lnSpc>
+                <a:spcPct val="150000"/>
+              </a:lnSpc>
               <a:buFont typeface="Arial" panose="020B0604020202020204" pitchFamily="34" charset="0"/>
               <a:buChar char="•"/>
             </a:pPr>
             <a:r>
-              <a:rPr lang="en-US" sz="2000" b="1" dirty="0">
-                <a:latin typeface="Nunito Sans" pitchFamily="2" charset="0"/>
-              </a:rPr>
-              <a:t>Decision Trees and Random Forests</a:t>
-            </a:r>
-            <a:r>
-              <a:rPr lang="en-US" sz="2000" dirty="0">
-                <a:latin typeface="Nunito Sans" pitchFamily="2" charset="0"/>
-              </a:rPr>
-              <a:t> for classification and regression.</a:t>
-            </a:r>
-          </a:p>
-          <a:p>
-            <a:pPr>
-              <a:buFont typeface="Arial" panose="020B0604020202020204" pitchFamily="34" charset="0"/>
-              <a:buChar char="•"/>
-            </a:pPr>
-            <a:endParaRPr lang="en-US" sz="2000" dirty="0">
-              <a:latin typeface="Nunito Sans" pitchFamily="2" charset="0"/>
-            </a:endParaRPr>
-          </a:p>
-          <a:p>
-            <a:pPr>
-              <a:buFont typeface="Arial" panose="020B0604020202020204" pitchFamily="34" charset="0"/>
-              <a:buChar char="•"/>
-            </a:pPr>
-            <a:r>
-              <a:rPr lang="en-US" sz="2000" b="1" dirty="0">
-                <a:latin typeface="Nunito Sans" pitchFamily="2" charset="0"/>
-              </a:rPr>
-              <a:t>Support Vector Machines (SVM)</a:t>
-            </a:r>
-            <a:r>
-              <a:rPr lang="en-US" sz="2000" dirty="0">
-                <a:latin typeface="Nunito Sans" pitchFamily="2" charset="0"/>
-              </a:rPr>
-              <a:t> for classification problems.</a:t>
-            </a:r>
-          </a:p>
-          <a:p>
-            <a:pPr>
-              <a:buFont typeface="Arial" panose="020B0604020202020204" pitchFamily="34" charset="0"/>
-              <a:buChar char="•"/>
-            </a:pPr>
-            <a:endParaRPr lang="en-US" sz="2000" dirty="0">
-              <a:latin typeface="Nunito Sans" pitchFamily="2" charset="0"/>
-            </a:endParaRPr>
-          </a:p>
-          <a:p>
-            <a:pPr>
-              <a:buFont typeface="Arial" panose="020B0604020202020204" pitchFamily="34" charset="0"/>
-              <a:buChar char="•"/>
-            </a:pPr>
-            <a:r>
-              <a:rPr lang="en-US" sz="2000" b="1" dirty="0">
-                <a:latin typeface="Nunito Sans" pitchFamily="2" charset="0"/>
-              </a:rPr>
-              <a:t>Neural Networks</a:t>
-            </a:r>
-            <a:r>
-              <a:rPr lang="en-US" sz="2000" dirty="0">
-                <a:latin typeface="Nunito Sans" pitchFamily="2" charset="0"/>
-              </a:rPr>
-              <a:t> for more complex tasks, particularly in deep learning.</a:t>
-            </a:r>
-          </a:p>
-          <a:p>
-            <a:endParaRPr lang="en-US" sz="2000" dirty="0">
-              <a:latin typeface="Nunito Sans" pitchFamily="2" charset="0"/>
-            </a:endParaRPr>
-          </a:p>
-          <a:p>
-            <a:r>
-              <a:rPr lang="en-US" sz="2000" b="1" dirty="0">
-                <a:latin typeface="Nunito Sans" pitchFamily="2" charset="0"/>
-              </a:rPr>
-              <a:t>3.Applications</a:t>
-            </a:r>
-            <a:r>
-              <a:rPr lang="en-US" b="1" dirty="0">
-                <a:latin typeface="Nunito Sans" pitchFamily="2" charset="0"/>
-              </a:rPr>
-              <a:t>:</a:t>
-            </a:r>
-          </a:p>
-          <a:p>
-            <a:endParaRPr lang="en-US" b="1" dirty="0">
-              <a:latin typeface="Nunito Sans" pitchFamily="2" charset="0"/>
-            </a:endParaRPr>
-          </a:p>
-          <a:p>
-            <a:pPr>
-              <a:buFont typeface="Arial" panose="020B0604020202020204" pitchFamily="34" charset="0"/>
-              <a:buChar char="•"/>
-            </a:pPr>
-            <a:r>
-              <a:rPr lang="en-US" sz="2000" b="1" dirty="0">
-                <a:latin typeface="Nunito Sans" pitchFamily="2" charset="0"/>
-              </a:rPr>
-              <a:t>Healthcare:</a:t>
-            </a:r>
-            <a:r>
-              <a:rPr lang="en-US" sz="2000" dirty="0">
-                <a:latin typeface="Nunito Sans" pitchFamily="2" charset="0"/>
-              </a:rPr>
-              <a:t> Predicting disease outbreaks, assisting in diagnosis, and personalizing treatments.</a:t>
-            </a:r>
-          </a:p>
-          <a:p>
-            <a:pPr>
-              <a:buFont typeface="Arial" panose="020B0604020202020204" pitchFamily="34" charset="0"/>
-              <a:buChar char="•"/>
-            </a:pPr>
-            <a:r>
-              <a:rPr lang="en-US" sz="2000" b="1" dirty="0">
-                <a:latin typeface="Nunito Sans" pitchFamily="2" charset="0"/>
-              </a:rPr>
-              <a:t>Finance:</a:t>
-            </a:r>
-            <a:r>
-              <a:rPr lang="en-US" sz="2000" dirty="0">
-                <a:latin typeface="Nunito Sans" pitchFamily="2" charset="0"/>
-              </a:rPr>
-              <a:t> Fraud detection, credit scoring, and stock market prediction.</a:t>
-            </a:r>
-          </a:p>
-          <a:p>
-            <a:pPr>
-              <a:buFont typeface="Arial" panose="020B0604020202020204" pitchFamily="34" charset="0"/>
-              <a:buChar char="•"/>
-            </a:pPr>
-            <a:endParaRPr lang="en-US" sz="2000" dirty="0">
-              <a:latin typeface="Nunito Sans" pitchFamily="2" charset="0"/>
-            </a:endParaRPr>
-          </a:p>
-          <a:p>
-            <a:pPr>
-              <a:buFont typeface="Arial" panose="020B0604020202020204" pitchFamily="34" charset="0"/>
-              <a:buChar char="•"/>
-            </a:pPr>
-            <a:r>
-              <a:rPr lang="en-US" sz="2000" b="1" dirty="0">
-                <a:latin typeface="Nunito Sans" pitchFamily="2" charset="0"/>
-              </a:rPr>
-              <a:t>E-commerce:</a:t>
-            </a:r>
-            <a:r>
-              <a:rPr lang="en-US" sz="2000" dirty="0">
-                <a:latin typeface="Nunito Sans" pitchFamily="2" charset="0"/>
-              </a:rPr>
-              <a:t> Product recommendations, customer segmentation, and sentiment analysis</a:t>
-            </a:r>
-          </a:p>
-          <a:p>
-            <a:r>
-              <a:rPr lang="en-US" sz="2000" dirty="0">
-                <a:latin typeface="Nunito Sans" pitchFamily="2" charset="0"/>
-              </a:rPr>
-              <a:t>.</a:t>
-            </a:r>
-          </a:p>
-          <a:p>
-            <a:pPr>
-              <a:buFont typeface="Arial" panose="020B0604020202020204" pitchFamily="34" charset="0"/>
-              <a:buChar char="•"/>
-            </a:pPr>
-            <a:r>
-              <a:rPr lang="en-US" sz="2000" b="1" dirty="0">
-                <a:latin typeface="Nunito Sans" pitchFamily="2" charset="0"/>
-              </a:rPr>
-              <a:t>Image and Speech Recognition:</a:t>
-            </a:r>
-            <a:r>
-              <a:rPr lang="en-US" sz="2000" dirty="0">
-                <a:latin typeface="Nunito Sans" pitchFamily="2" charset="0"/>
-              </a:rPr>
-              <a:t> Used in facial recognition and voice-activated assistants.</a:t>
+              <a:rPr lang="en-US" sz="2000" b="1" dirty="0"/>
+              <a:t>Efficiency</a:t>
+            </a:r>
+            <a:r>
+              <a:rPr lang="en-US" sz="2000" dirty="0"/>
+              <a:t>: PAC learning also considers the computational efficiency of finding this hypothesis within a reasonable amount of data and time.</a:t>
             </a:r>
           </a:p>
         </p:txBody>
@@ -18021,7 +19562,7 @@
           <p:cNvPr id="115" name="Google Shape;115;p3">
             <a:extLst>
               <a:ext uri="{FF2B5EF4-FFF2-40B4-BE49-F238E27FC236}">
-                <a16:creationId xmlns:a16="http://schemas.microsoft.com/office/drawing/2014/main" id="{6D0A3F95-0200-0794-44AE-060AEB1F4CE6}"/>
+                <a16:creationId xmlns:a16="http://schemas.microsoft.com/office/drawing/2014/main" id="{00607FBB-D3C4-BDFE-5243-18210F9C92E8}"/>
               </a:ext>
             </a:extLst>
           </p:cNvPr>
@@ -18083,12 +19624,83 @@
           </a:p>
         </p:txBody>
       </p:sp>
+      <p:sp>
+        <p:nvSpPr>
+          <p:cNvPr id="116" name="Google Shape;116;p3">
+            <a:extLst>
+              <a:ext uri="{FF2B5EF4-FFF2-40B4-BE49-F238E27FC236}">
+                <a16:creationId xmlns:a16="http://schemas.microsoft.com/office/drawing/2014/main" id="{E5B7AA3C-B860-3E24-735E-424CDF3F4458}"/>
+              </a:ext>
+            </a:extLst>
+          </p:cNvPr>
+          <p:cNvSpPr txBox="1"/>
+          <p:nvPr/>
+        </p:nvSpPr>
+        <p:spPr>
+          <a:xfrm>
+            <a:off x="22305" y="173182"/>
+            <a:ext cx="10989081" cy="461624"/>
+          </a:xfrm>
+          <a:prstGeom prst="rect">
+            <a:avLst/>
+          </a:prstGeom>
+          <a:noFill/>
+          <a:ln>
+            <a:noFill/>
+          </a:ln>
+        </p:spPr>
+        <p:txBody>
+          <a:bodyPr spcFirstLastPara="1" wrap="square" lIns="91425" tIns="45700" rIns="91425" bIns="45700" anchor="t" anchorCtr="0">
+            <a:spAutoFit/>
+          </a:bodyPr>
+          <a:lstStyle/>
+          <a:p>
+            <a:pPr marL="0" marR="0" lvl="0" indent="0" algn="r" defTabSz="914400" rtl="0" eaLnBrk="1" fontAlgn="auto" latinLnBrk="0" hangingPunct="1">
+              <a:lnSpc>
+                <a:spcPct val="100000"/>
+              </a:lnSpc>
+              <a:spcBef>
+                <a:spcPts val="0"/>
+              </a:spcBef>
+              <a:spcAft>
+                <a:spcPts val="0"/>
+              </a:spcAft>
+              <a:buClrTx/>
+              <a:buSzTx/>
+              <a:buFontTx/>
+              <a:buNone/>
+              <a:defRPr/>
+            </a:pPr>
+            <a:r>
+              <a:rPr kumimoji="0" lang="en-US" sz="2400" b="1" i="0" u="none" strike="noStrike" kern="1200" cap="none" spc="0" normalizeH="0" baseline="0" dirty="0">
+                <a:solidFill>
+                  <a:prstClr val="white"/>
+                </a:solidFill>
+                <a:latin typeface="Nunito Sans" panose="00000500000000000000"/>
+                <a:ea typeface="Nunito Sans" panose="00000500000000000000"/>
+                <a:cs typeface="Nunito Sans" panose="00000500000000000000"/>
+                <a:sym typeface="Nunito Sans" panose="00000500000000000000"/>
+              </a:rPr>
+              <a:t>PROBABLY APPROXIMATELY CORRECT (PAC) LEARNING </a:t>
+            </a:r>
+            <a:endParaRPr kumimoji="0" lang="en-GB" sz="2400" b="1" i="0" u="none" strike="noStrike" kern="1200" cap="none" spc="0" normalizeH="0" baseline="0" dirty="0">
+              <a:solidFill>
+                <a:prstClr val="white"/>
+              </a:solidFill>
+              <a:latin typeface="Nunito Sans" panose="00000500000000000000"/>
+              <a:ea typeface="Nunito Sans" panose="00000500000000000000"/>
+              <a:cs typeface="Nunito Sans" panose="00000500000000000000"/>
+              <a:sym typeface="Nunito Sans" panose="00000500000000000000"/>
+            </a:endParaRPr>
+          </a:p>
+        </p:txBody>
+      </p:sp>
       <p:pic>
         <p:nvPicPr>
           <p:cNvPr id="117" name="Google Shape;117;p3">
             <a:extLst>
               <a:ext uri="{FF2B5EF4-FFF2-40B4-BE49-F238E27FC236}">
-                <a16:creationId xmlns:a16="http://schemas.microsoft.com/office/drawing/2014/main" id="{EC041807-99EF-0BBB-2889-79A816463CAC}"/>
+                <a16:creationId xmlns:a16="http://schemas.microsoft.com/office/drawing/2014/main" id="{3D4950A8-605E-70DE-10A3-1C196D0A9F4B}"/>
               </a:ext>
             </a:extLst>
           </p:cNvPr>
@@ -18121,7 +19733,7 @@
           <p:cNvPr id="29700" name="Rectangle 4">
             <a:extLst>
               <a:ext uri="{FF2B5EF4-FFF2-40B4-BE49-F238E27FC236}">
-                <a16:creationId xmlns:a16="http://schemas.microsoft.com/office/drawing/2014/main" id="{40AB5B9F-8338-797C-5833-767AFDAE4943}"/>
+                <a16:creationId xmlns:a16="http://schemas.microsoft.com/office/drawing/2014/main" id="{43C271AD-DF75-9759-D03E-9194BC9C6F0E}"/>
               </a:ext>
             </a:extLst>
           </p:cNvPr>
@@ -18165,7 +19777,7 @@
           <p:cNvPr id="9" name="Rectangle 8">
             <a:extLst>
               <a:ext uri="{FF2B5EF4-FFF2-40B4-BE49-F238E27FC236}">
-                <a16:creationId xmlns:a16="http://schemas.microsoft.com/office/drawing/2014/main" id="{24258C99-8321-A2AD-6E8E-015F40263FCC}"/>
+                <a16:creationId xmlns:a16="http://schemas.microsoft.com/office/drawing/2014/main" id="{613B46BA-7703-0AB9-6D4D-8B9F0DB72599}"/>
               </a:ext>
             </a:extLst>
           </p:cNvPr>
@@ -18217,7 +19829,7 @@
           <p:cNvPr id="11" name="Rectangle 10">
             <a:extLst>
               <a:ext uri="{FF2B5EF4-FFF2-40B4-BE49-F238E27FC236}">
-                <a16:creationId xmlns:a16="http://schemas.microsoft.com/office/drawing/2014/main" id="{6D090402-2446-86FC-9406-AB585AF7B7BD}"/>
+                <a16:creationId xmlns:a16="http://schemas.microsoft.com/office/drawing/2014/main" id="{92AA4BD8-AE5F-D820-C24B-8C1C45593C90}"/>
               </a:ext>
             </a:extLst>
           </p:cNvPr>
@@ -18315,7 +19927,7 @@
           <p:cNvPr id="2050" name="AutoShape 2" descr="Database PNG transparent image download, size: 512x512px">
             <a:extLst>
               <a:ext uri="{FF2B5EF4-FFF2-40B4-BE49-F238E27FC236}">
-                <a16:creationId xmlns:a16="http://schemas.microsoft.com/office/drawing/2014/main" id="{68513C71-0A98-A29C-C63D-79FC9069F10A}"/>
+                <a16:creationId xmlns:a16="http://schemas.microsoft.com/office/drawing/2014/main" id="{9FC6676F-9B73-6DB2-0541-208FDDD85788}"/>
               </a:ext>
             </a:extLst>
           </p:cNvPr>
@@ -18351,7 +19963,7 @@
           <p:cNvPr id="2052" name="AutoShape 4" descr="Database PNG transparent image download, size: 512x512px">
             <a:extLst>
               <a:ext uri="{FF2B5EF4-FFF2-40B4-BE49-F238E27FC236}">
-                <a16:creationId xmlns:a16="http://schemas.microsoft.com/office/drawing/2014/main" id="{0A2EF920-1F31-5E53-0CB0-29A1F28F04E0}"/>
+                <a16:creationId xmlns:a16="http://schemas.microsoft.com/office/drawing/2014/main" id="{466827DB-3CF3-9A58-F887-9ED3D3D98026}"/>
               </a:ext>
             </a:extLst>
           </p:cNvPr>
@@ -18387,7 +19999,7 @@
           <p:cNvPr id="2054" name="AutoShape 6" descr="Database PNG transparent image download, size: 512x512px">
             <a:extLst>
               <a:ext uri="{FF2B5EF4-FFF2-40B4-BE49-F238E27FC236}">
-                <a16:creationId xmlns:a16="http://schemas.microsoft.com/office/drawing/2014/main" id="{BAD8C3D7-F8FC-4CA3-7781-2EF723C28403}"/>
+                <a16:creationId xmlns:a16="http://schemas.microsoft.com/office/drawing/2014/main" id="{CF1B5DF4-C7A4-64CE-2C32-30C4BC66EEFA}"/>
               </a:ext>
             </a:extLst>
           </p:cNvPr>
@@ -18423,7 +20035,7 @@
           <p:cNvPr id="2056" name="AutoShape 8" descr="Database PNG transparent image download, size: 512x512px">
             <a:extLst>
               <a:ext uri="{FF2B5EF4-FFF2-40B4-BE49-F238E27FC236}">
-                <a16:creationId xmlns:a16="http://schemas.microsoft.com/office/drawing/2014/main" id="{4739714C-9054-CDAB-D144-C4F83DEA2493}"/>
+                <a16:creationId xmlns:a16="http://schemas.microsoft.com/office/drawing/2014/main" id="{B7849BC5-D0B4-520E-AD87-7B2BFAE7458F}"/>
               </a:ext>
             </a:extLst>
           </p:cNvPr>
@@ -18459,7 +20071,7 @@
           <p:cNvPr id="2058" name="AutoShape 10" descr="Database PNG transparent image download, size: 512x512px">
             <a:extLst>
               <a:ext uri="{FF2B5EF4-FFF2-40B4-BE49-F238E27FC236}">
-                <a16:creationId xmlns:a16="http://schemas.microsoft.com/office/drawing/2014/main" id="{79642687-1E2B-8466-3A1B-A3C12A69BEFC}"/>
+                <a16:creationId xmlns:a16="http://schemas.microsoft.com/office/drawing/2014/main" id="{CE427C50-D793-BCCD-5707-968DA648D651}"/>
               </a:ext>
             </a:extLst>
           </p:cNvPr>
@@ -18493,7 +20105,7 @@
     </p:spTree>
     <p:extLst>
       <p:ext uri="{BB962C8B-B14F-4D97-AF65-F5344CB8AC3E}">
-        <p14:creationId xmlns:p14="http://schemas.microsoft.com/office/powerpoint/2010/main" val="3372709534"/>
+        <p14:creationId xmlns:p14="http://schemas.microsoft.com/office/powerpoint/2010/main" val="2813596983"/>
       </p:ext>
     </p:extLst>
   </p:cSld>
@@ -18511,7 +20123,7 @@
         <p:cNvPr id="1" name="Shape 105">
           <a:extLst>
             <a:ext uri="{FF2B5EF4-FFF2-40B4-BE49-F238E27FC236}">
-              <a16:creationId xmlns:a16="http://schemas.microsoft.com/office/drawing/2014/main" id="{D7736ABF-89B8-85E8-941D-502BF457D908}"/>
+              <a16:creationId xmlns:a16="http://schemas.microsoft.com/office/drawing/2014/main" id="{194FE9BA-42EC-9F74-13A4-23FFE48CEF50}"/>
             </a:ext>
           </a:extLst>
         </p:cNvPr>
@@ -18531,7 +20143,7 @@
           <p:cNvPr id="106" name="Google Shape;106;p3">
             <a:extLst>
               <a:ext uri="{FF2B5EF4-FFF2-40B4-BE49-F238E27FC236}">
-                <a16:creationId xmlns:a16="http://schemas.microsoft.com/office/drawing/2014/main" id="{0CB9BF4F-E258-4A85-87A6-A090D04AC301}"/>
+                <a16:creationId xmlns:a16="http://schemas.microsoft.com/office/drawing/2014/main" id="{B330A779-5470-E215-6CAB-C22BC98C4AF9}"/>
               </a:ext>
             </a:extLst>
           </p:cNvPr>
@@ -18540,8 +20152,8 @@
         </p:nvSpPr>
         <p:spPr>
           <a:xfrm>
-            <a:off x="421524" y="928445"/>
-            <a:ext cx="10989081" cy="5324494"/>
+            <a:off x="460375" y="1167627"/>
+            <a:ext cx="10989081" cy="4708941"/>
           </a:xfrm>
           <a:prstGeom prst="rect">
             <a:avLst/>
@@ -18557,106 +20169,85 @@
           </a:bodyPr>
           <a:lstStyle/>
           <a:p>
+            <a:pPr>
+              <a:lnSpc>
+                <a:spcPct val="150000"/>
+              </a:lnSpc>
+            </a:pPr>
             <a:r>
               <a:rPr lang="en-US" sz="2000" b="1" dirty="0">
                 <a:latin typeface="Nunito Sans" pitchFamily="2" charset="0"/>
               </a:rPr>
-              <a:t>Definition :</a:t>
-            </a:r>
-          </a:p>
-          <a:p>
-            <a:endParaRPr lang="en-US" sz="2000" b="1" dirty="0">
-              <a:latin typeface="Nunito Sans" pitchFamily="2" charset="0"/>
-            </a:endParaRPr>
-          </a:p>
-          <a:p>
+              <a:t>Example</a:t>
+            </a:r>
+          </a:p>
+          <a:p>
+            <a:pPr>
+              <a:lnSpc>
+                <a:spcPct val="150000"/>
+              </a:lnSpc>
+            </a:pPr>
             <a:r>
               <a:rPr lang="en-US" sz="2000" dirty="0">
                 <a:latin typeface="Nunito Sans" pitchFamily="2" charset="0"/>
               </a:rPr>
-              <a:t>A computer program is said to learn from experience E with respect to some class of tasks T and performance measure P, if its performance at tasks T, as measured by P, improves with experience E.</a:t>
-            </a:r>
-          </a:p>
-          <a:p>
-            <a:endParaRPr lang="en-US" sz="2000" dirty="0">
-              <a:latin typeface="Nunito Sans" pitchFamily="2" charset="0"/>
-            </a:endParaRPr>
-          </a:p>
-          <a:p>
+              <a:t>Suppose we want a spam classifier that is PAC-learnable with parameters ϵ=0.05\epsilon = 0.05ϵ=0.05 and δ=0.01\delta = 0.01δ=0.01. In this case:</a:t>
+            </a:r>
+          </a:p>
+          <a:p>
+            <a:pPr>
+              <a:lnSpc>
+                <a:spcPct val="150000"/>
+              </a:lnSpc>
+              <a:buFont typeface="Arial" panose="020B0604020202020204" pitchFamily="34" charset="0"/>
+              <a:buChar char="•"/>
+            </a:pPr>
             <a:r>
               <a:rPr lang="en-US" sz="2000" b="1" dirty="0">
                 <a:latin typeface="Nunito Sans" pitchFamily="2" charset="0"/>
               </a:rPr>
-              <a:t>Examples :</a:t>
-            </a:r>
-          </a:p>
-          <a:p>
-            <a:endParaRPr lang="en-US" sz="2000" b="1" dirty="0">
-              <a:latin typeface="Nunito Sans" pitchFamily="2" charset="0"/>
-            </a:endParaRPr>
-          </a:p>
-          <a:p>
-            <a:pPr marL="457200" indent="-457200">
-              <a:buAutoNum type="arabicPeriod"/>
+              <a:t>"Approximately Correct"</a:t>
+            </a:r>
+            <a:r>
+              <a:rPr lang="en-US" sz="2000" dirty="0">
+                <a:latin typeface="Nunito Sans" pitchFamily="2" charset="0"/>
+              </a:rPr>
+              <a:t>: We are willing to accept up to a 5% error rate (ϵ=0.05\epsilon = 0.05ϵ=0.05) on unseen data.</a:t>
+            </a:r>
+          </a:p>
+          <a:p>
+            <a:pPr>
+              <a:lnSpc>
+                <a:spcPct val="150000"/>
+              </a:lnSpc>
+              <a:buFont typeface="Arial" panose="020B0604020202020204" pitchFamily="34" charset="0"/>
+              <a:buChar char="•"/>
             </a:pPr>
             <a:r>
               <a:rPr lang="en-US" sz="2000" b="1" dirty="0">
                 <a:latin typeface="Nunito Sans" pitchFamily="2" charset="0"/>
               </a:rPr>
-              <a:t>Handwriting recognition learning problem</a:t>
-            </a:r>
-          </a:p>
-          <a:p>
-            <a:endParaRPr lang="en-US" sz="2000" b="1" dirty="0">
-              <a:latin typeface="Nunito Sans" pitchFamily="2" charset="0"/>
-            </a:endParaRPr>
-          </a:p>
-          <a:p>
+              <a:t>"Probably"</a:t>
+            </a:r>
             <a:r>
               <a:rPr lang="en-US" sz="2000" dirty="0">
                 <a:latin typeface="Nunito Sans" pitchFamily="2" charset="0"/>
               </a:rPr>
-              <a:t>• Task T: Recognizing and classifying handwritten words within images</a:t>
-            </a:r>
-          </a:p>
-          <a:p>
-            <a:endParaRPr lang="en-US" sz="2000" dirty="0">
-              <a:latin typeface="Nunito Sans" pitchFamily="2" charset="0"/>
-            </a:endParaRPr>
-          </a:p>
-          <a:p>
+              <a:t>: We want to be 99% confident (1−δ=0.991 - \delta = 0.991−δ=0.99) that the classifier’s error rate will not exceed 5% on new emails.</a:t>
+            </a:r>
+          </a:p>
+          <a:p>
+            <a:pPr>
+              <a:lnSpc>
+                <a:spcPct val="150000"/>
+              </a:lnSpc>
+            </a:pPr>
             <a:r>
               <a:rPr lang="en-US" sz="2000" dirty="0">
                 <a:latin typeface="Nunito Sans" pitchFamily="2" charset="0"/>
               </a:rPr>
-              <a:t>• Performance P: Percent of words correctly classified</a:t>
-            </a:r>
-          </a:p>
-          <a:p>
-            <a:endParaRPr lang="en-US" sz="2000" dirty="0">
-              <a:latin typeface="Nunito Sans" pitchFamily="2" charset="0"/>
-            </a:endParaRPr>
-          </a:p>
-          <a:p>
-            <a:r>
-              <a:rPr lang="en-US" sz="2000" dirty="0">
-                <a:latin typeface="Nunito Sans" pitchFamily="2" charset="0"/>
-              </a:rPr>
-              <a:t>• Training experience E: A dataset of handwritten words with given classifications</a:t>
-            </a:r>
-          </a:p>
-          <a:p>
-            <a:pPr algn="ctr">
-              <a:lnSpc>
-                <a:spcPct val="200000"/>
-              </a:lnSpc>
-            </a:pPr>
-            <a:endParaRPr lang="en-US" sz="2000" dirty="0">
-              <a:solidFill>
-                <a:srgbClr val="000000"/>
-              </a:solidFill>
-              <a:latin typeface="Nunito Sans" pitchFamily="2" charset="0"/>
-            </a:endParaRPr>
+              <a:t>The PAC framework tells us how many samples and what computational resources would be required to achieve this confidence and accuracy, making it a practical guide for designing and evaluating machine learning models.</a:t>
+            </a:r>
           </a:p>
         </p:txBody>
       </p:sp>
@@ -18665,7 +20256,7 @@
           <p:cNvPr id="115" name="Google Shape;115;p3">
             <a:extLst>
               <a:ext uri="{FF2B5EF4-FFF2-40B4-BE49-F238E27FC236}">
-                <a16:creationId xmlns:a16="http://schemas.microsoft.com/office/drawing/2014/main" id="{8CB7CF4A-1F8D-3150-EB2E-EB757EE9C5BF}"/>
+                <a16:creationId xmlns:a16="http://schemas.microsoft.com/office/drawing/2014/main" id="{E4E074C4-0F61-7451-ECC3-39286E2665EB}"/>
               </a:ext>
             </a:extLst>
           </p:cNvPr>
@@ -18732,7 +20323,7 @@
           <p:cNvPr id="116" name="Google Shape;116;p3">
             <a:extLst>
               <a:ext uri="{FF2B5EF4-FFF2-40B4-BE49-F238E27FC236}">
-                <a16:creationId xmlns:a16="http://schemas.microsoft.com/office/drawing/2014/main" id="{CBF81E36-2608-FEB9-7A8B-E56B027D0B8E}"/>
+                <a16:creationId xmlns:a16="http://schemas.microsoft.com/office/drawing/2014/main" id="{11AB2298-9A3E-4343-E901-93F06BA030A0}"/>
               </a:ext>
             </a:extLst>
           </p:cNvPr>
@@ -18741,8 +20332,8 @@
         </p:nvSpPr>
         <p:spPr>
           <a:xfrm>
-            <a:off x="484909" y="173182"/>
-            <a:ext cx="10526477" cy="954067"/>
+            <a:off x="974361" y="173182"/>
+            <a:ext cx="10037025" cy="461624"/>
           </a:xfrm>
           <a:prstGeom prst="rect">
             <a:avLst/>
@@ -18772,39 +20363,28 @@
               <a:buSzTx/>
               <a:buFontTx/>
               <a:buNone/>
+              <a:tabLst/>
               <a:defRPr/>
             </a:pPr>
             <a:r>
-              <a:rPr kumimoji="0" lang="en-GB" sz="2800" b="1" i="0" u="none" strike="noStrike" kern="1200" cap="none" spc="0" normalizeH="0" baseline="0" dirty="0">
+              <a:rPr kumimoji="0" lang="en-US" sz="2400" b="1" i="0" u="none" strike="noStrike" kern="1200" cap="none" spc="0" normalizeH="0" baseline="0" noProof="0" dirty="0">
+                <a:ln>
+                  <a:noFill/>
+                </a:ln>
                 <a:solidFill>
                   <a:prstClr val="white"/>
                 </a:solidFill>
+                <a:effectLst/>
+                <a:uLnTx/>
+                <a:uFillTx/>
                 <a:latin typeface="Nunito Sans" panose="00000500000000000000"/>
                 <a:ea typeface="Nunito Sans" panose="00000500000000000000"/>
                 <a:cs typeface="Nunito Sans" panose="00000500000000000000"/>
                 <a:sym typeface="Nunito Sans" panose="00000500000000000000"/>
               </a:rPr>
-              <a:t>DEFINITION OF LEARNING</a:t>
-            </a:r>
-          </a:p>
-          <a:p>
-            <a:pPr marL="0" marR="0" lvl="0" indent="0" algn="r" defTabSz="914400" rtl="0" eaLnBrk="1" fontAlgn="auto" latinLnBrk="0" hangingPunct="1">
-              <a:lnSpc>
-                <a:spcPct val="100000"/>
-              </a:lnSpc>
-              <a:spcBef>
-                <a:spcPts val="0"/>
-              </a:spcBef>
-              <a:spcAft>
-                <a:spcPts val="0"/>
-              </a:spcAft>
-              <a:buClrTx/>
-              <a:buSzTx/>
-              <a:buFontTx/>
-              <a:buNone/>
-              <a:defRPr/>
-            </a:pPr>
-            <a:endParaRPr kumimoji="0" lang="en-GB" sz="2800" b="1" i="0" u="none" strike="noStrike" kern="1200" cap="none" spc="0" normalizeH="0" baseline="0" noProof="0" dirty="0">
+              <a:t>PROBABLY APPROXIMATELY CORRECT (PAC) LEARNING </a:t>
+            </a:r>
+            <a:endParaRPr kumimoji="0" lang="en-GB" sz="2400" b="1" i="0" u="none" strike="noStrike" kern="1200" cap="none" spc="0" normalizeH="0" baseline="0" noProof="0" dirty="0">
               <a:ln>
                 <a:noFill/>
               </a:ln>
@@ -18827,7 +20407,7 @@
           <p:cNvPr id="117" name="Google Shape;117;p3">
             <a:extLst>
               <a:ext uri="{FF2B5EF4-FFF2-40B4-BE49-F238E27FC236}">
-                <a16:creationId xmlns:a16="http://schemas.microsoft.com/office/drawing/2014/main" id="{5B7DABE2-9C39-7AA5-04A1-DF136A84B92F}"/>
+                <a16:creationId xmlns:a16="http://schemas.microsoft.com/office/drawing/2014/main" id="{4A1B7651-9B8F-7509-D49A-FA714141BED0}"/>
               </a:ext>
             </a:extLst>
           </p:cNvPr>
@@ -18860,7 +20440,7 @@
           <p:cNvPr id="29700" name="Rectangle 4">
             <a:extLst>
               <a:ext uri="{FF2B5EF4-FFF2-40B4-BE49-F238E27FC236}">
-                <a16:creationId xmlns:a16="http://schemas.microsoft.com/office/drawing/2014/main" id="{7A9FC945-83B9-DCCD-0FBC-651750899D92}"/>
+                <a16:creationId xmlns:a16="http://schemas.microsoft.com/office/drawing/2014/main" id="{20CE49AA-2C7A-693F-B925-FE9EE9179B94}"/>
               </a:ext>
             </a:extLst>
           </p:cNvPr>
@@ -18904,7 +20484,7 @@
           <p:cNvPr id="9" name="Rectangle 8">
             <a:extLst>
               <a:ext uri="{FF2B5EF4-FFF2-40B4-BE49-F238E27FC236}">
-                <a16:creationId xmlns:a16="http://schemas.microsoft.com/office/drawing/2014/main" id="{56907EE0-E219-6792-5077-F0C45E946DDC}"/>
+                <a16:creationId xmlns:a16="http://schemas.microsoft.com/office/drawing/2014/main" id="{9BF5A870-1662-F1F9-149E-D160F89614C4}"/>
               </a:ext>
             </a:extLst>
           </p:cNvPr>
@@ -18956,7 +20536,7 @@
           <p:cNvPr id="11" name="Rectangle 10">
             <a:extLst>
               <a:ext uri="{FF2B5EF4-FFF2-40B4-BE49-F238E27FC236}">
-                <a16:creationId xmlns:a16="http://schemas.microsoft.com/office/drawing/2014/main" id="{08487246-37B5-43BC-1DA9-862F14EB68A2}"/>
+                <a16:creationId xmlns:a16="http://schemas.microsoft.com/office/drawing/2014/main" id="{2C7C2F5A-35FC-846B-6C7B-4E807007AC16}"/>
               </a:ext>
             </a:extLst>
           </p:cNvPr>
@@ -19054,7 +20634,7 @@
           <p:cNvPr id="2050" name="AutoShape 2" descr="Database PNG transparent image download, size: 512x512px">
             <a:extLst>
               <a:ext uri="{FF2B5EF4-FFF2-40B4-BE49-F238E27FC236}">
-                <a16:creationId xmlns:a16="http://schemas.microsoft.com/office/drawing/2014/main" id="{FCDB0CFF-E0B1-579A-AA14-CBF7129A5324}"/>
+                <a16:creationId xmlns:a16="http://schemas.microsoft.com/office/drawing/2014/main" id="{246A0656-F3C5-CF30-0159-C890ECF8130D}"/>
               </a:ext>
             </a:extLst>
           </p:cNvPr>
@@ -19090,7 +20670,7 @@
           <p:cNvPr id="2052" name="AutoShape 4" descr="Database PNG transparent image download, size: 512x512px">
             <a:extLst>
               <a:ext uri="{FF2B5EF4-FFF2-40B4-BE49-F238E27FC236}">
-                <a16:creationId xmlns:a16="http://schemas.microsoft.com/office/drawing/2014/main" id="{7C49DD9C-4A7D-CBA6-78BA-5718B448E3B4}"/>
+                <a16:creationId xmlns:a16="http://schemas.microsoft.com/office/drawing/2014/main" id="{E802017D-A5E6-C9E4-DEC7-0961C96B4BAD}"/>
               </a:ext>
             </a:extLst>
           </p:cNvPr>
@@ -19126,7 +20706,7 @@
           <p:cNvPr id="2054" name="AutoShape 6" descr="Database PNG transparent image download, size: 512x512px">
             <a:extLst>
               <a:ext uri="{FF2B5EF4-FFF2-40B4-BE49-F238E27FC236}">
-                <a16:creationId xmlns:a16="http://schemas.microsoft.com/office/drawing/2014/main" id="{E6626E64-F81C-DAA7-01F9-4383413AF003}"/>
+                <a16:creationId xmlns:a16="http://schemas.microsoft.com/office/drawing/2014/main" id="{FE85CA0E-6159-4330-FE8D-C661AA87F19F}"/>
               </a:ext>
             </a:extLst>
           </p:cNvPr>
@@ -19162,7 +20742,7 @@
           <p:cNvPr id="2056" name="AutoShape 8" descr="Database PNG transparent image download, size: 512x512px">
             <a:extLst>
               <a:ext uri="{FF2B5EF4-FFF2-40B4-BE49-F238E27FC236}">
-                <a16:creationId xmlns:a16="http://schemas.microsoft.com/office/drawing/2014/main" id="{41EC63F6-200F-0238-C798-EF6F2572CBB4}"/>
+                <a16:creationId xmlns:a16="http://schemas.microsoft.com/office/drawing/2014/main" id="{4C1CFC82-4454-B9A6-E077-8694DD672377}"/>
               </a:ext>
             </a:extLst>
           </p:cNvPr>
@@ -19198,7 +20778,7 @@
           <p:cNvPr id="2058" name="AutoShape 10" descr="Database PNG transparent image download, size: 512x512px">
             <a:extLst>
               <a:ext uri="{FF2B5EF4-FFF2-40B4-BE49-F238E27FC236}">
-                <a16:creationId xmlns:a16="http://schemas.microsoft.com/office/drawing/2014/main" id="{B4AE0052-ADB9-82F9-FB2D-AB4C56116E20}"/>
+                <a16:creationId xmlns:a16="http://schemas.microsoft.com/office/drawing/2014/main" id="{3E1D18C2-4EBA-2D09-FA00-E4756C0F09F3}"/>
               </a:ext>
             </a:extLst>
           </p:cNvPr>
@@ -19232,7 +20812,7 @@
     </p:spTree>
     <p:extLst>
       <p:ext uri="{BB962C8B-B14F-4D97-AF65-F5344CB8AC3E}">
-        <p14:creationId xmlns:p14="http://schemas.microsoft.com/office/powerpoint/2010/main" val="3859687762"/>
+        <p14:creationId xmlns:p14="http://schemas.microsoft.com/office/powerpoint/2010/main" val="1021201055"/>
       </p:ext>
     </p:extLst>
   </p:cSld>
